--- a/材料/html/ppt/html-第五章.pptx
+++ b/材料/html/ppt/html-第五章.pptx
@@ -6,10 +6,6 @@
   </p:sldMasterIdLst>
   <p:sldIdLst>
     <p:sldId id="256" r:id="rId2"/>
-    <p:sldId id="257" r:id="rId3"/>
-    <p:sldId id="258" r:id="rId4"/>
-    <p:sldId id="259" r:id="rId5"/>
-    <p:sldId id="260" r:id="rId6"/>
   </p:sldIdLst>
   <p:sldSz cx="12192000" cy="6858000"/>
   <p:notesSz cx="6858000" cy="9144000"/>
@@ -108,11 +104,6 @@
       </a:defRPr>
     </a:lvl9pPr>
   </p:defaultTextStyle>
-  <p:extLst>
-    <p:ext uri="{EFAFB233-063F-42B5-8137-9DF3F51BA10A}">
-      <p15:sldGuideLst xmlns:p15="http://schemas.microsoft.com/office/powerpoint/2012/main"/>
-    </p:ext>
-  </p:extLst>
 </p:presentation>
 </file>
 
@@ -224,7 +215,7 @@
           <a:p>
             <a:r>
               <a:rPr lang="zh-CN" altLang="en-US" smtClean="0"/>
-              <a:t>单击此处编辑母版副标题样式</a:t>
+              <a:t>单击以编辑母版副标题样式</a:t>
             </a:r>
             <a:endParaRPr lang="zh-CN" altLang="en-US"/>
           </a:p>
@@ -245,9 +236,9 @@
           <a:bodyPr/>
           <a:lstStyle/>
           <a:p>
-            <a:fld id="{FFBFCA44-A60A-4E89-84BF-B4D51A20B0C2}" type="datetimeFigureOut">
-              <a:rPr lang="zh-CN" altLang="en-US" smtClean="0"/>
-              <a:t>2018/10/10</a:t>
+            <a:fld id="{2789B73D-9F6B-45F9-AE4E-815273336DB0}" type="datetimeFigureOut">
+              <a:rPr lang="zh-CN" altLang="en-US" smtClean="0"/>
+              <a:t>2018/10/11 Thursday</a:t>
             </a:fld>
             <a:endParaRPr lang="zh-CN" altLang="en-US"/>
           </a:p>
@@ -287,7 +278,7 @@
           <a:bodyPr/>
           <a:lstStyle/>
           <a:p>
-            <a:fld id="{6207302C-62BB-4A65-B9E2-701C78CD0F94}" type="slidenum">
+            <a:fld id="{04A2B80C-203C-4CE1-9AEB-3599DB79E925}" type="slidenum">
               <a:rPr lang="zh-CN" altLang="en-US" smtClean="0"/>
               <a:t>‹#›</a:t>
             </a:fld>
@@ -298,7 +289,7 @@
     </p:spTree>
     <p:extLst>
       <p:ext uri="{BB962C8B-B14F-4D97-AF65-F5344CB8AC3E}">
-        <p14:creationId xmlns:p14="http://schemas.microsoft.com/office/powerpoint/2010/main" val="501128304"/>
+        <p14:creationId xmlns:p14="http://schemas.microsoft.com/office/powerpoint/2010/main" val="1246764587"/>
       </p:ext>
     </p:extLst>
   </p:cSld>
@@ -366,7 +357,7 @@
             <a:pPr lvl="0"/>
             <a:r>
               <a:rPr lang="zh-CN" altLang="en-US" smtClean="0"/>
-              <a:t>单击此处编辑母版文本样式</a:t>
+              <a:t>编辑母版文本样式</a:t>
             </a:r>
           </a:p>
           <a:p>
@@ -415,9 +406,9 @@
           <a:bodyPr/>
           <a:lstStyle/>
           <a:p>
-            <a:fld id="{FFBFCA44-A60A-4E89-84BF-B4D51A20B0C2}" type="datetimeFigureOut">
-              <a:rPr lang="zh-CN" altLang="en-US" smtClean="0"/>
-              <a:t>2018/10/10</a:t>
+            <a:fld id="{2789B73D-9F6B-45F9-AE4E-815273336DB0}" type="datetimeFigureOut">
+              <a:rPr lang="zh-CN" altLang="en-US" smtClean="0"/>
+              <a:t>2018/10/11 Thursday</a:t>
             </a:fld>
             <a:endParaRPr lang="zh-CN" altLang="en-US"/>
           </a:p>
@@ -457,7 +448,7 @@
           <a:bodyPr/>
           <a:lstStyle/>
           <a:p>
-            <a:fld id="{6207302C-62BB-4A65-B9E2-701C78CD0F94}" type="slidenum">
+            <a:fld id="{04A2B80C-203C-4CE1-9AEB-3599DB79E925}" type="slidenum">
               <a:rPr lang="zh-CN" altLang="en-US" smtClean="0"/>
               <a:t>‹#›</a:t>
             </a:fld>
@@ -468,7 +459,7 @@
     </p:spTree>
     <p:extLst>
       <p:ext uri="{BB962C8B-B14F-4D97-AF65-F5344CB8AC3E}">
-        <p14:creationId xmlns:p14="http://schemas.microsoft.com/office/powerpoint/2010/main" val="2912658721"/>
+        <p14:creationId xmlns:p14="http://schemas.microsoft.com/office/powerpoint/2010/main" val="1216553058"/>
       </p:ext>
     </p:extLst>
   </p:cSld>
@@ -480,7 +471,7 @@
 
 <file path=ppt/slideLayouts/slideLayout11.xml><?xml version="1.0" encoding="utf-8"?>
 <p:sldLayout xmlns:a="http://schemas.openxmlformats.org/drawingml/2006/main" xmlns:r="http://schemas.openxmlformats.org/officeDocument/2006/relationships" xmlns:p="http://schemas.openxmlformats.org/presentationml/2006/main" type="vertTitleAndTx" preserve="1">
-  <p:cSld name="垂直排列标题与&#10;文本">
+  <p:cSld name="竖排标题与文本">
     <p:spTree>
       <p:nvGrpSpPr>
         <p:cNvPr id="1" name=""/>
@@ -546,7 +537,7 @@
             <a:pPr lvl="0"/>
             <a:r>
               <a:rPr lang="zh-CN" altLang="en-US" smtClean="0"/>
-              <a:t>单击此处编辑母版文本样式</a:t>
+              <a:t>编辑母版文本样式</a:t>
             </a:r>
           </a:p>
           <a:p>
@@ -595,9 +586,9 @@
           <a:bodyPr/>
           <a:lstStyle/>
           <a:p>
-            <a:fld id="{FFBFCA44-A60A-4E89-84BF-B4D51A20B0C2}" type="datetimeFigureOut">
-              <a:rPr lang="zh-CN" altLang="en-US" smtClean="0"/>
-              <a:t>2018/10/10</a:t>
+            <a:fld id="{2789B73D-9F6B-45F9-AE4E-815273336DB0}" type="datetimeFigureOut">
+              <a:rPr lang="zh-CN" altLang="en-US" smtClean="0"/>
+              <a:t>2018/10/11 Thursday</a:t>
             </a:fld>
             <a:endParaRPr lang="zh-CN" altLang="en-US"/>
           </a:p>
@@ -637,7 +628,7 @@
           <a:bodyPr/>
           <a:lstStyle/>
           <a:p>
-            <a:fld id="{6207302C-62BB-4A65-B9E2-701C78CD0F94}" type="slidenum">
+            <a:fld id="{04A2B80C-203C-4CE1-9AEB-3599DB79E925}" type="slidenum">
               <a:rPr lang="zh-CN" altLang="en-US" smtClean="0"/>
               <a:t>‹#›</a:t>
             </a:fld>
@@ -648,7 +639,7 @@
     </p:spTree>
     <p:extLst>
       <p:ext uri="{BB962C8B-B14F-4D97-AF65-F5344CB8AC3E}">
-        <p14:creationId xmlns:p14="http://schemas.microsoft.com/office/powerpoint/2010/main" val="557280078"/>
+        <p14:creationId xmlns:p14="http://schemas.microsoft.com/office/powerpoint/2010/main" val="2204773472"/>
       </p:ext>
     </p:extLst>
   </p:cSld>
@@ -716,7 +707,7 @@
             <a:pPr lvl="0"/>
             <a:r>
               <a:rPr lang="zh-CN" altLang="en-US" smtClean="0"/>
-              <a:t>单击此处编辑母版文本样式</a:t>
+              <a:t>编辑母版文本样式</a:t>
             </a:r>
           </a:p>
           <a:p>
@@ -765,9 +756,9 @@
           <a:bodyPr/>
           <a:lstStyle/>
           <a:p>
-            <a:fld id="{FFBFCA44-A60A-4E89-84BF-B4D51A20B0C2}" type="datetimeFigureOut">
-              <a:rPr lang="zh-CN" altLang="en-US" smtClean="0"/>
-              <a:t>2018/10/10</a:t>
+            <a:fld id="{2789B73D-9F6B-45F9-AE4E-815273336DB0}" type="datetimeFigureOut">
+              <a:rPr lang="zh-CN" altLang="en-US" smtClean="0"/>
+              <a:t>2018/10/11 Thursday</a:t>
             </a:fld>
             <a:endParaRPr lang="zh-CN" altLang="en-US"/>
           </a:p>
@@ -807,7 +798,7 @@
           <a:bodyPr/>
           <a:lstStyle/>
           <a:p>
-            <a:fld id="{6207302C-62BB-4A65-B9E2-701C78CD0F94}" type="slidenum">
+            <a:fld id="{04A2B80C-203C-4CE1-9AEB-3599DB79E925}" type="slidenum">
               <a:rPr lang="zh-CN" altLang="en-US" smtClean="0"/>
               <a:t>‹#›</a:t>
             </a:fld>
@@ -818,7 +809,7 @@
     </p:spTree>
     <p:extLst>
       <p:ext uri="{BB962C8B-B14F-4D97-AF65-F5344CB8AC3E}">
-        <p14:creationId xmlns:p14="http://schemas.microsoft.com/office/powerpoint/2010/main" val="729725657"/>
+        <p14:creationId xmlns:p14="http://schemas.microsoft.com/office/powerpoint/2010/main" val="187077259"/>
       </p:ext>
     </p:extLst>
   </p:cSld>
@@ -991,7 +982,7 @@
             <a:pPr lvl="0"/>
             <a:r>
               <a:rPr lang="zh-CN" altLang="en-US" smtClean="0"/>
-              <a:t>单击此处编辑母版文本样式</a:t>
+              <a:t>编辑母版文本样式</a:t>
             </a:r>
           </a:p>
         </p:txBody>
@@ -1011,9 +1002,9 @@
           <a:bodyPr/>
           <a:lstStyle/>
           <a:p>
-            <a:fld id="{FFBFCA44-A60A-4E89-84BF-B4D51A20B0C2}" type="datetimeFigureOut">
-              <a:rPr lang="zh-CN" altLang="en-US" smtClean="0"/>
-              <a:t>2018/10/10</a:t>
+            <a:fld id="{2789B73D-9F6B-45F9-AE4E-815273336DB0}" type="datetimeFigureOut">
+              <a:rPr lang="zh-CN" altLang="en-US" smtClean="0"/>
+              <a:t>2018/10/11 Thursday</a:t>
             </a:fld>
             <a:endParaRPr lang="zh-CN" altLang="en-US"/>
           </a:p>
@@ -1053,7 +1044,7 @@
           <a:bodyPr/>
           <a:lstStyle/>
           <a:p>
-            <a:fld id="{6207302C-62BB-4A65-B9E2-701C78CD0F94}" type="slidenum">
+            <a:fld id="{04A2B80C-203C-4CE1-9AEB-3599DB79E925}" type="slidenum">
               <a:rPr lang="zh-CN" altLang="en-US" smtClean="0"/>
               <a:t>‹#›</a:t>
             </a:fld>
@@ -1064,7 +1055,7 @@
     </p:spTree>
     <p:extLst>
       <p:ext uri="{BB962C8B-B14F-4D97-AF65-F5344CB8AC3E}">
-        <p14:creationId xmlns:p14="http://schemas.microsoft.com/office/powerpoint/2010/main" val="1298731671"/>
+        <p14:creationId xmlns:p14="http://schemas.microsoft.com/office/powerpoint/2010/main" val="3059298263"/>
       </p:ext>
     </p:extLst>
   </p:cSld>
@@ -1137,7 +1128,7 @@
             <a:pPr lvl="0"/>
             <a:r>
               <a:rPr lang="zh-CN" altLang="en-US" smtClean="0"/>
-              <a:t>单击此处编辑母版文本样式</a:t>
+              <a:t>编辑母版文本样式</a:t>
             </a:r>
           </a:p>
           <a:p>
@@ -1194,7 +1185,7 @@
             <a:pPr lvl="0"/>
             <a:r>
               <a:rPr lang="zh-CN" altLang="en-US" smtClean="0"/>
-              <a:t>单击此处编辑母版文本样式</a:t>
+              <a:t>编辑母版文本样式</a:t>
             </a:r>
           </a:p>
           <a:p>
@@ -1243,9 +1234,9 @@
           <a:bodyPr/>
           <a:lstStyle/>
           <a:p>
-            <a:fld id="{FFBFCA44-A60A-4E89-84BF-B4D51A20B0C2}" type="datetimeFigureOut">
-              <a:rPr lang="zh-CN" altLang="en-US" smtClean="0"/>
-              <a:t>2018/10/10</a:t>
+            <a:fld id="{2789B73D-9F6B-45F9-AE4E-815273336DB0}" type="datetimeFigureOut">
+              <a:rPr lang="zh-CN" altLang="en-US" smtClean="0"/>
+              <a:t>2018/10/11 Thursday</a:t>
             </a:fld>
             <a:endParaRPr lang="zh-CN" altLang="en-US"/>
           </a:p>
@@ -1285,7 +1276,7 @@
           <a:bodyPr/>
           <a:lstStyle/>
           <a:p>
-            <a:fld id="{6207302C-62BB-4A65-B9E2-701C78CD0F94}" type="slidenum">
+            <a:fld id="{04A2B80C-203C-4CE1-9AEB-3599DB79E925}" type="slidenum">
               <a:rPr lang="zh-CN" altLang="en-US" smtClean="0"/>
               <a:t>‹#›</a:t>
             </a:fld>
@@ -1296,7 +1287,7 @@
     </p:spTree>
     <p:extLst>
       <p:ext uri="{BB962C8B-B14F-4D97-AF65-F5344CB8AC3E}">
-        <p14:creationId xmlns:p14="http://schemas.microsoft.com/office/powerpoint/2010/main" val="801945951"/>
+        <p14:creationId xmlns:p14="http://schemas.microsoft.com/office/powerpoint/2010/main" val="2834980146"/>
       </p:ext>
     </p:extLst>
   </p:cSld>
@@ -1411,7 +1402,7 @@
             <a:pPr lvl="0"/>
             <a:r>
               <a:rPr lang="zh-CN" altLang="en-US" smtClean="0"/>
-              <a:t>单击此处编辑母版文本样式</a:t>
+              <a:t>编辑母版文本样式</a:t>
             </a:r>
           </a:p>
         </p:txBody>
@@ -1439,7 +1430,7 @@
             <a:pPr lvl="0"/>
             <a:r>
               <a:rPr lang="zh-CN" altLang="en-US" smtClean="0"/>
-              <a:t>单击此处编辑母版文本样式</a:t>
+              <a:t>编辑母版文本样式</a:t>
             </a:r>
           </a:p>
           <a:p>
@@ -1533,7 +1524,7 @@
             <a:pPr lvl="0"/>
             <a:r>
               <a:rPr lang="zh-CN" altLang="en-US" smtClean="0"/>
-              <a:t>单击此处编辑母版文本样式</a:t>
+              <a:t>编辑母版文本样式</a:t>
             </a:r>
           </a:p>
         </p:txBody>
@@ -1561,7 +1552,7 @@
             <a:pPr lvl="0"/>
             <a:r>
               <a:rPr lang="zh-CN" altLang="en-US" smtClean="0"/>
-              <a:t>单击此处编辑母版文本样式</a:t>
+              <a:t>编辑母版文本样式</a:t>
             </a:r>
           </a:p>
           <a:p>
@@ -1610,9 +1601,9 @@
           <a:bodyPr/>
           <a:lstStyle/>
           <a:p>
-            <a:fld id="{FFBFCA44-A60A-4E89-84BF-B4D51A20B0C2}" type="datetimeFigureOut">
-              <a:rPr lang="zh-CN" altLang="en-US" smtClean="0"/>
-              <a:t>2018/10/10</a:t>
+            <a:fld id="{2789B73D-9F6B-45F9-AE4E-815273336DB0}" type="datetimeFigureOut">
+              <a:rPr lang="zh-CN" altLang="en-US" smtClean="0"/>
+              <a:t>2018/10/11 Thursday</a:t>
             </a:fld>
             <a:endParaRPr lang="zh-CN" altLang="en-US"/>
           </a:p>
@@ -1652,7 +1643,7 @@
           <a:bodyPr/>
           <a:lstStyle/>
           <a:p>
-            <a:fld id="{6207302C-62BB-4A65-B9E2-701C78CD0F94}" type="slidenum">
+            <a:fld id="{04A2B80C-203C-4CE1-9AEB-3599DB79E925}" type="slidenum">
               <a:rPr lang="zh-CN" altLang="en-US" smtClean="0"/>
               <a:t>‹#›</a:t>
             </a:fld>
@@ -1663,7 +1654,7 @@
     </p:spTree>
     <p:extLst>
       <p:ext uri="{BB962C8B-B14F-4D97-AF65-F5344CB8AC3E}">
-        <p14:creationId xmlns:p14="http://schemas.microsoft.com/office/powerpoint/2010/main" val="870940910"/>
+        <p14:creationId xmlns:p14="http://schemas.microsoft.com/office/powerpoint/2010/main" val="1578425543"/>
       </p:ext>
     </p:extLst>
   </p:cSld>
@@ -1728,9 +1719,9 @@
           <a:bodyPr/>
           <a:lstStyle/>
           <a:p>
-            <a:fld id="{FFBFCA44-A60A-4E89-84BF-B4D51A20B0C2}" type="datetimeFigureOut">
-              <a:rPr lang="zh-CN" altLang="en-US" smtClean="0"/>
-              <a:t>2018/10/10</a:t>
+            <a:fld id="{2789B73D-9F6B-45F9-AE4E-815273336DB0}" type="datetimeFigureOut">
+              <a:rPr lang="zh-CN" altLang="en-US" smtClean="0"/>
+              <a:t>2018/10/11 Thursday</a:t>
             </a:fld>
             <a:endParaRPr lang="zh-CN" altLang="en-US"/>
           </a:p>
@@ -1770,7 +1761,7 @@
           <a:bodyPr/>
           <a:lstStyle/>
           <a:p>
-            <a:fld id="{6207302C-62BB-4A65-B9E2-701C78CD0F94}" type="slidenum">
+            <a:fld id="{04A2B80C-203C-4CE1-9AEB-3599DB79E925}" type="slidenum">
               <a:rPr lang="zh-CN" altLang="en-US" smtClean="0"/>
               <a:t>‹#›</a:t>
             </a:fld>
@@ -1781,7 +1772,7 @@
     </p:spTree>
     <p:extLst>
       <p:ext uri="{BB962C8B-B14F-4D97-AF65-F5344CB8AC3E}">
-        <p14:creationId xmlns:p14="http://schemas.microsoft.com/office/powerpoint/2010/main" val="2826176012"/>
+        <p14:creationId xmlns:p14="http://schemas.microsoft.com/office/powerpoint/2010/main" val="4179216752"/>
       </p:ext>
     </p:extLst>
   </p:cSld>
@@ -1823,9 +1814,9 @@
           <a:bodyPr/>
           <a:lstStyle/>
           <a:p>
-            <a:fld id="{FFBFCA44-A60A-4E89-84BF-B4D51A20B0C2}" type="datetimeFigureOut">
-              <a:rPr lang="zh-CN" altLang="en-US" smtClean="0"/>
-              <a:t>2018/10/10</a:t>
+            <a:fld id="{2789B73D-9F6B-45F9-AE4E-815273336DB0}" type="datetimeFigureOut">
+              <a:rPr lang="zh-CN" altLang="en-US" smtClean="0"/>
+              <a:t>2018/10/11 Thursday</a:t>
             </a:fld>
             <a:endParaRPr lang="zh-CN" altLang="en-US"/>
           </a:p>
@@ -1865,7 +1856,7 @@
           <a:bodyPr/>
           <a:lstStyle/>
           <a:p>
-            <a:fld id="{6207302C-62BB-4A65-B9E2-701C78CD0F94}" type="slidenum">
+            <a:fld id="{04A2B80C-203C-4CE1-9AEB-3599DB79E925}" type="slidenum">
               <a:rPr lang="zh-CN" altLang="en-US" smtClean="0"/>
               <a:t>‹#›</a:t>
             </a:fld>
@@ -1876,7 +1867,7 @@
     </p:spTree>
     <p:extLst>
       <p:ext uri="{BB962C8B-B14F-4D97-AF65-F5344CB8AC3E}">
-        <p14:creationId xmlns:p14="http://schemas.microsoft.com/office/powerpoint/2010/main" val="2676964563"/>
+        <p14:creationId xmlns:p14="http://schemas.microsoft.com/office/powerpoint/2010/main" val="1413517796"/>
       </p:ext>
     </p:extLst>
   </p:cSld>
@@ -1986,7 +1977,7 @@
             <a:pPr lvl="0"/>
             <a:r>
               <a:rPr lang="zh-CN" altLang="en-US" smtClean="0"/>
-              <a:t>单击此处编辑母版文本样式</a:t>
+              <a:t>编辑母版文本样式</a:t>
             </a:r>
           </a:p>
           <a:p>
@@ -2080,7 +2071,7 @@
             <a:pPr lvl="0"/>
             <a:r>
               <a:rPr lang="zh-CN" altLang="en-US" smtClean="0"/>
-              <a:t>单击此处编辑母版文本样式</a:t>
+              <a:t>编辑母版文本样式</a:t>
             </a:r>
           </a:p>
         </p:txBody>
@@ -2100,9 +2091,9 @@
           <a:bodyPr/>
           <a:lstStyle/>
           <a:p>
-            <a:fld id="{FFBFCA44-A60A-4E89-84BF-B4D51A20B0C2}" type="datetimeFigureOut">
-              <a:rPr lang="zh-CN" altLang="en-US" smtClean="0"/>
-              <a:t>2018/10/10</a:t>
+            <a:fld id="{2789B73D-9F6B-45F9-AE4E-815273336DB0}" type="datetimeFigureOut">
+              <a:rPr lang="zh-CN" altLang="en-US" smtClean="0"/>
+              <a:t>2018/10/11 Thursday</a:t>
             </a:fld>
             <a:endParaRPr lang="zh-CN" altLang="en-US"/>
           </a:p>
@@ -2142,7 +2133,7 @@
           <a:bodyPr/>
           <a:lstStyle/>
           <a:p>
-            <a:fld id="{6207302C-62BB-4A65-B9E2-701C78CD0F94}" type="slidenum">
+            <a:fld id="{04A2B80C-203C-4CE1-9AEB-3599DB79E925}" type="slidenum">
               <a:rPr lang="zh-CN" altLang="en-US" smtClean="0"/>
               <a:t>‹#›</a:t>
             </a:fld>
@@ -2153,7 +2144,7 @@
     </p:spTree>
     <p:extLst>
       <p:ext uri="{BB962C8B-B14F-4D97-AF65-F5344CB8AC3E}">
-        <p14:creationId xmlns:p14="http://schemas.microsoft.com/office/powerpoint/2010/main" val="2422336586"/>
+        <p14:creationId xmlns:p14="http://schemas.microsoft.com/office/powerpoint/2010/main" val="2297690598"/>
       </p:ext>
     </p:extLst>
   </p:cSld>
@@ -2333,7 +2324,7 @@
             <a:pPr lvl="0"/>
             <a:r>
               <a:rPr lang="zh-CN" altLang="en-US" smtClean="0"/>
-              <a:t>单击此处编辑母版文本样式</a:t>
+              <a:t>编辑母版文本样式</a:t>
             </a:r>
           </a:p>
         </p:txBody>
@@ -2353,9 +2344,9 @@
           <a:bodyPr/>
           <a:lstStyle/>
           <a:p>
-            <a:fld id="{FFBFCA44-A60A-4E89-84BF-B4D51A20B0C2}" type="datetimeFigureOut">
-              <a:rPr lang="zh-CN" altLang="en-US" smtClean="0"/>
-              <a:t>2018/10/10</a:t>
+            <a:fld id="{2789B73D-9F6B-45F9-AE4E-815273336DB0}" type="datetimeFigureOut">
+              <a:rPr lang="zh-CN" altLang="en-US" smtClean="0"/>
+              <a:t>2018/10/11 Thursday</a:t>
             </a:fld>
             <a:endParaRPr lang="zh-CN" altLang="en-US"/>
           </a:p>
@@ -2395,7 +2386,7 @@
           <a:bodyPr/>
           <a:lstStyle/>
           <a:p>
-            <a:fld id="{6207302C-62BB-4A65-B9E2-701C78CD0F94}" type="slidenum">
+            <a:fld id="{04A2B80C-203C-4CE1-9AEB-3599DB79E925}" type="slidenum">
               <a:rPr lang="zh-CN" altLang="en-US" smtClean="0"/>
               <a:t>‹#›</a:t>
             </a:fld>
@@ -2406,7 +2397,7 @@
     </p:spTree>
     <p:extLst>
       <p:ext uri="{BB962C8B-B14F-4D97-AF65-F5344CB8AC3E}">
-        <p14:creationId xmlns:p14="http://schemas.microsoft.com/office/powerpoint/2010/main" val="1438189378"/>
+        <p14:creationId xmlns:p14="http://schemas.microsoft.com/office/powerpoint/2010/main" val="3166815415"/>
       </p:ext>
     </p:extLst>
   </p:cSld>
@@ -2499,7 +2490,7 @@
             <a:pPr lvl="0"/>
             <a:r>
               <a:rPr lang="zh-CN" altLang="en-US" smtClean="0"/>
-              <a:t>单击此处编辑母版文本样式</a:t>
+              <a:t>编辑母版文本样式</a:t>
             </a:r>
           </a:p>
           <a:p>
@@ -2566,9 +2557,9 @@
             </a:lvl1pPr>
           </a:lstStyle>
           <a:p>
-            <a:fld id="{FFBFCA44-A60A-4E89-84BF-B4D51A20B0C2}" type="datetimeFigureOut">
-              <a:rPr lang="zh-CN" altLang="en-US" smtClean="0"/>
-              <a:t>2018/10/10</a:t>
+            <a:fld id="{2789B73D-9F6B-45F9-AE4E-815273336DB0}" type="datetimeFigureOut">
+              <a:rPr lang="zh-CN" altLang="en-US" smtClean="0"/>
+              <a:t>2018/10/11 Thursday</a:t>
             </a:fld>
             <a:endParaRPr lang="zh-CN" altLang="en-US"/>
           </a:p>
@@ -2644,7 +2635,7 @@
             </a:lvl1pPr>
           </a:lstStyle>
           <a:p>
-            <a:fld id="{6207302C-62BB-4A65-B9E2-701C78CD0F94}" type="slidenum">
+            <a:fld id="{04A2B80C-203C-4CE1-9AEB-3599DB79E925}" type="slidenum">
               <a:rPr lang="zh-CN" altLang="en-US" smtClean="0"/>
               <a:t>‹#›</a:t>
             </a:fld>
@@ -2655,7 +2646,7 @@
     </p:spTree>
     <p:extLst>
       <p:ext uri="{BB962C8B-B14F-4D97-AF65-F5344CB8AC3E}">
-        <p14:creationId xmlns:p14="http://schemas.microsoft.com/office/powerpoint/2010/main" val="3279251487"/>
+        <p14:creationId xmlns:p14="http://schemas.microsoft.com/office/powerpoint/2010/main" val="1313896468"/>
       </p:ext>
     </p:extLst>
   </p:cSld>
@@ -2985,23 +2976,17 @@
         </p:nvSpPr>
         <p:spPr>
           <a:xfrm>
-            <a:off x="1524000" y="426328"/>
-            <a:ext cx="9144000" cy="1061278"/>
+            <a:off x="1524000" y="287862"/>
+            <a:ext cx="9144000" cy="777458"/>
           </a:xfrm>
         </p:spPr>
         <p:txBody>
-          <a:bodyPr/>
-          <a:lstStyle/>
-          <a:p>
-            <a:r>
-              <a:rPr lang="en-US" altLang="zh-CN" dirty="0" err="1" smtClean="0"/>
-              <a:t>css</a:t>
-            </a:r>
-            <a:r>
-              <a:rPr lang="zh-CN" altLang="en-US" dirty="0" smtClean="0"/>
-              <a:t>定义颜色</a:t>
-            </a:r>
-            <a:endParaRPr lang="zh-CN" altLang="en-US" dirty="0"/>
+          <a:bodyPr>
+            <a:normAutofit fontScale="90000"/>
+          </a:bodyPr>
+          <a:lstStyle/>
+          <a:p>
+            <a:endParaRPr lang="zh-CN" altLang="en-US"/>
           </a:p>
         </p:txBody>
       </p:sp>
@@ -3017,682 +3002,22 @@
         </p:nvSpPr>
         <p:spPr>
           <a:xfrm>
-            <a:off x="1524000" y="1692322"/>
-            <a:ext cx="9144000" cy="4585648"/>
+            <a:off x="1524000" y="1207363"/>
+            <a:ext cx="9144000" cy="4714043"/>
           </a:xfrm>
         </p:spPr>
         <p:txBody>
           <a:bodyPr/>
           <a:lstStyle/>
           <a:p>
-            <a:pPr algn="l"/>
-            <a:r>
-              <a:rPr lang="en-US" altLang="zh-CN" dirty="0"/>
-              <a:t>17 </a:t>
-            </a:r>
-            <a:r>
-              <a:rPr lang="zh-CN" altLang="en-US" dirty="0"/>
-              <a:t>种标准</a:t>
-            </a:r>
-            <a:r>
-              <a:rPr lang="zh-CN" altLang="en-US" dirty="0" smtClean="0"/>
-              <a:t>色（浏览器预定义）是 </a:t>
-            </a:r>
-            <a:r>
-              <a:rPr lang="en-US" altLang="zh-CN" dirty="0"/>
-              <a:t>aqua, black, blue, fuchsia, gray, green, lime, maroon, navy, olive, orange, purple, red, silver, teal, white, </a:t>
-            </a:r>
-            <a:r>
-              <a:rPr lang="en-US" altLang="zh-CN" dirty="0" smtClean="0"/>
-              <a:t>yellow</a:t>
-            </a:r>
-            <a:r>
-              <a:rPr lang="zh-CN" altLang="en-US" dirty="0" smtClean="0"/>
-              <a:t>。</a:t>
-            </a:r>
-            <a:endParaRPr lang="en-US" altLang="zh-CN" dirty="0" smtClean="0"/>
-          </a:p>
-          <a:p>
-            <a:pPr algn="l"/>
-            <a:endParaRPr lang="en-US" altLang="zh-CN" dirty="0" smtClean="0"/>
-          </a:p>
-          <a:p>
-            <a:pPr algn="l"/>
-            <a:endParaRPr lang="zh-CN" altLang="en-US" dirty="0"/>
+            <a:endParaRPr lang="zh-CN" altLang="en-US"/>
           </a:p>
         </p:txBody>
       </p:sp>
     </p:spTree>
     <p:extLst>
       <p:ext uri="{BB962C8B-B14F-4D97-AF65-F5344CB8AC3E}">
-        <p14:creationId xmlns:p14="http://schemas.microsoft.com/office/powerpoint/2010/main" val="2358121243"/>
-      </p:ext>
-    </p:extLst>
-  </p:cSld>
-  <p:clrMapOvr>
-    <a:masterClrMapping/>
-  </p:clrMapOvr>
-</p:sld>
-</file>
-
-<file path=ppt/slides/slide2.xml><?xml version="1.0" encoding="utf-8"?>
-<p:sld xmlns:a="http://schemas.openxmlformats.org/drawingml/2006/main" xmlns:r="http://schemas.openxmlformats.org/officeDocument/2006/relationships" xmlns:p="http://schemas.openxmlformats.org/presentationml/2006/main">
-  <p:cSld>
-    <p:spTree>
-      <p:nvGrpSpPr>
-        <p:cNvPr id="1" name=""/>
-        <p:cNvGrpSpPr/>
-        <p:nvPr/>
-      </p:nvGrpSpPr>
-      <p:grpSpPr>
-        <a:xfrm>
-          <a:off x="0" y="0"/>
-          <a:ext cx="0" cy="0"/>
-          <a:chOff x="0" y="0"/>
-          <a:chExt cx="0" cy="0"/>
-        </a:xfrm>
-      </p:grpSpPr>
-      <p:sp>
-        <p:nvSpPr>
-          <p:cNvPr id="2" name="标题 1"/>
-          <p:cNvSpPr>
-            <a:spLocks noGrp="1"/>
-          </p:cNvSpPr>
-          <p:nvPr>
-            <p:ph type="title"/>
-          </p:nvPr>
-        </p:nvSpPr>
-        <p:spPr/>
-        <p:txBody>
-          <a:bodyPr/>
-          <a:lstStyle/>
-          <a:p>
-            <a:pPr algn="ctr"/>
-            <a:r>
-              <a:rPr lang="zh-CN" altLang="en-US" b="1" dirty="0"/>
-              <a:t>十六进制</a:t>
-            </a:r>
-            <a:r>
-              <a:rPr lang="zh-CN" altLang="en-US" b="1" dirty="0" smtClean="0"/>
-              <a:t>颜色</a:t>
-            </a:r>
-            <a:endParaRPr lang="zh-CN" altLang="en-US" dirty="0"/>
-          </a:p>
-        </p:txBody>
-      </p:sp>
-      <p:sp>
-        <p:nvSpPr>
-          <p:cNvPr id="3" name="内容占位符 2"/>
-          <p:cNvSpPr>
-            <a:spLocks noGrp="1"/>
-          </p:cNvSpPr>
-          <p:nvPr>
-            <p:ph idx="1"/>
-          </p:nvPr>
-        </p:nvSpPr>
-        <p:spPr/>
-        <p:txBody>
-          <a:bodyPr/>
-          <a:lstStyle/>
-          <a:p>
-            <a:r>
-              <a:rPr lang="zh-CN" altLang="en-US" dirty="0"/>
-              <a:t>所有浏览器都支持十六进制颜色值</a:t>
-            </a:r>
-            <a:r>
-              <a:rPr lang="zh-CN" altLang="en-US" dirty="0" smtClean="0"/>
-              <a:t>。</a:t>
-            </a:r>
-            <a:endParaRPr lang="en-US" altLang="zh-CN" dirty="0" smtClean="0"/>
-          </a:p>
-          <a:p>
-            <a:r>
-              <a:rPr lang="zh-CN" altLang="en-US" dirty="0"/>
-              <a:t>十六进制颜色是这样规定的：</a:t>
-            </a:r>
-            <a:r>
-              <a:rPr lang="en-US" altLang="zh-CN" dirty="0"/>
-              <a:t>#RRGGBB</a:t>
-            </a:r>
-            <a:r>
-              <a:rPr lang="zh-CN" altLang="en-US" dirty="0"/>
-              <a:t>，其中的 </a:t>
-            </a:r>
-            <a:r>
-              <a:rPr lang="en-US" altLang="zh-CN" dirty="0"/>
-              <a:t>RR</a:t>
-            </a:r>
-            <a:r>
-              <a:rPr lang="zh-CN" altLang="en-US" dirty="0"/>
-              <a:t>（红色）、</a:t>
-            </a:r>
-            <a:r>
-              <a:rPr lang="en-US" altLang="zh-CN" dirty="0"/>
-              <a:t>GG</a:t>
-            </a:r>
-            <a:r>
-              <a:rPr lang="zh-CN" altLang="en-US" dirty="0"/>
-              <a:t>（绿色）、</a:t>
-            </a:r>
-            <a:r>
-              <a:rPr lang="en-US" altLang="zh-CN" dirty="0"/>
-              <a:t>BB</a:t>
-            </a:r>
-            <a:r>
-              <a:rPr lang="zh-CN" altLang="en-US" dirty="0"/>
-              <a:t>（蓝色）十六进制整数规定了颜色的成分。所有值必须介于 </a:t>
-            </a:r>
-            <a:r>
-              <a:rPr lang="en-US" altLang="zh-CN" dirty="0"/>
-              <a:t>0 </a:t>
-            </a:r>
-            <a:r>
-              <a:rPr lang="zh-CN" altLang="en-US" dirty="0"/>
-              <a:t>与 </a:t>
-            </a:r>
-            <a:r>
-              <a:rPr lang="en-US" altLang="zh-CN" dirty="0"/>
-              <a:t>FF </a:t>
-            </a:r>
-            <a:r>
-              <a:rPr lang="zh-CN" altLang="en-US" dirty="0"/>
-              <a:t>之间</a:t>
-            </a:r>
-            <a:r>
-              <a:rPr lang="zh-CN" altLang="en-US" dirty="0" smtClean="0"/>
-              <a:t>。</a:t>
-            </a:r>
-            <a:endParaRPr lang="en-US" altLang="zh-CN" dirty="0" smtClean="0"/>
-          </a:p>
-          <a:p>
-            <a:r>
-              <a:rPr lang="en-US" altLang="zh-CN" dirty="0" smtClean="0"/>
-              <a:t>#ff0000</a:t>
-            </a:r>
-          </a:p>
-          <a:p>
-            <a:r>
-              <a:rPr lang="en-US" altLang="zh-CN" dirty="0" smtClean="0"/>
-              <a:t>#f00</a:t>
-            </a:r>
-            <a:endParaRPr lang="en-US" altLang="zh-CN" dirty="0" smtClean="0"/>
-          </a:p>
-        </p:txBody>
-      </p:sp>
-    </p:spTree>
-    <p:extLst>
-      <p:ext uri="{BB962C8B-B14F-4D97-AF65-F5344CB8AC3E}">
-        <p14:creationId xmlns:p14="http://schemas.microsoft.com/office/powerpoint/2010/main" val="496190401"/>
-      </p:ext>
-    </p:extLst>
-  </p:cSld>
-  <p:clrMapOvr>
-    <a:masterClrMapping/>
-  </p:clrMapOvr>
-</p:sld>
-</file>
-
-<file path=ppt/slides/slide3.xml><?xml version="1.0" encoding="utf-8"?>
-<p:sld xmlns:a="http://schemas.openxmlformats.org/drawingml/2006/main" xmlns:r="http://schemas.openxmlformats.org/officeDocument/2006/relationships" xmlns:p="http://schemas.openxmlformats.org/presentationml/2006/main">
-  <p:cSld>
-    <p:spTree>
-      <p:nvGrpSpPr>
-        <p:cNvPr id="1" name=""/>
-        <p:cNvGrpSpPr/>
-        <p:nvPr/>
-      </p:nvGrpSpPr>
-      <p:grpSpPr>
-        <a:xfrm>
-          <a:off x="0" y="0"/>
-          <a:ext cx="0" cy="0"/>
-          <a:chOff x="0" y="0"/>
-          <a:chExt cx="0" cy="0"/>
-        </a:xfrm>
-      </p:grpSpPr>
-      <p:sp>
-        <p:nvSpPr>
-          <p:cNvPr id="2" name="标题 1"/>
-          <p:cNvSpPr>
-            <a:spLocks noGrp="1"/>
-          </p:cNvSpPr>
-          <p:nvPr>
-            <p:ph type="title"/>
-          </p:nvPr>
-        </p:nvSpPr>
-        <p:spPr/>
-        <p:txBody>
-          <a:bodyPr/>
-          <a:lstStyle/>
-          <a:p>
-            <a:pPr algn="ctr"/>
-            <a:r>
-              <a:rPr lang="en-US" altLang="zh-CN" b="1" dirty="0"/>
-              <a:t>RGB </a:t>
-            </a:r>
-            <a:r>
-              <a:rPr lang="zh-CN" altLang="en-US" b="1" dirty="0" smtClean="0"/>
-              <a:t>颜色</a:t>
-            </a:r>
-            <a:endParaRPr lang="zh-CN" altLang="en-US" dirty="0"/>
-          </a:p>
-        </p:txBody>
-      </p:sp>
-      <p:sp>
-        <p:nvSpPr>
-          <p:cNvPr id="3" name="内容占位符 2"/>
-          <p:cNvSpPr>
-            <a:spLocks noGrp="1"/>
-          </p:cNvSpPr>
-          <p:nvPr>
-            <p:ph idx="1"/>
-          </p:nvPr>
-        </p:nvSpPr>
-        <p:spPr/>
-        <p:txBody>
-          <a:bodyPr/>
-          <a:lstStyle/>
-          <a:p>
-            <a:r>
-              <a:rPr lang="zh-CN" altLang="en-US" dirty="0"/>
-              <a:t>所有浏览器都支持 </a:t>
-            </a:r>
-            <a:r>
-              <a:rPr lang="en-US" altLang="zh-CN" dirty="0"/>
-              <a:t>RGB </a:t>
-            </a:r>
-            <a:r>
-              <a:rPr lang="zh-CN" altLang="en-US" dirty="0"/>
-              <a:t>颜色值</a:t>
-            </a:r>
-            <a:r>
-              <a:rPr lang="zh-CN" altLang="en-US" dirty="0" smtClean="0"/>
-              <a:t>。</a:t>
-            </a:r>
-            <a:endParaRPr lang="en-US" altLang="zh-CN" dirty="0" smtClean="0"/>
-          </a:p>
-          <a:p>
-            <a:r>
-              <a:rPr lang="en-US" altLang="zh-CN" dirty="0"/>
-              <a:t>RGB </a:t>
-            </a:r>
-            <a:r>
-              <a:rPr lang="zh-CN" altLang="en-US" dirty="0"/>
-              <a:t>颜色值是这样规定的：</a:t>
-            </a:r>
-            <a:r>
-              <a:rPr lang="en-US" altLang="zh-CN" dirty="0" err="1"/>
-              <a:t>rgb</a:t>
-            </a:r>
-            <a:r>
-              <a:rPr lang="en-US" altLang="zh-CN" dirty="0"/>
-              <a:t>(red, green, blue)</a:t>
-            </a:r>
-            <a:r>
-              <a:rPr lang="zh-CN" altLang="en-US" dirty="0"/>
-              <a:t>。每个参数 </a:t>
-            </a:r>
-            <a:r>
-              <a:rPr lang="en-US" altLang="zh-CN" dirty="0"/>
-              <a:t>(red</a:t>
-            </a:r>
-            <a:r>
-              <a:rPr lang="zh-CN" altLang="en-US" dirty="0"/>
-              <a:t>、</a:t>
-            </a:r>
-            <a:r>
-              <a:rPr lang="en-US" altLang="zh-CN" dirty="0"/>
-              <a:t>green </a:t>
-            </a:r>
-            <a:r>
-              <a:rPr lang="zh-CN" altLang="en-US" dirty="0"/>
-              <a:t>以及 </a:t>
-            </a:r>
-            <a:r>
-              <a:rPr lang="en-US" altLang="zh-CN" dirty="0"/>
-              <a:t>blue) </a:t>
-            </a:r>
-            <a:r>
-              <a:rPr lang="zh-CN" altLang="en-US" dirty="0"/>
-              <a:t>定义颜色的强度，可以是介于 </a:t>
-            </a:r>
-            <a:r>
-              <a:rPr lang="en-US" altLang="zh-CN" dirty="0"/>
-              <a:t>0 </a:t>
-            </a:r>
-            <a:r>
-              <a:rPr lang="zh-CN" altLang="en-US" dirty="0"/>
-              <a:t>与 </a:t>
-            </a:r>
-            <a:r>
-              <a:rPr lang="en-US" altLang="zh-CN" dirty="0"/>
-              <a:t>255 </a:t>
-            </a:r>
-            <a:r>
-              <a:rPr lang="zh-CN" altLang="en-US" dirty="0"/>
-              <a:t>之间的整数，或者是百分比值（从 </a:t>
-            </a:r>
-            <a:r>
-              <a:rPr lang="en-US" altLang="zh-CN" dirty="0"/>
-              <a:t>0% </a:t>
-            </a:r>
-            <a:r>
-              <a:rPr lang="zh-CN" altLang="en-US" dirty="0"/>
-              <a:t>到 </a:t>
-            </a:r>
-            <a:r>
-              <a:rPr lang="en-US" altLang="zh-CN" dirty="0"/>
-              <a:t>100%</a:t>
-            </a:r>
-            <a:r>
-              <a:rPr lang="zh-CN" altLang="en-US" dirty="0"/>
-              <a:t>）</a:t>
-            </a:r>
-            <a:r>
-              <a:rPr lang="zh-CN" altLang="en-US" dirty="0" smtClean="0"/>
-              <a:t>。</a:t>
-            </a:r>
-            <a:endParaRPr lang="en-US" altLang="zh-CN" dirty="0" smtClean="0"/>
-          </a:p>
-          <a:p>
-            <a:endParaRPr lang="zh-CN" altLang="en-US" dirty="0"/>
-          </a:p>
-        </p:txBody>
-      </p:sp>
-    </p:spTree>
-    <p:extLst>
-      <p:ext uri="{BB962C8B-B14F-4D97-AF65-F5344CB8AC3E}">
-        <p14:creationId xmlns:p14="http://schemas.microsoft.com/office/powerpoint/2010/main" val="3414676075"/>
-      </p:ext>
-    </p:extLst>
-  </p:cSld>
-  <p:clrMapOvr>
-    <a:masterClrMapping/>
-  </p:clrMapOvr>
-</p:sld>
-</file>
-
-<file path=ppt/slides/slide4.xml><?xml version="1.0" encoding="utf-8"?>
-<p:sld xmlns:a="http://schemas.openxmlformats.org/drawingml/2006/main" xmlns:r="http://schemas.openxmlformats.org/officeDocument/2006/relationships" xmlns:p="http://schemas.openxmlformats.org/presentationml/2006/main">
-  <p:cSld>
-    <p:spTree>
-      <p:nvGrpSpPr>
-        <p:cNvPr id="1" name=""/>
-        <p:cNvGrpSpPr/>
-        <p:nvPr/>
-      </p:nvGrpSpPr>
-      <p:grpSpPr>
-        <a:xfrm>
-          <a:off x="0" y="0"/>
-          <a:ext cx="0" cy="0"/>
-          <a:chOff x="0" y="0"/>
-          <a:chExt cx="0" cy="0"/>
-        </a:xfrm>
-      </p:grpSpPr>
-      <p:sp>
-        <p:nvSpPr>
-          <p:cNvPr id="2" name="标题 1"/>
-          <p:cNvSpPr>
-            <a:spLocks noGrp="1"/>
-          </p:cNvSpPr>
-          <p:nvPr>
-            <p:ph type="title"/>
-          </p:nvPr>
-        </p:nvSpPr>
-        <p:spPr/>
-        <p:txBody>
-          <a:bodyPr/>
-          <a:lstStyle/>
-          <a:p>
-            <a:pPr algn="ctr"/>
-            <a:r>
-              <a:rPr lang="en-US" altLang="zh-CN" b="1" dirty="0"/>
-              <a:t>RGBA </a:t>
-            </a:r>
-            <a:r>
-              <a:rPr lang="zh-CN" altLang="en-US" b="1" dirty="0" smtClean="0"/>
-              <a:t>颜色</a:t>
-            </a:r>
-            <a:endParaRPr lang="zh-CN" altLang="en-US" dirty="0"/>
-          </a:p>
-        </p:txBody>
-      </p:sp>
-      <p:sp>
-        <p:nvSpPr>
-          <p:cNvPr id="3" name="内容占位符 2"/>
-          <p:cNvSpPr>
-            <a:spLocks noGrp="1"/>
-          </p:cNvSpPr>
-          <p:nvPr>
-            <p:ph idx="1"/>
-          </p:nvPr>
-        </p:nvSpPr>
-        <p:spPr/>
-        <p:txBody>
-          <a:bodyPr/>
-          <a:lstStyle/>
-          <a:p>
-            <a:r>
-              <a:rPr lang="en-US" altLang="zh-CN" dirty="0"/>
-              <a:t>RGBA </a:t>
-            </a:r>
-            <a:r>
-              <a:rPr lang="zh-CN" altLang="en-US" dirty="0"/>
-              <a:t>颜色值得到以下浏览器的支持：</a:t>
-            </a:r>
-            <a:r>
-              <a:rPr lang="en-US" altLang="zh-CN" dirty="0"/>
-              <a:t>IE9+</a:t>
-            </a:r>
-            <a:r>
-              <a:rPr lang="zh-CN" altLang="en-US" dirty="0"/>
-              <a:t>、</a:t>
-            </a:r>
-            <a:r>
-              <a:rPr lang="en-US" altLang="zh-CN" dirty="0"/>
-              <a:t>Firefox 3+</a:t>
-            </a:r>
-            <a:r>
-              <a:rPr lang="zh-CN" altLang="en-US" dirty="0"/>
-              <a:t>、</a:t>
-            </a:r>
-            <a:r>
-              <a:rPr lang="en-US" altLang="zh-CN" dirty="0"/>
-              <a:t>Chrome</a:t>
-            </a:r>
-            <a:r>
-              <a:rPr lang="zh-CN" altLang="en-US" dirty="0"/>
-              <a:t>、</a:t>
-            </a:r>
-            <a:r>
-              <a:rPr lang="en-US" altLang="zh-CN" dirty="0"/>
-              <a:t>Safari </a:t>
-            </a:r>
-            <a:r>
-              <a:rPr lang="zh-CN" altLang="en-US" dirty="0"/>
-              <a:t>以及 </a:t>
-            </a:r>
-            <a:r>
-              <a:rPr lang="en-US" altLang="zh-CN" dirty="0" smtClean="0"/>
-              <a:t>Opera </a:t>
-            </a:r>
-            <a:r>
-              <a:rPr lang="en-US" altLang="zh-CN" dirty="0"/>
-              <a:t>10+</a:t>
-            </a:r>
-            <a:r>
-              <a:rPr lang="zh-CN" altLang="en-US" dirty="0" smtClean="0"/>
-              <a:t>。</a:t>
-            </a:r>
-            <a:endParaRPr lang="en-US" altLang="zh-CN" dirty="0" smtClean="0"/>
-          </a:p>
-          <a:p>
-            <a:r>
-              <a:rPr lang="en-US" altLang="zh-CN" dirty="0"/>
-              <a:t>RGBA </a:t>
-            </a:r>
-            <a:r>
-              <a:rPr lang="zh-CN" altLang="en-US" dirty="0"/>
-              <a:t>颜色值是 </a:t>
-            </a:r>
-            <a:r>
-              <a:rPr lang="en-US" altLang="zh-CN" dirty="0"/>
-              <a:t>RGB </a:t>
-            </a:r>
-            <a:r>
-              <a:rPr lang="zh-CN" altLang="en-US" dirty="0"/>
-              <a:t>颜色值的扩展，带有一个 </a:t>
-            </a:r>
-            <a:r>
-              <a:rPr lang="en-US" altLang="zh-CN" dirty="0"/>
-              <a:t>alpha </a:t>
-            </a:r>
-            <a:r>
-              <a:rPr lang="zh-CN" altLang="en-US" dirty="0"/>
-              <a:t>通道 </a:t>
-            </a:r>
-            <a:r>
-              <a:rPr lang="en-US" altLang="zh-CN" dirty="0"/>
-              <a:t>- </a:t>
-            </a:r>
-            <a:r>
-              <a:rPr lang="zh-CN" altLang="en-US" dirty="0"/>
-              <a:t>它规定了对象的不透明度</a:t>
-            </a:r>
-            <a:r>
-              <a:rPr lang="zh-CN" altLang="en-US" dirty="0" smtClean="0"/>
-              <a:t>。</a:t>
-            </a:r>
-            <a:endParaRPr lang="en-US" altLang="zh-CN" dirty="0" smtClean="0"/>
-          </a:p>
-          <a:p>
-            <a:r>
-              <a:rPr lang="en-US" altLang="zh-CN" dirty="0"/>
-              <a:t>RGBA </a:t>
-            </a:r>
-            <a:r>
-              <a:rPr lang="zh-CN" altLang="en-US" dirty="0"/>
-              <a:t>颜色值是这样规定的：</a:t>
-            </a:r>
-            <a:r>
-              <a:rPr lang="en-US" altLang="zh-CN" dirty="0" err="1"/>
-              <a:t>rgba</a:t>
-            </a:r>
-            <a:r>
-              <a:rPr lang="en-US" altLang="zh-CN" dirty="0"/>
-              <a:t>(red, green, blue, alpha)</a:t>
-            </a:r>
-            <a:r>
-              <a:rPr lang="zh-CN" altLang="en-US" dirty="0"/>
-              <a:t>。</a:t>
-            </a:r>
-            <a:r>
-              <a:rPr lang="en-US" altLang="zh-CN" dirty="0"/>
-              <a:t>alpha </a:t>
-            </a:r>
-            <a:r>
-              <a:rPr lang="zh-CN" altLang="en-US" dirty="0"/>
-              <a:t>参数是介于 </a:t>
-            </a:r>
-            <a:r>
-              <a:rPr lang="en-US" altLang="zh-CN" dirty="0"/>
-              <a:t>0.0</a:t>
-            </a:r>
-            <a:r>
-              <a:rPr lang="zh-CN" altLang="en-US" dirty="0"/>
-              <a:t>（完全透明）与 </a:t>
-            </a:r>
-            <a:r>
-              <a:rPr lang="en-US" altLang="zh-CN" dirty="0"/>
-              <a:t>1.0</a:t>
-            </a:r>
-            <a:r>
-              <a:rPr lang="zh-CN" altLang="en-US" dirty="0"/>
-              <a:t>（完全不透明）的数字。</a:t>
-            </a:r>
-          </a:p>
-        </p:txBody>
-      </p:sp>
-    </p:spTree>
-    <p:extLst>
-      <p:ext uri="{BB962C8B-B14F-4D97-AF65-F5344CB8AC3E}">
-        <p14:creationId xmlns:p14="http://schemas.microsoft.com/office/powerpoint/2010/main" val="793694041"/>
-      </p:ext>
-    </p:extLst>
-  </p:cSld>
-  <p:clrMapOvr>
-    <a:masterClrMapping/>
-  </p:clrMapOvr>
-</p:sld>
-</file>
-
-<file path=ppt/slides/slide5.xml><?xml version="1.0" encoding="utf-8"?>
-<p:sld xmlns:a="http://schemas.openxmlformats.org/drawingml/2006/main" xmlns:r="http://schemas.openxmlformats.org/officeDocument/2006/relationships" xmlns:p="http://schemas.openxmlformats.org/presentationml/2006/main">
-  <p:cSld>
-    <p:spTree>
-      <p:nvGrpSpPr>
-        <p:cNvPr id="1" name=""/>
-        <p:cNvGrpSpPr/>
-        <p:nvPr/>
-      </p:nvGrpSpPr>
-      <p:grpSpPr>
-        <a:xfrm>
-          <a:off x="0" y="0"/>
-          <a:ext cx="0" cy="0"/>
-          <a:chOff x="0" y="0"/>
-          <a:chExt cx="0" cy="0"/>
-        </a:xfrm>
-      </p:grpSpPr>
-      <p:sp>
-        <p:nvSpPr>
-          <p:cNvPr id="2" name="标题 1"/>
-          <p:cNvSpPr>
-            <a:spLocks noGrp="1"/>
-          </p:cNvSpPr>
-          <p:nvPr>
-            <p:ph type="title"/>
-          </p:nvPr>
-        </p:nvSpPr>
-        <p:spPr/>
-        <p:txBody>
-          <a:bodyPr/>
-          <a:lstStyle/>
-          <a:p>
-            <a:pPr algn="ctr"/>
-            <a:r>
-              <a:rPr lang="en-US" altLang="zh-CN" dirty="0" smtClean="0"/>
-              <a:t>font</a:t>
-            </a:r>
-            <a:r>
-              <a:rPr lang="zh-CN" altLang="en-US" dirty="0" smtClean="0"/>
-              <a:t>字体</a:t>
-            </a:r>
-            <a:endParaRPr lang="zh-CN" altLang="en-US" dirty="0"/>
-          </a:p>
-        </p:txBody>
-      </p:sp>
-      <p:sp>
-        <p:nvSpPr>
-          <p:cNvPr id="3" name="内容占位符 2"/>
-          <p:cNvSpPr>
-            <a:spLocks noGrp="1"/>
-          </p:cNvSpPr>
-          <p:nvPr>
-            <p:ph idx="1"/>
-          </p:nvPr>
-        </p:nvSpPr>
-        <p:spPr/>
-        <p:txBody>
-          <a:bodyPr/>
-          <a:lstStyle/>
-          <a:p>
-            <a:endParaRPr lang="zh-CN" altLang="en-US"/>
-          </a:p>
-        </p:txBody>
-      </p:sp>
-    </p:spTree>
-    <p:extLst>
-      <p:ext uri="{BB962C8B-B14F-4D97-AF65-F5344CB8AC3E}">
-        <p14:creationId xmlns:p14="http://schemas.microsoft.com/office/powerpoint/2010/main" val="926994890"/>
+        <p14:creationId xmlns:p14="http://schemas.microsoft.com/office/powerpoint/2010/main" val="4158788755"/>
       </p:ext>
     </p:extLst>
   </p:cSld>
@@ -3703,7 +3028,7 @@
 </file>
 
 <file path=ppt/theme/theme1.xml><?xml version="1.0" encoding="utf-8"?>
-<a:theme xmlns:a="http://schemas.openxmlformats.org/drawingml/2006/main" name="Office 主题">
+<a:theme xmlns:a="http://schemas.openxmlformats.org/drawingml/2006/main" name="Office 主题​​">
   <a:themeElements>
     <a:clrScheme name="Office">
       <a:dk1>
@@ -3745,12 +3070,12 @@
     </a:clrScheme>
     <a:fontScheme name="Office">
       <a:majorFont>
-        <a:latin typeface="Calibri Light" panose="020F0302020204030204"/>
+        <a:latin typeface="等线 Light" panose="020F0302020204030204"/>
         <a:ea typeface=""/>
         <a:cs typeface=""/>
-        <a:font script="Jpan" typeface="ＭＳ Ｐゴシック"/>
+        <a:font script="Jpan" typeface="游ゴシック Light"/>
         <a:font script="Hang" typeface="맑은 고딕"/>
-        <a:font script="Hans" typeface="宋体"/>
+        <a:font script="Hans" typeface="等线 Light"/>
         <a:font script="Hant" typeface="新細明體"/>
         <a:font script="Arab" typeface="Times New Roman"/>
         <a:font script="Hebr" typeface="Times New Roman"/>
@@ -3780,12 +3105,12 @@
         <a:font script="Geor" typeface="Sylfaen"/>
       </a:majorFont>
       <a:minorFont>
-        <a:latin typeface="Calibri" panose="020F0502020204030204"/>
+        <a:latin typeface="等线" panose="020F0502020204030204"/>
         <a:ea typeface=""/>
         <a:cs typeface=""/>
-        <a:font script="Jpan" typeface="ＭＳ Ｐゴシック"/>
+        <a:font script="Jpan" typeface="游ゴシック"/>
         <a:font script="Hang" typeface="맑은 고딕"/>
-        <a:font script="Hans" typeface="宋体"/>
+        <a:font script="Hans" typeface="等线"/>
         <a:font script="Hant" typeface="新細明體"/>
         <a:font script="Arab" typeface="Arial"/>
         <a:font script="Hebr" typeface="Arial"/>

--- a/材料/html/ppt/html-第五章.pptx
+++ b/材料/html/ppt/html-第五章.pptx
@@ -6,6 +6,18 @@
   </p:sldMasterIdLst>
   <p:sldIdLst>
     <p:sldId id="256" r:id="rId2"/>
+    <p:sldId id="257" r:id="rId3"/>
+    <p:sldId id="258" r:id="rId4"/>
+    <p:sldId id="259" r:id="rId5"/>
+    <p:sldId id="260" r:id="rId6"/>
+    <p:sldId id="261" r:id="rId7"/>
+    <p:sldId id="262" r:id="rId8"/>
+    <p:sldId id="263" r:id="rId9"/>
+    <p:sldId id="264" r:id="rId10"/>
+    <p:sldId id="265" r:id="rId11"/>
+    <p:sldId id="266" r:id="rId12"/>
+    <p:sldId id="267" r:id="rId13"/>
+    <p:sldId id="268" r:id="rId14"/>
   </p:sldIdLst>
   <p:sldSz cx="12192000" cy="6858000"/>
   <p:notesSz cx="6858000" cy="9144000"/>
@@ -104,6 +116,11 @@
       </a:defRPr>
     </a:lvl9pPr>
   </p:defaultTextStyle>
+  <p:extLst>
+    <p:ext uri="{EFAFB233-063F-42B5-8137-9DF3F51BA10A}">
+      <p15:sldGuideLst xmlns:p15="http://schemas.microsoft.com/office/powerpoint/2012/main"/>
+    </p:ext>
+  </p:extLst>
 </p:presentation>
 </file>
 
@@ -238,7 +255,7 @@
           <a:p>
             <a:fld id="{2789B73D-9F6B-45F9-AE4E-815273336DB0}" type="datetimeFigureOut">
               <a:rPr lang="zh-CN" altLang="en-US" smtClean="0"/>
-              <a:t>2018/10/11 Thursday</a:t>
+              <a:t>2018/10/12 Friday</a:t>
             </a:fld>
             <a:endParaRPr lang="zh-CN" altLang="en-US"/>
           </a:p>
@@ -408,7 +425,7 @@
           <a:p>
             <a:fld id="{2789B73D-9F6B-45F9-AE4E-815273336DB0}" type="datetimeFigureOut">
               <a:rPr lang="zh-CN" altLang="en-US" smtClean="0"/>
-              <a:t>2018/10/11 Thursday</a:t>
+              <a:t>2018/10/12 Friday</a:t>
             </a:fld>
             <a:endParaRPr lang="zh-CN" altLang="en-US"/>
           </a:p>
@@ -588,7 +605,7 @@
           <a:p>
             <a:fld id="{2789B73D-9F6B-45F9-AE4E-815273336DB0}" type="datetimeFigureOut">
               <a:rPr lang="zh-CN" altLang="en-US" smtClean="0"/>
-              <a:t>2018/10/11 Thursday</a:t>
+              <a:t>2018/10/12 Friday</a:t>
             </a:fld>
             <a:endParaRPr lang="zh-CN" altLang="en-US"/>
           </a:p>
@@ -758,7 +775,7 @@
           <a:p>
             <a:fld id="{2789B73D-9F6B-45F9-AE4E-815273336DB0}" type="datetimeFigureOut">
               <a:rPr lang="zh-CN" altLang="en-US" smtClean="0"/>
-              <a:t>2018/10/11 Thursday</a:t>
+              <a:t>2018/10/12 Friday</a:t>
             </a:fld>
             <a:endParaRPr lang="zh-CN" altLang="en-US"/>
           </a:p>
@@ -1004,7 +1021,7 @@
           <a:p>
             <a:fld id="{2789B73D-9F6B-45F9-AE4E-815273336DB0}" type="datetimeFigureOut">
               <a:rPr lang="zh-CN" altLang="en-US" smtClean="0"/>
-              <a:t>2018/10/11 Thursday</a:t>
+              <a:t>2018/10/12 Friday</a:t>
             </a:fld>
             <a:endParaRPr lang="zh-CN" altLang="en-US"/>
           </a:p>
@@ -1236,7 +1253,7 @@
           <a:p>
             <a:fld id="{2789B73D-9F6B-45F9-AE4E-815273336DB0}" type="datetimeFigureOut">
               <a:rPr lang="zh-CN" altLang="en-US" smtClean="0"/>
-              <a:t>2018/10/11 Thursday</a:t>
+              <a:t>2018/10/12 Friday</a:t>
             </a:fld>
             <a:endParaRPr lang="zh-CN" altLang="en-US"/>
           </a:p>
@@ -1603,7 +1620,7 @@
           <a:p>
             <a:fld id="{2789B73D-9F6B-45F9-AE4E-815273336DB0}" type="datetimeFigureOut">
               <a:rPr lang="zh-CN" altLang="en-US" smtClean="0"/>
-              <a:t>2018/10/11 Thursday</a:t>
+              <a:t>2018/10/12 Friday</a:t>
             </a:fld>
             <a:endParaRPr lang="zh-CN" altLang="en-US"/>
           </a:p>
@@ -1721,7 +1738,7 @@
           <a:p>
             <a:fld id="{2789B73D-9F6B-45F9-AE4E-815273336DB0}" type="datetimeFigureOut">
               <a:rPr lang="zh-CN" altLang="en-US" smtClean="0"/>
-              <a:t>2018/10/11 Thursday</a:t>
+              <a:t>2018/10/12 Friday</a:t>
             </a:fld>
             <a:endParaRPr lang="zh-CN" altLang="en-US"/>
           </a:p>
@@ -1816,7 +1833,7 @@
           <a:p>
             <a:fld id="{2789B73D-9F6B-45F9-AE4E-815273336DB0}" type="datetimeFigureOut">
               <a:rPr lang="zh-CN" altLang="en-US" smtClean="0"/>
-              <a:t>2018/10/11 Thursday</a:t>
+              <a:t>2018/10/12 Friday</a:t>
             </a:fld>
             <a:endParaRPr lang="zh-CN" altLang="en-US"/>
           </a:p>
@@ -2093,7 +2110,7 @@
           <a:p>
             <a:fld id="{2789B73D-9F6B-45F9-AE4E-815273336DB0}" type="datetimeFigureOut">
               <a:rPr lang="zh-CN" altLang="en-US" smtClean="0"/>
-              <a:t>2018/10/11 Thursday</a:t>
+              <a:t>2018/10/12 Friday</a:t>
             </a:fld>
             <a:endParaRPr lang="zh-CN" altLang="en-US"/>
           </a:p>
@@ -2346,7 +2363,7 @@
           <a:p>
             <a:fld id="{2789B73D-9F6B-45F9-AE4E-815273336DB0}" type="datetimeFigureOut">
               <a:rPr lang="zh-CN" altLang="en-US" smtClean="0"/>
-              <a:t>2018/10/11 Thursday</a:t>
+              <a:t>2018/10/12 Friday</a:t>
             </a:fld>
             <a:endParaRPr lang="zh-CN" altLang="en-US"/>
           </a:p>
@@ -2559,7 +2576,7 @@
           <a:p>
             <a:fld id="{2789B73D-9F6B-45F9-AE4E-815273336DB0}" type="datetimeFigureOut">
               <a:rPr lang="zh-CN" altLang="en-US" smtClean="0"/>
-              <a:t>2018/10/11 Thursday</a:t>
+              <a:t>2018/10/12 Friday</a:t>
             </a:fld>
             <a:endParaRPr lang="zh-CN" altLang="en-US"/>
           </a:p>
@@ -2986,6 +3003,14 @@
           </a:bodyPr>
           <a:lstStyle/>
           <a:p>
+            <a:r>
+              <a:rPr lang="en-US" altLang="zh-CN" smtClean="0"/>
+              <a:t>css</a:t>
+            </a:r>
+            <a:r>
+              <a:rPr lang="zh-CN" altLang="en-US" smtClean="0"/>
+              <a:t>选择器</a:t>
+            </a:r>
             <a:endParaRPr lang="zh-CN" altLang="en-US"/>
           </a:p>
         </p:txBody>
@@ -3010,6 +3035,87 @@
           <a:bodyPr/>
           <a:lstStyle/>
           <a:p>
+            <a:pPr algn="l"/>
+            <a:r>
+              <a:rPr lang="zh-CN" altLang="en-US" smtClean="0"/>
+              <a:t>选择器 </a:t>
+            </a:r>
+            <a:r>
+              <a:rPr lang="en-US" altLang="zh-CN" smtClean="0"/>
+              <a:t>{</a:t>
+            </a:r>
+          </a:p>
+          <a:p>
+            <a:pPr algn="l"/>
+            <a:r>
+              <a:rPr lang="en-US" altLang="zh-CN" smtClean="0"/>
+              <a:t>  </a:t>
+            </a:r>
+            <a:r>
+              <a:rPr lang="zh-CN" altLang="en-US" smtClean="0"/>
+              <a:t>样式名</a:t>
+            </a:r>
+            <a:r>
+              <a:rPr lang="en-US" altLang="zh-CN" smtClean="0"/>
+              <a:t>1: </a:t>
+            </a:r>
+            <a:r>
+              <a:rPr lang="zh-CN" altLang="en-US" smtClean="0"/>
+              <a:t>样式值</a:t>
+            </a:r>
+            <a:r>
+              <a:rPr lang="en-US" altLang="zh-CN" smtClean="0"/>
+              <a:t>;</a:t>
+            </a:r>
+          </a:p>
+          <a:p>
+            <a:pPr algn="l"/>
+            <a:r>
+              <a:rPr lang="zh-CN" altLang="en-US" smtClean="0"/>
+              <a:t>  样式名</a:t>
+            </a:r>
+            <a:r>
+              <a:rPr lang="en-US" altLang="zh-CN" smtClean="0"/>
+              <a:t>2: </a:t>
+            </a:r>
+            <a:r>
+              <a:rPr lang="zh-CN" altLang="en-US"/>
+              <a:t>样式值</a:t>
+            </a:r>
+            <a:r>
+              <a:rPr lang="en-US" altLang="zh-CN"/>
+              <a:t>;</a:t>
+            </a:r>
+          </a:p>
+          <a:p>
+            <a:pPr algn="l"/>
+            <a:r>
+              <a:rPr lang="en-US" altLang="zh-CN" smtClean="0"/>
+              <a:t>}</a:t>
+            </a:r>
+          </a:p>
+          <a:p>
+            <a:pPr algn="l"/>
+            <a:r>
+              <a:rPr lang="zh-CN" altLang="en-US" smtClean="0"/>
+              <a:t>以上是</a:t>
+            </a:r>
+            <a:r>
+              <a:rPr lang="en-US" altLang="zh-CN" smtClean="0"/>
+              <a:t>css</a:t>
+            </a:r>
+            <a:r>
+              <a:rPr lang="zh-CN" altLang="en-US" smtClean="0"/>
+              <a:t>书写格式，其中选择器指定了作用域</a:t>
+            </a:r>
+            <a:r>
+              <a:rPr lang="en-US" altLang="zh-CN" smtClean="0"/>
+              <a:t>html</a:t>
+            </a:r>
+            <a:r>
+              <a:rPr lang="zh-CN" altLang="en-US" smtClean="0"/>
+              <a:t>文档中哪些元素。</a:t>
+            </a:r>
             <a:endParaRPr lang="zh-CN" altLang="en-US"/>
           </a:p>
         </p:txBody>
@@ -3018,6 +3124,2823 @@
     <p:extLst>
       <p:ext uri="{BB962C8B-B14F-4D97-AF65-F5344CB8AC3E}">
         <p14:creationId xmlns:p14="http://schemas.microsoft.com/office/powerpoint/2010/main" val="4158788755"/>
+      </p:ext>
+    </p:extLst>
+  </p:cSld>
+  <p:clrMapOvr>
+    <a:masterClrMapping/>
+  </p:clrMapOvr>
+</p:sld>
+</file>
+
+<file path=ppt/slides/slide10.xml><?xml version="1.0" encoding="utf-8"?>
+<p:sld xmlns:a="http://schemas.openxmlformats.org/drawingml/2006/main" xmlns:r="http://schemas.openxmlformats.org/officeDocument/2006/relationships" xmlns:p="http://schemas.openxmlformats.org/presentationml/2006/main">
+  <p:cSld>
+    <p:spTree>
+      <p:nvGrpSpPr>
+        <p:cNvPr id="1" name=""/>
+        <p:cNvGrpSpPr/>
+        <p:nvPr/>
+      </p:nvGrpSpPr>
+      <p:grpSpPr>
+        <a:xfrm>
+          <a:off x="0" y="0"/>
+          <a:ext cx="0" cy="0"/>
+          <a:chOff x="0" y="0"/>
+          <a:chExt cx="0" cy="0"/>
+        </a:xfrm>
+      </p:grpSpPr>
+      <p:sp>
+        <p:nvSpPr>
+          <p:cNvPr id="2" name="标题 1"/>
+          <p:cNvSpPr>
+            <a:spLocks noGrp="1"/>
+          </p:cNvSpPr>
+          <p:nvPr>
+            <p:ph type="title"/>
+          </p:nvPr>
+        </p:nvSpPr>
+        <p:spPr>
+          <a:xfrm>
+            <a:off x="838200" y="365125"/>
+            <a:ext cx="10515600" cy="966525"/>
+          </a:xfrm>
+        </p:spPr>
+        <p:txBody>
+          <a:bodyPr/>
+          <a:lstStyle/>
+          <a:p>
+            <a:pPr algn="ctr"/>
+            <a:r>
+              <a:rPr lang="zh-CN" altLang="en-US" smtClean="0"/>
+              <a:t>相邻同胞选择器</a:t>
+            </a:r>
+            <a:endParaRPr lang="zh-CN" altLang="en-US"/>
+          </a:p>
+        </p:txBody>
+      </p:sp>
+      <p:sp>
+        <p:nvSpPr>
+          <p:cNvPr id="3" name="内容占位符 2"/>
+          <p:cNvSpPr>
+            <a:spLocks noGrp="1"/>
+          </p:cNvSpPr>
+          <p:nvPr>
+            <p:ph idx="1"/>
+          </p:nvPr>
+        </p:nvSpPr>
+        <p:spPr>
+          <a:xfrm>
+            <a:off x="838200" y="1464816"/>
+            <a:ext cx="10515600" cy="4712147"/>
+          </a:xfrm>
+        </p:spPr>
+        <p:txBody>
+          <a:bodyPr>
+            <a:normAutofit fontScale="85000" lnSpcReduction="20000"/>
+          </a:bodyPr>
+          <a:lstStyle/>
+          <a:p>
+            <a:r>
+              <a:rPr lang="en-US" altLang="zh-CN" smtClean="0"/>
+              <a:t>css</a:t>
+            </a:r>
+            <a:r>
+              <a:rPr lang="zh-CN" altLang="en-US" smtClean="0"/>
+              <a:t>代码：</a:t>
+            </a:r>
+            <a:endParaRPr lang="en-US" altLang="zh-CN" smtClean="0"/>
+          </a:p>
+          <a:p>
+            <a:r>
+              <a:rPr lang="en-US" altLang="zh-CN" smtClean="0"/>
+              <a:t>.sub + div {</a:t>
+            </a:r>
+          </a:p>
+          <a:p>
+            <a:r>
+              <a:rPr lang="en-US" altLang="zh-CN" smtClean="0"/>
+              <a:t>  color: red;</a:t>
+            </a:r>
+            <a:endParaRPr lang="en-US" altLang="zh-CN"/>
+          </a:p>
+          <a:p>
+            <a:r>
+              <a:rPr lang="en-US" altLang="zh-CN" smtClean="0"/>
+              <a:t>}</a:t>
+            </a:r>
+          </a:p>
+          <a:p>
+            <a:r>
+              <a:rPr lang="en-US" altLang="zh-CN" smtClean="0"/>
+              <a:t>html</a:t>
+            </a:r>
+            <a:r>
+              <a:rPr lang="zh-CN" altLang="en-US" smtClean="0"/>
+              <a:t>代码：</a:t>
+            </a:r>
+            <a:endParaRPr lang="en-US" altLang="zh-CN" smtClean="0"/>
+          </a:p>
+          <a:p>
+            <a:r>
+              <a:rPr lang="en-US" altLang="zh-CN" smtClean="0"/>
+              <a:t>&lt;</a:t>
+            </a:r>
+            <a:r>
+              <a:rPr lang="en-US" altLang="zh-CN"/>
+              <a:t>div class="parent"&gt;</a:t>
+            </a:r>
+          </a:p>
+          <a:p>
+            <a:r>
+              <a:rPr lang="en-US" altLang="zh-CN" smtClean="0"/>
+              <a:t>  &lt;</a:t>
+            </a:r>
+            <a:r>
+              <a:rPr lang="en-US" altLang="zh-CN"/>
+              <a:t>div class="sub"&gt;div-2-1&lt;/div&gt;</a:t>
+            </a:r>
+          </a:p>
+          <a:p>
+            <a:r>
+              <a:rPr lang="en-US" altLang="zh-CN"/>
+              <a:t>  </a:t>
+            </a:r>
+            <a:r>
+              <a:rPr lang="en-US" altLang="zh-CN" smtClean="0"/>
+              <a:t>&lt;</a:t>
+            </a:r>
+            <a:r>
+              <a:rPr lang="en-US" altLang="zh-CN"/>
+              <a:t>div&gt;div-2-2&lt;/</a:t>
+            </a:r>
+            <a:r>
+              <a:rPr lang="en-US" altLang="zh-CN"/>
+              <a:t>div</a:t>
+            </a:r>
+            <a:r>
+              <a:rPr lang="en-US" altLang="zh-CN" smtClean="0"/>
+              <a:t>&gt;</a:t>
+            </a:r>
+          </a:p>
+          <a:p>
+            <a:r>
+              <a:rPr lang="en-US" altLang="zh-CN" smtClean="0"/>
+              <a:t>  &lt;</a:t>
+            </a:r>
+            <a:r>
+              <a:rPr lang="en-US" altLang="zh-CN"/>
+              <a:t>div&gt;div-2-6&lt;/</a:t>
+            </a:r>
+            <a:r>
+              <a:rPr lang="en-US" altLang="zh-CN"/>
+              <a:t>div</a:t>
+            </a:r>
+            <a:r>
+              <a:rPr lang="en-US" altLang="zh-CN" smtClean="0"/>
+              <a:t>&gt;</a:t>
+            </a:r>
+          </a:p>
+          <a:p>
+            <a:r>
+              <a:rPr lang="en-US" altLang="zh-CN" smtClean="0"/>
+              <a:t>&lt;/</a:t>
+            </a:r>
+            <a:r>
+              <a:rPr lang="en-US" altLang="zh-CN"/>
+              <a:t>div</a:t>
+            </a:r>
+            <a:r>
+              <a:rPr lang="en-US" altLang="zh-CN" smtClean="0"/>
+              <a:t>&gt;</a:t>
+            </a:r>
+          </a:p>
+          <a:p>
+            <a:r>
+              <a:rPr lang="zh-CN" altLang="en-US" smtClean="0"/>
+              <a:t>同胞元素：表示在同一层级，</a:t>
+            </a:r>
+            <a:r>
+              <a:rPr lang="en-US" altLang="zh-CN" smtClean="0"/>
+              <a:t>.parent</a:t>
+            </a:r>
+            <a:r>
+              <a:rPr lang="zh-CN" altLang="en-US" smtClean="0"/>
+              <a:t>下的三个</a:t>
+            </a:r>
+            <a:r>
+              <a:rPr lang="en-US" altLang="zh-CN" smtClean="0"/>
+              <a:t>div</a:t>
+            </a:r>
+            <a:r>
+              <a:rPr lang="zh-CN" altLang="en-US" smtClean="0"/>
+              <a:t>都在同一级，它们相互之间被称为同胞元素，也被称为兄弟元素。</a:t>
+            </a:r>
+            <a:r>
+              <a:rPr lang="en-US" altLang="zh-CN" smtClean="0"/>
+              <a:t>”+”</a:t>
+            </a:r>
+            <a:r>
+              <a:rPr lang="zh-CN" altLang="en-US" smtClean="0"/>
+              <a:t>表示</a:t>
+            </a:r>
+            <a:r>
+              <a:rPr lang="en-US" altLang="zh-CN" smtClean="0"/>
+              <a:t>.sub</a:t>
+            </a:r>
+            <a:r>
+              <a:rPr lang="zh-CN" altLang="en-US" smtClean="0"/>
+              <a:t>后面的一个兄弟元素。</a:t>
+            </a:r>
+            <a:endParaRPr lang="zh-CN" altLang="en-US"/>
+          </a:p>
+        </p:txBody>
+      </p:sp>
+    </p:spTree>
+    <p:extLst>
+      <p:ext uri="{BB962C8B-B14F-4D97-AF65-F5344CB8AC3E}">
+        <p14:creationId xmlns:p14="http://schemas.microsoft.com/office/powerpoint/2010/main" val="2130161672"/>
+      </p:ext>
+    </p:extLst>
+  </p:cSld>
+  <p:clrMapOvr>
+    <a:masterClrMapping/>
+  </p:clrMapOvr>
+</p:sld>
+</file>
+
+<file path=ppt/slides/slide11.xml><?xml version="1.0" encoding="utf-8"?>
+<p:sld xmlns:a="http://schemas.openxmlformats.org/drawingml/2006/main" xmlns:r="http://schemas.openxmlformats.org/officeDocument/2006/relationships" xmlns:p="http://schemas.openxmlformats.org/presentationml/2006/main">
+  <p:cSld>
+    <p:spTree>
+      <p:nvGrpSpPr>
+        <p:cNvPr id="1" name=""/>
+        <p:cNvGrpSpPr/>
+        <p:nvPr/>
+      </p:nvGrpSpPr>
+      <p:grpSpPr>
+        <a:xfrm>
+          <a:off x="0" y="0"/>
+          <a:ext cx="0" cy="0"/>
+          <a:chOff x="0" y="0"/>
+          <a:chExt cx="0" cy="0"/>
+        </a:xfrm>
+      </p:grpSpPr>
+      <p:sp>
+        <p:nvSpPr>
+          <p:cNvPr id="2" name="标题 1"/>
+          <p:cNvSpPr>
+            <a:spLocks noGrp="1"/>
+          </p:cNvSpPr>
+          <p:nvPr>
+            <p:ph type="title"/>
+          </p:nvPr>
+        </p:nvSpPr>
+        <p:spPr>
+          <a:xfrm>
+            <a:off x="838200" y="365125"/>
+            <a:ext cx="10515600" cy="975403"/>
+          </a:xfrm>
+        </p:spPr>
+        <p:txBody>
+          <a:bodyPr/>
+          <a:lstStyle/>
+          <a:p>
+            <a:pPr algn="ctr"/>
+            <a:r>
+              <a:rPr lang="zh-CN" altLang="en-US" smtClean="0"/>
+              <a:t>属性选择器</a:t>
+            </a:r>
+            <a:endParaRPr lang="zh-CN" altLang="en-US"/>
+          </a:p>
+        </p:txBody>
+      </p:sp>
+      <p:sp>
+        <p:nvSpPr>
+          <p:cNvPr id="3" name="内容占位符 2"/>
+          <p:cNvSpPr>
+            <a:spLocks noGrp="1"/>
+          </p:cNvSpPr>
+          <p:nvPr>
+            <p:ph idx="1"/>
+          </p:nvPr>
+        </p:nvSpPr>
+        <p:spPr>
+          <a:xfrm>
+            <a:off x="838200" y="1500326"/>
+            <a:ext cx="10515600" cy="4676637"/>
+          </a:xfrm>
+        </p:spPr>
+        <p:txBody>
+          <a:bodyPr>
+            <a:normAutofit fontScale="70000" lnSpcReduction="20000"/>
+          </a:bodyPr>
+          <a:lstStyle/>
+          <a:p>
+            <a:r>
+              <a:rPr lang="en-US" altLang="zh-CN" smtClean="0"/>
+              <a:t>css</a:t>
+            </a:r>
+            <a:r>
+              <a:rPr lang="zh-CN" altLang="en-US" smtClean="0"/>
+              <a:t>代码：</a:t>
+            </a:r>
+            <a:endParaRPr lang="en-US" altLang="zh-CN" smtClean="0"/>
+          </a:p>
+          <a:p>
+            <a:r>
+              <a:rPr lang="en-US" altLang="zh-CN"/>
+              <a:t>[readonly] {</a:t>
+            </a:r>
+          </a:p>
+          <a:p>
+            <a:r>
+              <a:rPr lang="en-US" altLang="zh-CN"/>
+              <a:t>  border: 1px solid red;</a:t>
+            </a:r>
+          </a:p>
+          <a:p>
+            <a:r>
+              <a:rPr lang="en-US" altLang="zh-CN" smtClean="0"/>
+              <a:t>}</a:t>
+            </a:r>
+          </a:p>
+          <a:p>
+            <a:r>
+              <a:rPr lang="en-US" altLang="zh-CN" smtClean="0"/>
+              <a:t>html</a:t>
+            </a:r>
+            <a:r>
+              <a:rPr lang="zh-CN" altLang="en-US" smtClean="0"/>
+              <a:t>代码：</a:t>
+            </a:r>
+            <a:endParaRPr lang="en-US" altLang="zh-CN" smtClean="0"/>
+          </a:p>
+          <a:p>
+            <a:r>
+              <a:rPr lang="en-US" altLang="zh-CN"/>
+              <a:t>&lt;input id</a:t>
+            </a:r>
+            <a:r>
+              <a:rPr lang="en-US" altLang="zh-CN"/>
+              <a:t>="</a:t>
+            </a:r>
+            <a:r>
+              <a:rPr lang="en-US" altLang="zh-CN" smtClean="0"/>
+              <a:t>username1" </a:t>
+            </a:r>
+            <a:r>
+              <a:rPr lang="en-US" altLang="zh-CN"/>
+              <a:t>placeholder="</a:t>
+            </a:r>
+            <a:r>
+              <a:rPr lang="zh-CN" altLang="en-US"/>
+              <a:t>请输入姓名</a:t>
+            </a:r>
+            <a:r>
+              <a:rPr lang="en-US" altLang="zh-CN"/>
+              <a:t>1" </a:t>
+            </a:r>
+            <a:r>
+              <a:rPr lang="en-US" altLang="zh-CN"/>
+              <a:t>readonly </a:t>
+            </a:r>
+            <a:r>
+              <a:rPr lang="en-US" altLang="zh-CN" smtClean="0"/>
+              <a:t>/&gt;</a:t>
+            </a:r>
+          </a:p>
+          <a:p>
+            <a:r>
+              <a:rPr lang="en-US" altLang="zh-CN" smtClean="0"/>
+              <a:t>&lt;input </a:t>
+            </a:r>
+            <a:r>
+              <a:rPr lang="en-US" altLang="zh-CN"/>
+              <a:t>id</a:t>
+            </a:r>
+            <a:r>
+              <a:rPr lang="en-US" altLang="zh-CN"/>
+              <a:t>="</a:t>
+            </a:r>
+            <a:r>
+              <a:rPr lang="en-US" altLang="zh-CN" smtClean="0"/>
+              <a:t>username2" </a:t>
+            </a:r>
+            <a:r>
+              <a:rPr lang="en-US" altLang="zh-CN"/>
+              <a:t>placeholder="</a:t>
+            </a:r>
+            <a:r>
+              <a:rPr lang="zh-CN" altLang="en-US"/>
+              <a:t>请输入姓名</a:t>
+            </a:r>
+            <a:r>
+              <a:rPr lang="en-US" altLang="zh-CN"/>
+              <a:t>2</a:t>
+            </a:r>
+            <a:r>
+              <a:rPr lang="en-US" altLang="zh-CN"/>
+              <a:t>" </a:t>
+            </a:r>
+            <a:r>
+              <a:rPr lang="en-US" altLang="zh-CN" smtClean="0"/>
+              <a:t>/&gt;</a:t>
+            </a:r>
+          </a:p>
+          <a:p>
+            <a:r>
+              <a:rPr lang="zh-CN" altLang="en-US" smtClean="0"/>
+              <a:t>作用于所有带有</a:t>
+            </a:r>
+            <a:r>
+              <a:rPr lang="en-US" altLang="zh-CN" smtClean="0"/>
+              <a:t>readonly</a:t>
+            </a:r>
+            <a:r>
+              <a:rPr lang="zh-CN" altLang="en-US" smtClean="0"/>
+              <a:t>属性的标签，选择器可以于其它选择器配合，比如</a:t>
+            </a:r>
+            <a:r>
+              <a:rPr lang="en-US" altLang="zh-CN" smtClean="0"/>
+              <a:t>[id][readonly]</a:t>
+            </a:r>
+            <a:r>
+              <a:rPr lang="zh-CN" altLang="en-US" smtClean="0"/>
+              <a:t>或者</a:t>
+            </a:r>
+            <a:r>
+              <a:rPr lang="en-US" altLang="zh-CN" smtClean="0"/>
+              <a:t>input[readonly]</a:t>
+            </a:r>
+            <a:r>
+              <a:rPr lang="zh-CN" altLang="en-US" smtClean="0"/>
+              <a:t>，下面简单介绍几种：</a:t>
+            </a:r>
+            <a:endParaRPr lang="en-US" altLang="zh-CN" smtClean="0"/>
+          </a:p>
+          <a:p>
+            <a:r>
+              <a:rPr lang="en-US" altLang="zh-CN" smtClean="0"/>
+              <a:t>input[id=“username1”]</a:t>
+            </a:r>
+            <a:r>
+              <a:rPr lang="zh-CN" altLang="en-US"/>
+              <a:t>：作用于所有</a:t>
+            </a:r>
+            <a:r>
+              <a:rPr lang="en-US" altLang="zh-CN"/>
+              <a:t>id</a:t>
+            </a:r>
+            <a:r>
+              <a:rPr lang="zh-CN" altLang="en-US" smtClean="0"/>
+              <a:t>值</a:t>
+            </a:r>
+            <a:r>
+              <a:rPr lang="zh-CN" altLang="en-US" smtClean="0">
+                <a:solidFill>
+                  <a:srgbClr val="FF0000"/>
+                </a:solidFill>
+              </a:rPr>
+              <a:t>等于</a:t>
+            </a:r>
+            <a:r>
+              <a:rPr lang="en-US" altLang="zh-CN" smtClean="0">
+                <a:solidFill>
+                  <a:srgbClr val="FF0000"/>
+                </a:solidFill>
+              </a:rPr>
+              <a:t>username1</a:t>
+            </a:r>
+            <a:r>
+              <a:rPr lang="zh-CN" altLang="en-US" smtClean="0"/>
+              <a:t>的</a:t>
+            </a:r>
+            <a:r>
+              <a:rPr lang="en-US" altLang="zh-CN"/>
+              <a:t>input</a:t>
+            </a:r>
+            <a:r>
+              <a:rPr lang="zh-CN" altLang="en-US"/>
+              <a:t>框</a:t>
+            </a:r>
+            <a:r>
+              <a:rPr lang="zh-CN" altLang="en-US" smtClean="0"/>
+              <a:t>。</a:t>
+            </a:r>
+            <a:endParaRPr lang="en-US" altLang="zh-CN" smtClean="0"/>
+          </a:p>
+          <a:p>
+            <a:r>
+              <a:rPr lang="en-US" altLang="zh-CN" smtClean="0"/>
+              <a:t>input[id*=“user”]</a:t>
+            </a:r>
+            <a:r>
+              <a:rPr lang="zh-CN" altLang="en-US" smtClean="0"/>
+              <a:t>：作用于所有</a:t>
+            </a:r>
+            <a:r>
+              <a:rPr lang="en-US" altLang="zh-CN" smtClean="0"/>
+              <a:t>id</a:t>
+            </a:r>
+            <a:r>
+              <a:rPr lang="zh-CN" altLang="en-US" smtClean="0"/>
+              <a:t>值包含</a:t>
+            </a:r>
+            <a:r>
+              <a:rPr lang="en-US" altLang="zh-CN" smtClean="0">
+                <a:solidFill>
+                  <a:srgbClr val="FF0000"/>
+                </a:solidFill>
+              </a:rPr>
+              <a:t>user</a:t>
+            </a:r>
+            <a:r>
+              <a:rPr lang="zh-CN" altLang="en-US" smtClean="0">
+                <a:solidFill>
+                  <a:srgbClr val="FF0000"/>
+                </a:solidFill>
+              </a:rPr>
+              <a:t>关键字</a:t>
+            </a:r>
+            <a:r>
+              <a:rPr lang="zh-CN" altLang="en-US" smtClean="0"/>
+              <a:t>的</a:t>
+            </a:r>
+            <a:r>
+              <a:rPr lang="en-US" altLang="zh-CN" smtClean="0"/>
+              <a:t>input</a:t>
+            </a:r>
+            <a:r>
+              <a:rPr lang="zh-CN" altLang="en-US" smtClean="0"/>
+              <a:t>框。</a:t>
+            </a:r>
+            <a:endParaRPr lang="en-US" altLang="zh-CN" smtClean="0"/>
+          </a:p>
+          <a:p>
+            <a:r>
+              <a:rPr lang="en-US" altLang="zh-CN" smtClean="0"/>
+              <a:t>input[id^=</a:t>
+            </a:r>
+            <a:r>
+              <a:rPr lang="en-US" altLang="zh-CN"/>
+              <a:t>“</a:t>
+            </a:r>
+            <a:r>
+              <a:rPr lang="en-US" altLang="zh-CN"/>
+              <a:t>user</a:t>
+            </a:r>
+            <a:r>
+              <a:rPr lang="en-US" altLang="zh-CN" smtClean="0"/>
+              <a:t>”]</a:t>
+            </a:r>
+            <a:r>
+              <a:rPr lang="zh-CN" altLang="en-US" smtClean="0"/>
+              <a:t>：</a:t>
+            </a:r>
+            <a:r>
+              <a:rPr lang="zh-CN" altLang="en-US"/>
+              <a:t>作用于所有</a:t>
+            </a:r>
+            <a:r>
+              <a:rPr lang="en-US" altLang="zh-CN"/>
+              <a:t>id</a:t>
+            </a:r>
+            <a:r>
+              <a:rPr lang="zh-CN" altLang="en-US" smtClean="0"/>
+              <a:t>值以</a:t>
+            </a:r>
+            <a:r>
+              <a:rPr lang="en-US" altLang="zh-CN" smtClean="0">
+                <a:solidFill>
+                  <a:srgbClr val="FF0000"/>
+                </a:solidFill>
+              </a:rPr>
+              <a:t>user</a:t>
+            </a:r>
+            <a:r>
+              <a:rPr lang="zh-CN" altLang="en-US" smtClean="0">
+                <a:solidFill>
+                  <a:srgbClr val="FF0000"/>
+                </a:solidFill>
+              </a:rPr>
+              <a:t>关键字开头</a:t>
+            </a:r>
+            <a:r>
+              <a:rPr lang="zh-CN" altLang="en-US" smtClean="0"/>
+              <a:t>的</a:t>
+            </a:r>
+            <a:r>
+              <a:rPr lang="en-US" altLang="zh-CN"/>
+              <a:t>input</a:t>
+            </a:r>
+            <a:r>
+              <a:rPr lang="zh-CN" altLang="en-US"/>
+              <a:t>框</a:t>
+            </a:r>
+            <a:r>
+              <a:rPr lang="zh-CN" altLang="en-US" smtClean="0"/>
+              <a:t>。</a:t>
+            </a:r>
+            <a:endParaRPr lang="en-US" altLang="zh-CN" smtClean="0"/>
+          </a:p>
+          <a:p>
+            <a:r>
+              <a:rPr lang="en-US" altLang="zh-CN" smtClean="0"/>
+              <a:t>input[id</a:t>
+            </a:r>
+            <a:r>
+              <a:rPr lang="en-US" altLang="zh-CN"/>
+              <a:t>$</a:t>
+            </a:r>
+            <a:r>
+              <a:rPr lang="en-US" altLang="zh-CN" smtClean="0"/>
+              <a:t>=“</a:t>
+            </a:r>
+            <a:r>
+              <a:rPr lang="en-US" altLang="zh-CN"/>
+              <a:t>user”]</a:t>
+            </a:r>
+            <a:r>
+              <a:rPr lang="zh-CN" altLang="en-US"/>
+              <a:t>：作用于所有</a:t>
+            </a:r>
+            <a:r>
+              <a:rPr lang="en-US" altLang="zh-CN"/>
+              <a:t>id</a:t>
+            </a:r>
+            <a:r>
+              <a:rPr lang="zh-CN" altLang="en-US" smtClean="0"/>
+              <a:t>值</a:t>
+            </a:r>
+            <a:r>
+              <a:rPr lang="zh-CN" altLang="en-US"/>
+              <a:t>以</a:t>
+            </a:r>
+            <a:r>
+              <a:rPr lang="en-US" altLang="zh-CN" smtClean="0">
+                <a:solidFill>
+                  <a:srgbClr val="FF0000"/>
+                </a:solidFill>
+              </a:rPr>
+              <a:t>user</a:t>
+            </a:r>
+            <a:r>
+              <a:rPr lang="zh-CN" altLang="en-US" smtClean="0">
+                <a:solidFill>
+                  <a:srgbClr val="FF0000"/>
+                </a:solidFill>
+              </a:rPr>
+              <a:t>关键字结尾</a:t>
+            </a:r>
+            <a:r>
+              <a:rPr lang="zh-CN" altLang="en-US" smtClean="0"/>
+              <a:t>的</a:t>
+            </a:r>
+            <a:r>
+              <a:rPr lang="en-US" altLang="zh-CN"/>
+              <a:t>input</a:t>
+            </a:r>
+            <a:r>
+              <a:rPr lang="zh-CN" altLang="en-US"/>
+              <a:t>框</a:t>
+            </a:r>
+            <a:r>
+              <a:rPr lang="zh-CN" altLang="en-US" smtClean="0"/>
+              <a:t>。</a:t>
+            </a:r>
+            <a:endParaRPr lang="en-US" altLang="zh-CN" smtClean="0"/>
+          </a:p>
+          <a:p>
+            <a:r>
+              <a:rPr lang="en-US" altLang="zh-CN"/>
+              <a:t>input[title</a:t>
+            </a:r>
+            <a:r>
+              <a:rPr lang="en-US" altLang="zh-CN" smtClean="0"/>
+              <a:t>~=“divtitle1”]</a:t>
+            </a:r>
+            <a:r>
+              <a:rPr lang="zh-CN" altLang="en-US" smtClean="0"/>
+              <a:t>：作用于所有</a:t>
+            </a:r>
+            <a:r>
+              <a:rPr lang="en-US" altLang="zh-CN" smtClean="0"/>
+              <a:t>title</a:t>
+            </a:r>
+            <a:r>
+              <a:rPr lang="zh-CN" altLang="en-US" smtClean="0"/>
+              <a:t>值包含</a:t>
+            </a:r>
+            <a:r>
+              <a:rPr lang="en-US" altLang="zh-CN" smtClean="0">
+                <a:solidFill>
+                  <a:srgbClr val="FF0000"/>
+                </a:solidFill>
+              </a:rPr>
+              <a:t>divtitle1</a:t>
+            </a:r>
+            <a:r>
+              <a:rPr lang="zh-CN" altLang="en-US" smtClean="0">
+                <a:solidFill>
+                  <a:srgbClr val="FF0000"/>
+                </a:solidFill>
+              </a:rPr>
+              <a:t>单词</a:t>
+            </a:r>
+            <a:r>
+              <a:rPr lang="zh-CN" altLang="en-US" smtClean="0"/>
+              <a:t>的</a:t>
+            </a:r>
+            <a:r>
+              <a:rPr lang="en-US" altLang="zh-CN" smtClean="0"/>
+              <a:t>input</a:t>
+            </a:r>
+            <a:r>
+              <a:rPr lang="zh-CN" altLang="en-US" smtClean="0"/>
+              <a:t>框。</a:t>
+            </a:r>
+            <a:endParaRPr lang="en-US" altLang="zh-CN"/>
+          </a:p>
+          <a:p>
+            <a:endParaRPr lang="en-US" altLang="zh-CN"/>
+          </a:p>
+        </p:txBody>
+      </p:sp>
+    </p:spTree>
+    <p:extLst>
+      <p:ext uri="{BB962C8B-B14F-4D97-AF65-F5344CB8AC3E}">
+        <p14:creationId xmlns:p14="http://schemas.microsoft.com/office/powerpoint/2010/main" val="2369703833"/>
+      </p:ext>
+    </p:extLst>
+  </p:cSld>
+  <p:clrMapOvr>
+    <a:masterClrMapping/>
+  </p:clrMapOvr>
+</p:sld>
+</file>
+
+<file path=ppt/slides/slide12.xml><?xml version="1.0" encoding="utf-8"?>
+<p:sld xmlns:a="http://schemas.openxmlformats.org/drawingml/2006/main" xmlns:r="http://schemas.openxmlformats.org/officeDocument/2006/relationships" xmlns:p="http://schemas.openxmlformats.org/presentationml/2006/main">
+  <p:cSld>
+    <p:spTree>
+      <p:nvGrpSpPr>
+        <p:cNvPr id="1" name=""/>
+        <p:cNvGrpSpPr/>
+        <p:nvPr/>
+      </p:nvGrpSpPr>
+      <p:grpSpPr>
+        <a:xfrm>
+          <a:off x="0" y="0"/>
+          <a:ext cx="0" cy="0"/>
+          <a:chOff x="0" y="0"/>
+          <a:chExt cx="0" cy="0"/>
+        </a:xfrm>
+      </p:grpSpPr>
+      <p:sp>
+        <p:nvSpPr>
+          <p:cNvPr id="2" name="标题 1"/>
+          <p:cNvSpPr>
+            <a:spLocks noGrp="1"/>
+          </p:cNvSpPr>
+          <p:nvPr>
+            <p:ph type="title"/>
+          </p:nvPr>
+        </p:nvSpPr>
+        <p:spPr>
+          <a:xfrm>
+            <a:off x="838200" y="365126"/>
+            <a:ext cx="10515600" cy="1064180"/>
+          </a:xfrm>
+        </p:spPr>
+        <p:txBody>
+          <a:bodyPr/>
+          <a:lstStyle/>
+          <a:p>
+            <a:pPr algn="ctr"/>
+            <a:r>
+              <a:rPr lang="zh-CN" altLang="en-US" smtClean="0"/>
+              <a:t>常用伪元素</a:t>
+            </a:r>
+            <a:endParaRPr lang="zh-CN" altLang="en-US"/>
+          </a:p>
+        </p:txBody>
+      </p:sp>
+      <p:sp>
+        <p:nvSpPr>
+          <p:cNvPr id="3" name="内容占位符 2"/>
+          <p:cNvSpPr>
+            <a:spLocks noGrp="1"/>
+          </p:cNvSpPr>
+          <p:nvPr>
+            <p:ph idx="1"/>
+          </p:nvPr>
+        </p:nvSpPr>
+        <p:spPr>
+          <a:xfrm>
+            <a:off x="838200" y="1429306"/>
+            <a:ext cx="10515600" cy="4747657"/>
+          </a:xfrm>
+        </p:spPr>
+        <p:txBody>
+          <a:bodyPr>
+            <a:normAutofit fontScale="77500" lnSpcReduction="20000"/>
+          </a:bodyPr>
+          <a:lstStyle/>
+          <a:p>
+            <a:r>
+              <a:rPr lang="en-US" altLang="zh-CN" smtClean="0"/>
+              <a:t>css</a:t>
+            </a:r>
+            <a:r>
+              <a:rPr lang="zh-CN" altLang="en-US" smtClean="0"/>
+              <a:t>代码：</a:t>
+            </a:r>
+            <a:endParaRPr lang="en-US" altLang="zh-CN" smtClean="0"/>
+          </a:p>
+          <a:p>
+            <a:r>
+              <a:rPr lang="en-US" altLang="zh-CN" smtClean="0"/>
+              <a:t>.parent:before</a:t>
+            </a:r>
+            <a:r>
+              <a:rPr lang="zh-CN" altLang="en-US" smtClean="0"/>
+              <a:t> </a:t>
+            </a:r>
+            <a:r>
+              <a:rPr lang="en-US" altLang="zh-CN" smtClean="0"/>
+              <a:t>{</a:t>
+            </a:r>
+          </a:p>
+          <a:p>
+            <a:r>
+              <a:rPr lang="en-US" altLang="zh-CN" smtClean="0"/>
+              <a:t>  content: ‘</a:t>
+            </a:r>
+            <a:r>
+              <a:rPr lang="zh-CN" altLang="en-US" smtClean="0"/>
+              <a:t>开头</a:t>
+            </a:r>
+            <a:r>
+              <a:rPr lang="en-US" altLang="zh-CN" smtClean="0"/>
+              <a:t>’;</a:t>
+            </a:r>
+          </a:p>
+          <a:p>
+            <a:r>
+              <a:rPr lang="en-US" altLang="zh-CN"/>
+              <a:t> </a:t>
+            </a:r>
+            <a:r>
+              <a:rPr lang="en-US" altLang="zh-CN" smtClean="0"/>
+              <a:t> color: red;</a:t>
+            </a:r>
+            <a:endParaRPr lang="en-US" altLang="zh-CN"/>
+          </a:p>
+          <a:p>
+            <a:r>
+              <a:rPr lang="en-US" altLang="zh-CN" smtClean="0"/>
+              <a:t>}</a:t>
+            </a:r>
+          </a:p>
+          <a:p>
+            <a:r>
+              <a:rPr lang="en-US" altLang="zh-CN"/>
+              <a:t>.</a:t>
+            </a:r>
+            <a:r>
+              <a:rPr lang="en-US" altLang="zh-CN" smtClean="0"/>
+              <a:t>parent:after</a:t>
+            </a:r>
+            <a:r>
+              <a:rPr lang="zh-CN" altLang="en-US" smtClean="0"/>
+              <a:t> </a:t>
+            </a:r>
+            <a:r>
+              <a:rPr lang="en-US" altLang="zh-CN"/>
+              <a:t>{</a:t>
+            </a:r>
+          </a:p>
+          <a:p>
+            <a:r>
+              <a:rPr lang="en-US" altLang="zh-CN"/>
+              <a:t>  content</a:t>
+            </a:r>
+            <a:r>
+              <a:rPr lang="en-US" altLang="zh-CN"/>
+              <a:t>: </a:t>
+            </a:r>
+            <a:r>
+              <a:rPr lang="en-US" altLang="zh-CN" smtClean="0"/>
+              <a:t>‘</a:t>
+            </a:r>
+            <a:r>
+              <a:rPr lang="zh-CN" altLang="en-US" smtClean="0"/>
+              <a:t>结尾</a:t>
+            </a:r>
+            <a:r>
+              <a:rPr lang="en-US" altLang="zh-CN" smtClean="0"/>
+              <a:t>’;</a:t>
+            </a:r>
+            <a:endParaRPr lang="en-US" altLang="zh-CN"/>
+          </a:p>
+          <a:p>
+            <a:r>
+              <a:rPr lang="en-US" altLang="zh-CN"/>
+              <a:t>  color: red;</a:t>
+            </a:r>
+          </a:p>
+          <a:p>
+            <a:r>
+              <a:rPr lang="en-US" altLang="zh-CN"/>
+              <a:t>}</a:t>
+            </a:r>
+            <a:endParaRPr lang="zh-CN" altLang="en-US"/>
+          </a:p>
+          <a:p>
+            <a:r>
+              <a:rPr lang="en-US" altLang="zh-CN" smtClean="0"/>
+              <a:t>html</a:t>
+            </a:r>
+            <a:r>
+              <a:rPr lang="zh-CN" altLang="en-US" smtClean="0"/>
+              <a:t>代码：</a:t>
+            </a:r>
+            <a:endParaRPr lang="en-US" altLang="zh-CN" smtClean="0"/>
+          </a:p>
+          <a:p>
+            <a:r>
+              <a:rPr lang="en-US" altLang="zh-CN" smtClean="0"/>
+              <a:t>&lt;div class=“parent”&gt;123&lt;/div&gt;</a:t>
+            </a:r>
+          </a:p>
+          <a:p>
+            <a:r>
+              <a:rPr lang="en-US" altLang="zh-CN" smtClean="0"/>
+              <a:t>:before</a:t>
+            </a:r>
+            <a:r>
+              <a:rPr lang="zh-CN" altLang="en-US"/>
+              <a:t>向</a:t>
+            </a:r>
+            <a:r>
+              <a:rPr lang="en-US" altLang="zh-CN" smtClean="0"/>
+              <a:t>.parent</a:t>
+            </a:r>
+            <a:r>
+              <a:rPr lang="zh-CN" altLang="en-US" smtClean="0"/>
+              <a:t>头部插入内容，</a:t>
+            </a:r>
+            <a:r>
+              <a:rPr lang="en-US" altLang="zh-CN" smtClean="0"/>
+              <a:t>:after</a:t>
+            </a:r>
+            <a:r>
+              <a:rPr lang="zh-CN" altLang="en-US" smtClean="0"/>
+              <a:t>向</a:t>
+            </a:r>
+            <a:r>
+              <a:rPr lang="en-US" altLang="zh-CN" smtClean="0"/>
+              <a:t>.parent</a:t>
+            </a:r>
+            <a:r>
+              <a:rPr lang="zh-CN" altLang="en-US" smtClean="0"/>
+              <a:t>尾部插入内容，</a:t>
+            </a:r>
+            <a:r>
+              <a:rPr lang="en-US" altLang="zh-CN" smtClean="0"/>
+              <a:t>content</a:t>
+            </a:r>
+            <a:r>
+              <a:rPr lang="zh-CN" altLang="en-US" smtClean="0"/>
+              <a:t>属性是必需的。</a:t>
+            </a:r>
+            <a:endParaRPr lang="zh-CN" altLang="en-US"/>
+          </a:p>
+        </p:txBody>
+      </p:sp>
+    </p:spTree>
+    <p:extLst>
+      <p:ext uri="{BB962C8B-B14F-4D97-AF65-F5344CB8AC3E}">
+        <p14:creationId xmlns:p14="http://schemas.microsoft.com/office/powerpoint/2010/main" val="2772846070"/>
+      </p:ext>
+    </p:extLst>
+  </p:cSld>
+  <p:clrMapOvr>
+    <a:masterClrMapping/>
+  </p:clrMapOvr>
+</p:sld>
+</file>
+
+<file path=ppt/slides/slide13.xml><?xml version="1.0" encoding="utf-8"?>
+<p:sld xmlns:a="http://schemas.openxmlformats.org/drawingml/2006/main" xmlns:r="http://schemas.openxmlformats.org/officeDocument/2006/relationships" xmlns:p="http://schemas.openxmlformats.org/presentationml/2006/main">
+  <p:cSld>
+    <p:spTree>
+      <p:nvGrpSpPr>
+        <p:cNvPr id="1" name=""/>
+        <p:cNvGrpSpPr/>
+        <p:nvPr/>
+      </p:nvGrpSpPr>
+      <p:grpSpPr>
+        <a:xfrm>
+          <a:off x="0" y="0"/>
+          <a:ext cx="0" cy="0"/>
+          <a:chOff x="0" y="0"/>
+          <a:chExt cx="0" cy="0"/>
+        </a:xfrm>
+      </p:grpSpPr>
+      <p:sp>
+        <p:nvSpPr>
+          <p:cNvPr id="2" name="标题 1"/>
+          <p:cNvSpPr>
+            <a:spLocks noGrp="1"/>
+          </p:cNvSpPr>
+          <p:nvPr>
+            <p:ph type="title"/>
+          </p:nvPr>
+        </p:nvSpPr>
+        <p:spPr>
+          <a:xfrm>
+            <a:off x="838200" y="365126"/>
+            <a:ext cx="10515600" cy="904382"/>
+          </a:xfrm>
+        </p:spPr>
+        <p:txBody>
+          <a:bodyPr/>
+          <a:lstStyle/>
+          <a:p>
+            <a:pPr algn="ctr"/>
+            <a:r>
+              <a:rPr lang="zh-CN" altLang="en-US" smtClean="0"/>
+              <a:t>结构性伪类元素</a:t>
+            </a:r>
+            <a:endParaRPr lang="zh-CN" altLang="en-US"/>
+          </a:p>
+        </p:txBody>
+      </p:sp>
+      <p:sp>
+        <p:nvSpPr>
+          <p:cNvPr id="3" name="内容占位符 2"/>
+          <p:cNvSpPr>
+            <a:spLocks noGrp="1"/>
+          </p:cNvSpPr>
+          <p:nvPr>
+            <p:ph idx="1"/>
+          </p:nvPr>
+        </p:nvSpPr>
+        <p:spPr>
+          <a:xfrm>
+            <a:off x="838200" y="1376039"/>
+            <a:ext cx="10515600" cy="4800924"/>
+          </a:xfrm>
+        </p:spPr>
+        <p:txBody>
+          <a:bodyPr>
+            <a:normAutofit fontScale="55000" lnSpcReduction="20000"/>
+          </a:bodyPr>
+          <a:lstStyle/>
+          <a:p>
+            <a:r>
+              <a:rPr lang="en-US" altLang="zh-CN" smtClean="0"/>
+              <a:t>css</a:t>
+            </a:r>
+            <a:r>
+              <a:rPr lang="zh-CN" altLang="en-US" smtClean="0"/>
+              <a:t>代码：</a:t>
+            </a:r>
+            <a:endParaRPr lang="en-US" altLang="zh-CN" smtClean="0"/>
+          </a:p>
+          <a:p>
+            <a:r>
+              <a:rPr lang="en-US" altLang="zh-CN" smtClean="0"/>
+              <a:t>.parent &gt; span:first-child {</a:t>
+            </a:r>
+          </a:p>
+          <a:p>
+            <a:r>
+              <a:rPr lang="en-US" altLang="zh-CN" smtClean="0"/>
+              <a:t>  color: red;</a:t>
+            </a:r>
+            <a:endParaRPr lang="en-US" altLang="zh-CN"/>
+          </a:p>
+          <a:p>
+            <a:r>
+              <a:rPr lang="en-US" altLang="zh-CN" smtClean="0"/>
+              <a:t>}</a:t>
+            </a:r>
+          </a:p>
+          <a:p>
+            <a:r>
+              <a:rPr lang="en-US" altLang="zh-CN" smtClean="0"/>
+              <a:t>html</a:t>
+            </a:r>
+            <a:r>
+              <a:rPr lang="zh-CN" altLang="en-US" smtClean="0"/>
+              <a:t>代码：</a:t>
+            </a:r>
+            <a:endParaRPr lang="en-US" altLang="zh-CN" smtClean="0"/>
+          </a:p>
+          <a:p>
+            <a:r>
+              <a:rPr lang="en-US" altLang="zh-CN" smtClean="0"/>
+              <a:t>&lt;div class=“parent”&gt;</a:t>
+            </a:r>
+          </a:p>
+          <a:p>
+            <a:r>
+              <a:rPr lang="en-US" altLang="zh-CN"/>
+              <a:t> </a:t>
+            </a:r>
+            <a:r>
+              <a:rPr lang="en-US" altLang="zh-CN" smtClean="0"/>
+              <a:t> &lt;span&gt;span1&lt;/span&gt;</a:t>
+            </a:r>
+          </a:p>
+          <a:p>
+            <a:r>
+              <a:rPr lang="en-US" altLang="zh-CN"/>
+              <a:t> </a:t>
+            </a:r>
+            <a:r>
+              <a:rPr lang="en-US" altLang="zh-CN" smtClean="0"/>
+              <a:t> &lt;span&gt;span2&lt;/span&gt;</a:t>
+            </a:r>
+          </a:p>
+          <a:p>
+            <a:r>
+              <a:rPr lang="en-US" altLang="zh-CN" smtClean="0"/>
+              <a:t>&lt;/div&gt;</a:t>
+            </a:r>
+          </a:p>
+          <a:p>
+            <a:r>
+              <a:rPr lang="en-US" altLang="zh-CN" smtClean="0"/>
+              <a:t>:first-child</a:t>
+            </a:r>
+            <a:r>
+              <a:rPr lang="zh-CN" altLang="en-US" smtClean="0"/>
+              <a:t>：作用于第一个子元素。</a:t>
+            </a:r>
+            <a:endParaRPr lang="en-US" altLang="zh-CN" smtClean="0"/>
+          </a:p>
+          <a:p>
+            <a:r>
+              <a:rPr lang="en-US" altLang="zh-CN" smtClean="0"/>
+              <a:t>:last-child</a:t>
+            </a:r>
+            <a:r>
+              <a:rPr lang="zh-CN" altLang="en-US" smtClean="0"/>
+              <a:t>：作用于最后一个子元素。</a:t>
+            </a:r>
+            <a:endParaRPr lang="en-US" altLang="zh-CN" smtClean="0"/>
+          </a:p>
+          <a:p>
+            <a:r>
+              <a:rPr lang="en-US" altLang="zh-CN" smtClean="0"/>
+              <a:t>:not(:first-child)</a:t>
+            </a:r>
+            <a:r>
+              <a:rPr lang="zh-CN" altLang="en-US" smtClean="0"/>
+              <a:t>：作用于第一个元素以外的所有元素。</a:t>
+            </a:r>
+            <a:endParaRPr lang="en-US" altLang="zh-CN" smtClean="0"/>
+          </a:p>
+          <a:p>
+            <a:r>
+              <a:rPr lang="en-US" altLang="zh-CN" smtClean="0"/>
+              <a:t>:nth-child(n)</a:t>
+            </a:r>
+            <a:r>
+              <a:rPr lang="zh-CN" altLang="en-US" smtClean="0"/>
+              <a:t>：作用于第</a:t>
+            </a:r>
+            <a:r>
+              <a:rPr lang="en-US" altLang="zh-CN" smtClean="0"/>
+              <a:t>n</a:t>
+            </a:r>
+            <a:r>
+              <a:rPr lang="zh-CN" altLang="en-US" smtClean="0"/>
+              <a:t>个元素，</a:t>
+            </a:r>
+            <a:r>
+              <a:rPr lang="en-US" altLang="zh-CN" smtClean="0"/>
+              <a:t>n</a:t>
+            </a:r>
+            <a:r>
+              <a:rPr lang="zh-CN" altLang="en-US" smtClean="0"/>
+              <a:t>的值时所有整数。例如</a:t>
+            </a:r>
+            <a:r>
+              <a:rPr lang="en-US" altLang="zh-CN" smtClean="0"/>
+              <a:t>:nth-child(2n+1)</a:t>
+            </a:r>
+            <a:r>
+              <a:rPr lang="zh-CN" altLang="en-US" smtClean="0"/>
+              <a:t>作用于所有序号为奇数的元素。</a:t>
+            </a:r>
+            <a:endParaRPr lang="en-US" altLang="zh-CN" smtClean="0"/>
+          </a:p>
+          <a:p>
+            <a:r>
+              <a:rPr lang="en-US" altLang="zh-CN" smtClean="0"/>
+              <a:t>:odd</a:t>
+            </a:r>
+            <a:r>
+              <a:rPr lang="zh-CN" altLang="en-US" smtClean="0"/>
+              <a:t>：作用于所有序号为奇数的元素。</a:t>
+            </a:r>
+            <a:endParaRPr lang="en-US" altLang="zh-CN" smtClean="0"/>
+          </a:p>
+          <a:p>
+            <a:r>
+              <a:rPr lang="en-US" altLang="zh-CN" smtClean="0"/>
+              <a:t>:even</a:t>
+            </a:r>
+            <a:r>
+              <a:rPr lang="zh-CN" altLang="en-US" smtClean="0"/>
+              <a:t>：作用于左右序号为偶数的元素。</a:t>
+            </a:r>
+            <a:endParaRPr lang="en-US" altLang="zh-CN"/>
+          </a:p>
+          <a:p>
+            <a:endParaRPr lang="zh-CN" altLang="en-US"/>
+          </a:p>
+        </p:txBody>
+      </p:sp>
+    </p:spTree>
+    <p:extLst>
+      <p:ext uri="{BB962C8B-B14F-4D97-AF65-F5344CB8AC3E}">
+        <p14:creationId xmlns:p14="http://schemas.microsoft.com/office/powerpoint/2010/main" val="2448431454"/>
+      </p:ext>
+    </p:extLst>
+  </p:cSld>
+  <p:clrMapOvr>
+    <a:masterClrMapping/>
+  </p:clrMapOvr>
+</p:sld>
+</file>
+
+<file path=ppt/slides/slide2.xml><?xml version="1.0" encoding="utf-8"?>
+<p:sld xmlns:a="http://schemas.openxmlformats.org/drawingml/2006/main" xmlns:r="http://schemas.openxmlformats.org/officeDocument/2006/relationships" xmlns:p="http://schemas.openxmlformats.org/presentationml/2006/main">
+  <p:cSld>
+    <p:spTree>
+      <p:nvGrpSpPr>
+        <p:cNvPr id="1" name=""/>
+        <p:cNvGrpSpPr/>
+        <p:nvPr/>
+      </p:nvGrpSpPr>
+      <p:grpSpPr>
+        <a:xfrm>
+          <a:off x="0" y="0"/>
+          <a:ext cx="0" cy="0"/>
+          <a:chOff x="0" y="0"/>
+          <a:chExt cx="0" cy="0"/>
+        </a:xfrm>
+      </p:grpSpPr>
+      <p:sp>
+        <p:nvSpPr>
+          <p:cNvPr id="2" name="标题 1"/>
+          <p:cNvSpPr>
+            <a:spLocks noGrp="1"/>
+          </p:cNvSpPr>
+          <p:nvPr>
+            <p:ph type="title"/>
+          </p:nvPr>
+        </p:nvSpPr>
+        <p:spPr>
+          <a:xfrm>
+            <a:off x="838200" y="365125"/>
+            <a:ext cx="10515600" cy="984281"/>
+          </a:xfrm>
+        </p:spPr>
+        <p:txBody>
+          <a:bodyPr/>
+          <a:lstStyle/>
+          <a:p>
+            <a:pPr algn="ctr"/>
+            <a:r>
+              <a:rPr lang="zh-CN" altLang="en-US" smtClean="0"/>
+              <a:t>类选择器</a:t>
+            </a:r>
+            <a:endParaRPr lang="zh-CN" altLang="en-US"/>
+          </a:p>
+        </p:txBody>
+      </p:sp>
+      <p:sp>
+        <p:nvSpPr>
+          <p:cNvPr id="3" name="内容占位符 2"/>
+          <p:cNvSpPr>
+            <a:spLocks noGrp="1"/>
+          </p:cNvSpPr>
+          <p:nvPr>
+            <p:ph idx="1"/>
+          </p:nvPr>
+        </p:nvSpPr>
+        <p:spPr>
+          <a:xfrm>
+            <a:off x="838200" y="1464816"/>
+            <a:ext cx="10515600" cy="4712147"/>
+          </a:xfrm>
+        </p:spPr>
+        <p:txBody>
+          <a:bodyPr>
+            <a:normAutofit lnSpcReduction="10000"/>
+          </a:bodyPr>
+          <a:lstStyle/>
+          <a:p>
+            <a:r>
+              <a:rPr lang="en-US" altLang="zh-CN" smtClean="0"/>
+              <a:t>css</a:t>
+            </a:r>
+            <a:r>
+              <a:rPr lang="zh-CN" altLang="en-US" smtClean="0"/>
+              <a:t>代码：</a:t>
+            </a:r>
+            <a:endParaRPr lang="en-US" altLang="zh-CN" smtClean="0"/>
+          </a:p>
+          <a:p>
+            <a:r>
+              <a:rPr lang="en-US" altLang="zh-CN" smtClean="0"/>
+              <a:t>.name1 {</a:t>
+            </a:r>
+          </a:p>
+          <a:p>
+            <a:r>
+              <a:rPr lang="en-US" altLang="zh-CN" smtClean="0"/>
+              <a:t>  color: red;</a:t>
+            </a:r>
+            <a:endParaRPr lang="en-US" altLang="zh-CN"/>
+          </a:p>
+          <a:p>
+            <a:r>
+              <a:rPr lang="en-US" altLang="zh-CN" smtClean="0"/>
+              <a:t>}</a:t>
+            </a:r>
+          </a:p>
+          <a:p>
+            <a:r>
+              <a:rPr lang="en-US" altLang="zh-CN" smtClean="0"/>
+              <a:t>html</a:t>
+            </a:r>
+            <a:r>
+              <a:rPr lang="zh-CN" altLang="en-US" smtClean="0"/>
+              <a:t>代码：</a:t>
+            </a:r>
+            <a:endParaRPr lang="en-US" altLang="zh-CN" smtClean="0"/>
+          </a:p>
+          <a:p>
+            <a:r>
+              <a:rPr lang="en-US" altLang="zh-CN" smtClean="0"/>
+              <a:t>&lt;tagName class=“name1 name2 name3”&gt;&lt;/tagName&gt;</a:t>
+            </a:r>
+          </a:p>
+          <a:p>
+            <a:r>
+              <a:rPr lang="en-US" altLang="zh-CN"/>
+              <a:t>&lt;tagName class=“</a:t>
+            </a:r>
+            <a:r>
+              <a:rPr lang="en-US" altLang="zh-CN"/>
+              <a:t>name1 </a:t>
+            </a:r>
+            <a:r>
+              <a:rPr lang="en-US" altLang="zh-CN" smtClean="0"/>
+              <a:t>name4 name5”&gt;&lt;/</a:t>
+            </a:r>
+            <a:r>
+              <a:rPr lang="en-US" altLang="zh-CN"/>
+              <a:t>tagName</a:t>
+            </a:r>
+            <a:r>
+              <a:rPr lang="en-US" altLang="zh-CN" smtClean="0"/>
+              <a:t>&gt;</a:t>
+            </a:r>
+          </a:p>
+          <a:p>
+            <a:r>
+              <a:rPr lang="zh-CN" altLang="en-US" smtClean="0"/>
+              <a:t>其中</a:t>
+            </a:r>
+            <a:r>
+              <a:rPr lang="en-US" altLang="zh-CN" smtClean="0"/>
+              <a:t>css</a:t>
+            </a:r>
+            <a:r>
+              <a:rPr lang="zh-CN" altLang="en-US" smtClean="0"/>
+              <a:t>代码中</a:t>
+            </a:r>
+            <a:r>
+              <a:rPr lang="en-US" altLang="zh-CN" smtClean="0"/>
+              <a:t>name1</a:t>
+            </a:r>
+            <a:r>
+              <a:rPr lang="zh-CN" altLang="en-US" smtClean="0"/>
+              <a:t>前面有一个</a:t>
+            </a:r>
+            <a:r>
+              <a:rPr lang="en-US" altLang="zh-CN" smtClean="0"/>
+              <a:t>”.”</a:t>
+            </a:r>
+            <a:r>
+              <a:rPr lang="zh-CN" altLang="en-US" smtClean="0"/>
+              <a:t>，代表是类选择器，作用域</a:t>
+            </a:r>
+            <a:r>
+              <a:rPr lang="en-US" altLang="zh-CN" smtClean="0"/>
+              <a:t>html</a:t>
+            </a:r>
+            <a:r>
+              <a:rPr lang="zh-CN" altLang="en-US" smtClean="0"/>
+              <a:t>代码中</a:t>
+            </a:r>
+            <a:r>
+              <a:rPr lang="en-US" altLang="zh-CN" smtClean="0"/>
+              <a:t>class</a:t>
+            </a:r>
+            <a:r>
+              <a:rPr lang="zh-CN" altLang="en-US" smtClean="0"/>
+              <a:t>的属性值包含</a:t>
+            </a:r>
+            <a:r>
+              <a:rPr lang="en-US" altLang="zh-CN" smtClean="0"/>
+              <a:t>name1</a:t>
+            </a:r>
+            <a:r>
+              <a:rPr lang="zh-CN" altLang="en-US" smtClean="0"/>
+              <a:t>的标签，</a:t>
+            </a:r>
+            <a:r>
+              <a:rPr lang="en-US" altLang="zh-CN" smtClean="0"/>
+              <a:t>class</a:t>
+            </a:r>
+            <a:r>
+              <a:rPr lang="zh-CN" altLang="en-US" smtClean="0"/>
+              <a:t>的值如果有多个，属性值之间使用空格分隔。</a:t>
+            </a:r>
+            <a:endParaRPr lang="zh-CN" altLang="en-US"/>
+          </a:p>
+        </p:txBody>
+      </p:sp>
+    </p:spTree>
+    <p:extLst>
+      <p:ext uri="{BB962C8B-B14F-4D97-AF65-F5344CB8AC3E}">
+        <p14:creationId xmlns:p14="http://schemas.microsoft.com/office/powerpoint/2010/main" val="3360541201"/>
+      </p:ext>
+    </p:extLst>
+  </p:cSld>
+  <p:clrMapOvr>
+    <a:masterClrMapping/>
+  </p:clrMapOvr>
+</p:sld>
+</file>
+
+<file path=ppt/slides/slide3.xml><?xml version="1.0" encoding="utf-8"?>
+<p:sld xmlns:a="http://schemas.openxmlformats.org/drawingml/2006/main" xmlns:r="http://schemas.openxmlformats.org/officeDocument/2006/relationships" xmlns:p="http://schemas.openxmlformats.org/presentationml/2006/main">
+  <p:cSld>
+    <p:spTree>
+      <p:nvGrpSpPr>
+        <p:cNvPr id="1" name=""/>
+        <p:cNvGrpSpPr/>
+        <p:nvPr/>
+      </p:nvGrpSpPr>
+      <p:grpSpPr>
+        <a:xfrm>
+          <a:off x="0" y="0"/>
+          <a:ext cx="0" cy="0"/>
+          <a:chOff x="0" y="0"/>
+          <a:chExt cx="0" cy="0"/>
+        </a:xfrm>
+      </p:grpSpPr>
+      <p:sp>
+        <p:nvSpPr>
+          <p:cNvPr id="2" name="标题 1"/>
+          <p:cNvSpPr>
+            <a:spLocks noGrp="1"/>
+          </p:cNvSpPr>
+          <p:nvPr>
+            <p:ph type="title"/>
+          </p:nvPr>
+        </p:nvSpPr>
+        <p:spPr>
+          <a:xfrm>
+            <a:off x="838200" y="365126"/>
+            <a:ext cx="10515600" cy="957648"/>
+          </a:xfrm>
+        </p:spPr>
+        <p:txBody>
+          <a:bodyPr/>
+          <a:lstStyle/>
+          <a:p>
+            <a:pPr algn="ctr"/>
+            <a:r>
+              <a:rPr lang="zh-CN" altLang="en-US" smtClean="0"/>
+              <a:t>标签选择器</a:t>
+            </a:r>
+            <a:endParaRPr lang="zh-CN" altLang="en-US"/>
+          </a:p>
+        </p:txBody>
+      </p:sp>
+      <p:sp>
+        <p:nvSpPr>
+          <p:cNvPr id="3" name="内容占位符 2"/>
+          <p:cNvSpPr>
+            <a:spLocks noGrp="1"/>
+          </p:cNvSpPr>
+          <p:nvPr>
+            <p:ph idx="1"/>
+          </p:nvPr>
+        </p:nvSpPr>
+        <p:spPr>
+          <a:xfrm>
+            <a:off x="838200" y="1455938"/>
+            <a:ext cx="10515600" cy="4721025"/>
+          </a:xfrm>
+        </p:spPr>
+        <p:txBody>
+          <a:bodyPr/>
+          <a:lstStyle/>
+          <a:p>
+            <a:r>
+              <a:rPr lang="en-US" altLang="zh-CN" smtClean="0"/>
+              <a:t>css</a:t>
+            </a:r>
+            <a:r>
+              <a:rPr lang="zh-CN" altLang="en-US" smtClean="0"/>
+              <a:t>代码：</a:t>
+            </a:r>
+            <a:endParaRPr lang="en-US" altLang="zh-CN" smtClean="0"/>
+          </a:p>
+          <a:p>
+            <a:r>
+              <a:rPr lang="en-US" altLang="zh-CN" smtClean="0"/>
+              <a:t>div {</a:t>
+            </a:r>
+          </a:p>
+          <a:p>
+            <a:r>
+              <a:rPr lang="en-US" altLang="zh-CN"/>
+              <a:t> </a:t>
+            </a:r>
+            <a:r>
+              <a:rPr lang="en-US" altLang="zh-CN" smtClean="0"/>
+              <a:t> color: red;</a:t>
+            </a:r>
+          </a:p>
+          <a:p>
+            <a:r>
+              <a:rPr lang="en-US" altLang="zh-CN" smtClean="0"/>
+              <a:t>}</a:t>
+            </a:r>
+          </a:p>
+          <a:p>
+            <a:r>
+              <a:rPr lang="en-US" altLang="zh-CN" smtClean="0"/>
+              <a:t>html</a:t>
+            </a:r>
+            <a:r>
+              <a:rPr lang="zh-CN" altLang="en-US" smtClean="0"/>
+              <a:t>代码：</a:t>
+            </a:r>
+            <a:endParaRPr lang="en-US" altLang="zh-CN" smtClean="0"/>
+          </a:p>
+          <a:p>
+            <a:r>
+              <a:rPr lang="en-US" altLang="zh-CN" smtClean="0"/>
+              <a:t>&lt;div&gt;123&lt;/div&gt;</a:t>
+            </a:r>
+          </a:p>
+          <a:p>
+            <a:r>
+              <a:rPr lang="en-US" altLang="zh-CN"/>
+              <a:t>&lt;</a:t>
+            </a:r>
+            <a:r>
+              <a:rPr lang="en-US" altLang="zh-CN" smtClean="0"/>
+              <a:t>div&gt;123456&lt;/div&gt;</a:t>
+            </a:r>
+          </a:p>
+          <a:p>
+            <a:r>
+              <a:rPr lang="zh-CN" altLang="en-US" smtClean="0"/>
+              <a:t>通过直接指定标签名称作为选择器，作用于文档中所有的</a:t>
+            </a:r>
+            <a:r>
+              <a:rPr lang="en-US" altLang="zh-CN" smtClean="0"/>
+              <a:t>div</a:t>
+            </a:r>
+            <a:r>
+              <a:rPr lang="zh-CN" altLang="en-US" smtClean="0"/>
+              <a:t>标签。</a:t>
+            </a:r>
+            <a:endParaRPr lang="zh-CN" altLang="en-US"/>
+          </a:p>
+        </p:txBody>
+      </p:sp>
+    </p:spTree>
+    <p:extLst>
+      <p:ext uri="{BB962C8B-B14F-4D97-AF65-F5344CB8AC3E}">
+        <p14:creationId xmlns:p14="http://schemas.microsoft.com/office/powerpoint/2010/main" val="2032302088"/>
+      </p:ext>
+    </p:extLst>
+  </p:cSld>
+  <p:clrMapOvr>
+    <a:masterClrMapping/>
+  </p:clrMapOvr>
+</p:sld>
+</file>
+
+<file path=ppt/slides/slide4.xml><?xml version="1.0" encoding="utf-8"?>
+<p:sld xmlns:a="http://schemas.openxmlformats.org/drawingml/2006/main" xmlns:r="http://schemas.openxmlformats.org/officeDocument/2006/relationships" xmlns:p="http://schemas.openxmlformats.org/presentationml/2006/main">
+  <p:cSld>
+    <p:spTree>
+      <p:nvGrpSpPr>
+        <p:cNvPr id="1" name=""/>
+        <p:cNvGrpSpPr/>
+        <p:nvPr/>
+      </p:nvGrpSpPr>
+      <p:grpSpPr>
+        <a:xfrm>
+          <a:off x="0" y="0"/>
+          <a:ext cx="0" cy="0"/>
+          <a:chOff x="0" y="0"/>
+          <a:chExt cx="0" cy="0"/>
+        </a:xfrm>
+      </p:grpSpPr>
+      <p:sp>
+        <p:nvSpPr>
+          <p:cNvPr id="2" name="标题 1"/>
+          <p:cNvSpPr>
+            <a:spLocks noGrp="1"/>
+          </p:cNvSpPr>
+          <p:nvPr>
+            <p:ph type="title"/>
+          </p:nvPr>
+        </p:nvSpPr>
+        <p:spPr>
+          <a:xfrm>
+            <a:off x="838200" y="365125"/>
+            <a:ext cx="10515600" cy="966525"/>
+          </a:xfrm>
+        </p:spPr>
+        <p:txBody>
+          <a:bodyPr/>
+          <a:lstStyle/>
+          <a:p>
+            <a:pPr algn="ctr"/>
+            <a:r>
+              <a:rPr lang="en-US" altLang="zh-CN" smtClean="0"/>
+              <a:t>id</a:t>
+            </a:r>
+            <a:r>
+              <a:rPr lang="zh-CN" altLang="en-US" smtClean="0"/>
+              <a:t>选择器</a:t>
+            </a:r>
+            <a:endParaRPr lang="zh-CN" altLang="en-US"/>
+          </a:p>
+        </p:txBody>
+      </p:sp>
+      <p:sp>
+        <p:nvSpPr>
+          <p:cNvPr id="3" name="内容占位符 2"/>
+          <p:cNvSpPr>
+            <a:spLocks noGrp="1"/>
+          </p:cNvSpPr>
+          <p:nvPr>
+            <p:ph idx="1"/>
+          </p:nvPr>
+        </p:nvSpPr>
+        <p:spPr>
+          <a:xfrm>
+            <a:off x="838200" y="1455938"/>
+            <a:ext cx="10515600" cy="4721025"/>
+          </a:xfrm>
+        </p:spPr>
+        <p:txBody>
+          <a:bodyPr>
+            <a:normAutofit fontScale="92500" lnSpcReduction="10000"/>
+          </a:bodyPr>
+          <a:lstStyle/>
+          <a:p>
+            <a:r>
+              <a:rPr lang="en-US" altLang="zh-CN" smtClean="0"/>
+              <a:t>css</a:t>
+            </a:r>
+            <a:r>
+              <a:rPr lang="zh-CN" altLang="en-US" smtClean="0"/>
+              <a:t>代码：</a:t>
+            </a:r>
+            <a:endParaRPr lang="en-US" altLang="zh-CN" smtClean="0"/>
+          </a:p>
+          <a:p>
+            <a:r>
+              <a:rPr lang="en-US" altLang="zh-CN" smtClean="0"/>
+              <a:t>#name {</a:t>
+            </a:r>
+          </a:p>
+          <a:p>
+            <a:r>
+              <a:rPr lang="en-US" altLang="zh-CN"/>
+              <a:t> </a:t>
+            </a:r>
+            <a:r>
+              <a:rPr lang="en-US" altLang="zh-CN" smtClean="0"/>
+              <a:t> color: red;</a:t>
+            </a:r>
+          </a:p>
+          <a:p>
+            <a:r>
+              <a:rPr lang="en-US" altLang="zh-CN" smtClean="0"/>
+              <a:t>}</a:t>
+            </a:r>
+          </a:p>
+          <a:p>
+            <a:r>
+              <a:rPr lang="en-US" altLang="zh-CN" smtClean="0"/>
+              <a:t>html</a:t>
+            </a:r>
+            <a:r>
+              <a:rPr lang="zh-CN" altLang="en-US" smtClean="0"/>
+              <a:t>代码：</a:t>
+            </a:r>
+            <a:endParaRPr lang="en-US" altLang="zh-CN" smtClean="0"/>
+          </a:p>
+          <a:p>
+            <a:r>
+              <a:rPr lang="en-US" altLang="zh-CN" smtClean="0"/>
+              <a:t>&lt;div id=“name”&gt;123&lt;/div&gt;</a:t>
+            </a:r>
+          </a:p>
+          <a:p>
+            <a:r>
+              <a:rPr lang="en-US" altLang="zh-CN"/>
+              <a:t>&lt;div id=“name”&gt;123&lt;/</a:t>
+            </a:r>
+            <a:r>
+              <a:rPr lang="en-US" altLang="zh-CN"/>
+              <a:t>div</a:t>
+            </a:r>
+            <a:r>
+              <a:rPr lang="en-US" altLang="zh-CN" smtClean="0"/>
+              <a:t>&gt;</a:t>
+            </a:r>
+          </a:p>
+          <a:p>
+            <a:r>
+              <a:rPr lang="zh-CN" altLang="en-US" smtClean="0"/>
+              <a:t>与类选择器相同，</a:t>
+            </a:r>
+            <a:r>
+              <a:rPr lang="en-US" altLang="zh-CN" smtClean="0"/>
+              <a:t>#name</a:t>
+            </a:r>
+            <a:r>
+              <a:rPr lang="zh-CN" altLang="en-US" smtClean="0"/>
+              <a:t>会对所有</a:t>
+            </a:r>
+            <a:r>
+              <a:rPr lang="en-US" altLang="zh-CN" smtClean="0"/>
+              <a:t>id</a:t>
+            </a:r>
+            <a:r>
+              <a:rPr lang="zh-CN" altLang="en-US" smtClean="0"/>
+              <a:t>属性值为</a:t>
+            </a:r>
+            <a:r>
+              <a:rPr lang="en-US" altLang="zh-CN" smtClean="0"/>
+              <a:t>name</a:t>
+            </a:r>
+            <a:r>
+              <a:rPr lang="zh-CN" altLang="en-US" smtClean="0"/>
+              <a:t>的标签生效，写法是</a:t>
+            </a:r>
+            <a:r>
+              <a:rPr lang="en-US" altLang="zh-CN" smtClean="0"/>
+              <a:t>”#id</a:t>
+            </a:r>
+            <a:r>
+              <a:rPr lang="zh-CN" altLang="en-US" smtClean="0"/>
+              <a:t>名</a:t>
+            </a:r>
+            <a:r>
+              <a:rPr lang="en-US" altLang="zh-CN" smtClean="0"/>
+              <a:t>”</a:t>
+            </a:r>
+            <a:r>
+              <a:rPr lang="zh-CN" altLang="en-US" smtClean="0"/>
+              <a:t>，</a:t>
+            </a:r>
+            <a:r>
+              <a:rPr lang="en-US" altLang="zh-CN" smtClean="0"/>
+              <a:t>#</a:t>
+            </a:r>
+            <a:r>
+              <a:rPr lang="zh-CN" altLang="en-US" smtClean="0"/>
+              <a:t>代表</a:t>
+            </a:r>
+            <a:r>
+              <a:rPr lang="en-US" altLang="zh-CN" smtClean="0"/>
+              <a:t>id</a:t>
+            </a:r>
+            <a:r>
+              <a:rPr lang="zh-CN" altLang="en-US" smtClean="0"/>
+              <a:t>。</a:t>
+            </a:r>
+            <a:endParaRPr lang="en-US" altLang="zh-CN" smtClean="0"/>
+          </a:p>
+          <a:p>
+            <a:r>
+              <a:rPr lang="zh-CN" altLang="en-US" smtClean="0"/>
+              <a:t>不过实际工作中，</a:t>
+            </a:r>
+            <a:r>
+              <a:rPr lang="en-US" altLang="zh-CN" smtClean="0"/>
+              <a:t>id</a:t>
+            </a:r>
+            <a:r>
+              <a:rPr lang="zh-CN" altLang="en-US" smtClean="0"/>
+              <a:t>是不会作为</a:t>
+            </a:r>
+            <a:r>
+              <a:rPr lang="en-US" altLang="zh-CN" smtClean="0"/>
+              <a:t>css</a:t>
+            </a:r>
+            <a:r>
+              <a:rPr lang="zh-CN" altLang="en-US" smtClean="0"/>
+              <a:t>选择器的。使用</a:t>
+            </a:r>
+            <a:r>
+              <a:rPr lang="en-US" altLang="zh-CN" smtClean="0"/>
+              <a:t>javascript</a:t>
+            </a:r>
+            <a:r>
+              <a:rPr lang="zh-CN" altLang="en-US" smtClean="0"/>
+              <a:t>时，通过</a:t>
+            </a:r>
+            <a:r>
+              <a:rPr lang="en-US" altLang="zh-CN" smtClean="0"/>
+              <a:t>id</a:t>
+            </a:r>
+            <a:r>
+              <a:rPr lang="zh-CN" altLang="en-US" smtClean="0"/>
+              <a:t>选择元素时，如果文档中出现多个同名</a:t>
+            </a:r>
+            <a:r>
+              <a:rPr lang="en-US" altLang="zh-CN" smtClean="0"/>
+              <a:t>id</a:t>
+            </a:r>
+            <a:r>
+              <a:rPr lang="zh-CN" altLang="en-US" smtClean="0"/>
+              <a:t>，只会选中第一个出现的</a:t>
+            </a:r>
+            <a:r>
+              <a:rPr lang="en-US" altLang="zh-CN" smtClean="0"/>
+              <a:t>id</a:t>
+            </a:r>
+            <a:r>
+              <a:rPr lang="zh-CN" altLang="en-US" smtClean="0"/>
+              <a:t>。</a:t>
+            </a:r>
+            <a:endParaRPr lang="zh-CN" altLang="en-US"/>
+          </a:p>
+          <a:p>
+            <a:endParaRPr lang="zh-CN" altLang="en-US"/>
+          </a:p>
+        </p:txBody>
+      </p:sp>
+    </p:spTree>
+    <p:extLst>
+      <p:ext uri="{BB962C8B-B14F-4D97-AF65-F5344CB8AC3E}">
+        <p14:creationId xmlns:p14="http://schemas.microsoft.com/office/powerpoint/2010/main" val="1003649043"/>
+      </p:ext>
+    </p:extLst>
+  </p:cSld>
+  <p:clrMapOvr>
+    <a:masterClrMapping/>
+  </p:clrMapOvr>
+</p:sld>
+</file>
+
+<file path=ppt/slides/slide5.xml><?xml version="1.0" encoding="utf-8"?>
+<p:sld xmlns:a="http://schemas.openxmlformats.org/drawingml/2006/main" xmlns:r="http://schemas.openxmlformats.org/officeDocument/2006/relationships" xmlns:p="http://schemas.openxmlformats.org/presentationml/2006/main">
+  <p:cSld>
+    <p:spTree>
+      <p:nvGrpSpPr>
+        <p:cNvPr id="1" name=""/>
+        <p:cNvGrpSpPr/>
+        <p:nvPr/>
+      </p:nvGrpSpPr>
+      <p:grpSpPr>
+        <a:xfrm>
+          <a:off x="0" y="0"/>
+          <a:ext cx="0" cy="0"/>
+          <a:chOff x="0" y="0"/>
+          <a:chExt cx="0" cy="0"/>
+        </a:xfrm>
+      </p:grpSpPr>
+      <p:sp>
+        <p:nvSpPr>
+          <p:cNvPr id="2" name="标题 1"/>
+          <p:cNvSpPr>
+            <a:spLocks noGrp="1"/>
+          </p:cNvSpPr>
+          <p:nvPr>
+            <p:ph type="title"/>
+          </p:nvPr>
+        </p:nvSpPr>
+        <p:spPr/>
+        <p:txBody>
+          <a:bodyPr/>
+          <a:lstStyle/>
+          <a:p>
+            <a:pPr algn="ctr"/>
+            <a:r>
+              <a:rPr lang="zh-CN" altLang="en-US" smtClean="0"/>
+              <a:t>后代选择器</a:t>
+            </a:r>
+            <a:endParaRPr lang="zh-CN" altLang="en-US"/>
+          </a:p>
+        </p:txBody>
+      </p:sp>
+      <p:sp>
+        <p:nvSpPr>
+          <p:cNvPr id="3" name="内容占位符 2"/>
+          <p:cNvSpPr>
+            <a:spLocks noGrp="1"/>
+          </p:cNvSpPr>
+          <p:nvPr>
+            <p:ph idx="1"/>
+          </p:nvPr>
+        </p:nvSpPr>
+        <p:spPr/>
+        <p:txBody>
+          <a:bodyPr>
+            <a:normAutofit fontScale="92500" lnSpcReduction="10000"/>
+          </a:bodyPr>
+          <a:lstStyle/>
+          <a:p>
+            <a:r>
+              <a:rPr lang="en-US" altLang="zh-CN" smtClean="0"/>
+              <a:t>css</a:t>
+            </a:r>
+            <a:r>
+              <a:rPr lang="zh-CN" altLang="en-US" smtClean="0"/>
+              <a:t>代码：</a:t>
+            </a:r>
+            <a:endParaRPr lang="en-US" altLang="zh-CN" smtClean="0"/>
+          </a:p>
+          <a:p>
+            <a:r>
+              <a:rPr lang="en-US" altLang="zh-CN" smtClean="0"/>
+              <a:t>.parent .sub {</a:t>
+            </a:r>
+          </a:p>
+          <a:p>
+            <a:r>
+              <a:rPr lang="en-US" altLang="zh-CN" smtClean="0"/>
+              <a:t>  color: red;</a:t>
+            </a:r>
+            <a:endParaRPr lang="en-US" altLang="zh-CN"/>
+          </a:p>
+          <a:p>
+            <a:r>
+              <a:rPr lang="en-US" altLang="zh-CN" smtClean="0"/>
+              <a:t>}</a:t>
+            </a:r>
+          </a:p>
+          <a:p>
+            <a:r>
+              <a:rPr lang="en-US" altLang="zh-CN" smtClean="0"/>
+              <a:t>html</a:t>
+            </a:r>
+            <a:r>
+              <a:rPr lang="zh-CN" altLang="en-US" smtClean="0"/>
+              <a:t>代码：</a:t>
+            </a:r>
+            <a:endParaRPr lang="en-US" altLang="zh-CN" smtClean="0"/>
+          </a:p>
+          <a:p>
+            <a:r>
+              <a:rPr lang="en-US" altLang="zh-CN" smtClean="0"/>
+              <a:t>&lt;</a:t>
+            </a:r>
+            <a:r>
+              <a:rPr lang="en-US" altLang="zh-CN"/>
+              <a:t>div class="parent"&gt;</a:t>
+            </a:r>
+          </a:p>
+          <a:p>
+            <a:r>
+              <a:rPr lang="en-US" altLang="zh-CN" smtClean="0"/>
+              <a:t>  &lt;</a:t>
+            </a:r>
+            <a:r>
+              <a:rPr lang="en-US" altLang="zh-CN"/>
+              <a:t>div class="sub"&gt;div-2-1&lt;/div&gt;</a:t>
+            </a:r>
+          </a:p>
+          <a:p>
+            <a:r>
+              <a:rPr lang="en-US" altLang="zh-CN" smtClean="0"/>
+              <a:t>&lt;/</a:t>
+            </a:r>
+            <a:r>
+              <a:rPr lang="en-US" altLang="zh-CN"/>
+              <a:t>div</a:t>
+            </a:r>
+            <a:r>
+              <a:rPr lang="en-US" altLang="zh-CN" smtClean="0"/>
+              <a:t>&gt;</a:t>
+            </a:r>
+          </a:p>
+          <a:p>
+            <a:r>
+              <a:rPr lang="en-US" altLang="zh-CN" smtClean="0"/>
+              <a:t>.parent</a:t>
+            </a:r>
+            <a:r>
+              <a:rPr lang="zh-CN" altLang="en-US" smtClean="0"/>
+              <a:t>后面加一个空格然后跟一个</a:t>
+            </a:r>
+            <a:r>
+              <a:rPr lang="en-US" altLang="zh-CN" smtClean="0"/>
+              <a:t>.sub</a:t>
+            </a:r>
+            <a:r>
+              <a:rPr lang="zh-CN" altLang="en-US" smtClean="0"/>
+              <a:t>，表示作用域对</a:t>
+            </a:r>
+            <a:r>
+              <a:rPr lang="en-US" altLang="zh-CN" smtClean="0"/>
+              <a:t>.parent</a:t>
+            </a:r>
+            <a:r>
+              <a:rPr lang="zh-CN" altLang="en-US" smtClean="0"/>
+              <a:t>下所有</a:t>
+            </a:r>
+            <a:r>
+              <a:rPr lang="en-US" altLang="zh-CN" smtClean="0"/>
+              <a:t>.sub</a:t>
+            </a:r>
+            <a:r>
+              <a:rPr lang="zh-CN" altLang="en-US" smtClean="0"/>
+              <a:t>，不会作用于</a:t>
+            </a:r>
+            <a:r>
+              <a:rPr lang="en-US" altLang="zh-CN" smtClean="0"/>
+              <a:t>.parent</a:t>
+            </a:r>
+            <a:r>
+              <a:rPr lang="zh-CN" altLang="en-US"/>
+              <a:t>。</a:t>
+            </a:r>
+          </a:p>
+        </p:txBody>
+      </p:sp>
+    </p:spTree>
+    <p:extLst>
+      <p:ext uri="{BB962C8B-B14F-4D97-AF65-F5344CB8AC3E}">
+        <p14:creationId xmlns:p14="http://schemas.microsoft.com/office/powerpoint/2010/main" val="2882921007"/>
+      </p:ext>
+    </p:extLst>
+  </p:cSld>
+  <p:clrMapOvr>
+    <a:masterClrMapping/>
+  </p:clrMapOvr>
+</p:sld>
+</file>
+
+<file path=ppt/slides/slide6.xml><?xml version="1.0" encoding="utf-8"?>
+<p:sld xmlns:a="http://schemas.openxmlformats.org/drawingml/2006/main" xmlns:r="http://schemas.openxmlformats.org/officeDocument/2006/relationships" xmlns:p="http://schemas.openxmlformats.org/presentationml/2006/main">
+  <p:cSld>
+    <p:spTree>
+      <p:nvGrpSpPr>
+        <p:cNvPr id="1" name=""/>
+        <p:cNvGrpSpPr/>
+        <p:nvPr/>
+      </p:nvGrpSpPr>
+      <p:grpSpPr>
+        <a:xfrm>
+          <a:off x="0" y="0"/>
+          <a:ext cx="0" cy="0"/>
+          <a:chOff x="0" y="0"/>
+          <a:chExt cx="0" cy="0"/>
+        </a:xfrm>
+      </p:grpSpPr>
+      <p:sp>
+        <p:nvSpPr>
+          <p:cNvPr id="2" name="标题 1"/>
+          <p:cNvSpPr>
+            <a:spLocks noGrp="1"/>
+          </p:cNvSpPr>
+          <p:nvPr>
+            <p:ph type="title"/>
+          </p:nvPr>
+        </p:nvSpPr>
+        <p:spPr>
+          <a:xfrm>
+            <a:off x="838200" y="365126"/>
+            <a:ext cx="10515600" cy="833360"/>
+          </a:xfrm>
+        </p:spPr>
+        <p:txBody>
+          <a:bodyPr/>
+          <a:lstStyle/>
+          <a:p>
+            <a:pPr algn="ctr"/>
+            <a:r>
+              <a:rPr lang="zh-CN" altLang="en-US" smtClean="0"/>
+              <a:t>子选择器</a:t>
+            </a:r>
+            <a:endParaRPr lang="zh-CN" altLang="en-US"/>
+          </a:p>
+        </p:txBody>
+      </p:sp>
+      <p:sp>
+        <p:nvSpPr>
+          <p:cNvPr id="3" name="内容占位符 2"/>
+          <p:cNvSpPr>
+            <a:spLocks noGrp="1"/>
+          </p:cNvSpPr>
+          <p:nvPr>
+            <p:ph idx="1"/>
+          </p:nvPr>
+        </p:nvSpPr>
+        <p:spPr>
+          <a:xfrm>
+            <a:off x="838200" y="1402672"/>
+            <a:ext cx="10515600" cy="4774291"/>
+          </a:xfrm>
+        </p:spPr>
+        <p:txBody>
+          <a:bodyPr>
+            <a:normAutofit fontScale="70000" lnSpcReduction="20000"/>
+          </a:bodyPr>
+          <a:lstStyle/>
+          <a:p>
+            <a:r>
+              <a:rPr lang="en-US" altLang="zh-CN" smtClean="0"/>
+              <a:t>css</a:t>
+            </a:r>
+            <a:r>
+              <a:rPr lang="zh-CN" altLang="en-US" smtClean="0"/>
+              <a:t>代码：</a:t>
+            </a:r>
+            <a:endParaRPr lang="en-US" altLang="zh-CN" smtClean="0"/>
+          </a:p>
+          <a:p>
+            <a:r>
+              <a:rPr lang="en-US" altLang="zh-CN" smtClean="0"/>
+              <a:t>.div1 &gt; span {</a:t>
+            </a:r>
+          </a:p>
+          <a:p>
+            <a:r>
+              <a:rPr lang="en-US" altLang="zh-CN" smtClean="0"/>
+              <a:t>  color: red;</a:t>
+            </a:r>
+            <a:endParaRPr lang="en-US" altLang="zh-CN"/>
+          </a:p>
+          <a:p>
+            <a:r>
+              <a:rPr lang="en-US" altLang="zh-CN" smtClean="0"/>
+              <a:t>}</a:t>
+            </a:r>
+          </a:p>
+          <a:p>
+            <a:r>
+              <a:rPr lang="en-US" altLang="zh-CN" smtClean="0"/>
+              <a:t>html</a:t>
+            </a:r>
+            <a:r>
+              <a:rPr lang="zh-CN" altLang="en-US" smtClean="0"/>
+              <a:t>代码：</a:t>
+            </a:r>
+            <a:endParaRPr lang="en-US" altLang="zh-CN" smtClean="0"/>
+          </a:p>
+          <a:p>
+            <a:r>
+              <a:rPr lang="en-US" altLang="zh-CN"/>
+              <a:t>&lt;div class="div1"&gt;</a:t>
+            </a:r>
+          </a:p>
+          <a:p>
+            <a:r>
+              <a:rPr lang="en-US" altLang="zh-CN" smtClean="0"/>
+              <a:t>  &lt;span class=</a:t>
+            </a:r>
+            <a:r>
+              <a:rPr lang="en-US" altLang="zh-CN"/>
+              <a:t>"</a:t>
+            </a:r>
+            <a:r>
+              <a:rPr lang="en-US" altLang="zh-CN" smtClean="0"/>
+              <a:t>sub1"&gt;span-1-3</a:t>
+            </a:r>
+            <a:r>
+              <a:rPr lang="en-US" altLang="zh-CN"/>
+              <a:t>&lt;/span&gt;</a:t>
+            </a:r>
+          </a:p>
+          <a:p>
+            <a:r>
+              <a:rPr lang="en-US" altLang="zh-CN" smtClean="0"/>
+              <a:t>  &lt;</a:t>
+            </a:r>
+            <a:r>
+              <a:rPr lang="en-US" altLang="zh-CN"/>
+              <a:t>div class="</a:t>
+            </a:r>
+            <a:r>
+              <a:rPr lang="en-US" altLang="zh-CN"/>
+              <a:t>parent</a:t>
+            </a:r>
+            <a:r>
+              <a:rPr lang="en-US" altLang="zh-CN" smtClean="0"/>
+              <a:t>"&gt;</a:t>
+            </a:r>
+          </a:p>
+          <a:p>
+            <a:r>
+              <a:rPr lang="en-US" altLang="zh-CN" smtClean="0"/>
+              <a:t>    &lt;span class=</a:t>
+            </a:r>
+            <a:r>
+              <a:rPr lang="en-US" altLang="zh-CN"/>
+              <a:t>"</a:t>
+            </a:r>
+            <a:r>
+              <a:rPr lang="en-US" altLang="zh-CN" smtClean="0"/>
+              <a:t>sub2</a:t>
+            </a:r>
+            <a:r>
+              <a:rPr lang="en-US" altLang="zh-CN"/>
+              <a:t>"</a:t>
+            </a:r>
+            <a:r>
+              <a:rPr lang="en-US" altLang="zh-CN" smtClean="0"/>
+              <a:t>&gt;span-2-3</a:t>
+            </a:r>
+            <a:r>
+              <a:rPr lang="en-US" altLang="zh-CN"/>
+              <a:t>&lt;/span&gt;</a:t>
+            </a:r>
+          </a:p>
+          <a:p>
+            <a:r>
+              <a:rPr lang="en-US" altLang="zh-CN" smtClean="0"/>
+              <a:t>  &lt;/div&gt;</a:t>
+            </a:r>
+          </a:p>
+          <a:p>
+            <a:r>
+              <a:rPr lang="en-US" altLang="zh-CN" smtClean="0"/>
+              <a:t>&lt;/</a:t>
+            </a:r>
+            <a:r>
+              <a:rPr lang="en-US" altLang="zh-CN"/>
+              <a:t>div</a:t>
+            </a:r>
+            <a:r>
+              <a:rPr lang="en-US" altLang="zh-CN" smtClean="0"/>
+              <a:t>&gt;</a:t>
+            </a:r>
+          </a:p>
+          <a:p>
+            <a:r>
+              <a:rPr lang="zh-CN" altLang="en-US" smtClean="0"/>
+              <a:t>与后代选择器区别在于，子选择器作用域</a:t>
+            </a:r>
+            <a:r>
+              <a:rPr lang="en-US" altLang="zh-CN" smtClean="0"/>
+              <a:t>.div1</a:t>
+            </a:r>
+            <a:r>
+              <a:rPr lang="zh-CN" altLang="en-US" smtClean="0"/>
+              <a:t>下的直接元素，也就是</a:t>
+            </a:r>
+            <a:r>
+              <a:rPr lang="en-US" altLang="zh-CN" smtClean="0"/>
+              <a:t>.sub1</a:t>
+            </a:r>
+            <a:r>
+              <a:rPr lang="zh-CN" altLang="en-US" smtClean="0"/>
+              <a:t>，不会作用于</a:t>
+            </a:r>
+            <a:r>
+              <a:rPr lang="en-US" altLang="zh-CN" smtClean="0"/>
+              <a:t>.sub2</a:t>
+            </a:r>
+            <a:r>
+              <a:rPr lang="zh-CN" altLang="en-US" smtClean="0"/>
+              <a:t>。</a:t>
+            </a:r>
+            <a:endParaRPr lang="en-US" altLang="zh-CN" smtClean="0"/>
+          </a:p>
+          <a:p>
+            <a:r>
+              <a:rPr lang="zh-CN" altLang="en-US" smtClean="0"/>
+              <a:t>用法</a:t>
+            </a:r>
+            <a:r>
+              <a:rPr lang="zh-CN" altLang="en-US"/>
+              <a:t>父级</a:t>
+            </a:r>
+            <a:r>
+              <a:rPr lang="zh-CN" altLang="en-US"/>
+              <a:t>选择</a:t>
+            </a:r>
+            <a:r>
+              <a:rPr lang="zh-CN" altLang="en-US" smtClean="0"/>
+              <a:t>器 </a:t>
+            </a:r>
+            <a:r>
+              <a:rPr lang="en-US" altLang="zh-CN" smtClean="0"/>
+              <a:t>&gt; </a:t>
+            </a:r>
+            <a:r>
+              <a:rPr lang="zh-CN" altLang="en-US" smtClean="0"/>
+              <a:t>子选择器，中间是</a:t>
+            </a:r>
+            <a:r>
+              <a:rPr lang="en-US" altLang="zh-CN" smtClean="0"/>
+              <a:t>”&gt;”</a:t>
+            </a:r>
+            <a:r>
+              <a:rPr lang="zh-CN" altLang="en-US"/>
+              <a:t>。</a:t>
+            </a:r>
+            <a:endParaRPr lang="en-US" altLang="zh-CN" smtClean="0"/>
+          </a:p>
+        </p:txBody>
+      </p:sp>
+    </p:spTree>
+    <p:extLst>
+      <p:ext uri="{BB962C8B-B14F-4D97-AF65-F5344CB8AC3E}">
+        <p14:creationId xmlns:p14="http://schemas.microsoft.com/office/powerpoint/2010/main" val="1863646798"/>
+      </p:ext>
+    </p:extLst>
+  </p:cSld>
+  <p:clrMapOvr>
+    <a:masterClrMapping/>
+  </p:clrMapOvr>
+</p:sld>
+</file>
+
+<file path=ppt/slides/slide7.xml><?xml version="1.0" encoding="utf-8"?>
+<p:sld xmlns:a="http://schemas.openxmlformats.org/drawingml/2006/main" xmlns:r="http://schemas.openxmlformats.org/officeDocument/2006/relationships" xmlns:p="http://schemas.openxmlformats.org/presentationml/2006/main">
+  <p:cSld>
+    <p:spTree>
+      <p:nvGrpSpPr>
+        <p:cNvPr id="1" name=""/>
+        <p:cNvGrpSpPr/>
+        <p:nvPr/>
+      </p:nvGrpSpPr>
+      <p:grpSpPr>
+        <a:xfrm>
+          <a:off x="0" y="0"/>
+          <a:ext cx="0" cy="0"/>
+          <a:chOff x="0" y="0"/>
+          <a:chExt cx="0" cy="0"/>
+        </a:xfrm>
+      </p:grpSpPr>
+      <p:sp>
+        <p:nvSpPr>
+          <p:cNvPr id="2" name="标题 1"/>
+          <p:cNvSpPr>
+            <a:spLocks noGrp="1"/>
+          </p:cNvSpPr>
+          <p:nvPr>
+            <p:ph type="title"/>
+          </p:nvPr>
+        </p:nvSpPr>
+        <p:spPr>
+          <a:xfrm>
+            <a:off x="838200" y="365125"/>
+            <a:ext cx="10515600" cy="931015"/>
+          </a:xfrm>
+        </p:spPr>
+        <p:txBody>
+          <a:bodyPr/>
+          <a:lstStyle/>
+          <a:p>
+            <a:pPr algn="ctr"/>
+            <a:r>
+              <a:rPr lang="zh-CN" altLang="en-US" smtClean="0"/>
+              <a:t>伪类选择器</a:t>
+            </a:r>
+            <a:endParaRPr lang="zh-CN" altLang="en-US"/>
+          </a:p>
+        </p:txBody>
+      </p:sp>
+      <p:sp>
+        <p:nvSpPr>
+          <p:cNvPr id="3" name="内容占位符 2"/>
+          <p:cNvSpPr>
+            <a:spLocks noGrp="1"/>
+          </p:cNvSpPr>
+          <p:nvPr>
+            <p:ph idx="1"/>
+          </p:nvPr>
+        </p:nvSpPr>
+        <p:spPr>
+          <a:xfrm>
+            <a:off x="838200" y="1455938"/>
+            <a:ext cx="10515600" cy="4721025"/>
+          </a:xfrm>
+        </p:spPr>
+        <p:txBody>
+          <a:bodyPr/>
+          <a:lstStyle/>
+          <a:p>
+            <a:r>
+              <a:rPr lang="zh-CN" altLang="en-US"/>
+              <a:t>有时候还会需要用文档以外的其他条件来应用元素的样式，比如鼠标悬停等。这时候我们就需要用到</a:t>
+            </a:r>
+            <a:r>
+              <a:rPr lang="zh-CN" altLang="en-US"/>
+              <a:t>伪</a:t>
+            </a:r>
+            <a:r>
+              <a:rPr lang="zh-CN" altLang="en-US" smtClean="0"/>
+              <a:t>类。</a:t>
+            </a:r>
+            <a:endParaRPr lang="en-US" altLang="zh-CN" smtClean="0"/>
+          </a:p>
+          <a:p>
+            <a:r>
+              <a:rPr lang="en-US" altLang="zh-CN" smtClean="0"/>
+              <a:t>a:link</a:t>
+            </a:r>
+            <a:r>
+              <a:rPr lang="zh-CN" altLang="en-US" smtClean="0"/>
+              <a:t>：链接</a:t>
+            </a:r>
+            <a:r>
+              <a:rPr lang="zh-CN" altLang="en-US"/>
+              <a:t>在没有被点击时</a:t>
+            </a:r>
+            <a:r>
+              <a:rPr lang="zh-CN" altLang="en-US"/>
+              <a:t>的</a:t>
+            </a:r>
+            <a:r>
+              <a:rPr lang="zh-CN" altLang="en-US" smtClean="0"/>
+              <a:t>样式。</a:t>
+            </a:r>
+            <a:endParaRPr lang="en-US" altLang="zh-CN" smtClean="0"/>
+          </a:p>
+          <a:p>
+            <a:r>
+              <a:rPr lang="en-US" altLang="zh-CN" smtClean="0"/>
+              <a:t>a:visited</a:t>
+            </a:r>
+            <a:r>
+              <a:rPr lang="zh-CN" altLang="en-US" smtClean="0"/>
+              <a:t>：</a:t>
+            </a:r>
+            <a:r>
+              <a:rPr lang="zh-CN" altLang="en-US"/>
+              <a:t>链接已经被访问时</a:t>
+            </a:r>
+            <a:r>
+              <a:rPr lang="zh-CN" altLang="en-US"/>
+              <a:t>的</a:t>
+            </a:r>
+            <a:r>
+              <a:rPr lang="zh-CN" altLang="en-US" smtClean="0"/>
+              <a:t>样式。</a:t>
+            </a:r>
+            <a:endParaRPr lang="en-US" altLang="zh-CN" smtClean="0"/>
+          </a:p>
+          <a:p>
+            <a:r>
+              <a:rPr lang="en-US" altLang="zh-CN" smtClean="0"/>
+              <a:t>a:hover</a:t>
+            </a:r>
+            <a:r>
+              <a:rPr lang="zh-CN" altLang="en-US" smtClean="0"/>
+              <a:t>：</a:t>
+            </a:r>
+            <a:r>
+              <a:rPr lang="zh-CN" altLang="en-US"/>
+              <a:t>鼠标悬停在链接上面时</a:t>
+            </a:r>
+            <a:r>
+              <a:rPr lang="zh-CN" altLang="en-US"/>
+              <a:t>的</a:t>
+            </a:r>
+            <a:r>
+              <a:rPr lang="zh-CN" altLang="en-US" smtClean="0"/>
+              <a:t>样式。</a:t>
+            </a:r>
+            <a:endParaRPr lang="en-US" altLang="zh-CN" smtClean="0"/>
+          </a:p>
+          <a:p>
+            <a:r>
+              <a:rPr lang="en-US" altLang="zh-CN" smtClean="0"/>
+              <a:t>input:focus</a:t>
+            </a:r>
+            <a:r>
+              <a:rPr lang="zh-CN" altLang="en-US" smtClean="0"/>
+              <a:t>：输入框获取焦点时的样式。</a:t>
+            </a:r>
+            <a:endParaRPr lang="zh-CN" altLang="en-US"/>
+          </a:p>
+        </p:txBody>
+      </p:sp>
+    </p:spTree>
+    <p:extLst>
+      <p:ext uri="{BB962C8B-B14F-4D97-AF65-F5344CB8AC3E}">
+        <p14:creationId xmlns:p14="http://schemas.microsoft.com/office/powerpoint/2010/main" val="1659922702"/>
+      </p:ext>
+    </p:extLst>
+  </p:cSld>
+  <p:clrMapOvr>
+    <a:masterClrMapping/>
+  </p:clrMapOvr>
+</p:sld>
+</file>
+
+<file path=ppt/slides/slide8.xml><?xml version="1.0" encoding="utf-8"?>
+<p:sld xmlns:a="http://schemas.openxmlformats.org/drawingml/2006/main" xmlns:r="http://schemas.openxmlformats.org/officeDocument/2006/relationships" xmlns:p="http://schemas.openxmlformats.org/presentationml/2006/main">
+  <p:cSld>
+    <p:spTree>
+      <p:nvGrpSpPr>
+        <p:cNvPr id="1" name=""/>
+        <p:cNvGrpSpPr/>
+        <p:nvPr/>
+      </p:nvGrpSpPr>
+      <p:grpSpPr>
+        <a:xfrm>
+          <a:off x="0" y="0"/>
+          <a:ext cx="0" cy="0"/>
+          <a:chOff x="0" y="0"/>
+          <a:chExt cx="0" cy="0"/>
+        </a:xfrm>
+      </p:grpSpPr>
+      <p:sp>
+        <p:nvSpPr>
+          <p:cNvPr id="2" name="标题 1"/>
+          <p:cNvSpPr>
+            <a:spLocks noGrp="1"/>
+          </p:cNvSpPr>
+          <p:nvPr>
+            <p:ph type="title"/>
+          </p:nvPr>
+        </p:nvSpPr>
+        <p:spPr>
+          <a:xfrm>
+            <a:off x="838200" y="365125"/>
+            <a:ext cx="10515600" cy="913259"/>
+          </a:xfrm>
+        </p:spPr>
+        <p:txBody>
+          <a:bodyPr/>
+          <a:lstStyle/>
+          <a:p>
+            <a:pPr algn="ctr"/>
+            <a:r>
+              <a:rPr lang="zh-CN" altLang="en-US" smtClean="0"/>
+              <a:t>通用选择器</a:t>
+            </a:r>
+            <a:endParaRPr lang="zh-CN" altLang="en-US"/>
+          </a:p>
+        </p:txBody>
+      </p:sp>
+      <p:sp>
+        <p:nvSpPr>
+          <p:cNvPr id="3" name="内容占位符 2"/>
+          <p:cNvSpPr>
+            <a:spLocks noGrp="1"/>
+          </p:cNvSpPr>
+          <p:nvPr>
+            <p:ph idx="1"/>
+          </p:nvPr>
+        </p:nvSpPr>
+        <p:spPr>
+          <a:xfrm>
+            <a:off x="838200" y="1402672"/>
+            <a:ext cx="10515600" cy="4774291"/>
+          </a:xfrm>
+        </p:spPr>
+        <p:txBody>
+          <a:bodyPr/>
+          <a:lstStyle/>
+          <a:p>
+            <a:r>
+              <a:rPr lang="en-US" altLang="zh-CN" smtClean="0"/>
+              <a:t>* {</a:t>
+            </a:r>
+          </a:p>
+          <a:p>
+            <a:r>
+              <a:rPr lang="en-US" altLang="zh-CN" smtClean="0"/>
+              <a:t>  color: red;</a:t>
+            </a:r>
+            <a:endParaRPr lang="en-US" altLang="zh-CN"/>
+          </a:p>
+          <a:p>
+            <a:r>
+              <a:rPr lang="en-US" altLang="zh-CN" smtClean="0"/>
+              <a:t>}</a:t>
+            </a:r>
+          </a:p>
+          <a:p>
+            <a:r>
+              <a:rPr lang="zh-CN" altLang="en-US" smtClean="0"/>
+              <a:t>表示对文档内所有标签生效。</a:t>
+            </a:r>
+            <a:endParaRPr lang="zh-CN" altLang="en-US"/>
+          </a:p>
+        </p:txBody>
+      </p:sp>
+    </p:spTree>
+    <p:extLst>
+      <p:ext uri="{BB962C8B-B14F-4D97-AF65-F5344CB8AC3E}">
+        <p14:creationId xmlns:p14="http://schemas.microsoft.com/office/powerpoint/2010/main" val="2014995206"/>
+      </p:ext>
+    </p:extLst>
+  </p:cSld>
+  <p:clrMapOvr>
+    <a:masterClrMapping/>
+  </p:clrMapOvr>
+</p:sld>
+</file>
+
+<file path=ppt/slides/slide9.xml><?xml version="1.0" encoding="utf-8"?>
+<p:sld xmlns:a="http://schemas.openxmlformats.org/drawingml/2006/main" xmlns:r="http://schemas.openxmlformats.org/officeDocument/2006/relationships" xmlns:p="http://schemas.openxmlformats.org/presentationml/2006/main">
+  <p:cSld>
+    <p:spTree>
+      <p:nvGrpSpPr>
+        <p:cNvPr id="1" name=""/>
+        <p:cNvGrpSpPr/>
+        <p:nvPr/>
+      </p:nvGrpSpPr>
+      <p:grpSpPr>
+        <a:xfrm>
+          <a:off x="0" y="0"/>
+          <a:ext cx="0" cy="0"/>
+          <a:chOff x="0" y="0"/>
+          <a:chExt cx="0" cy="0"/>
+        </a:xfrm>
+      </p:grpSpPr>
+      <p:sp>
+        <p:nvSpPr>
+          <p:cNvPr id="2" name="标题 1"/>
+          <p:cNvSpPr>
+            <a:spLocks noGrp="1"/>
+          </p:cNvSpPr>
+          <p:nvPr>
+            <p:ph type="title"/>
+          </p:nvPr>
+        </p:nvSpPr>
+        <p:spPr>
+          <a:xfrm>
+            <a:off x="838200" y="365125"/>
+            <a:ext cx="10515600" cy="984281"/>
+          </a:xfrm>
+        </p:spPr>
+        <p:txBody>
+          <a:bodyPr/>
+          <a:lstStyle/>
+          <a:p>
+            <a:pPr algn="ctr"/>
+            <a:r>
+              <a:rPr lang="zh-CN" altLang="en-US" smtClean="0"/>
+              <a:t>组合选择器</a:t>
+            </a:r>
+            <a:endParaRPr lang="zh-CN" altLang="en-US"/>
+          </a:p>
+        </p:txBody>
+      </p:sp>
+      <p:sp>
+        <p:nvSpPr>
+          <p:cNvPr id="3" name="内容占位符 2"/>
+          <p:cNvSpPr>
+            <a:spLocks noGrp="1"/>
+          </p:cNvSpPr>
+          <p:nvPr>
+            <p:ph idx="1"/>
+          </p:nvPr>
+        </p:nvSpPr>
+        <p:spPr>
+          <a:xfrm>
+            <a:off x="838200" y="1349406"/>
+            <a:ext cx="10515600" cy="4827557"/>
+          </a:xfrm>
+        </p:spPr>
+        <p:txBody>
+          <a:bodyPr/>
+          <a:lstStyle/>
+          <a:p>
+            <a:r>
+              <a:rPr lang="en-US" altLang="zh-CN" smtClean="0"/>
+              <a:t>css</a:t>
+            </a:r>
+            <a:r>
+              <a:rPr lang="zh-CN" altLang="en-US" smtClean="0"/>
+              <a:t>代码：</a:t>
+            </a:r>
+            <a:endParaRPr lang="en-US" altLang="zh-CN" smtClean="0"/>
+          </a:p>
+          <a:p>
+            <a:r>
+              <a:rPr lang="en-US" altLang="zh-CN" smtClean="0"/>
+              <a:t>div, span {</a:t>
+            </a:r>
+          </a:p>
+          <a:p>
+            <a:r>
+              <a:rPr lang="en-US" altLang="zh-CN" smtClean="0"/>
+              <a:t>  color: red;</a:t>
+            </a:r>
+            <a:endParaRPr lang="en-US" altLang="zh-CN"/>
+          </a:p>
+          <a:p>
+            <a:r>
+              <a:rPr lang="en-US" altLang="zh-CN" smtClean="0"/>
+              <a:t>}</a:t>
+            </a:r>
+          </a:p>
+          <a:p>
+            <a:r>
+              <a:rPr lang="en-US" altLang="zh-CN" smtClean="0"/>
+              <a:t>html</a:t>
+            </a:r>
+            <a:r>
+              <a:rPr lang="zh-CN" altLang="en-US" smtClean="0"/>
+              <a:t>代码：</a:t>
+            </a:r>
+            <a:endParaRPr lang="en-US" altLang="zh-CN" smtClean="0"/>
+          </a:p>
+          <a:p>
+            <a:r>
+              <a:rPr lang="en-US" altLang="zh-CN"/>
+              <a:t>&lt;span&gt;span-1-4&lt;/span&gt;</a:t>
+            </a:r>
+          </a:p>
+          <a:p>
+            <a:r>
+              <a:rPr lang="en-US" altLang="zh-CN" smtClean="0"/>
+              <a:t>&lt;</a:t>
+            </a:r>
+            <a:r>
+              <a:rPr lang="en-US" altLang="zh-CN"/>
+              <a:t>div&gt;div-1-5&lt;/</a:t>
+            </a:r>
+            <a:r>
+              <a:rPr lang="en-US" altLang="zh-CN"/>
+              <a:t>div</a:t>
+            </a:r>
+            <a:r>
+              <a:rPr lang="en-US" altLang="zh-CN" smtClean="0"/>
+              <a:t>&gt;</a:t>
+            </a:r>
+          </a:p>
+          <a:p>
+            <a:r>
+              <a:rPr lang="zh-CN" altLang="en-US" smtClean="0"/>
+              <a:t>对文档内所有</a:t>
+            </a:r>
+            <a:r>
+              <a:rPr lang="en-US" altLang="zh-CN" smtClean="0"/>
+              <a:t>div</a:t>
+            </a:r>
+            <a:r>
+              <a:rPr lang="zh-CN" altLang="en-US" smtClean="0"/>
+              <a:t>和</a:t>
+            </a:r>
+            <a:r>
+              <a:rPr lang="en-US" altLang="zh-CN" smtClean="0"/>
+              <a:t>span</a:t>
+            </a:r>
+            <a:r>
+              <a:rPr lang="zh-CN" altLang="en-US" smtClean="0"/>
+              <a:t>标签同时生效。</a:t>
+            </a:r>
+            <a:endParaRPr lang="en-US" altLang="zh-CN" smtClean="0"/>
+          </a:p>
+          <a:p>
+            <a:r>
+              <a:rPr lang="zh-CN" altLang="en-US" smtClean="0"/>
+              <a:t>用法：选择器之间使用</a:t>
+            </a:r>
+            <a:r>
+              <a:rPr lang="en-US" altLang="zh-CN" smtClean="0"/>
+              <a:t>”,”</a:t>
+            </a:r>
+            <a:r>
+              <a:rPr lang="zh-CN" altLang="en-US" smtClean="0"/>
+              <a:t>分隔，后面加一个空格。</a:t>
+            </a:r>
+            <a:endParaRPr lang="zh-CN" altLang="en-US"/>
+          </a:p>
+        </p:txBody>
+      </p:sp>
+    </p:spTree>
+    <p:extLst>
+      <p:ext uri="{BB962C8B-B14F-4D97-AF65-F5344CB8AC3E}">
+        <p14:creationId xmlns:p14="http://schemas.microsoft.com/office/powerpoint/2010/main" val="2925841292"/>
       </p:ext>
     </p:extLst>
   </p:cSld>

--- a/材料/html/ppt/html-第五章.pptx
+++ b/材料/html/ppt/html-第五章.pptx
@@ -18,6 +18,13 @@
     <p:sldId id="266" r:id="rId12"/>
     <p:sldId id="267" r:id="rId13"/>
     <p:sldId id="268" r:id="rId14"/>
+    <p:sldId id="269" r:id="rId15"/>
+    <p:sldId id="270" r:id="rId16"/>
+    <p:sldId id="271" r:id="rId17"/>
+    <p:sldId id="272" r:id="rId18"/>
+    <p:sldId id="273" r:id="rId19"/>
+    <p:sldId id="274" r:id="rId20"/>
+    <p:sldId id="275" r:id="rId21"/>
   </p:sldIdLst>
   <p:sldSz cx="12192000" cy="6858000"/>
   <p:notesSz cx="6858000" cy="9144000"/>
@@ -3272,29 +3279,21 @@
             </a:r>
             <a:r>
               <a:rPr lang="en-US" altLang="zh-CN"/>
-              <a:t>div&gt;div-2-2&lt;/</a:t>
+              <a:t>div&gt;div-2-2&lt;/div</a:t>
+            </a:r>
+            <a:r>
+              <a:rPr lang="en-US" altLang="zh-CN" smtClean="0"/>
+              <a:t>&gt;</a:t>
+            </a:r>
+          </a:p>
+          <a:p>
+            <a:r>
+              <a:rPr lang="en-US" altLang="zh-CN" smtClean="0"/>
+              <a:t>  &lt;</a:t>
             </a:r>
             <a:r>
               <a:rPr lang="en-US" altLang="zh-CN"/>
-              <a:t>div</a:t>
-            </a:r>
-            <a:r>
-              <a:rPr lang="en-US" altLang="zh-CN" smtClean="0"/>
-              <a:t>&gt;</a:t>
-            </a:r>
-          </a:p>
-          <a:p>
-            <a:r>
-              <a:rPr lang="en-US" altLang="zh-CN" smtClean="0"/>
-              <a:t>  &lt;</a:t>
-            </a:r>
-            <a:r>
-              <a:rPr lang="en-US" altLang="zh-CN"/>
-              <a:t>div&gt;div-2-6&lt;/</a:t>
-            </a:r>
-            <a:r>
-              <a:rPr lang="en-US" altLang="zh-CN"/>
-              <a:t>div</a:t>
+              <a:t>div&gt;div-2-6&lt;/div</a:t>
             </a:r>
             <a:r>
               <a:rPr lang="en-US" altLang="zh-CN" smtClean="0"/>
@@ -3479,11 +3478,7 @@
           <a:p>
             <a:r>
               <a:rPr lang="en-US" altLang="zh-CN"/>
-              <a:t>&lt;input id</a:t>
-            </a:r>
-            <a:r>
-              <a:rPr lang="en-US" altLang="zh-CN"/>
-              <a:t>="</a:t>
+              <a:t>&lt;input id="</a:t>
             </a:r>
             <a:r>
               <a:rPr lang="en-US" altLang="zh-CN" smtClean="0"/>
@@ -3499,29 +3494,21 @@
             </a:r>
             <a:r>
               <a:rPr lang="en-US" altLang="zh-CN"/>
-              <a:t>1" </a:t>
+              <a:t>1" readonly </a:t>
+            </a:r>
+            <a:r>
+              <a:rPr lang="en-US" altLang="zh-CN" smtClean="0"/>
+              <a:t>/&gt;</a:t>
+            </a:r>
+          </a:p>
+          <a:p>
+            <a:r>
+              <a:rPr lang="en-US" altLang="zh-CN" smtClean="0"/>
+              <a:t>&lt;input </a:t>
             </a:r>
             <a:r>
               <a:rPr lang="en-US" altLang="zh-CN"/>
-              <a:t>readonly </a:t>
-            </a:r>
-            <a:r>
-              <a:rPr lang="en-US" altLang="zh-CN" smtClean="0"/>
-              <a:t>/&gt;</a:t>
-            </a:r>
-          </a:p>
-          <a:p>
-            <a:r>
-              <a:rPr lang="en-US" altLang="zh-CN" smtClean="0"/>
-              <a:t>&lt;input </a:t>
-            </a:r>
-            <a:r>
-              <a:rPr lang="en-US" altLang="zh-CN"/>
-              <a:t>id</a:t>
-            </a:r>
-            <a:r>
-              <a:rPr lang="en-US" altLang="zh-CN"/>
-              <a:t>="</a:t>
+              <a:t>id="</a:t>
             </a:r>
             <a:r>
               <a:rPr lang="en-US" altLang="zh-CN" smtClean="0"/>
@@ -3537,11 +3524,7 @@
             </a:r>
             <a:r>
               <a:rPr lang="en-US" altLang="zh-CN"/>
-              <a:t>2</a:t>
-            </a:r>
-            <a:r>
-              <a:rPr lang="en-US" altLang="zh-CN"/>
-              <a:t>" </a:t>
+              <a:t>2" </a:t>
             </a:r>
             <a:r>
               <a:rPr lang="en-US" altLang="zh-CN" smtClean="0"/>
@@ -3684,11 +3667,7 @@
             </a:r>
             <a:r>
               <a:rPr lang="en-US" altLang="zh-CN"/>
-              <a:t>“</a:t>
-            </a:r>
-            <a:r>
-              <a:rPr lang="en-US" altLang="zh-CN"/>
-              <a:t>user</a:t>
+              <a:t>“user</a:t>
             </a:r>
             <a:r>
               <a:rPr lang="en-US" altLang="zh-CN" smtClean="0"/>
@@ -4024,11 +4003,7 @@
           <a:p>
             <a:r>
               <a:rPr lang="en-US" altLang="zh-CN"/>
-              <a:t>  content</a:t>
-            </a:r>
-            <a:r>
-              <a:rPr lang="en-US" altLang="zh-CN"/>
-              <a:t>: </a:t>
+              <a:t>  content: </a:t>
             </a:r>
             <a:r>
               <a:rPr lang="en-US" altLang="zh-CN" smtClean="0"/>
@@ -4380,6 +4355,1298 @@
 </p:sld>
 </file>
 
+<file path=ppt/slides/slide14.xml><?xml version="1.0" encoding="utf-8"?>
+<p:sld xmlns:a="http://schemas.openxmlformats.org/drawingml/2006/main" xmlns:r="http://schemas.openxmlformats.org/officeDocument/2006/relationships" xmlns:p="http://schemas.openxmlformats.org/presentationml/2006/main">
+  <p:cSld>
+    <p:spTree>
+      <p:nvGrpSpPr>
+        <p:cNvPr id="1" name=""/>
+        <p:cNvGrpSpPr/>
+        <p:nvPr/>
+      </p:nvGrpSpPr>
+      <p:grpSpPr>
+        <a:xfrm>
+          <a:off x="0" y="0"/>
+          <a:ext cx="0" cy="0"/>
+          <a:chOff x="0" y="0"/>
+          <a:chExt cx="0" cy="0"/>
+        </a:xfrm>
+      </p:grpSpPr>
+      <p:sp>
+        <p:nvSpPr>
+          <p:cNvPr id="2" name="标题 1"/>
+          <p:cNvSpPr>
+            <a:spLocks noGrp="1"/>
+          </p:cNvSpPr>
+          <p:nvPr>
+            <p:ph type="title"/>
+          </p:nvPr>
+        </p:nvSpPr>
+        <p:spPr/>
+        <p:txBody>
+          <a:bodyPr/>
+          <a:lstStyle/>
+          <a:p>
+            <a:pPr algn="ctr"/>
+            <a:r>
+              <a:rPr lang="zh-CN" altLang="en-US" dirty="0" smtClean="0"/>
+              <a:t>浮动</a:t>
+            </a:r>
+            <a:r>
+              <a:rPr lang="en-US" altLang="zh-CN" dirty="0" smtClean="0"/>
+              <a:t>float</a:t>
+            </a:r>
+            <a:endParaRPr lang="zh-CN" altLang="en-US" dirty="0"/>
+          </a:p>
+        </p:txBody>
+      </p:sp>
+      <p:sp>
+        <p:nvSpPr>
+          <p:cNvPr id="3" name="内容占位符 2"/>
+          <p:cNvSpPr>
+            <a:spLocks noGrp="1"/>
+          </p:cNvSpPr>
+          <p:nvPr>
+            <p:ph idx="1"/>
+          </p:nvPr>
+        </p:nvSpPr>
+        <p:spPr/>
+        <p:txBody>
+          <a:bodyPr/>
+          <a:lstStyle/>
+          <a:p>
+            <a:r>
+              <a:rPr lang="en-US" altLang="zh-CN" dirty="0" smtClean="0"/>
+              <a:t>float</a:t>
+            </a:r>
+            <a:r>
+              <a:rPr lang="zh-CN" altLang="en-US" dirty="0" smtClean="0"/>
+              <a:t>：</a:t>
+            </a:r>
+            <a:r>
+              <a:rPr lang="en-US" altLang="zh-CN" dirty="0" smtClean="0"/>
+              <a:t>left</a:t>
+            </a:r>
+            <a:r>
+              <a:rPr lang="zh-CN" altLang="en-US" dirty="0" smtClean="0"/>
+              <a:t>、</a:t>
+            </a:r>
+            <a:r>
+              <a:rPr lang="en-US" altLang="zh-CN" dirty="0" smtClean="0"/>
+              <a:t>right</a:t>
+            </a:r>
+            <a:r>
+              <a:rPr lang="zh-CN" altLang="en-US" dirty="0" smtClean="0"/>
+              <a:t>、</a:t>
+            </a:r>
+            <a:r>
+              <a:rPr lang="en-US" altLang="zh-CN" dirty="0" smtClean="0"/>
+              <a:t>none</a:t>
+            </a:r>
+          </a:p>
+          <a:p>
+            <a:r>
+              <a:rPr lang="zh-CN" altLang="en-US" dirty="0" smtClean="0"/>
+              <a:t>使用场景：</a:t>
+            </a:r>
+            <a:endParaRPr lang="zh-CN" altLang="en-US" dirty="0"/>
+          </a:p>
+        </p:txBody>
+      </p:sp>
+      <p:pic>
+        <p:nvPicPr>
+          <p:cNvPr id="6147" name="Picture 3"/>
+          <p:cNvPicPr>
+            <a:picLocks noChangeAspect="1" noChangeArrowheads="1"/>
+          </p:cNvPicPr>
+          <p:nvPr/>
+        </p:nvPicPr>
+        <p:blipFill>
+          <a:blip r:embed="rId2">
+            <a:extLst>
+              <a:ext uri="{28A0092B-C50C-407E-A947-70E740481C1C}">
+                <a14:useLocalDpi xmlns:a14="http://schemas.microsoft.com/office/drawing/2010/main" val="0"/>
+              </a:ext>
+            </a:extLst>
+          </a:blip>
+          <a:srcRect/>
+          <a:stretch>
+            <a:fillRect/>
+          </a:stretch>
+        </p:blipFill>
+        <p:spPr bwMode="auto">
+          <a:xfrm>
+            <a:off x="919163" y="2767013"/>
+            <a:ext cx="6096000" cy="3609975"/>
+          </a:xfrm>
+          <a:prstGeom prst="rect">
+            <a:avLst/>
+          </a:prstGeom>
+          <a:noFill/>
+          <a:ln>
+            <a:noFill/>
+          </a:ln>
+          <a:effectLst/>
+          <a:extLst>
+            <a:ext uri="{909E8E84-426E-40DD-AFC4-6F175D3DCCD1}">
+              <a14:hiddenFill xmlns:a14="http://schemas.microsoft.com/office/drawing/2010/main">
+                <a:solidFill>
+                  <a:schemeClr val="accent1"/>
+                </a:solidFill>
+              </a14:hiddenFill>
+            </a:ext>
+            <a:ext uri="{91240B29-F687-4F45-9708-019B960494DF}">
+              <a14:hiddenLine xmlns:a14="http://schemas.microsoft.com/office/drawing/2010/main" w="9525">
+                <a:solidFill>
+                  <a:schemeClr val="tx1"/>
+                </a:solidFill>
+                <a:miter lim="800000"/>
+                <a:headEnd/>
+                <a:tailEnd/>
+              </a14:hiddenLine>
+            </a:ext>
+            <a:ext uri="{AF507438-7753-43E0-B8FC-AC1667EBCBE1}">
+              <a14:hiddenEffects xmlns:a14="http://schemas.microsoft.com/office/drawing/2010/main">
+                <a:effectLst>
+                  <a:outerShdw dist="35921" dir="2700000" algn="ctr" rotWithShape="0">
+                    <a:schemeClr val="bg2"/>
+                  </a:outerShdw>
+                </a:effectLst>
+              </a14:hiddenEffects>
+            </a:ext>
+          </a:extLst>
+        </p:spPr>
+      </p:pic>
+    </p:spTree>
+    <p:extLst>
+      <p:ext uri="{BB962C8B-B14F-4D97-AF65-F5344CB8AC3E}">
+        <p14:creationId xmlns:p14="http://schemas.microsoft.com/office/powerpoint/2010/main" val="4212372823"/>
+      </p:ext>
+    </p:extLst>
+  </p:cSld>
+  <p:clrMapOvr>
+    <a:masterClrMapping/>
+  </p:clrMapOvr>
+</p:sld>
+</file>
+
+<file path=ppt/slides/slide15.xml><?xml version="1.0" encoding="utf-8"?>
+<p:sld xmlns:a="http://schemas.openxmlformats.org/drawingml/2006/main" xmlns:r="http://schemas.openxmlformats.org/officeDocument/2006/relationships" xmlns:p="http://schemas.openxmlformats.org/presentationml/2006/main">
+  <p:cSld>
+    <p:spTree>
+      <p:nvGrpSpPr>
+        <p:cNvPr id="1" name=""/>
+        <p:cNvGrpSpPr/>
+        <p:nvPr/>
+      </p:nvGrpSpPr>
+      <p:grpSpPr>
+        <a:xfrm>
+          <a:off x="0" y="0"/>
+          <a:ext cx="0" cy="0"/>
+          <a:chOff x="0" y="0"/>
+          <a:chExt cx="0" cy="0"/>
+        </a:xfrm>
+      </p:grpSpPr>
+      <p:sp>
+        <p:nvSpPr>
+          <p:cNvPr id="3" name="内容占位符 2"/>
+          <p:cNvSpPr>
+            <a:spLocks noGrp="1"/>
+          </p:cNvSpPr>
+          <p:nvPr>
+            <p:ph idx="1"/>
+          </p:nvPr>
+        </p:nvSpPr>
+        <p:spPr>
+          <a:xfrm>
+            <a:off x="838200" y="514350"/>
+            <a:ext cx="10515600" cy="5662613"/>
+          </a:xfrm>
+        </p:spPr>
+        <p:txBody>
+          <a:bodyPr/>
+          <a:lstStyle/>
+          <a:p>
+            <a:r>
+              <a:rPr lang="zh-CN" altLang="en-US" dirty="0" smtClean="0"/>
+              <a:t>利用</a:t>
+            </a:r>
+            <a:r>
+              <a:rPr lang="en-US" altLang="zh-CN" dirty="0" smtClean="0"/>
+              <a:t>div</a:t>
+            </a:r>
+            <a:r>
+              <a:rPr lang="zh-CN" altLang="en-US" dirty="0" smtClean="0"/>
+              <a:t>和</a:t>
+            </a:r>
+            <a:r>
+              <a:rPr lang="en-US" altLang="zh-CN" dirty="0" smtClean="0"/>
+              <a:t>span</a:t>
+            </a:r>
+            <a:r>
+              <a:rPr lang="zh-CN" altLang="en-US" dirty="0" smtClean="0"/>
+              <a:t>创建表格样式，不管第一个</a:t>
+            </a:r>
+            <a:r>
+              <a:rPr lang="en-US" altLang="zh-CN" dirty="0" smtClean="0"/>
+              <a:t>span</a:t>
+            </a:r>
+            <a:r>
+              <a:rPr lang="zh-CN" altLang="en-US" dirty="0" smtClean="0"/>
+              <a:t>标签文字多少个，都能保持第二个</a:t>
+            </a:r>
+            <a:r>
+              <a:rPr lang="en-US" altLang="zh-CN" dirty="0" smtClean="0"/>
+              <a:t>span</a:t>
+            </a:r>
+            <a:r>
+              <a:rPr lang="zh-CN" altLang="en-US" dirty="0" smtClean="0"/>
+              <a:t>标签靠右。</a:t>
+            </a:r>
+            <a:endParaRPr lang="en-US" altLang="zh-CN" dirty="0" smtClean="0"/>
+          </a:p>
+          <a:p>
+            <a:r>
+              <a:rPr lang="zh-CN" altLang="en-US" dirty="0" smtClean="0"/>
+              <a:t>如果不使用</a:t>
+            </a:r>
+            <a:r>
+              <a:rPr lang="en-US" altLang="zh-CN" dirty="0" smtClean="0"/>
+              <a:t>float</a:t>
+            </a:r>
+            <a:r>
+              <a:rPr lang="zh-CN" altLang="en-US" dirty="0" smtClean="0"/>
+              <a:t>，会发现行内标签和行内块级元素都会有间隙。，这时候使用浮动无疑是最好的。</a:t>
+            </a:r>
+            <a:endParaRPr lang="zh-CN" altLang="en-US" dirty="0"/>
+          </a:p>
+        </p:txBody>
+      </p:sp>
+      <p:pic>
+        <p:nvPicPr>
+          <p:cNvPr id="7170" name="Picture 2"/>
+          <p:cNvPicPr>
+            <a:picLocks noChangeAspect="1" noChangeArrowheads="1"/>
+          </p:cNvPicPr>
+          <p:nvPr/>
+        </p:nvPicPr>
+        <p:blipFill>
+          <a:blip r:embed="rId2">
+            <a:extLst>
+              <a:ext uri="{28A0092B-C50C-407E-A947-70E740481C1C}">
+                <a14:useLocalDpi xmlns:a14="http://schemas.microsoft.com/office/drawing/2010/main" val="0"/>
+              </a:ext>
+            </a:extLst>
+          </a:blip>
+          <a:srcRect/>
+          <a:stretch>
+            <a:fillRect/>
+          </a:stretch>
+        </p:blipFill>
+        <p:spPr bwMode="auto">
+          <a:xfrm>
+            <a:off x="2352674" y="2314575"/>
+            <a:ext cx="6513513" cy="3543300"/>
+          </a:xfrm>
+          <a:prstGeom prst="rect">
+            <a:avLst/>
+          </a:prstGeom>
+          <a:noFill/>
+          <a:ln>
+            <a:noFill/>
+          </a:ln>
+          <a:effectLst/>
+          <a:extLst>
+            <a:ext uri="{909E8E84-426E-40DD-AFC4-6F175D3DCCD1}">
+              <a14:hiddenFill xmlns:a14="http://schemas.microsoft.com/office/drawing/2010/main">
+                <a:solidFill>
+                  <a:schemeClr val="accent1"/>
+                </a:solidFill>
+              </a14:hiddenFill>
+            </a:ext>
+            <a:ext uri="{91240B29-F687-4F45-9708-019B960494DF}">
+              <a14:hiddenLine xmlns:a14="http://schemas.microsoft.com/office/drawing/2010/main" w="9525">
+                <a:solidFill>
+                  <a:schemeClr val="tx1"/>
+                </a:solidFill>
+                <a:miter lim="800000"/>
+                <a:headEnd/>
+                <a:tailEnd/>
+              </a14:hiddenLine>
+            </a:ext>
+            <a:ext uri="{AF507438-7753-43E0-B8FC-AC1667EBCBE1}">
+              <a14:hiddenEffects xmlns:a14="http://schemas.microsoft.com/office/drawing/2010/main">
+                <a:effectLst>
+                  <a:outerShdw dist="35921" dir="2700000" algn="ctr" rotWithShape="0">
+                    <a:schemeClr val="bg2"/>
+                  </a:outerShdw>
+                </a:effectLst>
+              </a14:hiddenEffects>
+            </a:ext>
+          </a:extLst>
+        </p:spPr>
+      </p:pic>
+    </p:spTree>
+    <p:extLst>
+      <p:ext uri="{BB962C8B-B14F-4D97-AF65-F5344CB8AC3E}">
+        <p14:creationId xmlns:p14="http://schemas.microsoft.com/office/powerpoint/2010/main" val="3240502479"/>
+      </p:ext>
+    </p:extLst>
+  </p:cSld>
+  <p:clrMapOvr>
+    <a:masterClrMapping/>
+  </p:clrMapOvr>
+</p:sld>
+</file>
+
+<file path=ppt/slides/slide16.xml><?xml version="1.0" encoding="utf-8"?>
+<p:sld xmlns:a="http://schemas.openxmlformats.org/drawingml/2006/main" xmlns:r="http://schemas.openxmlformats.org/officeDocument/2006/relationships" xmlns:p="http://schemas.openxmlformats.org/presentationml/2006/main">
+  <p:cSld>
+    <p:spTree>
+      <p:nvGrpSpPr>
+        <p:cNvPr id="1" name=""/>
+        <p:cNvGrpSpPr/>
+        <p:nvPr/>
+      </p:nvGrpSpPr>
+      <p:grpSpPr>
+        <a:xfrm>
+          <a:off x="0" y="0"/>
+          <a:ext cx="0" cy="0"/>
+          <a:chOff x="0" y="0"/>
+          <a:chExt cx="0" cy="0"/>
+        </a:xfrm>
+      </p:grpSpPr>
+      <p:sp>
+        <p:nvSpPr>
+          <p:cNvPr id="3" name="内容占位符 2"/>
+          <p:cNvSpPr>
+            <a:spLocks noGrp="1"/>
+          </p:cNvSpPr>
+          <p:nvPr>
+            <p:ph idx="1"/>
+          </p:nvPr>
+        </p:nvSpPr>
+        <p:spPr>
+          <a:xfrm>
+            <a:off x="838200" y="485775"/>
+            <a:ext cx="10515600" cy="5691188"/>
+          </a:xfrm>
+        </p:spPr>
+        <p:txBody>
+          <a:bodyPr/>
+          <a:lstStyle/>
+          <a:p>
+            <a:endParaRPr lang="en-US" altLang="zh-CN" dirty="0" smtClean="0"/>
+          </a:p>
+          <a:p>
+            <a:endParaRPr lang="en-US" altLang="zh-CN" dirty="0"/>
+          </a:p>
+          <a:p>
+            <a:endParaRPr lang="en-US" altLang="zh-CN" dirty="0" smtClean="0"/>
+          </a:p>
+          <a:p>
+            <a:endParaRPr lang="en-US" altLang="zh-CN" dirty="0"/>
+          </a:p>
+          <a:p>
+            <a:endParaRPr lang="en-US" altLang="zh-CN" dirty="0" smtClean="0"/>
+          </a:p>
+          <a:p>
+            <a:pPr marL="0" indent="0">
+              <a:buNone/>
+            </a:pPr>
+            <a:endParaRPr lang="en-US" altLang="zh-CN" dirty="0" smtClean="0"/>
+          </a:p>
+          <a:p>
+            <a:r>
+              <a:rPr lang="zh-CN" altLang="en-US" dirty="0"/>
+              <a:t>可以</a:t>
+            </a:r>
+            <a:r>
+              <a:rPr lang="zh-CN" altLang="en-US" dirty="0" smtClean="0"/>
+              <a:t>发现，</a:t>
+            </a:r>
+            <a:r>
+              <a:rPr lang="en-US" altLang="zh-CN" dirty="0" smtClean="0"/>
+              <a:t>float</a:t>
+            </a:r>
+            <a:r>
+              <a:rPr lang="zh-CN" altLang="en-US" dirty="0" smtClean="0"/>
+              <a:t>会出现</a:t>
+            </a:r>
+            <a:r>
+              <a:rPr lang="zh-CN" altLang="en-US" dirty="0"/>
+              <a:t>高度</a:t>
+            </a:r>
+            <a:r>
+              <a:rPr lang="zh-CN" altLang="en-US" dirty="0" smtClean="0"/>
+              <a:t>坍塌现象，</a:t>
+            </a:r>
+            <a:r>
+              <a:rPr lang="en-US" altLang="zh-CN" dirty="0" smtClean="0"/>
+              <a:t>.outer</a:t>
+            </a:r>
+            <a:r>
+              <a:rPr lang="zh-CN" altLang="en-US" dirty="0" smtClean="0"/>
+              <a:t>的高度为</a:t>
+            </a:r>
+            <a:r>
+              <a:rPr lang="en-US" altLang="zh-CN" dirty="0" smtClean="0"/>
+              <a:t>0</a:t>
+            </a:r>
+            <a:r>
+              <a:rPr lang="zh-CN" altLang="en-US" dirty="0" smtClean="0"/>
+              <a:t>，导致影响父级元素的布局。</a:t>
+            </a:r>
+            <a:endParaRPr lang="en-US" altLang="zh-CN" dirty="0" smtClean="0"/>
+          </a:p>
+          <a:p>
+            <a:r>
+              <a:rPr lang="zh-CN" altLang="en-US" dirty="0" smtClean="0"/>
+              <a:t>另外</a:t>
+            </a:r>
+            <a:r>
+              <a:rPr lang="zh-CN" altLang="en-US" dirty="0" smtClean="0">
+                <a:solidFill>
+                  <a:srgbClr val="FF0000"/>
+                </a:solidFill>
+              </a:rPr>
+              <a:t>浮动</a:t>
+            </a:r>
+            <a:r>
+              <a:rPr lang="zh-CN" altLang="en-US" dirty="0">
+                <a:solidFill>
+                  <a:srgbClr val="FF0000"/>
+                </a:solidFill>
+              </a:rPr>
+              <a:t>的元素脱离了普通流</a:t>
+            </a:r>
+            <a:r>
+              <a:rPr lang="zh-CN" altLang="en-US" dirty="0"/>
+              <a:t>，这样使得包含它的父元素并不会因为这个浮动元素的存在而自动撑高，这样就会造成高度</a:t>
+            </a:r>
+            <a:r>
+              <a:rPr lang="zh-CN" altLang="en-US" dirty="0" smtClean="0"/>
+              <a:t>塌。</a:t>
+            </a:r>
+            <a:endParaRPr lang="en-US" altLang="zh-CN" dirty="0" smtClean="0"/>
+          </a:p>
+        </p:txBody>
+      </p:sp>
+      <p:pic>
+        <p:nvPicPr>
+          <p:cNvPr id="8194" name="Picture 2"/>
+          <p:cNvPicPr>
+            <a:picLocks noChangeAspect="1" noChangeArrowheads="1"/>
+          </p:cNvPicPr>
+          <p:nvPr/>
+        </p:nvPicPr>
+        <p:blipFill>
+          <a:blip r:embed="rId2">
+            <a:extLst>
+              <a:ext uri="{28A0092B-C50C-407E-A947-70E740481C1C}">
+                <a14:useLocalDpi xmlns:a14="http://schemas.microsoft.com/office/drawing/2010/main" val="0"/>
+              </a:ext>
+            </a:extLst>
+          </a:blip>
+          <a:srcRect/>
+          <a:stretch>
+            <a:fillRect/>
+          </a:stretch>
+        </p:blipFill>
+        <p:spPr bwMode="auto">
+          <a:xfrm>
+            <a:off x="2405063" y="400050"/>
+            <a:ext cx="5195887" cy="2728913"/>
+          </a:xfrm>
+          <a:prstGeom prst="rect">
+            <a:avLst/>
+          </a:prstGeom>
+          <a:noFill/>
+          <a:ln>
+            <a:noFill/>
+          </a:ln>
+          <a:effectLst/>
+          <a:extLst>
+            <a:ext uri="{909E8E84-426E-40DD-AFC4-6F175D3DCCD1}">
+              <a14:hiddenFill xmlns:a14="http://schemas.microsoft.com/office/drawing/2010/main">
+                <a:solidFill>
+                  <a:schemeClr val="accent1"/>
+                </a:solidFill>
+              </a14:hiddenFill>
+            </a:ext>
+            <a:ext uri="{91240B29-F687-4F45-9708-019B960494DF}">
+              <a14:hiddenLine xmlns:a14="http://schemas.microsoft.com/office/drawing/2010/main" w="9525">
+                <a:solidFill>
+                  <a:schemeClr val="tx1"/>
+                </a:solidFill>
+                <a:miter lim="800000"/>
+                <a:headEnd/>
+                <a:tailEnd/>
+              </a14:hiddenLine>
+            </a:ext>
+            <a:ext uri="{AF507438-7753-43E0-B8FC-AC1667EBCBE1}">
+              <a14:hiddenEffects xmlns:a14="http://schemas.microsoft.com/office/drawing/2010/main">
+                <a:effectLst>
+                  <a:outerShdw dist="35921" dir="2700000" algn="ctr" rotWithShape="0">
+                    <a:schemeClr val="bg2"/>
+                  </a:outerShdw>
+                </a:effectLst>
+              </a14:hiddenEffects>
+            </a:ext>
+          </a:extLst>
+        </p:spPr>
+      </p:pic>
+    </p:spTree>
+    <p:extLst>
+      <p:ext uri="{BB962C8B-B14F-4D97-AF65-F5344CB8AC3E}">
+        <p14:creationId xmlns:p14="http://schemas.microsoft.com/office/powerpoint/2010/main" val="464050755"/>
+      </p:ext>
+    </p:extLst>
+  </p:cSld>
+  <p:clrMapOvr>
+    <a:masterClrMapping/>
+  </p:clrMapOvr>
+</p:sld>
+</file>
+
+<file path=ppt/slides/slide17.xml><?xml version="1.0" encoding="utf-8"?>
+<p:sld xmlns:a="http://schemas.openxmlformats.org/drawingml/2006/main" xmlns:r="http://schemas.openxmlformats.org/officeDocument/2006/relationships" xmlns:p="http://schemas.openxmlformats.org/presentationml/2006/main">
+  <p:cSld>
+    <p:spTree>
+      <p:nvGrpSpPr>
+        <p:cNvPr id="1" name=""/>
+        <p:cNvGrpSpPr/>
+        <p:nvPr/>
+      </p:nvGrpSpPr>
+      <p:grpSpPr>
+        <a:xfrm>
+          <a:off x="0" y="0"/>
+          <a:ext cx="0" cy="0"/>
+          <a:chOff x="0" y="0"/>
+          <a:chExt cx="0" cy="0"/>
+        </a:xfrm>
+      </p:grpSpPr>
+      <p:sp>
+        <p:nvSpPr>
+          <p:cNvPr id="3" name="内容占位符 2"/>
+          <p:cNvSpPr>
+            <a:spLocks noGrp="1"/>
+          </p:cNvSpPr>
+          <p:nvPr>
+            <p:ph idx="1"/>
+          </p:nvPr>
+        </p:nvSpPr>
+        <p:spPr>
+          <a:xfrm>
+            <a:off x="838200" y="471488"/>
+            <a:ext cx="10515600" cy="5705475"/>
+          </a:xfrm>
+        </p:spPr>
+        <p:txBody>
+          <a:bodyPr/>
+          <a:lstStyle/>
+          <a:p>
+            <a:r>
+              <a:rPr lang="zh-CN" altLang="en-US" dirty="0" smtClean="0"/>
+              <a:t>两种常用的解决方案：</a:t>
+            </a:r>
+            <a:r>
+              <a:rPr lang="en-US" altLang="zh-CN" dirty="0"/>
+              <a:t> </a:t>
+            </a:r>
+            <a:r>
+              <a:rPr lang="en-US" altLang="zh-CN" dirty="0" err="1"/>
+              <a:t>clear:both</a:t>
+            </a:r>
+            <a:r>
+              <a:rPr lang="en-US" altLang="zh-CN" dirty="0" smtClean="0"/>
+              <a:t>;</a:t>
+            </a:r>
+            <a:r>
+              <a:rPr lang="zh-CN" altLang="en-US" dirty="0" smtClean="0"/>
+              <a:t>（推荐使用第二种）</a:t>
+            </a:r>
+            <a:endParaRPr lang="en-US" altLang="zh-CN" dirty="0" smtClean="0"/>
+          </a:p>
+          <a:p>
+            <a:r>
+              <a:rPr lang="en-US" altLang="zh-CN" dirty="0" smtClean="0"/>
+              <a:t>1</a:t>
+            </a:r>
+            <a:r>
+              <a:rPr lang="zh-CN" altLang="en-US" dirty="0" smtClean="0"/>
+              <a:t>、</a:t>
+            </a:r>
+            <a:endParaRPr lang="en-US" altLang="zh-CN" dirty="0" smtClean="0"/>
+          </a:p>
+          <a:p>
+            <a:endParaRPr lang="en-US" altLang="zh-CN" dirty="0"/>
+          </a:p>
+          <a:p>
+            <a:endParaRPr lang="en-US" altLang="zh-CN" dirty="0" smtClean="0"/>
+          </a:p>
+          <a:p>
+            <a:endParaRPr lang="en-US" altLang="zh-CN" dirty="0"/>
+          </a:p>
+          <a:p>
+            <a:endParaRPr lang="en-US" altLang="zh-CN" dirty="0" smtClean="0"/>
+          </a:p>
+          <a:p>
+            <a:r>
+              <a:rPr lang="en-US" altLang="zh-CN" dirty="0" smtClean="0"/>
+              <a:t>2</a:t>
+            </a:r>
+            <a:r>
+              <a:rPr lang="zh-CN" altLang="en-US" dirty="0" smtClean="0"/>
+              <a:t>、</a:t>
+            </a:r>
+            <a:endParaRPr lang="en-US" altLang="zh-CN" dirty="0" smtClean="0"/>
+          </a:p>
+        </p:txBody>
+      </p:sp>
+      <p:pic>
+        <p:nvPicPr>
+          <p:cNvPr id="9218" name="Picture 2"/>
+          <p:cNvPicPr>
+            <a:picLocks noChangeAspect="1" noChangeArrowheads="1"/>
+          </p:cNvPicPr>
+          <p:nvPr/>
+        </p:nvPicPr>
+        <p:blipFill>
+          <a:blip r:embed="rId2">
+            <a:extLst>
+              <a:ext uri="{28A0092B-C50C-407E-A947-70E740481C1C}">
+                <a14:useLocalDpi xmlns:a14="http://schemas.microsoft.com/office/drawing/2010/main" val="0"/>
+              </a:ext>
+            </a:extLst>
+          </a:blip>
+          <a:srcRect/>
+          <a:stretch>
+            <a:fillRect/>
+          </a:stretch>
+        </p:blipFill>
+        <p:spPr bwMode="auto">
+          <a:xfrm>
+            <a:off x="1752599" y="3600449"/>
+            <a:ext cx="4819651" cy="3057525"/>
+          </a:xfrm>
+          <a:prstGeom prst="rect">
+            <a:avLst/>
+          </a:prstGeom>
+          <a:noFill/>
+          <a:ln>
+            <a:noFill/>
+          </a:ln>
+          <a:effectLst/>
+          <a:extLst>
+            <a:ext uri="{909E8E84-426E-40DD-AFC4-6F175D3DCCD1}">
+              <a14:hiddenFill xmlns:a14="http://schemas.microsoft.com/office/drawing/2010/main">
+                <a:solidFill>
+                  <a:schemeClr val="accent1"/>
+                </a:solidFill>
+              </a14:hiddenFill>
+            </a:ext>
+            <a:ext uri="{91240B29-F687-4F45-9708-019B960494DF}">
+              <a14:hiddenLine xmlns:a14="http://schemas.microsoft.com/office/drawing/2010/main" w="9525">
+                <a:solidFill>
+                  <a:schemeClr val="tx1"/>
+                </a:solidFill>
+                <a:miter lim="800000"/>
+                <a:headEnd/>
+                <a:tailEnd/>
+              </a14:hiddenLine>
+            </a:ext>
+            <a:ext uri="{AF507438-7753-43E0-B8FC-AC1667EBCBE1}">
+              <a14:hiddenEffects xmlns:a14="http://schemas.microsoft.com/office/drawing/2010/main">
+                <a:effectLst>
+                  <a:outerShdw dist="35921" dir="2700000" algn="ctr" rotWithShape="0">
+                    <a:schemeClr val="bg2"/>
+                  </a:outerShdw>
+                </a:effectLst>
+              </a14:hiddenEffects>
+            </a:ext>
+          </a:extLst>
+        </p:spPr>
+      </p:pic>
+      <p:pic>
+        <p:nvPicPr>
+          <p:cNvPr id="1026" name="Picture 2"/>
+          <p:cNvPicPr>
+            <a:picLocks noChangeAspect="1" noChangeArrowheads="1"/>
+          </p:cNvPicPr>
+          <p:nvPr/>
+        </p:nvPicPr>
+        <p:blipFill>
+          <a:blip r:embed="rId3">
+            <a:extLst>
+              <a:ext uri="{28A0092B-C50C-407E-A947-70E740481C1C}">
+                <a14:useLocalDpi xmlns:a14="http://schemas.microsoft.com/office/drawing/2010/main" val="0"/>
+              </a:ext>
+            </a:extLst>
+          </a:blip>
+          <a:srcRect/>
+          <a:stretch>
+            <a:fillRect/>
+          </a:stretch>
+        </p:blipFill>
+        <p:spPr bwMode="auto">
+          <a:xfrm>
+            <a:off x="1752599" y="957262"/>
+            <a:ext cx="5395912" cy="2481263"/>
+          </a:xfrm>
+          <a:prstGeom prst="rect">
+            <a:avLst/>
+          </a:prstGeom>
+          <a:noFill/>
+          <a:ln>
+            <a:noFill/>
+          </a:ln>
+          <a:effectLst/>
+          <a:extLst>
+            <a:ext uri="{909E8E84-426E-40DD-AFC4-6F175D3DCCD1}">
+              <a14:hiddenFill xmlns:a14="http://schemas.microsoft.com/office/drawing/2010/main">
+                <a:solidFill>
+                  <a:schemeClr val="accent1"/>
+                </a:solidFill>
+              </a14:hiddenFill>
+            </a:ext>
+            <a:ext uri="{91240B29-F687-4F45-9708-019B960494DF}">
+              <a14:hiddenLine xmlns:a14="http://schemas.microsoft.com/office/drawing/2010/main" w="9525">
+                <a:solidFill>
+                  <a:schemeClr val="tx1"/>
+                </a:solidFill>
+                <a:miter lim="800000"/>
+                <a:headEnd/>
+                <a:tailEnd/>
+              </a14:hiddenLine>
+            </a:ext>
+            <a:ext uri="{AF507438-7753-43E0-B8FC-AC1667EBCBE1}">
+              <a14:hiddenEffects xmlns:a14="http://schemas.microsoft.com/office/drawing/2010/main">
+                <a:effectLst>
+                  <a:outerShdw dist="35921" dir="2700000" algn="ctr" rotWithShape="0">
+                    <a:schemeClr val="bg2"/>
+                  </a:outerShdw>
+                </a:effectLst>
+              </a14:hiddenEffects>
+            </a:ext>
+          </a:extLst>
+        </p:spPr>
+      </p:pic>
+    </p:spTree>
+    <p:extLst>
+      <p:ext uri="{BB962C8B-B14F-4D97-AF65-F5344CB8AC3E}">
+        <p14:creationId xmlns:p14="http://schemas.microsoft.com/office/powerpoint/2010/main" val="4189113723"/>
+      </p:ext>
+    </p:extLst>
+  </p:cSld>
+  <p:clrMapOvr>
+    <a:masterClrMapping/>
+  </p:clrMapOvr>
+</p:sld>
+</file>
+
+<file path=ppt/slides/slide18.xml><?xml version="1.0" encoding="utf-8"?>
+<p:sld xmlns:a="http://schemas.openxmlformats.org/drawingml/2006/main" xmlns:r="http://schemas.openxmlformats.org/officeDocument/2006/relationships" xmlns:p="http://schemas.openxmlformats.org/presentationml/2006/main">
+  <p:cSld>
+    <p:spTree>
+      <p:nvGrpSpPr>
+        <p:cNvPr id="1" name=""/>
+        <p:cNvGrpSpPr/>
+        <p:nvPr/>
+      </p:nvGrpSpPr>
+      <p:grpSpPr>
+        <a:xfrm>
+          <a:off x="0" y="0"/>
+          <a:ext cx="0" cy="0"/>
+          <a:chOff x="0" y="0"/>
+          <a:chExt cx="0" cy="0"/>
+        </a:xfrm>
+      </p:grpSpPr>
+      <p:sp>
+        <p:nvSpPr>
+          <p:cNvPr id="2" name="标题 1"/>
+          <p:cNvSpPr>
+            <a:spLocks noGrp="1"/>
+          </p:cNvSpPr>
+          <p:nvPr>
+            <p:ph type="title"/>
+          </p:nvPr>
+        </p:nvSpPr>
+        <p:spPr/>
+        <p:txBody>
+          <a:bodyPr/>
+          <a:lstStyle/>
+          <a:p>
+            <a:pPr algn="ctr"/>
+            <a:r>
+              <a:rPr lang="zh-CN" altLang="en-US" smtClean="0"/>
+              <a:t>清除浮动原理</a:t>
+            </a:r>
+            <a:endParaRPr lang="zh-CN" altLang="en-US"/>
+          </a:p>
+        </p:txBody>
+      </p:sp>
+      <p:sp>
+        <p:nvSpPr>
+          <p:cNvPr id="3" name="内容占位符 2"/>
+          <p:cNvSpPr>
+            <a:spLocks noGrp="1"/>
+          </p:cNvSpPr>
+          <p:nvPr>
+            <p:ph idx="1"/>
+          </p:nvPr>
+        </p:nvSpPr>
+        <p:spPr/>
+        <p:txBody>
+          <a:bodyPr/>
+          <a:lstStyle/>
+          <a:p>
+            <a:r>
+              <a:rPr lang="en-US" altLang="zh-CN" dirty="0"/>
+              <a:t>clear </a:t>
+            </a:r>
+            <a:r>
+              <a:rPr lang="zh-CN" altLang="en-US" dirty="0"/>
+              <a:t>会为元素添加足够的空白空间，使到该元素的位置会放置在它前一个浮动元素之下，这跟增加元素外边距使到元素占据满行而强制换行的效果是一样</a:t>
+            </a:r>
+            <a:r>
+              <a:rPr lang="zh-CN" altLang="en-US" dirty="0" smtClean="0"/>
+              <a:t>的。</a:t>
+            </a:r>
+            <a:endParaRPr lang="en-US" altLang="zh-CN" dirty="0" smtClean="0"/>
+          </a:p>
+          <a:p>
+            <a:r>
+              <a:rPr lang="zh-CN" altLang="en-US" dirty="0" smtClean="0"/>
+              <a:t>增加</a:t>
+            </a:r>
+            <a:r>
+              <a:rPr lang="zh-CN" altLang="en-US" dirty="0"/>
+              <a:t>足够的空间使到元素换行，那么最稳妥的办法就是使到该元素占据一整</a:t>
+            </a:r>
+            <a:r>
+              <a:rPr lang="zh-CN" altLang="en-US" dirty="0" smtClean="0"/>
+              <a:t>行。如上所示，第一种的</a:t>
+            </a:r>
+            <a:r>
+              <a:rPr lang="en-US" altLang="zh-CN" dirty="0" smtClean="0"/>
+              <a:t>content</a:t>
+            </a:r>
+            <a:r>
+              <a:rPr lang="zh-CN" altLang="en-US" dirty="0" smtClean="0"/>
+              <a:t>是一个</a:t>
+            </a:r>
+            <a:r>
+              <a:rPr lang="en-US" altLang="zh-CN" dirty="0" smtClean="0"/>
+              <a:t>”.”</a:t>
+            </a:r>
+            <a:r>
+              <a:rPr lang="zh-CN" altLang="en-US" dirty="0" smtClean="0"/>
+              <a:t>，第二种是一个空元素，不会增加额外的元素。</a:t>
+            </a:r>
+            <a:endParaRPr lang="zh-CN" altLang="en-US" dirty="0"/>
+          </a:p>
+        </p:txBody>
+      </p:sp>
+    </p:spTree>
+    <p:extLst>
+      <p:ext uri="{BB962C8B-B14F-4D97-AF65-F5344CB8AC3E}">
+        <p14:creationId xmlns:p14="http://schemas.microsoft.com/office/powerpoint/2010/main" val="303278118"/>
+      </p:ext>
+    </p:extLst>
+  </p:cSld>
+  <p:clrMapOvr>
+    <a:masterClrMapping/>
+  </p:clrMapOvr>
+</p:sld>
+</file>
+
+<file path=ppt/slides/slide19.xml><?xml version="1.0" encoding="utf-8"?>
+<p:sld xmlns:a="http://schemas.openxmlformats.org/drawingml/2006/main" xmlns:r="http://schemas.openxmlformats.org/officeDocument/2006/relationships" xmlns:p="http://schemas.openxmlformats.org/presentationml/2006/main">
+  <p:cSld>
+    <p:spTree>
+      <p:nvGrpSpPr>
+        <p:cNvPr id="1" name=""/>
+        <p:cNvGrpSpPr/>
+        <p:nvPr/>
+      </p:nvGrpSpPr>
+      <p:grpSpPr>
+        <a:xfrm>
+          <a:off x="0" y="0"/>
+          <a:ext cx="0" cy="0"/>
+          <a:chOff x="0" y="0"/>
+          <a:chExt cx="0" cy="0"/>
+        </a:xfrm>
+      </p:grpSpPr>
+      <p:sp>
+        <p:nvSpPr>
+          <p:cNvPr id="2" name="标题 1"/>
+          <p:cNvSpPr>
+            <a:spLocks noGrp="1"/>
+          </p:cNvSpPr>
+          <p:nvPr>
+            <p:ph type="title"/>
+          </p:nvPr>
+        </p:nvSpPr>
+        <p:spPr/>
+        <p:txBody>
+          <a:bodyPr/>
+          <a:lstStyle/>
+          <a:p>
+            <a:pPr algn="ctr"/>
+            <a:r>
+              <a:rPr lang="zh-CN" altLang="en-US" dirty="0" smtClean="0"/>
+              <a:t>定位</a:t>
+            </a:r>
+            <a:r>
+              <a:rPr lang="en-US" altLang="zh-CN" dirty="0" smtClean="0"/>
+              <a:t>position</a:t>
+            </a:r>
+            <a:endParaRPr lang="zh-CN" altLang="en-US" dirty="0"/>
+          </a:p>
+        </p:txBody>
+      </p:sp>
+      <p:sp>
+        <p:nvSpPr>
+          <p:cNvPr id="3" name="内容占位符 2"/>
+          <p:cNvSpPr>
+            <a:spLocks noGrp="1"/>
+          </p:cNvSpPr>
+          <p:nvPr>
+            <p:ph idx="1"/>
+          </p:nvPr>
+        </p:nvSpPr>
+        <p:spPr/>
+        <p:txBody>
+          <a:bodyPr>
+            <a:normAutofit fontScale="92500" lnSpcReduction="20000"/>
+          </a:bodyPr>
+          <a:lstStyle/>
+          <a:p>
+            <a:r>
+              <a:rPr lang="zh-CN" altLang="en-US" dirty="0" smtClean="0"/>
+              <a:t>常见值如下：</a:t>
+            </a:r>
+            <a:endParaRPr lang="en-US" altLang="zh-CN" dirty="0" smtClean="0"/>
+          </a:p>
+          <a:p>
+            <a:r>
+              <a:rPr lang="en-US" altLang="zh-CN" dirty="0" smtClean="0"/>
+              <a:t>absolute</a:t>
+            </a:r>
+            <a:r>
+              <a:rPr lang="zh-CN" altLang="en-US" dirty="0" smtClean="0"/>
+              <a:t>：生成绝对定位元素，相对于</a:t>
+            </a:r>
+            <a:r>
+              <a:rPr lang="en-US" altLang="zh-CN" dirty="0" smtClean="0"/>
+              <a:t>static</a:t>
+            </a:r>
+            <a:r>
+              <a:rPr lang="zh-CN" altLang="en-US" dirty="0" smtClean="0"/>
+              <a:t>定位以外的第一个祖先元素进行定位，元素位置通过</a:t>
+            </a:r>
+            <a:r>
+              <a:rPr lang="en-US" altLang="zh-CN" dirty="0" smtClean="0"/>
+              <a:t>top</a:t>
+            </a:r>
+            <a:r>
+              <a:rPr lang="zh-CN" altLang="en-US" dirty="0" smtClean="0"/>
+              <a:t>、</a:t>
+            </a:r>
+            <a:r>
+              <a:rPr lang="en-US" altLang="zh-CN" dirty="0" smtClean="0"/>
+              <a:t>right</a:t>
+            </a:r>
+            <a:r>
+              <a:rPr lang="zh-CN" altLang="en-US" dirty="0" smtClean="0"/>
+              <a:t>、</a:t>
+            </a:r>
+            <a:r>
+              <a:rPr lang="en-US" altLang="zh-CN" dirty="0" smtClean="0"/>
+              <a:t>bottom</a:t>
+            </a:r>
+            <a:r>
+              <a:rPr lang="zh-CN" altLang="en-US" dirty="0" smtClean="0"/>
+              <a:t>、</a:t>
+            </a:r>
+            <a:r>
+              <a:rPr lang="en-US" altLang="zh-CN" dirty="0" smtClean="0"/>
+              <a:t>left</a:t>
+            </a:r>
+            <a:r>
+              <a:rPr lang="zh-CN" altLang="en-US" dirty="0" smtClean="0"/>
+              <a:t>进行定位。</a:t>
+            </a:r>
+            <a:endParaRPr lang="en-US" altLang="zh-CN" dirty="0" smtClean="0"/>
+          </a:p>
+          <a:p>
+            <a:r>
+              <a:rPr lang="en-US" altLang="zh-CN" dirty="0" smtClean="0"/>
+              <a:t>fixed</a:t>
+            </a:r>
+            <a:r>
+              <a:rPr lang="zh-CN" altLang="en-US" dirty="0" smtClean="0"/>
+              <a:t>：生成绝对定位元素，</a:t>
+            </a:r>
+            <a:r>
+              <a:rPr lang="zh-CN" altLang="en-US" dirty="0"/>
+              <a:t>相对于浏览器窗口进行</a:t>
+            </a:r>
+            <a:r>
+              <a:rPr lang="zh-CN" altLang="en-US" dirty="0" smtClean="0"/>
+              <a:t>定位，</a:t>
+            </a:r>
+            <a:r>
+              <a:rPr lang="zh-CN" altLang="en-US" dirty="0"/>
+              <a:t>元素位置通过</a:t>
+            </a:r>
+            <a:r>
+              <a:rPr lang="en-US" altLang="zh-CN" dirty="0"/>
+              <a:t>top</a:t>
+            </a:r>
+            <a:r>
+              <a:rPr lang="zh-CN" altLang="en-US" dirty="0"/>
+              <a:t>、</a:t>
+            </a:r>
+            <a:r>
+              <a:rPr lang="en-US" altLang="zh-CN" dirty="0"/>
+              <a:t>right</a:t>
+            </a:r>
+            <a:r>
+              <a:rPr lang="zh-CN" altLang="en-US" dirty="0"/>
+              <a:t>、</a:t>
+            </a:r>
+            <a:r>
+              <a:rPr lang="en-US" altLang="zh-CN" dirty="0"/>
+              <a:t>bottom</a:t>
+            </a:r>
+            <a:r>
+              <a:rPr lang="zh-CN" altLang="en-US" dirty="0"/>
+              <a:t>、</a:t>
+            </a:r>
+            <a:r>
+              <a:rPr lang="en-US" altLang="zh-CN" dirty="0"/>
+              <a:t>left</a:t>
+            </a:r>
+            <a:r>
+              <a:rPr lang="zh-CN" altLang="en-US" dirty="0"/>
+              <a:t>进行定位</a:t>
+            </a:r>
+            <a:r>
+              <a:rPr lang="zh-CN" altLang="en-US" dirty="0" smtClean="0"/>
+              <a:t>。</a:t>
+            </a:r>
+            <a:endParaRPr lang="en-US" altLang="zh-CN" dirty="0" smtClean="0"/>
+          </a:p>
+          <a:p>
+            <a:r>
+              <a:rPr lang="en-US" altLang="zh-CN" dirty="0" smtClean="0"/>
+              <a:t>relative</a:t>
+            </a:r>
+            <a:r>
+              <a:rPr lang="zh-CN" altLang="en-US" dirty="0" smtClean="0"/>
+              <a:t>：</a:t>
+            </a:r>
+            <a:r>
+              <a:rPr lang="zh-CN" altLang="en-US" dirty="0"/>
+              <a:t>生成相对定位的元素，相对于其正常位置进行定位</a:t>
+            </a:r>
+            <a:r>
+              <a:rPr lang="zh-CN" altLang="en-US" dirty="0" smtClean="0"/>
+              <a:t>。</a:t>
+            </a:r>
+            <a:endParaRPr lang="en-US" altLang="zh-CN" dirty="0" smtClean="0"/>
+          </a:p>
+          <a:p>
+            <a:r>
+              <a:rPr lang="en-US" altLang="zh-CN" dirty="0" smtClean="0"/>
+              <a:t>static</a:t>
+            </a:r>
+            <a:r>
+              <a:rPr lang="zh-CN" altLang="en-US" dirty="0" smtClean="0"/>
+              <a:t>：</a:t>
+            </a:r>
+            <a:r>
+              <a:rPr lang="zh-CN" altLang="en-US" dirty="0"/>
+              <a:t>默认值。没有定位，元素出现在正常的流中</a:t>
+            </a:r>
+            <a:r>
+              <a:rPr lang="zh-CN" altLang="en-US" dirty="0" smtClean="0"/>
+              <a:t>（</a:t>
+            </a:r>
+            <a:r>
+              <a:rPr lang="zh-CN" altLang="en-US" dirty="0"/>
+              <a:t> </a:t>
+            </a:r>
+            <a:r>
+              <a:rPr lang="en-US" altLang="zh-CN" dirty="0" smtClean="0"/>
+              <a:t>top</a:t>
+            </a:r>
+            <a:r>
+              <a:rPr lang="zh-CN" altLang="en-US" dirty="0" smtClean="0"/>
+              <a:t>，</a:t>
+            </a:r>
+            <a:r>
+              <a:rPr lang="en-US" altLang="zh-CN" dirty="0" smtClean="0"/>
+              <a:t> bottom</a:t>
+            </a:r>
+            <a:r>
+              <a:rPr lang="zh-CN" altLang="en-US" dirty="0" smtClean="0"/>
+              <a:t>，</a:t>
+            </a:r>
+            <a:r>
+              <a:rPr lang="en-US" altLang="zh-CN" dirty="0" smtClean="0"/>
+              <a:t> left</a:t>
+            </a:r>
+            <a:r>
+              <a:rPr lang="zh-CN" altLang="en-US" dirty="0" smtClean="0"/>
+              <a:t>，</a:t>
+            </a:r>
+            <a:r>
+              <a:rPr lang="en-US" altLang="zh-CN" dirty="0" smtClean="0"/>
+              <a:t> </a:t>
+            </a:r>
+            <a:r>
+              <a:rPr lang="en-US" altLang="zh-CN" dirty="0"/>
+              <a:t>right </a:t>
+            </a:r>
+            <a:r>
+              <a:rPr lang="zh-CN" altLang="en-US" dirty="0" smtClean="0"/>
+              <a:t>，</a:t>
+            </a:r>
+            <a:r>
+              <a:rPr lang="en-US" altLang="zh-CN" dirty="0" smtClean="0"/>
+              <a:t>z-index</a:t>
+            </a:r>
+            <a:r>
+              <a:rPr lang="en-US" altLang="zh-CN" dirty="0"/>
+              <a:t> </a:t>
+            </a:r>
+            <a:r>
+              <a:rPr lang="zh-CN" altLang="en-US" dirty="0" smtClean="0"/>
+              <a:t>设置无效）</a:t>
+            </a:r>
+            <a:endParaRPr lang="en-US" altLang="zh-CN" dirty="0" smtClean="0"/>
+          </a:p>
+          <a:p>
+            <a:r>
+              <a:rPr lang="zh-CN" altLang="en-US" dirty="0" smtClean="0"/>
+              <a:t>注意当</a:t>
+            </a:r>
+            <a:r>
+              <a:rPr lang="en-US" altLang="zh-CN" dirty="0" smtClean="0"/>
+              <a:t>position</a:t>
+            </a:r>
+            <a:r>
+              <a:rPr lang="zh-CN" altLang="en-US" dirty="0" smtClean="0"/>
+              <a:t>值为</a:t>
+            </a:r>
+            <a:r>
+              <a:rPr lang="en-US" altLang="zh-CN" dirty="0" smtClean="0"/>
+              <a:t>absolute</a:t>
+            </a:r>
+            <a:r>
+              <a:rPr lang="zh-CN" altLang="en-US" dirty="0" smtClean="0"/>
+              <a:t>或者</a:t>
+            </a:r>
+            <a:r>
+              <a:rPr lang="en-US" altLang="zh-CN" dirty="0" smtClean="0"/>
+              <a:t>fixed</a:t>
+            </a:r>
+            <a:r>
+              <a:rPr lang="zh-CN" altLang="en-US" dirty="0" smtClean="0"/>
+              <a:t>时，宽高默认为</a:t>
+            </a:r>
+            <a:r>
+              <a:rPr lang="en-US" altLang="zh-CN" dirty="0" smtClean="0"/>
+              <a:t>0</a:t>
+            </a:r>
+            <a:r>
+              <a:rPr lang="zh-CN" altLang="en-US" dirty="0" smtClean="0"/>
+              <a:t>，可以通过制定</a:t>
+            </a:r>
+            <a:r>
+              <a:rPr lang="en-US" altLang="zh-CN" dirty="0" smtClean="0"/>
+              <a:t>width</a:t>
+            </a:r>
+            <a:r>
+              <a:rPr lang="zh-CN" altLang="en-US" dirty="0" smtClean="0"/>
+              <a:t>和</a:t>
+            </a:r>
+            <a:r>
+              <a:rPr lang="en-US" altLang="zh-CN" dirty="0" smtClean="0"/>
+              <a:t>height</a:t>
+            </a:r>
+            <a:r>
+              <a:rPr lang="zh-CN" altLang="en-US" dirty="0" smtClean="0"/>
+              <a:t>指定宽高，或者不指定</a:t>
+            </a:r>
+            <a:r>
+              <a:rPr lang="en-US" altLang="zh-CN" dirty="0" smtClean="0"/>
+              <a:t>width</a:t>
+            </a:r>
+            <a:r>
+              <a:rPr lang="zh-CN" altLang="en-US" dirty="0" smtClean="0"/>
+              <a:t>和</a:t>
+            </a:r>
+            <a:r>
+              <a:rPr lang="en-US" altLang="zh-CN" dirty="0" smtClean="0"/>
+              <a:t>height</a:t>
+            </a:r>
+            <a:r>
+              <a:rPr lang="zh-CN" altLang="en-US" dirty="0" smtClean="0"/>
+              <a:t>，通过</a:t>
+            </a:r>
+            <a:r>
+              <a:rPr lang="en-US" altLang="zh-CN" dirty="0" smtClean="0"/>
+              <a:t>top</a:t>
+            </a:r>
+            <a:r>
+              <a:rPr lang="zh-CN" altLang="en-US" dirty="0" smtClean="0"/>
+              <a:t>、</a:t>
+            </a:r>
+            <a:r>
+              <a:rPr lang="en-US" altLang="zh-CN" dirty="0" smtClean="0"/>
+              <a:t>right</a:t>
+            </a:r>
+            <a:r>
+              <a:rPr lang="zh-CN" altLang="en-US" dirty="0" smtClean="0"/>
+              <a:t>、</a:t>
+            </a:r>
+            <a:r>
+              <a:rPr lang="en-US" altLang="zh-CN" dirty="0" smtClean="0"/>
+              <a:t>bottom</a:t>
+            </a:r>
+            <a:r>
+              <a:rPr lang="zh-CN" altLang="en-US" dirty="0" smtClean="0"/>
+              <a:t>、</a:t>
+            </a:r>
+            <a:r>
+              <a:rPr lang="en-US" altLang="zh-CN" dirty="0" smtClean="0"/>
+              <a:t>right</a:t>
+            </a:r>
+            <a:r>
+              <a:rPr lang="zh-CN" altLang="en-US" dirty="0" smtClean="0"/>
+              <a:t>来设定宽高，当浏览器窗口缩放时，可能会影响宽高，所以使用时需要注意。</a:t>
+            </a:r>
+            <a:endParaRPr lang="zh-CN" altLang="en-US" dirty="0"/>
+          </a:p>
+        </p:txBody>
+      </p:sp>
+    </p:spTree>
+    <p:extLst>
+      <p:ext uri="{BB962C8B-B14F-4D97-AF65-F5344CB8AC3E}">
+        <p14:creationId xmlns:p14="http://schemas.microsoft.com/office/powerpoint/2010/main" val="3873740570"/>
+      </p:ext>
+    </p:extLst>
+  </p:cSld>
+  <p:clrMapOvr>
+    <a:masterClrMapping/>
+  </p:clrMapOvr>
+</p:sld>
+</file>
+
 <file path=ppt/slides/slide2.xml><?xml version="1.0" encoding="utf-8"?>
 <p:sld xmlns:a="http://schemas.openxmlformats.org/drawingml/2006/main" xmlns:r="http://schemas.openxmlformats.org/officeDocument/2006/relationships" xmlns:p="http://schemas.openxmlformats.org/presentationml/2006/main">
   <p:cSld>
@@ -4497,11 +5764,7 @@
           <a:p>
             <a:r>
               <a:rPr lang="en-US" altLang="zh-CN"/>
-              <a:t>&lt;tagName class=“</a:t>
-            </a:r>
-            <a:r>
-              <a:rPr lang="en-US" altLang="zh-CN"/>
-              <a:t>name1 </a:t>
+              <a:t>&lt;tagName class=“name1 </a:t>
             </a:r>
             <a:r>
               <a:rPr lang="en-US" altLang="zh-CN" smtClean="0"/>
@@ -4585,6 +5848,320 @@
     <p:extLst>
       <p:ext uri="{BB962C8B-B14F-4D97-AF65-F5344CB8AC3E}">
         <p14:creationId xmlns:p14="http://schemas.microsoft.com/office/powerpoint/2010/main" val="3360541201"/>
+      </p:ext>
+    </p:extLst>
+  </p:cSld>
+  <p:clrMapOvr>
+    <a:masterClrMapping/>
+  </p:clrMapOvr>
+</p:sld>
+</file>
+
+<file path=ppt/slides/slide20.xml><?xml version="1.0" encoding="utf-8"?>
+<p:sld xmlns:a="http://schemas.openxmlformats.org/drawingml/2006/main" xmlns:r="http://schemas.openxmlformats.org/officeDocument/2006/relationships" xmlns:p="http://schemas.openxmlformats.org/presentationml/2006/main">
+  <p:cSld>
+    <p:spTree>
+      <p:nvGrpSpPr>
+        <p:cNvPr id="1" name=""/>
+        <p:cNvGrpSpPr/>
+        <p:nvPr/>
+      </p:nvGrpSpPr>
+      <p:grpSpPr>
+        <a:xfrm>
+          <a:off x="0" y="0"/>
+          <a:ext cx="0" cy="0"/>
+          <a:chOff x="0" y="0"/>
+          <a:chExt cx="0" cy="0"/>
+        </a:xfrm>
+      </p:grpSpPr>
+      <p:sp>
+        <p:nvSpPr>
+          <p:cNvPr id="3" name="内容占位符 2"/>
+          <p:cNvSpPr>
+            <a:spLocks noGrp="1"/>
+          </p:cNvSpPr>
+          <p:nvPr>
+            <p:ph idx="1"/>
+          </p:nvPr>
+        </p:nvSpPr>
+        <p:spPr>
+          <a:xfrm>
+            <a:off x="838200" y="442913"/>
+            <a:ext cx="10515600" cy="5734050"/>
+          </a:xfrm>
+        </p:spPr>
+        <p:txBody>
+          <a:bodyPr>
+            <a:normAutofit fontScale="92500" lnSpcReduction="10000"/>
+          </a:bodyPr>
+          <a:lstStyle/>
+          <a:p>
+            <a:endParaRPr lang="en-US" altLang="zh-CN" dirty="0" smtClean="0"/>
+          </a:p>
+          <a:p>
+            <a:endParaRPr lang="en-US" altLang="zh-CN" dirty="0"/>
+          </a:p>
+          <a:p>
+            <a:endParaRPr lang="en-US" altLang="zh-CN" dirty="0" smtClean="0"/>
+          </a:p>
+          <a:p>
+            <a:pPr marL="0" indent="0">
+              <a:buNone/>
+            </a:pPr>
+            <a:endParaRPr lang="en-US" altLang="zh-CN" dirty="0" smtClean="0"/>
+          </a:p>
+          <a:p>
+            <a:pPr marL="0" indent="0">
+              <a:buNone/>
+            </a:pPr>
+            <a:endParaRPr lang="en-US" altLang="zh-CN" dirty="0" smtClean="0"/>
+          </a:p>
+          <a:p>
+            <a:pPr marL="0" indent="0">
+              <a:buNone/>
+            </a:pPr>
+            <a:endParaRPr lang="en-US" altLang="zh-CN" dirty="0"/>
+          </a:p>
+          <a:p>
+            <a:r>
+              <a:rPr lang="zh-CN" altLang="en-US" dirty="0" smtClean="0"/>
+              <a:t>使用场景：电商网站选择商品后选择“立即购买”，这时如果用户还没有登录，会立即弹出登录框，这个框宽高固定，相对屏幕水平和垂直方向都居中。</a:t>
+            </a:r>
+            <a:endParaRPr lang="en-US" altLang="zh-CN" dirty="0" smtClean="0"/>
+          </a:p>
+          <a:p>
+            <a:r>
+              <a:rPr lang="zh-CN" altLang="en-US" dirty="0" smtClean="0"/>
+              <a:t>可以看到通过设置</a:t>
+            </a:r>
+            <a:r>
+              <a:rPr lang="en-US" altLang="zh-CN" dirty="0" smtClean="0"/>
+              <a:t>top</a:t>
+            </a:r>
+            <a:r>
+              <a:rPr lang="zh-CN" altLang="en-US" dirty="0" smtClean="0"/>
+              <a:t>、</a:t>
+            </a:r>
+            <a:r>
+              <a:rPr lang="en-US" altLang="zh-CN" dirty="0" smtClean="0"/>
+              <a:t>right</a:t>
+            </a:r>
+            <a:r>
+              <a:rPr lang="zh-CN" altLang="en-US" dirty="0" smtClean="0"/>
+              <a:t>、</a:t>
+            </a:r>
+            <a:r>
+              <a:rPr lang="en-US" altLang="zh-CN" dirty="0" smtClean="0"/>
+              <a:t>bottom</a:t>
+            </a:r>
+            <a:r>
+              <a:rPr lang="zh-CN" altLang="en-US" dirty="0" smtClean="0"/>
+              <a:t>、</a:t>
+            </a:r>
+            <a:r>
+              <a:rPr lang="en-US" altLang="zh-CN" dirty="0" smtClean="0"/>
+              <a:t>left</a:t>
+            </a:r>
+            <a:r>
+              <a:rPr lang="zh-CN" altLang="en-US" dirty="0" smtClean="0"/>
+              <a:t>都为</a:t>
+            </a:r>
+            <a:r>
+              <a:rPr lang="en-US" altLang="zh-CN" dirty="0" smtClean="0"/>
+              <a:t>0</a:t>
+            </a:r>
+            <a:r>
+              <a:rPr lang="zh-CN" altLang="en-US" dirty="0" smtClean="0"/>
+              <a:t>，使</a:t>
+            </a:r>
+            <a:r>
+              <a:rPr lang="en-US" altLang="zh-CN" dirty="0" smtClean="0"/>
+              <a:t>.modal</a:t>
+            </a:r>
+            <a:r>
+              <a:rPr lang="zh-CN" altLang="en-US" dirty="0" smtClean="0"/>
+              <a:t>完全覆盖了屏幕，</a:t>
+            </a:r>
+            <a:r>
+              <a:rPr lang="en-US" altLang="zh-CN" dirty="0" smtClean="0"/>
+              <a:t>.modal-body</a:t>
+            </a:r>
+            <a:r>
+              <a:rPr lang="zh-CN" altLang="en-US" dirty="0" smtClean="0"/>
+              <a:t>居中，</a:t>
+            </a:r>
+            <a:r>
+              <a:rPr lang="en-US" altLang="zh-CN" dirty="0" smtClean="0"/>
+              <a:t>position: absolute</a:t>
+            </a:r>
+            <a:r>
+              <a:rPr lang="zh-CN" altLang="en-US" dirty="0" smtClean="0"/>
+              <a:t>，相对于</a:t>
+            </a:r>
+            <a:r>
+              <a:rPr lang="en-US" altLang="zh-CN" dirty="0" smtClean="0"/>
+              <a:t>.modal</a:t>
+            </a:r>
+            <a:r>
+              <a:rPr lang="zh-CN" altLang="en-US" dirty="0" smtClean="0"/>
+              <a:t>进行定位，</a:t>
+            </a:r>
+            <a:r>
+              <a:rPr lang="en-US" altLang="zh-CN" dirty="0" smtClean="0">
+                <a:solidFill>
+                  <a:srgbClr val="FF0000"/>
+                </a:solidFill>
+              </a:rPr>
+              <a:t>left</a:t>
+            </a:r>
+            <a:r>
+              <a:rPr lang="zh-CN" altLang="en-US" dirty="0" smtClean="0">
+                <a:solidFill>
+                  <a:srgbClr val="FF0000"/>
+                </a:solidFill>
+              </a:rPr>
+              <a:t>和</a:t>
+            </a:r>
+            <a:r>
+              <a:rPr lang="en-US" altLang="zh-CN" dirty="0" smtClean="0">
+                <a:solidFill>
+                  <a:srgbClr val="FF0000"/>
+                </a:solidFill>
+              </a:rPr>
+              <a:t>top</a:t>
+            </a:r>
+            <a:r>
+              <a:rPr lang="zh-CN" altLang="en-US" dirty="0" smtClean="0">
+                <a:solidFill>
+                  <a:srgbClr val="FF0000"/>
+                </a:solidFill>
+              </a:rPr>
+              <a:t>都是相对于</a:t>
+            </a:r>
+            <a:r>
+              <a:rPr lang="en-US" altLang="zh-CN" dirty="0" smtClean="0">
+                <a:solidFill>
+                  <a:srgbClr val="FF0000"/>
+                </a:solidFill>
+              </a:rPr>
+              <a:t>.modal</a:t>
+            </a:r>
+            <a:r>
+              <a:rPr lang="zh-CN" altLang="en-US" dirty="0" smtClean="0">
+                <a:solidFill>
+                  <a:srgbClr val="FF0000"/>
+                </a:solidFill>
+              </a:rPr>
+              <a:t>（参照物）宽高值进行定位，</a:t>
+            </a:r>
+            <a:r>
+              <a:rPr lang="en-US" altLang="zh-CN" dirty="0" smtClean="0">
+                <a:solidFill>
+                  <a:srgbClr val="FF0000"/>
+                </a:solidFill>
+              </a:rPr>
+              <a:t>transform: translate(-50%, -50%)</a:t>
+            </a:r>
+            <a:r>
+              <a:rPr lang="zh-CN" altLang="en-US" dirty="0" smtClean="0">
+                <a:solidFill>
+                  <a:srgbClr val="FF0000"/>
+                </a:solidFill>
+              </a:rPr>
+              <a:t>是相对于自身位置进行位移，</a:t>
+            </a:r>
+            <a:r>
+              <a:rPr lang="en-US" altLang="zh-CN" dirty="0" smtClean="0">
+                <a:solidFill>
+                  <a:srgbClr val="FF0000"/>
+                </a:solidFill>
+              </a:rPr>
+              <a:t>-50%</a:t>
+            </a:r>
+            <a:r>
+              <a:rPr lang="zh-CN" altLang="en-US" dirty="0" smtClean="0">
+                <a:solidFill>
+                  <a:srgbClr val="FF0000"/>
+                </a:solidFill>
+              </a:rPr>
+              <a:t>的实际值是自身宽高进行取值。</a:t>
+            </a:r>
+            <a:endParaRPr lang="zh-CN" altLang="en-US" dirty="0">
+              <a:solidFill>
+                <a:srgbClr val="FF0000"/>
+              </a:solidFill>
+            </a:endParaRPr>
+          </a:p>
+        </p:txBody>
+      </p:sp>
+      <p:pic>
+        <p:nvPicPr>
+          <p:cNvPr id="2051" name="Picture 3"/>
+          <p:cNvPicPr>
+            <a:picLocks noChangeAspect="1" noChangeArrowheads="1"/>
+          </p:cNvPicPr>
+          <p:nvPr/>
+        </p:nvPicPr>
+        <p:blipFill>
+          <a:blip r:embed="rId2" cstate="print">
+            <a:extLst>
+              <a:ext uri="{28A0092B-C50C-407E-A947-70E740481C1C}">
+                <a14:useLocalDpi xmlns:a14="http://schemas.microsoft.com/office/drawing/2010/main" val="0"/>
+              </a:ext>
+            </a:extLst>
+          </a:blip>
+          <a:srcRect/>
+          <a:stretch>
+            <a:fillRect/>
+          </a:stretch>
+        </p:blipFill>
+        <p:spPr bwMode="auto">
+          <a:xfrm>
+            <a:off x="1147764" y="485323"/>
+            <a:ext cx="3656466" cy="2378786"/>
+          </a:xfrm>
+          <a:prstGeom prst="rect">
+            <a:avLst/>
+          </a:prstGeom>
+          <a:noFill/>
+          <a:ln>
+            <a:noFill/>
+          </a:ln>
+          <a:effectLst/>
+          <a:extLst>
+            <a:ext uri="{909E8E84-426E-40DD-AFC4-6F175D3DCCD1}">
+              <a14:hiddenFill xmlns:a14="http://schemas.microsoft.com/office/drawing/2010/main">
+                <a:solidFill>
+                  <a:schemeClr val="accent1"/>
+                </a:solidFill>
+              </a14:hiddenFill>
+            </a:ext>
+            <a:ext uri="{91240B29-F687-4F45-9708-019B960494DF}">
+              <a14:hiddenLine xmlns:a14="http://schemas.microsoft.com/office/drawing/2010/main" w="9525">
+                <a:solidFill>
+                  <a:schemeClr val="tx1"/>
+                </a:solidFill>
+                <a:miter lim="800000"/>
+                <a:headEnd/>
+                <a:tailEnd/>
+              </a14:hiddenLine>
+            </a:ext>
+            <a:ext uri="{AF507438-7753-43E0-B8FC-AC1667EBCBE1}">
+              <a14:hiddenEffects xmlns:a14="http://schemas.microsoft.com/office/drawing/2010/main">
+                <a:effectLst>
+                  <a:outerShdw dist="35921" dir="2700000" algn="ctr" rotWithShape="0">
+                    <a:schemeClr val="bg2"/>
+                  </a:outerShdw>
+                </a:effectLst>
+              </a14:hiddenEffects>
+            </a:ext>
+          </a:extLst>
+        </p:spPr>
+      </p:pic>
+    </p:spTree>
+    <p:extLst>
+      <p:ext uri="{BB962C8B-B14F-4D97-AF65-F5344CB8AC3E}">
+        <p14:creationId xmlns:p14="http://schemas.microsoft.com/office/powerpoint/2010/main" val="2691287542"/>
       </p:ext>
     </p:extLst>
   </p:cSld>
@@ -4873,11 +6450,7 @@
           <a:p>
             <a:r>
               <a:rPr lang="en-US" altLang="zh-CN"/>
-              <a:t>&lt;div id=“name”&gt;123&lt;/</a:t>
-            </a:r>
-            <a:r>
-              <a:rPr lang="en-US" altLang="zh-CN"/>
-              <a:t>div</a:t>
+              <a:t>&lt;div id=“name”&gt;123&lt;/div</a:t>
             </a:r>
             <a:r>
               <a:rPr lang="en-US" altLang="zh-CN" smtClean="0"/>
@@ -5348,11 +6921,7 @@
             </a:r>
             <a:r>
               <a:rPr lang="en-US" altLang="zh-CN"/>
-              <a:t>div class="</a:t>
-            </a:r>
-            <a:r>
-              <a:rPr lang="en-US" altLang="zh-CN"/>
-              <a:t>parent</a:t>
+              <a:t>div class="parent</a:t>
             </a:r>
             <a:r>
               <a:rPr lang="en-US" altLang="zh-CN" smtClean="0"/>
@@ -5443,11 +7012,7 @@
             </a:r>
             <a:r>
               <a:rPr lang="zh-CN" altLang="en-US"/>
-              <a:t>父级</a:t>
-            </a:r>
-            <a:r>
-              <a:rPr lang="zh-CN" altLang="en-US"/>
-              <a:t>选择</a:t>
+              <a:t>父级选择</a:t>
             </a:r>
             <a:r>
               <a:rPr lang="zh-CN" altLang="en-US" smtClean="0"/>
@@ -5554,80 +7119,64 @@
           <a:p>
             <a:r>
               <a:rPr lang="zh-CN" altLang="en-US"/>
-              <a:t>有时候还会需要用文档以外的其他条件来应用元素的样式，比如鼠标悬停等。这时候我们就需要用到</a:t>
+              <a:t>有时候还会需要用文档以外的其他条件来应用元素的样式，比如鼠标悬停等。这时候我们就需要用到伪</a:t>
+            </a:r>
+            <a:r>
+              <a:rPr lang="zh-CN" altLang="en-US" smtClean="0"/>
+              <a:t>类。</a:t>
+            </a:r>
+            <a:endParaRPr lang="en-US" altLang="zh-CN" smtClean="0"/>
+          </a:p>
+          <a:p>
+            <a:r>
+              <a:rPr lang="en-US" altLang="zh-CN" smtClean="0"/>
+              <a:t>a:link</a:t>
+            </a:r>
+            <a:r>
+              <a:rPr lang="zh-CN" altLang="en-US" smtClean="0"/>
+              <a:t>：链接</a:t>
             </a:r>
             <a:r>
               <a:rPr lang="zh-CN" altLang="en-US"/>
-              <a:t>伪</a:t>
-            </a:r>
-            <a:r>
-              <a:rPr lang="zh-CN" altLang="en-US" smtClean="0"/>
-              <a:t>类。</a:t>
+              <a:t>在没有被点击时的</a:t>
+            </a:r>
+            <a:r>
+              <a:rPr lang="zh-CN" altLang="en-US" smtClean="0"/>
+              <a:t>样式。</a:t>
             </a:r>
             <a:endParaRPr lang="en-US" altLang="zh-CN" smtClean="0"/>
           </a:p>
           <a:p>
             <a:r>
               <a:rPr lang="en-US" altLang="zh-CN" smtClean="0"/>
-              <a:t>a:link</a:t>
-            </a:r>
-            <a:r>
-              <a:rPr lang="zh-CN" altLang="en-US" smtClean="0"/>
-              <a:t>：链接</a:t>
+              <a:t>a:visited</a:t>
+            </a:r>
+            <a:r>
+              <a:rPr lang="zh-CN" altLang="en-US" smtClean="0"/>
+              <a:t>：</a:t>
             </a:r>
             <a:r>
               <a:rPr lang="zh-CN" altLang="en-US"/>
-              <a:t>在没有被点击时</a:t>
+              <a:t>链接已经被访问时的</a:t>
+            </a:r>
+            <a:r>
+              <a:rPr lang="zh-CN" altLang="en-US" smtClean="0"/>
+              <a:t>样式。</a:t>
+            </a:r>
+            <a:endParaRPr lang="en-US" altLang="zh-CN" smtClean="0"/>
+          </a:p>
+          <a:p>
+            <a:r>
+              <a:rPr lang="en-US" altLang="zh-CN" smtClean="0"/>
+              <a:t>a:hover</a:t>
+            </a:r>
+            <a:r>
+              <a:rPr lang="zh-CN" altLang="en-US" smtClean="0"/>
+              <a:t>：</a:t>
             </a:r>
             <a:r>
               <a:rPr lang="zh-CN" altLang="en-US"/>
-              <a:t>的</a:t>
-            </a:r>
-            <a:r>
-              <a:rPr lang="zh-CN" altLang="en-US" smtClean="0"/>
-              <a:t>样式。</a:t>
-            </a:r>
-            <a:endParaRPr lang="en-US" altLang="zh-CN" smtClean="0"/>
-          </a:p>
-          <a:p>
-            <a:r>
-              <a:rPr lang="en-US" altLang="zh-CN" smtClean="0"/>
-              <a:t>a:visited</a:t>
-            </a:r>
-            <a:r>
-              <a:rPr lang="zh-CN" altLang="en-US" smtClean="0"/>
-              <a:t>：</a:t>
-            </a:r>
-            <a:r>
-              <a:rPr lang="zh-CN" altLang="en-US"/>
-              <a:t>链接已经被访问时</a:t>
-            </a:r>
-            <a:r>
-              <a:rPr lang="zh-CN" altLang="en-US"/>
-              <a:t>的</a:t>
-            </a:r>
-            <a:r>
-              <a:rPr lang="zh-CN" altLang="en-US" smtClean="0"/>
-              <a:t>样式。</a:t>
-            </a:r>
-            <a:endParaRPr lang="en-US" altLang="zh-CN" smtClean="0"/>
-          </a:p>
-          <a:p>
-            <a:r>
-              <a:rPr lang="en-US" altLang="zh-CN" smtClean="0"/>
-              <a:t>a:hover</a:t>
-            </a:r>
-            <a:r>
-              <a:rPr lang="zh-CN" altLang="en-US" smtClean="0"/>
-              <a:t>：</a:t>
-            </a:r>
-            <a:r>
-              <a:rPr lang="zh-CN" altLang="en-US"/>
-              <a:t>鼠标悬停在链接上面时</a:t>
-            </a:r>
-            <a:r>
-              <a:rPr lang="zh-CN" altLang="en-US"/>
-              <a:t>的</a:t>
+              <a:t>鼠标悬停在链接上面时的</a:t>
             </a:r>
             <a:r>
               <a:rPr lang="zh-CN" altLang="en-US" smtClean="0"/>
@@ -5886,11 +7435,7 @@
             </a:r>
             <a:r>
               <a:rPr lang="en-US" altLang="zh-CN"/>
-              <a:t>div&gt;div-1-5&lt;/</a:t>
-            </a:r>
-            <a:r>
-              <a:rPr lang="en-US" altLang="zh-CN"/>
-              <a:t>div</a:t>
+              <a:t>div&gt;div-1-5&lt;/div</a:t>
             </a:r>
             <a:r>
               <a:rPr lang="en-US" altLang="zh-CN" smtClean="0"/>

--- a/材料/html/ppt/html-第五章.pptx
+++ b/材料/html/ppt/html-第五章.pptx
@@ -5,26 +5,31 @@
     <p:sldMasterId id="2147483648" r:id="rId1"/>
   </p:sldMasterIdLst>
   <p:sldIdLst>
-    <p:sldId id="256" r:id="rId2"/>
-    <p:sldId id="257" r:id="rId3"/>
-    <p:sldId id="258" r:id="rId4"/>
-    <p:sldId id="259" r:id="rId5"/>
-    <p:sldId id="260" r:id="rId6"/>
-    <p:sldId id="261" r:id="rId7"/>
-    <p:sldId id="262" r:id="rId8"/>
-    <p:sldId id="263" r:id="rId9"/>
-    <p:sldId id="264" r:id="rId10"/>
-    <p:sldId id="265" r:id="rId11"/>
-    <p:sldId id="266" r:id="rId12"/>
-    <p:sldId id="267" r:id="rId13"/>
-    <p:sldId id="268" r:id="rId14"/>
-    <p:sldId id="269" r:id="rId15"/>
-    <p:sldId id="270" r:id="rId16"/>
-    <p:sldId id="271" r:id="rId17"/>
-    <p:sldId id="272" r:id="rId18"/>
-    <p:sldId id="273" r:id="rId19"/>
-    <p:sldId id="274" r:id="rId20"/>
-    <p:sldId id="275" r:id="rId21"/>
+    <p:sldId id="281" r:id="rId2"/>
+    <p:sldId id="282" r:id="rId3"/>
+    <p:sldId id="283" r:id="rId4"/>
+    <p:sldId id="284" r:id="rId5"/>
+    <p:sldId id="285" r:id="rId6"/>
+    <p:sldId id="286" r:id="rId7"/>
+    <p:sldId id="287" r:id="rId8"/>
+    <p:sldId id="256" r:id="rId9"/>
+    <p:sldId id="257" r:id="rId10"/>
+    <p:sldId id="258" r:id="rId11"/>
+    <p:sldId id="259" r:id="rId12"/>
+    <p:sldId id="260" r:id="rId13"/>
+    <p:sldId id="261" r:id="rId14"/>
+    <p:sldId id="262" r:id="rId15"/>
+    <p:sldId id="263" r:id="rId16"/>
+    <p:sldId id="264" r:id="rId17"/>
+    <p:sldId id="265" r:id="rId18"/>
+    <p:sldId id="266" r:id="rId19"/>
+    <p:sldId id="267" r:id="rId20"/>
+    <p:sldId id="268" r:id="rId21"/>
+    <p:sldId id="277" r:id="rId22"/>
+    <p:sldId id="278" r:id="rId23"/>
+    <p:sldId id="279" r:id="rId24"/>
+    <p:sldId id="280" r:id="rId25"/>
+    <p:sldId id="276" r:id="rId26"/>
   </p:sldIdLst>
   <p:sldSz cx="12192000" cy="6858000"/>
   <p:notesSz cx="6858000" cy="9144000"/>
@@ -262,7 +267,7 @@
           <a:p>
             <a:fld id="{2789B73D-9F6B-45F9-AE4E-815273336DB0}" type="datetimeFigureOut">
               <a:rPr lang="zh-CN" altLang="en-US" smtClean="0"/>
-              <a:t>2018/10/12 Friday</a:t>
+              <a:t>2018/10/22 Monday</a:t>
             </a:fld>
             <a:endParaRPr lang="zh-CN" altLang="en-US"/>
           </a:p>
@@ -432,7 +437,7 @@
           <a:p>
             <a:fld id="{2789B73D-9F6B-45F9-AE4E-815273336DB0}" type="datetimeFigureOut">
               <a:rPr lang="zh-CN" altLang="en-US" smtClean="0"/>
-              <a:t>2018/10/12 Friday</a:t>
+              <a:t>2018/10/22 Monday</a:t>
             </a:fld>
             <a:endParaRPr lang="zh-CN" altLang="en-US"/>
           </a:p>
@@ -612,7 +617,7 @@
           <a:p>
             <a:fld id="{2789B73D-9F6B-45F9-AE4E-815273336DB0}" type="datetimeFigureOut">
               <a:rPr lang="zh-CN" altLang="en-US" smtClean="0"/>
-              <a:t>2018/10/12 Friday</a:t>
+              <a:t>2018/10/22 Monday</a:t>
             </a:fld>
             <a:endParaRPr lang="zh-CN" altLang="en-US"/>
           </a:p>
@@ -782,7 +787,7 @@
           <a:p>
             <a:fld id="{2789B73D-9F6B-45F9-AE4E-815273336DB0}" type="datetimeFigureOut">
               <a:rPr lang="zh-CN" altLang="en-US" smtClean="0"/>
-              <a:t>2018/10/12 Friday</a:t>
+              <a:t>2018/10/22 Monday</a:t>
             </a:fld>
             <a:endParaRPr lang="zh-CN" altLang="en-US"/>
           </a:p>
@@ -1028,7 +1033,7 @@
           <a:p>
             <a:fld id="{2789B73D-9F6B-45F9-AE4E-815273336DB0}" type="datetimeFigureOut">
               <a:rPr lang="zh-CN" altLang="en-US" smtClean="0"/>
-              <a:t>2018/10/12 Friday</a:t>
+              <a:t>2018/10/22 Monday</a:t>
             </a:fld>
             <a:endParaRPr lang="zh-CN" altLang="en-US"/>
           </a:p>
@@ -1260,7 +1265,7 @@
           <a:p>
             <a:fld id="{2789B73D-9F6B-45F9-AE4E-815273336DB0}" type="datetimeFigureOut">
               <a:rPr lang="zh-CN" altLang="en-US" smtClean="0"/>
-              <a:t>2018/10/12 Friday</a:t>
+              <a:t>2018/10/22 Monday</a:t>
             </a:fld>
             <a:endParaRPr lang="zh-CN" altLang="en-US"/>
           </a:p>
@@ -1627,7 +1632,7 @@
           <a:p>
             <a:fld id="{2789B73D-9F6B-45F9-AE4E-815273336DB0}" type="datetimeFigureOut">
               <a:rPr lang="zh-CN" altLang="en-US" smtClean="0"/>
-              <a:t>2018/10/12 Friday</a:t>
+              <a:t>2018/10/22 Monday</a:t>
             </a:fld>
             <a:endParaRPr lang="zh-CN" altLang="en-US"/>
           </a:p>
@@ -1745,7 +1750,7 @@
           <a:p>
             <a:fld id="{2789B73D-9F6B-45F9-AE4E-815273336DB0}" type="datetimeFigureOut">
               <a:rPr lang="zh-CN" altLang="en-US" smtClean="0"/>
-              <a:t>2018/10/12 Friday</a:t>
+              <a:t>2018/10/22 Monday</a:t>
             </a:fld>
             <a:endParaRPr lang="zh-CN" altLang="en-US"/>
           </a:p>
@@ -1840,7 +1845,7 @@
           <a:p>
             <a:fld id="{2789B73D-9F6B-45F9-AE4E-815273336DB0}" type="datetimeFigureOut">
               <a:rPr lang="zh-CN" altLang="en-US" smtClean="0"/>
-              <a:t>2018/10/12 Friday</a:t>
+              <a:t>2018/10/22 Monday</a:t>
             </a:fld>
             <a:endParaRPr lang="zh-CN" altLang="en-US"/>
           </a:p>
@@ -2117,7 +2122,7 @@
           <a:p>
             <a:fld id="{2789B73D-9F6B-45F9-AE4E-815273336DB0}" type="datetimeFigureOut">
               <a:rPr lang="zh-CN" altLang="en-US" smtClean="0"/>
-              <a:t>2018/10/12 Friday</a:t>
+              <a:t>2018/10/22 Monday</a:t>
             </a:fld>
             <a:endParaRPr lang="zh-CN" altLang="en-US"/>
           </a:p>
@@ -2370,7 +2375,7 @@
           <a:p>
             <a:fld id="{2789B73D-9F6B-45F9-AE4E-815273336DB0}" type="datetimeFigureOut">
               <a:rPr lang="zh-CN" altLang="en-US" smtClean="0"/>
-              <a:t>2018/10/12 Friday</a:t>
+              <a:t>2018/10/22 Monday</a:t>
             </a:fld>
             <a:endParaRPr lang="zh-CN" altLang="en-US"/>
           </a:p>
@@ -2583,7 +2588,7 @@
           <a:p>
             <a:fld id="{2789B73D-9F6B-45F9-AE4E-815273336DB0}" type="datetimeFigureOut">
               <a:rPr lang="zh-CN" altLang="en-US" smtClean="0"/>
-              <a:t>2018/10/12 Friday</a:t>
+              <a:t>2018/10/22 Monday</a:t>
             </a:fld>
             <a:endParaRPr lang="zh-CN" altLang="en-US"/>
           </a:p>
@@ -2995,1390 +3000,6 @@
             <a:spLocks noGrp="1"/>
           </p:cNvSpPr>
           <p:nvPr>
-            <p:ph type="ctrTitle"/>
-          </p:nvPr>
-        </p:nvSpPr>
-        <p:spPr>
-          <a:xfrm>
-            <a:off x="1524000" y="287862"/>
-            <a:ext cx="9144000" cy="777458"/>
-          </a:xfrm>
-        </p:spPr>
-        <p:txBody>
-          <a:bodyPr>
-            <a:normAutofit fontScale="90000"/>
-          </a:bodyPr>
-          <a:lstStyle/>
-          <a:p>
-            <a:r>
-              <a:rPr lang="en-US" altLang="zh-CN" smtClean="0"/>
-              <a:t>css</a:t>
-            </a:r>
-            <a:r>
-              <a:rPr lang="zh-CN" altLang="en-US" smtClean="0"/>
-              <a:t>选择器</a:t>
-            </a:r>
-            <a:endParaRPr lang="zh-CN" altLang="en-US"/>
-          </a:p>
-        </p:txBody>
-      </p:sp>
-      <p:sp>
-        <p:nvSpPr>
-          <p:cNvPr id="3" name="副标题 2"/>
-          <p:cNvSpPr>
-            <a:spLocks noGrp="1"/>
-          </p:cNvSpPr>
-          <p:nvPr>
-            <p:ph type="subTitle" idx="1"/>
-          </p:nvPr>
-        </p:nvSpPr>
-        <p:spPr>
-          <a:xfrm>
-            <a:off x="1524000" y="1207363"/>
-            <a:ext cx="9144000" cy="4714043"/>
-          </a:xfrm>
-        </p:spPr>
-        <p:txBody>
-          <a:bodyPr/>
-          <a:lstStyle/>
-          <a:p>
-            <a:pPr algn="l"/>
-            <a:r>
-              <a:rPr lang="zh-CN" altLang="en-US" smtClean="0"/>
-              <a:t>选择器 </a:t>
-            </a:r>
-            <a:r>
-              <a:rPr lang="en-US" altLang="zh-CN" smtClean="0"/>
-              <a:t>{</a:t>
-            </a:r>
-          </a:p>
-          <a:p>
-            <a:pPr algn="l"/>
-            <a:r>
-              <a:rPr lang="en-US" altLang="zh-CN" smtClean="0"/>
-              <a:t>  </a:t>
-            </a:r>
-            <a:r>
-              <a:rPr lang="zh-CN" altLang="en-US" smtClean="0"/>
-              <a:t>样式名</a:t>
-            </a:r>
-            <a:r>
-              <a:rPr lang="en-US" altLang="zh-CN" smtClean="0"/>
-              <a:t>1: </a:t>
-            </a:r>
-            <a:r>
-              <a:rPr lang="zh-CN" altLang="en-US" smtClean="0"/>
-              <a:t>样式值</a:t>
-            </a:r>
-            <a:r>
-              <a:rPr lang="en-US" altLang="zh-CN" smtClean="0"/>
-              <a:t>;</a:t>
-            </a:r>
-          </a:p>
-          <a:p>
-            <a:pPr algn="l"/>
-            <a:r>
-              <a:rPr lang="zh-CN" altLang="en-US" smtClean="0"/>
-              <a:t>  样式名</a:t>
-            </a:r>
-            <a:r>
-              <a:rPr lang="en-US" altLang="zh-CN" smtClean="0"/>
-              <a:t>2: </a:t>
-            </a:r>
-            <a:r>
-              <a:rPr lang="zh-CN" altLang="en-US"/>
-              <a:t>样式值</a:t>
-            </a:r>
-            <a:r>
-              <a:rPr lang="en-US" altLang="zh-CN"/>
-              <a:t>;</a:t>
-            </a:r>
-          </a:p>
-          <a:p>
-            <a:pPr algn="l"/>
-            <a:r>
-              <a:rPr lang="en-US" altLang="zh-CN" smtClean="0"/>
-              <a:t>}</a:t>
-            </a:r>
-          </a:p>
-          <a:p>
-            <a:pPr algn="l"/>
-            <a:r>
-              <a:rPr lang="zh-CN" altLang="en-US" smtClean="0"/>
-              <a:t>以上是</a:t>
-            </a:r>
-            <a:r>
-              <a:rPr lang="en-US" altLang="zh-CN" smtClean="0"/>
-              <a:t>css</a:t>
-            </a:r>
-            <a:r>
-              <a:rPr lang="zh-CN" altLang="en-US" smtClean="0"/>
-              <a:t>书写格式，其中选择器指定了作用域</a:t>
-            </a:r>
-            <a:r>
-              <a:rPr lang="en-US" altLang="zh-CN" smtClean="0"/>
-              <a:t>html</a:t>
-            </a:r>
-            <a:r>
-              <a:rPr lang="zh-CN" altLang="en-US" smtClean="0"/>
-              <a:t>文档中哪些元素。</a:t>
-            </a:r>
-            <a:endParaRPr lang="zh-CN" altLang="en-US"/>
-          </a:p>
-        </p:txBody>
-      </p:sp>
-    </p:spTree>
-    <p:extLst>
-      <p:ext uri="{BB962C8B-B14F-4D97-AF65-F5344CB8AC3E}">
-        <p14:creationId xmlns:p14="http://schemas.microsoft.com/office/powerpoint/2010/main" val="4158788755"/>
-      </p:ext>
-    </p:extLst>
-  </p:cSld>
-  <p:clrMapOvr>
-    <a:masterClrMapping/>
-  </p:clrMapOvr>
-</p:sld>
-</file>
-
-<file path=ppt/slides/slide10.xml><?xml version="1.0" encoding="utf-8"?>
-<p:sld xmlns:a="http://schemas.openxmlformats.org/drawingml/2006/main" xmlns:r="http://schemas.openxmlformats.org/officeDocument/2006/relationships" xmlns:p="http://schemas.openxmlformats.org/presentationml/2006/main">
-  <p:cSld>
-    <p:spTree>
-      <p:nvGrpSpPr>
-        <p:cNvPr id="1" name=""/>
-        <p:cNvGrpSpPr/>
-        <p:nvPr/>
-      </p:nvGrpSpPr>
-      <p:grpSpPr>
-        <a:xfrm>
-          <a:off x="0" y="0"/>
-          <a:ext cx="0" cy="0"/>
-          <a:chOff x="0" y="0"/>
-          <a:chExt cx="0" cy="0"/>
-        </a:xfrm>
-      </p:grpSpPr>
-      <p:sp>
-        <p:nvSpPr>
-          <p:cNvPr id="2" name="标题 1"/>
-          <p:cNvSpPr>
-            <a:spLocks noGrp="1"/>
-          </p:cNvSpPr>
-          <p:nvPr>
-            <p:ph type="title"/>
-          </p:nvPr>
-        </p:nvSpPr>
-        <p:spPr>
-          <a:xfrm>
-            <a:off x="838200" y="365125"/>
-            <a:ext cx="10515600" cy="966525"/>
-          </a:xfrm>
-        </p:spPr>
-        <p:txBody>
-          <a:bodyPr/>
-          <a:lstStyle/>
-          <a:p>
-            <a:pPr algn="ctr"/>
-            <a:r>
-              <a:rPr lang="zh-CN" altLang="en-US" smtClean="0"/>
-              <a:t>相邻同胞选择器</a:t>
-            </a:r>
-            <a:endParaRPr lang="zh-CN" altLang="en-US"/>
-          </a:p>
-        </p:txBody>
-      </p:sp>
-      <p:sp>
-        <p:nvSpPr>
-          <p:cNvPr id="3" name="内容占位符 2"/>
-          <p:cNvSpPr>
-            <a:spLocks noGrp="1"/>
-          </p:cNvSpPr>
-          <p:nvPr>
-            <p:ph idx="1"/>
-          </p:nvPr>
-        </p:nvSpPr>
-        <p:spPr>
-          <a:xfrm>
-            <a:off x="838200" y="1464816"/>
-            <a:ext cx="10515600" cy="4712147"/>
-          </a:xfrm>
-        </p:spPr>
-        <p:txBody>
-          <a:bodyPr>
-            <a:normAutofit fontScale="85000" lnSpcReduction="20000"/>
-          </a:bodyPr>
-          <a:lstStyle/>
-          <a:p>
-            <a:r>
-              <a:rPr lang="en-US" altLang="zh-CN" smtClean="0"/>
-              <a:t>css</a:t>
-            </a:r>
-            <a:r>
-              <a:rPr lang="zh-CN" altLang="en-US" smtClean="0"/>
-              <a:t>代码：</a:t>
-            </a:r>
-            <a:endParaRPr lang="en-US" altLang="zh-CN" smtClean="0"/>
-          </a:p>
-          <a:p>
-            <a:r>
-              <a:rPr lang="en-US" altLang="zh-CN" smtClean="0"/>
-              <a:t>.sub + div {</a:t>
-            </a:r>
-          </a:p>
-          <a:p>
-            <a:r>
-              <a:rPr lang="en-US" altLang="zh-CN" smtClean="0"/>
-              <a:t>  color: red;</a:t>
-            </a:r>
-            <a:endParaRPr lang="en-US" altLang="zh-CN"/>
-          </a:p>
-          <a:p>
-            <a:r>
-              <a:rPr lang="en-US" altLang="zh-CN" smtClean="0"/>
-              <a:t>}</a:t>
-            </a:r>
-          </a:p>
-          <a:p>
-            <a:r>
-              <a:rPr lang="en-US" altLang="zh-CN" smtClean="0"/>
-              <a:t>html</a:t>
-            </a:r>
-            <a:r>
-              <a:rPr lang="zh-CN" altLang="en-US" smtClean="0"/>
-              <a:t>代码：</a:t>
-            </a:r>
-            <a:endParaRPr lang="en-US" altLang="zh-CN" smtClean="0"/>
-          </a:p>
-          <a:p>
-            <a:r>
-              <a:rPr lang="en-US" altLang="zh-CN" smtClean="0"/>
-              <a:t>&lt;</a:t>
-            </a:r>
-            <a:r>
-              <a:rPr lang="en-US" altLang="zh-CN"/>
-              <a:t>div class="parent"&gt;</a:t>
-            </a:r>
-          </a:p>
-          <a:p>
-            <a:r>
-              <a:rPr lang="en-US" altLang="zh-CN" smtClean="0"/>
-              <a:t>  &lt;</a:t>
-            </a:r>
-            <a:r>
-              <a:rPr lang="en-US" altLang="zh-CN"/>
-              <a:t>div class="sub"&gt;div-2-1&lt;/div&gt;</a:t>
-            </a:r>
-          </a:p>
-          <a:p>
-            <a:r>
-              <a:rPr lang="en-US" altLang="zh-CN"/>
-              <a:t>  </a:t>
-            </a:r>
-            <a:r>
-              <a:rPr lang="en-US" altLang="zh-CN" smtClean="0"/>
-              <a:t>&lt;</a:t>
-            </a:r>
-            <a:r>
-              <a:rPr lang="en-US" altLang="zh-CN"/>
-              <a:t>div&gt;div-2-2&lt;/div</a:t>
-            </a:r>
-            <a:r>
-              <a:rPr lang="en-US" altLang="zh-CN" smtClean="0"/>
-              <a:t>&gt;</a:t>
-            </a:r>
-          </a:p>
-          <a:p>
-            <a:r>
-              <a:rPr lang="en-US" altLang="zh-CN" smtClean="0"/>
-              <a:t>  &lt;</a:t>
-            </a:r>
-            <a:r>
-              <a:rPr lang="en-US" altLang="zh-CN"/>
-              <a:t>div&gt;div-2-6&lt;/div</a:t>
-            </a:r>
-            <a:r>
-              <a:rPr lang="en-US" altLang="zh-CN" smtClean="0"/>
-              <a:t>&gt;</a:t>
-            </a:r>
-          </a:p>
-          <a:p>
-            <a:r>
-              <a:rPr lang="en-US" altLang="zh-CN" smtClean="0"/>
-              <a:t>&lt;/</a:t>
-            </a:r>
-            <a:r>
-              <a:rPr lang="en-US" altLang="zh-CN"/>
-              <a:t>div</a:t>
-            </a:r>
-            <a:r>
-              <a:rPr lang="en-US" altLang="zh-CN" smtClean="0"/>
-              <a:t>&gt;</a:t>
-            </a:r>
-          </a:p>
-          <a:p>
-            <a:r>
-              <a:rPr lang="zh-CN" altLang="en-US" smtClean="0"/>
-              <a:t>同胞元素：表示在同一层级，</a:t>
-            </a:r>
-            <a:r>
-              <a:rPr lang="en-US" altLang="zh-CN" smtClean="0"/>
-              <a:t>.parent</a:t>
-            </a:r>
-            <a:r>
-              <a:rPr lang="zh-CN" altLang="en-US" smtClean="0"/>
-              <a:t>下的三个</a:t>
-            </a:r>
-            <a:r>
-              <a:rPr lang="en-US" altLang="zh-CN" smtClean="0"/>
-              <a:t>div</a:t>
-            </a:r>
-            <a:r>
-              <a:rPr lang="zh-CN" altLang="en-US" smtClean="0"/>
-              <a:t>都在同一级，它们相互之间被称为同胞元素，也被称为兄弟元素。</a:t>
-            </a:r>
-            <a:r>
-              <a:rPr lang="en-US" altLang="zh-CN" smtClean="0"/>
-              <a:t>”+”</a:t>
-            </a:r>
-            <a:r>
-              <a:rPr lang="zh-CN" altLang="en-US" smtClean="0"/>
-              <a:t>表示</a:t>
-            </a:r>
-            <a:r>
-              <a:rPr lang="en-US" altLang="zh-CN" smtClean="0"/>
-              <a:t>.sub</a:t>
-            </a:r>
-            <a:r>
-              <a:rPr lang="zh-CN" altLang="en-US" smtClean="0"/>
-              <a:t>后面的一个兄弟元素。</a:t>
-            </a:r>
-            <a:endParaRPr lang="zh-CN" altLang="en-US"/>
-          </a:p>
-        </p:txBody>
-      </p:sp>
-    </p:spTree>
-    <p:extLst>
-      <p:ext uri="{BB962C8B-B14F-4D97-AF65-F5344CB8AC3E}">
-        <p14:creationId xmlns:p14="http://schemas.microsoft.com/office/powerpoint/2010/main" val="2130161672"/>
-      </p:ext>
-    </p:extLst>
-  </p:cSld>
-  <p:clrMapOvr>
-    <a:masterClrMapping/>
-  </p:clrMapOvr>
-</p:sld>
-</file>
-
-<file path=ppt/slides/slide11.xml><?xml version="1.0" encoding="utf-8"?>
-<p:sld xmlns:a="http://schemas.openxmlformats.org/drawingml/2006/main" xmlns:r="http://schemas.openxmlformats.org/officeDocument/2006/relationships" xmlns:p="http://schemas.openxmlformats.org/presentationml/2006/main">
-  <p:cSld>
-    <p:spTree>
-      <p:nvGrpSpPr>
-        <p:cNvPr id="1" name=""/>
-        <p:cNvGrpSpPr/>
-        <p:nvPr/>
-      </p:nvGrpSpPr>
-      <p:grpSpPr>
-        <a:xfrm>
-          <a:off x="0" y="0"/>
-          <a:ext cx="0" cy="0"/>
-          <a:chOff x="0" y="0"/>
-          <a:chExt cx="0" cy="0"/>
-        </a:xfrm>
-      </p:grpSpPr>
-      <p:sp>
-        <p:nvSpPr>
-          <p:cNvPr id="2" name="标题 1"/>
-          <p:cNvSpPr>
-            <a:spLocks noGrp="1"/>
-          </p:cNvSpPr>
-          <p:nvPr>
-            <p:ph type="title"/>
-          </p:nvPr>
-        </p:nvSpPr>
-        <p:spPr>
-          <a:xfrm>
-            <a:off x="838200" y="365125"/>
-            <a:ext cx="10515600" cy="975403"/>
-          </a:xfrm>
-        </p:spPr>
-        <p:txBody>
-          <a:bodyPr/>
-          <a:lstStyle/>
-          <a:p>
-            <a:pPr algn="ctr"/>
-            <a:r>
-              <a:rPr lang="zh-CN" altLang="en-US" smtClean="0"/>
-              <a:t>属性选择器</a:t>
-            </a:r>
-            <a:endParaRPr lang="zh-CN" altLang="en-US"/>
-          </a:p>
-        </p:txBody>
-      </p:sp>
-      <p:sp>
-        <p:nvSpPr>
-          <p:cNvPr id="3" name="内容占位符 2"/>
-          <p:cNvSpPr>
-            <a:spLocks noGrp="1"/>
-          </p:cNvSpPr>
-          <p:nvPr>
-            <p:ph idx="1"/>
-          </p:nvPr>
-        </p:nvSpPr>
-        <p:spPr>
-          <a:xfrm>
-            <a:off x="838200" y="1500326"/>
-            <a:ext cx="10515600" cy="4676637"/>
-          </a:xfrm>
-        </p:spPr>
-        <p:txBody>
-          <a:bodyPr>
-            <a:normAutofit fontScale="70000" lnSpcReduction="20000"/>
-          </a:bodyPr>
-          <a:lstStyle/>
-          <a:p>
-            <a:r>
-              <a:rPr lang="en-US" altLang="zh-CN" smtClean="0"/>
-              <a:t>css</a:t>
-            </a:r>
-            <a:r>
-              <a:rPr lang="zh-CN" altLang="en-US" smtClean="0"/>
-              <a:t>代码：</a:t>
-            </a:r>
-            <a:endParaRPr lang="en-US" altLang="zh-CN" smtClean="0"/>
-          </a:p>
-          <a:p>
-            <a:r>
-              <a:rPr lang="en-US" altLang="zh-CN"/>
-              <a:t>[readonly] {</a:t>
-            </a:r>
-          </a:p>
-          <a:p>
-            <a:r>
-              <a:rPr lang="en-US" altLang="zh-CN"/>
-              <a:t>  border: 1px solid red;</a:t>
-            </a:r>
-          </a:p>
-          <a:p>
-            <a:r>
-              <a:rPr lang="en-US" altLang="zh-CN" smtClean="0"/>
-              <a:t>}</a:t>
-            </a:r>
-          </a:p>
-          <a:p>
-            <a:r>
-              <a:rPr lang="en-US" altLang="zh-CN" smtClean="0"/>
-              <a:t>html</a:t>
-            </a:r>
-            <a:r>
-              <a:rPr lang="zh-CN" altLang="en-US" smtClean="0"/>
-              <a:t>代码：</a:t>
-            </a:r>
-            <a:endParaRPr lang="en-US" altLang="zh-CN" smtClean="0"/>
-          </a:p>
-          <a:p>
-            <a:r>
-              <a:rPr lang="en-US" altLang="zh-CN"/>
-              <a:t>&lt;input id="</a:t>
-            </a:r>
-            <a:r>
-              <a:rPr lang="en-US" altLang="zh-CN" smtClean="0"/>
-              <a:t>username1" </a:t>
-            </a:r>
-            <a:r>
-              <a:rPr lang="en-US" altLang="zh-CN"/>
-              <a:t>placeholder="</a:t>
-            </a:r>
-            <a:r>
-              <a:rPr lang="zh-CN" altLang="en-US"/>
-              <a:t>请输入姓名</a:t>
-            </a:r>
-            <a:r>
-              <a:rPr lang="en-US" altLang="zh-CN"/>
-              <a:t>1" readonly </a:t>
-            </a:r>
-            <a:r>
-              <a:rPr lang="en-US" altLang="zh-CN" smtClean="0"/>
-              <a:t>/&gt;</a:t>
-            </a:r>
-          </a:p>
-          <a:p>
-            <a:r>
-              <a:rPr lang="en-US" altLang="zh-CN" smtClean="0"/>
-              <a:t>&lt;input </a:t>
-            </a:r>
-            <a:r>
-              <a:rPr lang="en-US" altLang="zh-CN"/>
-              <a:t>id="</a:t>
-            </a:r>
-            <a:r>
-              <a:rPr lang="en-US" altLang="zh-CN" smtClean="0"/>
-              <a:t>username2" </a:t>
-            </a:r>
-            <a:r>
-              <a:rPr lang="en-US" altLang="zh-CN"/>
-              <a:t>placeholder="</a:t>
-            </a:r>
-            <a:r>
-              <a:rPr lang="zh-CN" altLang="en-US"/>
-              <a:t>请输入姓名</a:t>
-            </a:r>
-            <a:r>
-              <a:rPr lang="en-US" altLang="zh-CN"/>
-              <a:t>2" </a:t>
-            </a:r>
-            <a:r>
-              <a:rPr lang="en-US" altLang="zh-CN" smtClean="0"/>
-              <a:t>/&gt;</a:t>
-            </a:r>
-          </a:p>
-          <a:p>
-            <a:r>
-              <a:rPr lang="zh-CN" altLang="en-US" smtClean="0"/>
-              <a:t>作用于所有带有</a:t>
-            </a:r>
-            <a:r>
-              <a:rPr lang="en-US" altLang="zh-CN" smtClean="0"/>
-              <a:t>readonly</a:t>
-            </a:r>
-            <a:r>
-              <a:rPr lang="zh-CN" altLang="en-US" smtClean="0"/>
-              <a:t>属性的标签，选择器可以于其它选择器配合，比如</a:t>
-            </a:r>
-            <a:r>
-              <a:rPr lang="en-US" altLang="zh-CN" smtClean="0"/>
-              <a:t>[id][readonly]</a:t>
-            </a:r>
-            <a:r>
-              <a:rPr lang="zh-CN" altLang="en-US" smtClean="0"/>
-              <a:t>或者</a:t>
-            </a:r>
-            <a:r>
-              <a:rPr lang="en-US" altLang="zh-CN" smtClean="0"/>
-              <a:t>input[readonly]</a:t>
-            </a:r>
-            <a:r>
-              <a:rPr lang="zh-CN" altLang="en-US" smtClean="0"/>
-              <a:t>，下面简单介绍几种：</a:t>
-            </a:r>
-            <a:endParaRPr lang="en-US" altLang="zh-CN" smtClean="0"/>
-          </a:p>
-          <a:p>
-            <a:r>
-              <a:rPr lang="en-US" altLang="zh-CN" smtClean="0"/>
-              <a:t>input[id=“username1”]</a:t>
-            </a:r>
-            <a:r>
-              <a:rPr lang="zh-CN" altLang="en-US"/>
-              <a:t>：作用于所有</a:t>
-            </a:r>
-            <a:r>
-              <a:rPr lang="en-US" altLang="zh-CN"/>
-              <a:t>id</a:t>
-            </a:r>
-            <a:r>
-              <a:rPr lang="zh-CN" altLang="en-US" smtClean="0"/>
-              <a:t>值</a:t>
-            </a:r>
-            <a:r>
-              <a:rPr lang="zh-CN" altLang="en-US" smtClean="0">
-                <a:solidFill>
-                  <a:srgbClr val="FF0000"/>
-                </a:solidFill>
-              </a:rPr>
-              <a:t>等于</a:t>
-            </a:r>
-            <a:r>
-              <a:rPr lang="en-US" altLang="zh-CN" smtClean="0">
-                <a:solidFill>
-                  <a:srgbClr val="FF0000"/>
-                </a:solidFill>
-              </a:rPr>
-              <a:t>username1</a:t>
-            </a:r>
-            <a:r>
-              <a:rPr lang="zh-CN" altLang="en-US" smtClean="0"/>
-              <a:t>的</a:t>
-            </a:r>
-            <a:r>
-              <a:rPr lang="en-US" altLang="zh-CN"/>
-              <a:t>input</a:t>
-            </a:r>
-            <a:r>
-              <a:rPr lang="zh-CN" altLang="en-US"/>
-              <a:t>框</a:t>
-            </a:r>
-            <a:r>
-              <a:rPr lang="zh-CN" altLang="en-US" smtClean="0"/>
-              <a:t>。</a:t>
-            </a:r>
-            <a:endParaRPr lang="en-US" altLang="zh-CN" smtClean="0"/>
-          </a:p>
-          <a:p>
-            <a:r>
-              <a:rPr lang="en-US" altLang="zh-CN" smtClean="0"/>
-              <a:t>input[id*=“user”]</a:t>
-            </a:r>
-            <a:r>
-              <a:rPr lang="zh-CN" altLang="en-US" smtClean="0"/>
-              <a:t>：作用于所有</a:t>
-            </a:r>
-            <a:r>
-              <a:rPr lang="en-US" altLang="zh-CN" smtClean="0"/>
-              <a:t>id</a:t>
-            </a:r>
-            <a:r>
-              <a:rPr lang="zh-CN" altLang="en-US" smtClean="0"/>
-              <a:t>值包含</a:t>
-            </a:r>
-            <a:r>
-              <a:rPr lang="en-US" altLang="zh-CN" smtClean="0">
-                <a:solidFill>
-                  <a:srgbClr val="FF0000"/>
-                </a:solidFill>
-              </a:rPr>
-              <a:t>user</a:t>
-            </a:r>
-            <a:r>
-              <a:rPr lang="zh-CN" altLang="en-US" smtClean="0">
-                <a:solidFill>
-                  <a:srgbClr val="FF0000"/>
-                </a:solidFill>
-              </a:rPr>
-              <a:t>关键字</a:t>
-            </a:r>
-            <a:r>
-              <a:rPr lang="zh-CN" altLang="en-US" smtClean="0"/>
-              <a:t>的</a:t>
-            </a:r>
-            <a:r>
-              <a:rPr lang="en-US" altLang="zh-CN" smtClean="0"/>
-              <a:t>input</a:t>
-            </a:r>
-            <a:r>
-              <a:rPr lang="zh-CN" altLang="en-US" smtClean="0"/>
-              <a:t>框。</a:t>
-            </a:r>
-            <a:endParaRPr lang="en-US" altLang="zh-CN" smtClean="0"/>
-          </a:p>
-          <a:p>
-            <a:r>
-              <a:rPr lang="en-US" altLang="zh-CN" smtClean="0"/>
-              <a:t>input[id^=</a:t>
-            </a:r>
-            <a:r>
-              <a:rPr lang="en-US" altLang="zh-CN"/>
-              <a:t>“user</a:t>
-            </a:r>
-            <a:r>
-              <a:rPr lang="en-US" altLang="zh-CN" smtClean="0"/>
-              <a:t>”]</a:t>
-            </a:r>
-            <a:r>
-              <a:rPr lang="zh-CN" altLang="en-US" smtClean="0"/>
-              <a:t>：</a:t>
-            </a:r>
-            <a:r>
-              <a:rPr lang="zh-CN" altLang="en-US"/>
-              <a:t>作用于所有</a:t>
-            </a:r>
-            <a:r>
-              <a:rPr lang="en-US" altLang="zh-CN"/>
-              <a:t>id</a:t>
-            </a:r>
-            <a:r>
-              <a:rPr lang="zh-CN" altLang="en-US" smtClean="0"/>
-              <a:t>值以</a:t>
-            </a:r>
-            <a:r>
-              <a:rPr lang="en-US" altLang="zh-CN" smtClean="0">
-                <a:solidFill>
-                  <a:srgbClr val="FF0000"/>
-                </a:solidFill>
-              </a:rPr>
-              <a:t>user</a:t>
-            </a:r>
-            <a:r>
-              <a:rPr lang="zh-CN" altLang="en-US" smtClean="0">
-                <a:solidFill>
-                  <a:srgbClr val="FF0000"/>
-                </a:solidFill>
-              </a:rPr>
-              <a:t>关键字开头</a:t>
-            </a:r>
-            <a:r>
-              <a:rPr lang="zh-CN" altLang="en-US" smtClean="0"/>
-              <a:t>的</a:t>
-            </a:r>
-            <a:r>
-              <a:rPr lang="en-US" altLang="zh-CN"/>
-              <a:t>input</a:t>
-            </a:r>
-            <a:r>
-              <a:rPr lang="zh-CN" altLang="en-US"/>
-              <a:t>框</a:t>
-            </a:r>
-            <a:r>
-              <a:rPr lang="zh-CN" altLang="en-US" smtClean="0"/>
-              <a:t>。</a:t>
-            </a:r>
-            <a:endParaRPr lang="en-US" altLang="zh-CN" smtClean="0"/>
-          </a:p>
-          <a:p>
-            <a:r>
-              <a:rPr lang="en-US" altLang="zh-CN" smtClean="0"/>
-              <a:t>input[id</a:t>
-            </a:r>
-            <a:r>
-              <a:rPr lang="en-US" altLang="zh-CN"/>
-              <a:t>$</a:t>
-            </a:r>
-            <a:r>
-              <a:rPr lang="en-US" altLang="zh-CN" smtClean="0"/>
-              <a:t>=“</a:t>
-            </a:r>
-            <a:r>
-              <a:rPr lang="en-US" altLang="zh-CN"/>
-              <a:t>user”]</a:t>
-            </a:r>
-            <a:r>
-              <a:rPr lang="zh-CN" altLang="en-US"/>
-              <a:t>：作用于所有</a:t>
-            </a:r>
-            <a:r>
-              <a:rPr lang="en-US" altLang="zh-CN"/>
-              <a:t>id</a:t>
-            </a:r>
-            <a:r>
-              <a:rPr lang="zh-CN" altLang="en-US" smtClean="0"/>
-              <a:t>值</a:t>
-            </a:r>
-            <a:r>
-              <a:rPr lang="zh-CN" altLang="en-US"/>
-              <a:t>以</a:t>
-            </a:r>
-            <a:r>
-              <a:rPr lang="en-US" altLang="zh-CN" smtClean="0">
-                <a:solidFill>
-                  <a:srgbClr val="FF0000"/>
-                </a:solidFill>
-              </a:rPr>
-              <a:t>user</a:t>
-            </a:r>
-            <a:r>
-              <a:rPr lang="zh-CN" altLang="en-US" smtClean="0">
-                <a:solidFill>
-                  <a:srgbClr val="FF0000"/>
-                </a:solidFill>
-              </a:rPr>
-              <a:t>关键字结尾</a:t>
-            </a:r>
-            <a:r>
-              <a:rPr lang="zh-CN" altLang="en-US" smtClean="0"/>
-              <a:t>的</a:t>
-            </a:r>
-            <a:r>
-              <a:rPr lang="en-US" altLang="zh-CN"/>
-              <a:t>input</a:t>
-            </a:r>
-            <a:r>
-              <a:rPr lang="zh-CN" altLang="en-US"/>
-              <a:t>框</a:t>
-            </a:r>
-            <a:r>
-              <a:rPr lang="zh-CN" altLang="en-US" smtClean="0"/>
-              <a:t>。</a:t>
-            </a:r>
-            <a:endParaRPr lang="en-US" altLang="zh-CN" smtClean="0"/>
-          </a:p>
-          <a:p>
-            <a:r>
-              <a:rPr lang="en-US" altLang="zh-CN"/>
-              <a:t>input[title</a:t>
-            </a:r>
-            <a:r>
-              <a:rPr lang="en-US" altLang="zh-CN" smtClean="0"/>
-              <a:t>~=“divtitle1”]</a:t>
-            </a:r>
-            <a:r>
-              <a:rPr lang="zh-CN" altLang="en-US" smtClean="0"/>
-              <a:t>：作用于所有</a:t>
-            </a:r>
-            <a:r>
-              <a:rPr lang="en-US" altLang="zh-CN" smtClean="0"/>
-              <a:t>title</a:t>
-            </a:r>
-            <a:r>
-              <a:rPr lang="zh-CN" altLang="en-US" smtClean="0"/>
-              <a:t>值包含</a:t>
-            </a:r>
-            <a:r>
-              <a:rPr lang="en-US" altLang="zh-CN" smtClean="0">
-                <a:solidFill>
-                  <a:srgbClr val="FF0000"/>
-                </a:solidFill>
-              </a:rPr>
-              <a:t>divtitle1</a:t>
-            </a:r>
-            <a:r>
-              <a:rPr lang="zh-CN" altLang="en-US" smtClean="0">
-                <a:solidFill>
-                  <a:srgbClr val="FF0000"/>
-                </a:solidFill>
-              </a:rPr>
-              <a:t>单词</a:t>
-            </a:r>
-            <a:r>
-              <a:rPr lang="zh-CN" altLang="en-US" smtClean="0"/>
-              <a:t>的</a:t>
-            </a:r>
-            <a:r>
-              <a:rPr lang="en-US" altLang="zh-CN" smtClean="0"/>
-              <a:t>input</a:t>
-            </a:r>
-            <a:r>
-              <a:rPr lang="zh-CN" altLang="en-US" smtClean="0"/>
-              <a:t>框。</a:t>
-            </a:r>
-            <a:endParaRPr lang="en-US" altLang="zh-CN"/>
-          </a:p>
-          <a:p>
-            <a:endParaRPr lang="en-US" altLang="zh-CN"/>
-          </a:p>
-        </p:txBody>
-      </p:sp>
-    </p:spTree>
-    <p:extLst>
-      <p:ext uri="{BB962C8B-B14F-4D97-AF65-F5344CB8AC3E}">
-        <p14:creationId xmlns:p14="http://schemas.microsoft.com/office/powerpoint/2010/main" val="2369703833"/>
-      </p:ext>
-    </p:extLst>
-  </p:cSld>
-  <p:clrMapOvr>
-    <a:masterClrMapping/>
-  </p:clrMapOvr>
-</p:sld>
-</file>
-
-<file path=ppt/slides/slide12.xml><?xml version="1.0" encoding="utf-8"?>
-<p:sld xmlns:a="http://schemas.openxmlformats.org/drawingml/2006/main" xmlns:r="http://schemas.openxmlformats.org/officeDocument/2006/relationships" xmlns:p="http://schemas.openxmlformats.org/presentationml/2006/main">
-  <p:cSld>
-    <p:spTree>
-      <p:nvGrpSpPr>
-        <p:cNvPr id="1" name=""/>
-        <p:cNvGrpSpPr/>
-        <p:nvPr/>
-      </p:nvGrpSpPr>
-      <p:grpSpPr>
-        <a:xfrm>
-          <a:off x="0" y="0"/>
-          <a:ext cx="0" cy="0"/>
-          <a:chOff x="0" y="0"/>
-          <a:chExt cx="0" cy="0"/>
-        </a:xfrm>
-      </p:grpSpPr>
-      <p:sp>
-        <p:nvSpPr>
-          <p:cNvPr id="2" name="标题 1"/>
-          <p:cNvSpPr>
-            <a:spLocks noGrp="1"/>
-          </p:cNvSpPr>
-          <p:nvPr>
-            <p:ph type="title"/>
-          </p:nvPr>
-        </p:nvSpPr>
-        <p:spPr>
-          <a:xfrm>
-            <a:off x="838200" y="365126"/>
-            <a:ext cx="10515600" cy="1064180"/>
-          </a:xfrm>
-        </p:spPr>
-        <p:txBody>
-          <a:bodyPr/>
-          <a:lstStyle/>
-          <a:p>
-            <a:pPr algn="ctr"/>
-            <a:r>
-              <a:rPr lang="zh-CN" altLang="en-US" smtClean="0"/>
-              <a:t>常用伪元素</a:t>
-            </a:r>
-            <a:endParaRPr lang="zh-CN" altLang="en-US"/>
-          </a:p>
-        </p:txBody>
-      </p:sp>
-      <p:sp>
-        <p:nvSpPr>
-          <p:cNvPr id="3" name="内容占位符 2"/>
-          <p:cNvSpPr>
-            <a:spLocks noGrp="1"/>
-          </p:cNvSpPr>
-          <p:nvPr>
-            <p:ph idx="1"/>
-          </p:nvPr>
-        </p:nvSpPr>
-        <p:spPr>
-          <a:xfrm>
-            <a:off x="838200" y="1429306"/>
-            <a:ext cx="10515600" cy="4747657"/>
-          </a:xfrm>
-        </p:spPr>
-        <p:txBody>
-          <a:bodyPr>
-            <a:normAutofit fontScale="77500" lnSpcReduction="20000"/>
-          </a:bodyPr>
-          <a:lstStyle/>
-          <a:p>
-            <a:r>
-              <a:rPr lang="en-US" altLang="zh-CN" smtClean="0"/>
-              <a:t>css</a:t>
-            </a:r>
-            <a:r>
-              <a:rPr lang="zh-CN" altLang="en-US" smtClean="0"/>
-              <a:t>代码：</a:t>
-            </a:r>
-            <a:endParaRPr lang="en-US" altLang="zh-CN" smtClean="0"/>
-          </a:p>
-          <a:p>
-            <a:r>
-              <a:rPr lang="en-US" altLang="zh-CN" smtClean="0"/>
-              <a:t>.parent:before</a:t>
-            </a:r>
-            <a:r>
-              <a:rPr lang="zh-CN" altLang="en-US" smtClean="0"/>
-              <a:t> </a:t>
-            </a:r>
-            <a:r>
-              <a:rPr lang="en-US" altLang="zh-CN" smtClean="0"/>
-              <a:t>{</a:t>
-            </a:r>
-          </a:p>
-          <a:p>
-            <a:r>
-              <a:rPr lang="en-US" altLang="zh-CN" smtClean="0"/>
-              <a:t>  content: ‘</a:t>
-            </a:r>
-            <a:r>
-              <a:rPr lang="zh-CN" altLang="en-US" smtClean="0"/>
-              <a:t>开头</a:t>
-            </a:r>
-            <a:r>
-              <a:rPr lang="en-US" altLang="zh-CN" smtClean="0"/>
-              <a:t>’;</a:t>
-            </a:r>
-          </a:p>
-          <a:p>
-            <a:r>
-              <a:rPr lang="en-US" altLang="zh-CN"/>
-              <a:t> </a:t>
-            </a:r>
-            <a:r>
-              <a:rPr lang="en-US" altLang="zh-CN" smtClean="0"/>
-              <a:t> color: red;</a:t>
-            </a:r>
-            <a:endParaRPr lang="en-US" altLang="zh-CN"/>
-          </a:p>
-          <a:p>
-            <a:r>
-              <a:rPr lang="en-US" altLang="zh-CN" smtClean="0"/>
-              <a:t>}</a:t>
-            </a:r>
-          </a:p>
-          <a:p>
-            <a:r>
-              <a:rPr lang="en-US" altLang="zh-CN"/>
-              <a:t>.</a:t>
-            </a:r>
-            <a:r>
-              <a:rPr lang="en-US" altLang="zh-CN" smtClean="0"/>
-              <a:t>parent:after</a:t>
-            </a:r>
-            <a:r>
-              <a:rPr lang="zh-CN" altLang="en-US" smtClean="0"/>
-              <a:t> </a:t>
-            </a:r>
-            <a:r>
-              <a:rPr lang="en-US" altLang="zh-CN"/>
-              <a:t>{</a:t>
-            </a:r>
-          </a:p>
-          <a:p>
-            <a:r>
-              <a:rPr lang="en-US" altLang="zh-CN"/>
-              <a:t>  content: </a:t>
-            </a:r>
-            <a:r>
-              <a:rPr lang="en-US" altLang="zh-CN" smtClean="0"/>
-              <a:t>‘</a:t>
-            </a:r>
-            <a:r>
-              <a:rPr lang="zh-CN" altLang="en-US" smtClean="0"/>
-              <a:t>结尾</a:t>
-            </a:r>
-            <a:r>
-              <a:rPr lang="en-US" altLang="zh-CN" smtClean="0"/>
-              <a:t>’;</a:t>
-            </a:r>
-            <a:endParaRPr lang="en-US" altLang="zh-CN"/>
-          </a:p>
-          <a:p>
-            <a:r>
-              <a:rPr lang="en-US" altLang="zh-CN"/>
-              <a:t>  color: red;</a:t>
-            </a:r>
-          </a:p>
-          <a:p>
-            <a:r>
-              <a:rPr lang="en-US" altLang="zh-CN"/>
-              <a:t>}</a:t>
-            </a:r>
-            <a:endParaRPr lang="zh-CN" altLang="en-US"/>
-          </a:p>
-          <a:p>
-            <a:r>
-              <a:rPr lang="en-US" altLang="zh-CN" smtClean="0"/>
-              <a:t>html</a:t>
-            </a:r>
-            <a:r>
-              <a:rPr lang="zh-CN" altLang="en-US" smtClean="0"/>
-              <a:t>代码：</a:t>
-            </a:r>
-            <a:endParaRPr lang="en-US" altLang="zh-CN" smtClean="0"/>
-          </a:p>
-          <a:p>
-            <a:r>
-              <a:rPr lang="en-US" altLang="zh-CN" smtClean="0"/>
-              <a:t>&lt;div class=“parent”&gt;123&lt;/div&gt;</a:t>
-            </a:r>
-          </a:p>
-          <a:p>
-            <a:r>
-              <a:rPr lang="en-US" altLang="zh-CN" smtClean="0"/>
-              <a:t>:before</a:t>
-            </a:r>
-            <a:r>
-              <a:rPr lang="zh-CN" altLang="en-US"/>
-              <a:t>向</a:t>
-            </a:r>
-            <a:r>
-              <a:rPr lang="en-US" altLang="zh-CN" smtClean="0"/>
-              <a:t>.parent</a:t>
-            </a:r>
-            <a:r>
-              <a:rPr lang="zh-CN" altLang="en-US" smtClean="0"/>
-              <a:t>头部插入内容，</a:t>
-            </a:r>
-            <a:r>
-              <a:rPr lang="en-US" altLang="zh-CN" smtClean="0"/>
-              <a:t>:after</a:t>
-            </a:r>
-            <a:r>
-              <a:rPr lang="zh-CN" altLang="en-US" smtClean="0"/>
-              <a:t>向</a:t>
-            </a:r>
-            <a:r>
-              <a:rPr lang="en-US" altLang="zh-CN" smtClean="0"/>
-              <a:t>.parent</a:t>
-            </a:r>
-            <a:r>
-              <a:rPr lang="zh-CN" altLang="en-US" smtClean="0"/>
-              <a:t>尾部插入内容，</a:t>
-            </a:r>
-            <a:r>
-              <a:rPr lang="en-US" altLang="zh-CN" smtClean="0"/>
-              <a:t>content</a:t>
-            </a:r>
-            <a:r>
-              <a:rPr lang="zh-CN" altLang="en-US" smtClean="0"/>
-              <a:t>属性是必需的。</a:t>
-            </a:r>
-            <a:endParaRPr lang="zh-CN" altLang="en-US"/>
-          </a:p>
-        </p:txBody>
-      </p:sp>
-    </p:spTree>
-    <p:extLst>
-      <p:ext uri="{BB962C8B-B14F-4D97-AF65-F5344CB8AC3E}">
-        <p14:creationId xmlns:p14="http://schemas.microsoft.com/office/powerpoint/2010/main" val="2772846070"/>
-      </p:ext>
-    </p:extLst>
-  </p:cSld>
-  <p:clrMapOvr>
-    <a:masterClrMapping/>
-  </p:clrMapOvr>
-</p:sld>
-</file>
-
-<file path=ppt/slides/slide13.xml><?xml version="1.0" encoding="utf-8"?>
-<p:sld xmlns:a="http://schemas.openxmlformats.org/drawingml/2006/main" xmlns:r="http://schemas.openxmlformats.org/officeDocument/2006/relationships" xmlns:p="http://schemas.openxmlformats.org/presentationml/2006/main">
-  <p:cSld>
-    <p:spTree>
-      <p:nvGrpSpPr>
-        <p:cNvPr id="1" name=""/>
-        <p:cNvGrpSpPr/>
-        <p:nvPr/>
-      </p:nvGrpSpPr>
-      <p:grpSpPr>
-        <a:xfrm>
-          <a:off x="0" y="0"/>
-          <a:ext cx="0" cy="0"/>
-          <a:chOff x="0" y="0"/>
-          <a:chExt cx="0" cy="0"/>
-        </a:xfrm>
-      </p:grpSpPr>
-      <p:sp>
-        <p:nvSpPr>
-          <p:cNvPr id="2" name="标题 1"/>
-          <p:cNvSpPr>
-            <a:spLocks noGrp="1"/>
-          </p:cNvSpPr>
-          <p:nvPr>
-            <p:ph type="title"/>
-          </p:nvPr>
-        </p:nvSpPr>
-        <p:spPr>
-          <a:xfrm>
-            <a:off x="838200" y="365126"/>
-            <a:ext cx="10515600" cy="904382"/>
-          </a:xfrm>
-        </p:spPr>
-        <p:txBody>
-          <a:bodyPr/>
-          <a:lstStyle/>
-          <a:p>
-            <a:pPr algn="ctr"/>
-            <a:r>
-              <a:rPr lang="zh-CN" altLang="en-US" smtClean="0"/>
-              <a:t>结构性伪类元素</a:t>
-            </a:r>
-            <a:endParaRPr lang="zh-CN" altLang="en-US"/>
-          </a:p>
-        </p:txBody>
-      </p:sp>
-      <p:sp>
-        <p:nvSpPr>
-          <p:cNvPr id="3" name="内容占位符 2"/>
-          <p:cNvSpPr>
-            <a:spLocks noGrp="1"/>
-          </p:cNvSpPr>
-          <p:nvPr>
-            <p:ph idx="1"/>
-          </p:nvPr>
-        </p:nvSpPr>
-        <p:spPr>
-          <a:xfrm>
-            <a:off x="838200" y="1376039"/>
-            <a:ext cx="10515600" cy="4800924"/>
-          </a:xfrm>
-        </p:spPr>
-        <p:txBody>
-          <a:bodyPr>
-            <a:normAutofit fontScale="55000" lnSpcReduction="20000"/>
-          </a:bodyPr>
-          <a:lstStyle/>
-          <a:p>
-            <a:r>
-              <a:rPr lang="en-US" altLang="zh-CN" smtClean="0"/>
-              <a:t>css</a:t>
-            </a:r>
-            <a:r>
-              <a:rPr lang="zh-CN" altLang="en-US" smtClean="0"/>
-              <a:t>代码：</a:t>
-            </a:r>
-            <a:endParaRPr lang="en-US" altLang="zh-CN" smtClean="0"/>
-          </a:p>
-          <a:p>
-            <a:r>
-              <a:rPr lang="en-US" altLang="zh-CN" smtClean="0"/>
-              <a:t>.parent &gt; span:first-child {</a:t>
-            </a:r>
-          </a:p>
-          <a:p>
-            <a:r>
-              <a:rPr lang="en-US" altLang="zh-CN" smtClean="0"/>
-              <a:t>  color: red;</a:t>
-            </a:r>
-            <a:endParaRPr lang="en-US" altLang="zh-CN"/>
-          </a:p>
-          <a:p>
-            <a:r>
-              <a:rPr lang="en-US" altLang="zh-CN" smtClean="0"/>
-              <a:t>}</a:t>
-            </a:r>
-          </a:p>
-          <a:p>
-            <a:r>
-              <a:rPr lang="en-US" altLang="zh-CN" smtClean="0"/>
-              <a:t>html</a:t>
-            </a:r>
-            <a:r>
-              <a:rPr lang="zh-CN" altLang="en-US" smtClean="0"/>
-              <a:t>代码：</a:t>
-            </a:r>
-            <a:endParaRPr lang="en-US" altLang="zh-CN" smtClean="0"/>
-          </a:p>
-          <a:p>
-            <a:r>
-              <a:rPr lang="en-US" altLang="zh-CN" smtClean="0"/>
-              <a:t>&lt;div class=“parent”&gt;</a:t>
-            </a:r>
-          </a:p>
-          <a:p>
-            <a:r>
-              <a:rPr lang="en-US" altLang="zh-CN"/>
-              <a:t> </a:t>
-            </a:r>
-            <a:r>
-              <a:rPr lang="en-US" altLang="zh-CN" smtClean="0"/>
-              <a:t> &lt;span&gt;span1&lt;/span&gt;</a:t>
-            </a:r>
-          </a:p>
-          <a:p>
-            <a:r>
-              <a:rPr lang="en-US" altLang="zh-CN"/>
-              <a:t> </a:t>
-            </a:r>
-            <a:r>
-              <a:rPr lang="en-US" altLang="zh-CN" smtClean="0"/>
-              <a:t> &lt;span&gt;span2&lt;/span&gt;</a:t>
-            </a:r>
-          </a:p>
-          <a:p>
-            <a:r>
-              <a:rPr lang="en-US" altLang="zh-CN" smtClean="0"/>
-              <a:t>&lt;/div&gt;</a:t>
-            </a:r>
-          </a:p>
-          <a:p>
-            <a:r>
-              <a:rPr lang="en-US" altLang="zh-CN" smtClean="0"/>
-              <a:t>:first-child</a:t>
-            </a:r>
-            <a:r>
-              <a:rPr lang="zh-CN" altLang="en-US" smtClean="0"/>
-              <a:t>：作用于第一个子元素。</a:t>
-            </a:r>
-            <a:endParaRPr lang="en-US" altLang="zh-CN" smtClean="0"/>
-          </a:p>
-          <a:p>
-            <a:r>
-              <a:rPr lang="en-US" altLang="zh-CN" smtClean="0"/>
-              <a:t>:last-child</a:t>
-            </a:r>
-            <a:r>
-              <a:rPr lang="zh-CN" altLang="en-US" smtClean="0"/>
-              <a:t>：作用于最后一个子元素。</a:t>
-            </a:r>
-            <a:endParaRPr lang="en-US" altLang="zh-CN" smtClean="0"/>
-          </a:p>
-          <a:p>
-            <a:r>
-              <a:rPr lang="en-US" altLang="zh-CN" smtClean="0"/>
-              <a:t>:not(:first-child)</a:t>
-            </a:r>
-            <a:r>
-              <a:rPr lang="zh-CN" altLang="en-US" smtClean="0"/>
-              <a:t>：作用于第一个元素以外的所有元素。</a:t>
-            </a:r>
-            <a:endParaRPr lang="en-US" altLang="zh-CN" smtClean="0"/>
-          </a:p>
-          <a:p>
-            <a:r>
-              <a:rPr lang="en-US" altLang="zh-CN" smtClean="0"/>
-              <a:t>:nth-child(n)</a:t>
-            </a:r>
-            <a:r>
-              <a:rPr lang="zh-CN" altLang="en-US" smtClean="0"/>
-              <a:t>：作用于第</a:t>
-            </a:r>
-            <a:r>
-              <a:rPr lang="en-US" altLang="zh-CN" smtClean="0"/>
-              <a:t>n</a:t>
-            </a:r>
-            <a:r>
-              <a:rPr lang="zh-CN" altLang="en-US" smtClean="0"/>
-              <a:t>个元素，</a:t>
-            </a:r>
-            <a:r>
-              <a:rPr lang="en-US" altLang="zh-CN" smtClean="0"/>
-              <a:t>n</a:t>
-            </a:r>
-            <a:r>
-              <a:rPr lang="zh-CN" altLang="en-US" smtClean="0"/>
-              <a:t>的值时所有整数。例如</a:t>
-            </a:r>
-            <a:r>
-              <a:rPr lang="en-US" altLang="zh-CN" smtClean="0"/>
-              <a:t>:nth-child(2n+1)</a:t>
-            </a:r>
-            <a:r>
-              <a:rPr lang="zh-CN" altLang="en-US" smtClean="0"/>
-              <a:t>作用于所有序号为奇数的元素。</a:t>
-            </a:r>
-            <a:endParaRPr lang="en-US" altLang="zh-CN" smtClean="0"/>
-          </a:p>
-          <a:p>
-            <a:r>
-              <a:rPr lang="en-US" altLang="zh-CN" smtClean="0"/>
-              <a:t>:odd</a:t>
-            </a:r>
-            <a:r>
-              <a:rPr lang="zh-CN" altLang="en-US" smtClean="0"/>
-              <a:t>：作用于所有序号为奇数的元素。</a:t>
-            </a:r>
-            <a:endParaRPr lang="en-US" altLang="zh-CN" smtClean="0"/>
-          </a:p>
-          <a:p>
-            <a:r>
-              <a:rPr lang="en-US" altLang="zh-CN" smtClean="0"/>
-              <a:t>:even</a:t>
-            </a:r>
-            <a:r>
-              <a:rPr lang="zh-CN" altLang="en-US" smtClean="0"/>
-              <a:t>：作用于左右序号为偶数的元素。</a:t>
-            </a:r>
-            <a:endParaRPr lang="en-US" altLang="zh-CN"/>
-          </a:p>
-          <a:p>
-            <a:endParaRPr lang="zh-CN" altLang="en-US"/>
-          </a:p>
-        </p:txBody>
-      </p:sp>
-    </p:spTree>
-    <p:extLst>
-      <p:ext uri="{BB962C8B-B14F-4D97-AF65-F5344CB8AC3E}">
-        <p14:creationId xmlns:p14="http://schemas.microsoft.com/office/powerpoint/2010/main" val="2448431454"/>
-      </p:ext>
-    </p:extLst>
-  </p:cSld>
-  <p:clrMapOvr>
-    <a:masterClrMapping/>
-  </p:clrMapOvr>
-</p:sld>
-</file>
-
-<file path=ppt/slides/slide14.xml><?xml version="1.0" encoding="utf-8"?>
-<p:sld xmlns:a="http://schemas.openxmlformats.org/drawingml/2006/main" xmlns:r="http://schemas.openxmlformats.org/officeDocument/2006/relationships" xmlns:p="http://schemas.openxmlformats.org/presentationml/2006/main">
-  <p:cSld>
-    <p:spTree>
-      <p:nvGrpSpPr>
-        <p:cNvPr id="1" name=""/>
-        <p:cNvGrpSpPr/>
-        <p:nvPr/>
-      </p:nvGrpSpPr>
-      <p:grpSpPr>
-        <a:xfrm>
-          <a:off x="0" y="0"/>
-          <a:ext cx="0" cy="0"/>
-          <a:chOff x="0" y="0"/>
-          <a:chExt cx="0" cy="0"/>
-        </a:xfrm>
-      </p:grpSpPr>
-      <p:sp>
-        <p:nvSpPr>
-          <p:cNvPr id="2" name="标题 1"/>
-          <p:cNvSpPr>
-            <a:spLocks noGrp="1"/>
-          </p:cNvSpPr>
-          <p:nvPr>
             <p:ph type="title"/>
           </p:nvPr>
         </p:nvSpPr>
@@ -4520,7 +3141,1046 @@
     </p:spTree>
     <p:extLst>
       <p:ext uri="{BB962C8B-B14F-4D97-AF65-F5344CB8AC3E}">
-        <p14:creationId xmlns:p14="http://schemas.microsoft.com/office/powerpoint/2010/main" val="4212372823"/>
+        <p14:creationId xmlns:p14="http://schemas.microsoft.com/office/powerpoint/2010/main" val="1269685795"/>
+      </p:ext>
+    </p:extLst>
+  </p:cSld>
+  <p:clrMapOvr>
+    <a:masterClrMapping/>
+  </p:clrMapOvr>
+</p:sld>
+</file>
+
+<file path=ppt/slides/slide10.xml><?xml version="1.0" encoding="utf-8"?>
+<p:sld xmlns:a="http://schemas.openxmlformats.org/drawingml/2006/main" xmlns:r="http://schemas.openxmlformats.org/officeDocument/2006/relationships" xmlns:p="http://schemas.openxmlformats.org/presentationml/2006/main">
+  <p:cSld>
+    <p:spTree>
+      <p:nvGrpSpPr>
+        <p:cNvPr id="1" name=""/>
+        <p:cNvGrpSpPr/>
+        <p:nvPr/>
+      </p:nvGrpSpPr>
+      <p:grpSpPr>
+        <a:xfrm>
+          <a:off x="0" y="0"/>
+          <a:ext cx="0" cy="0"/>
+          <a:chOff x="0" y="0"/>
+          <a:chExt cx="0" cy="0"/>
+        </a:xfrm>
+      </p:grpSpPr>
+      <p:sp>
+        <p:nvSpPr>
+          <p:cNvPr id="2" name="标题 1"/>
+          <p:cNvSpPr>
+            <a:spLocks noGrp="1"/>
+          </p:cNvSpPr>
+          <p:nvPr>
+            <p:ph type="title"/>
+          </p:nvPr>
+        </p:nvSpPr>
+        <p:spPr>
+          <a:xfrm>
+            <a:off x="838200" y="365126"/>
+            <a:ext cx="10515600" cy="957648"/>
+          </a:xfrm>
+        </p:spPr>
+        <p:txBody>
+          <a:bodyPr/>
+          <a:lstStyle/>
+          <a:p>
+            <a:pPr algn="ctr"/>
+            <a:r>
+              <a:rPr lang="zh-CN" altLang="en-US" smtClean="0"/>
+              <a:t>标签选择器</a:t>
+            </a:r>
+            <a:endParaRPr lang="zh-CN" altLang="en-US"/>
+          </a:p>
+        </p:txBody>
+      </p:sp>
+      <p:sp>
+        <p:nvSpPr>
+          <p:cNvPr id="3" name="内容占位符 2"/>
+          <p:cNvSpPr>
+            <a:spLocks noGrp="1"/>
+          </p:cNvSpPr>
+          <p:nvPr>
+            <p:ph idx="1"/>
+          </p:nvPr>
+        </p:nvSpPr>
+        <p:spPr>
+          <a:xfrm>
+            <a:off x="838200" y="1455938"/>
+            <a:ext cx="10515600" cy="4721025"/>
+          </a:xfrm>
+        </p:spPr>
+        <p:txBody>
+          <a:bodyPr/>
+          <a:lstStyle/>
+          <a:p>
+            <a:r>
+              <a:rPr lang="en-US" altLang="zh-CN" smtClean="0"/>
+              <a:t>css</a:t>
+            </a:r>
+            <a:r>
+              <a:rPr lang="zh-CN" altLang="en-US" smtClean="0"/>
+              <a:t>代码：</a:t>
+            </a:r>
+            <a:endParaRPr lang="en-US" altLang="zh-CN" smtClean="0"/>
+          </a:p>
+          <a:p>
+            <a:r>
+              <a:rPr lang="en-US" altLang="zh-CN" smtClean="0"/>
+              <a:t>div {</a:t>
+            </a:r>
+          </a:p>
+          <a:p>
+            <a:r>
+              <a:rPr lang="en-US" altLang="zh-CN"/>
+              <a:t> </a:t>
+            </a:r>
+            <a:r>
+              <a:rPr lang="en-US" altLang="zh-CN" smtClean="0"/>
+              <a:t> color: red;</a:t>
+            </a:r>
+          </a:p>
+          <a:p>
+            <a:r>
+              <a:rPr lang="en-US" altLang="zh-CN" smtClean="0"/>
+              <a:t>}</a:t>
+            </a:r>
+          </a:p>
+          <a:p>
+            <a:r>
+              <a:rPr lang="en-US" altLang="zh-CN" smtClean="0"/>
+              <a:t>html</a:t>
+            </a:r>
+            <a:r>
+              <a:rPr lang="zh-CN" altLang="en-US" smtClean="0"/>
+              <a:t>代码：</a:t>
+            </a:r>
+            <a:endParaRPr lang="en-US" altLang="zh-CN" smtClean="0"/>
+          </a:p>
+          <a:p>
+            <a:r>
+              <a:rPr lang="en-US" altLang="zh-CN" smtClean="0"/>
+              <a:t>&lt;div&gt;123&lt;/div&gt;</a:t>
+            </a:r>
+          </a:p>
+          <a:p>
+            <a:r>
+              <a:rPr lang="en-US" altLang="zh-CN"/>
+              <a:t>&lt;</a:t>
+            </a:r>
+            <a:r>
+              <a:rPr lang="en-US" altLang="zh-CN" smtClean="0"/>
+              <a:t>div&gt;123456&lt;/div&gt;</a:t>
+            </a:r>
+          </a:p>
+          <a:p>
+            <a:r>
+              <a:rPr lang="zh-CN" altLang="en-US" smtClean="0"/>
+              <a:t>通过直接指定标签名称作为选择器，作用于文档中所有的</a:t>
+            </a:r>
+            <a:r>
+              <a:rPr lang="en-US" altLang="zh-CN" smtClean="0"/>
+              <a:t>div</a:t>
+            </a:r>
+            <a:r>
+              <a:rPr lang="zh-CN" altLang="en-US" smtClean="0"/>
+              <a:t>标签。</a:t>
+            </a:r>
+            <a:endParaRPr lang="zh-CN" altLang="en-US"/>
+          </a:p>
+        </p:txBody>
+      </p:sp>
+    </p:spTree>
+    <p:extLst>
+      <p:ext uri="{BB962C8B-B14F-4D97-AF65-F5344CB8AC3E}">
+        <p14:creationId xmlns:p14="http://schemas.microsoft.com/office/powerpoint/2010/main" val="2032302088"/>
+      </p:ext>
+    </p:extLst>
+  </p:cSld>
+  <p:clrMapOvr>
+    <a:masterClrMapping/>
+  </p:clrMapOvr>
+</p:sld>
+</file>
+
+<file path=ppt/slides/slide11.xml><?xml version="1.0" encoding="utf-8"?>
+<p:sld xmlns:a="http://schemas.openxmlformats.org/drawingml/2006/main" xmlns:r="http://schemas.openxmlformats.org/officeDocument/2006/relationships" xmlns:p="http://schemas.openxmlformats.org/presentationml/2006/main">
+  <p:cSld>
+    <p:spTree>
+      <p:nvGrpSpPr>
+        <p:cNvPr id="1" name=""/>
+        <p:cNvGrpSpPr/>
+        <p:nvPr/>
+      </p:nvGrpSpPr>
+      <p:grpSpPr>
+        <a:xfrm>
+          <a:off x="0" y="0"/>
+          <a:ext cx="0" cy="0"/>
+          <a:chOff x="0" y="0"/>
+          <a:chExt cx="0" cy="0"/>
+        </a:xfrm>
+      </p:grpSpPr>
+      <p:sp>
+        <p:nvSpPr>
+          <p:cNvPr id="2" name="标题 1"/>
+          <p:cNvSpPr>
+            <a:spLocks noGrp="1"/>
+          </p:cNvSpPr>
+          <p:nvPr>
+            <p:ph type="title"/>
+          </p:nvPr>
+        </p:nvSpPr>
+        <p:spPr>
+          <a:xfrm>
+            <a:off x="838200" y="365125"/>
+            <a:ext cx="10515600" cy="966525"/>
+          </a:xfrm>
+        </p:spPr>
+        <p:txBody>
+          <a:bodyPr/>
+          <a:lstStyle/>
+          <a:p>
+            <a:pPr algn="ctr"/>
+            <a:r>
+              <a:rPr lang="en-US" altLang="zh-CN" smtClean="0"/>
+              <a:t>id</a:t>
+            </a:r>
+            <a:r>
+              <a:rPr lang="zh-CN" altLang="en-US" smtClean="0"/>
+              <a:t>选择器</a:t>
+            </a:r>
+            <a:endParaRPr lang="zh-CN" altLang="en-US"/>
+          </a:p>
+        </p:txBody>
+      </p:sp>
+      <p:sp>
+        <p:nvSpPr>
+          <p:cNvPr id="3" name="内容占位符 2"/>
+          <p:cNvSpPr>
+            <a:spLocks noGrp="1"/>
+          </p:cNvSpPr>
+          <p:nvPr>
+            <p:ph idx="1"/>
+          </p:nvPr>
+        </p:nvSpPr>
+        <p:spPr>
+          <a:xfrm>
+            <a:off x="838200" y="1455938"/>
+            <a:ext cx="10515600" cy="4721025"/>
+          </a:xfrm>
+        </p:spPr>
+        <p:txBody>
+          <a:bodyPr>
+            <a:normAutofit fontScale="92500" lnSpcReduction="10000"/>
+          </a:bodyPr>
+          <a:lstStyle/>
+          <a:p>
+            <a:r>
+              <a:rPr lang="en-US" altLang="zh-CN" smtClean="0"/>
+              <a:t>css</a:t>
+            </a:r>
+            <a:r>
+              <a:rPr lang="zh-CN" altLang="en-US" smtClean="0"/>
+              <a:t>代码：</a:t>
+            </a:r>
+            <a:endParaRPr lang="en-US" altLang="zh-CN" smtClean="0"/>
+          </a:p>
+          <a:p>
+            <a:r>
+              <a:rPr lang="en-US" altLang="zh-CN" smtClean="0"/>
+              <a:t>#name {</a:t>
+            </a:r>
+          </a:p>
+          <a:p>
+            <a:r>
+              <a:rPr lang="en-US" altLang="zh-CN"/>
+              <a:t> </a:t>
+            </a:r>
+            <a:r>
+              <a:rPr lang="en-US" altLang="zh-CN" smtClean="0"/>
+              <a:t> color: red;</a:t>
+            </a:r>
+          </a:p>
+          <a:p>
+            <a:r>
+              <a:rPr lang="en-US" altLang="zh-CN" smtClean="0"/>
+              <a:t>}</a:t>
+            </a:r>
+          </a:p>
+          <a:p>
+            <a:r>
+              <a:rPr lang="en-US" altLang="zh-CN" smtClean="0"/>
+              <a:t>html</a:t>
+            </a:r>
+            <a:r>
+              <a:rPr lang="zh-CN" altLang="en-US" smtClean="0"/>
+              <a:t>代码：</a:t>
+            </a:r>
+            <a:endParaRPr lang="en-US" altLang="zh-CN" smtClean="0"/>
+          </a:p>
+          <a:p>
+            <a:r>
+              <a:rPr lang="en-US" altLang="zh-CN" smtClean="0"/>
+              <a:t>&lt;div id=“name”&gt;123&lt;/div&gt;</a:t>
+            </a:r>
+          </a:p>
+          <a:p>
+            <a:r>
+              <a:rPr lang="en-US" altLang="zh-CN"/>
+              <a:t>&lt;div id=“name”&gt;123&lt;/div</a:t>
+            </a:r>
+            <a:r>
+              <a:rPr lang="en-US" altLang="zh-CN" smtClean="0"/>
+              <a:t>&gt;</a:t>
+            </a:r>
+          </a:p>
+          <a:p>
+            <a:r>
+              <a:rPr lang="zh-CN" altLang="en-US" smtClean="0"/>
+              <a:t>与类选择器相同，</a:t>
+            </a:r>
+            <a:r>
+              <a:rPr lang="en-US" altLang="zh-CN" smtClean="0"/>
+              <a:t>#name</a:t>
+            </a:r>
+            <a:r>
+              <a:rPr lang="zh-CN" altLang="en-US" smtClean="0"/>
+              <a:t>会对所有</a:t>
+            </a:r>
+            <a:r>
+              <a:rPr lang="en-US" altLang="zh-CN" smtClean="0"/>
+              <a:t>id</a:t>
+            </a:r>
+            <a:r>
+              <a:rPr lang="zh-CN" altLang="en-US" smtClean="0"/>
+              <a:t>属性值为</a:t>
+            </a:r>
+            <a:r>
+              <a:rPr lang="en-US" altLang="zh-CN" smtClean="0"/>
+              <a:t>name</a:t>
+            </a:r>
+            <a:r>
+              <a:rPr lang="zh-CN" altLang="en-US" smtClean="0"/>
+              <a:t>的标签生效，写法是</a:t>
+            </a:r>
+            <a:r>
+              <a:rPr lang="en-US" altLang="zh-CN" smtClean="0"/>
+              <a:t>”#id</a:t>
+            </a:r>
+            <a:r>
+              <a:rPr lang="zh-CN" altLang="en-US" smtClean="0"/>
+              <a:t>名</a:t>
+            </a:r>
+            <a:r>
+              <a:rPr lang="en-US" altLang="zh-CN" smtClean="0"/>
+              <a:t>”</a:t>
+            </a:r>
+            <a:r>
+              <a:rPr lang="zh-CN" altLang="en-US" smtClean="0"/>
+              <a:t>，</a:t>
+            </a:r>
+            <a:r>
+              <a:rPr lang="en-US" altLang="zh-CN" smtClean="0"/>
+              <a:t>#</a:t>
+            </a:r>
+            <a:r>
+              <a:rPr lang="zh-CN" altLang="en-US" smtClean="0"/>
+              <a:t>代表</a:t>
+            </a:r>
+            <a:r>
+              <a:rPr lang="en-US" altLang="zh-CN" smtClean="0"/>
+              <a:t>id</a:t>
+            </a:r>
+            <a:r>
+              <a:rPr lang="zh-CN" altLang="en-US" smtClean="0"/>
+              <a:t>。</a:t>
+            </a:r>
+            <a:endParaRPr lang="en-US" altLang="zh-CN" smtClean="0"/>
+          </a:p>
+          <a:p>
+            <a:r>
+              <a:rPr lang="zh-CN" altLang="en-US" smtClean="0"/>
+              <a:t>不过实际工作中，</a:t>
+            </a:r>
+            <a:r>
+              <a:rPr lang="en-US" altLang="zh-CN" smtClean="0"/>
+              <a:t>id</a:t>
+            </a:r>
+            <a:r>
+              <a:rPr lang="zh-CN" altLang="en-US" smtClean="0"/>
+              <a:t>是不会作为</a:t>
+            </a:r>
+            <a:r>
+              <a:rPr lang="en-US" altLang="zh-CN" smtClean="0"/>
+              <a:t>css</a:t>
+            </a:r>
+            <a:r>
+              <a:rPr lang="zh-CN" altLang="en-US" smtClean="0"/>
+              <a:t>选择器的。使用</a:t>
+            </a:r>
+            <a:r>
+              <a:rPr lang="en-US" altLang="zh-CN" smtClean="0"/>
+              <a:t>javascript</a:t>
+            </a:r>
+            <a:r>
+              <a:rPr lang="zh-CN" altLang="en-US" smtClean="0"/>
+              <a:t>时，通过</a:t>
+            </a:r>
+            <a:r>
+              <a:rPr lang="en-US" altLang="zh-CN" smtClean="0"/>
+              <a:t>id</a:t>
+            </a:r>
+            <a:r>
+              <a:rPr lang="zh-CN" altLang="en-US" smtClean="0"/>
+              <a:t>选择元素时，如果文档中出现多个同名</a:t>
+            </a:r>
+            <a:r>
+              <a:rPr lang="en-US" altLang="zh-CN" smtClean="0"/>
+              <a:t>id</a:t>
+            </a:r>
+            <a:r>
+              <a:rPr lang="zh-CN" altLang="en-US" smtClean="0"/>
+              <a:t>，只会选中第一个出现的</a:t>
+            </a:r>
+            <a:r>
+              <a:rPr lang="en-US" altLang="zh-CN" smtClean="0"/>
+              <a:t>id</a:t>
+            </a:r>
+            <a:r>
+              <a:rPr lang="zh-CN" altLang="en-US" smtClean="0"/>
+              <a:t>。</a:t>
+            </a:r>
+            <a:endParaRPr lang="zh-CN" altLang="en-US"/>
+          </a:p>
+          <a:p>
+            <a:endParaRPr lang="zh-CN" altLang="en-US"/>
+          </a:p>
+        </p:txBody>
+      </p:sp>
+    </p:spTree>
+    <p:extLst>
+      <p:ext uri="{BB962C8B-B14F-4D97-AF65-F5344CB8AC3E}">
+        <p14:creationId xmlns:p14="http://schemas.microsoft.com/office/powerpoint/2010/main" val="1003649043"/>
+      </p:ext>
+    </p:extLst>
+  </p:cSld>
+  <p:clrMapOvr>
+    <a:masterClrMapping/>
+  </p:clrMapOvr>
+</p:sld>
+</file>
+
+<file path=ppt/slides/slide12.xml><?xml version="1.0" encoding="utf-8"?>
+<p:sld xmlns:a="http://schemas.openxmlformats.org/drawingml/2006/main" xmlns:r="http://schemas.openxmlformats.org/officeDocument/2006/relationships" xmlns:p="http://schemas.openxmlformats.org/presentationml/2006/main">
+  <p:cSld>
+    <p:spTree>
+      <p:nvGrpSpPr>
+        <p:cNvPr id="1" name=""/>
+        <p:cNvGrpSpPr/>
+        <p:nvPr/>
+      </p:nvGrpSpPr>
+      <p:grpSpPr>
+        <a:xfrm>
+          <a:off x="0" y="0"/>
+          <a:ext cx="0" cy="0"/>
+          <a:chOff x="0" y="0"/>
+          <a:chExt cx="0" cy="0"/>
+        </a:xfrm>
+      </p:grpSpPr>
+      <p:sp>
+        <p:nvSpPr>
+          <p:cNvPr id="2" name="标题 1"/>
+          <p:cNvSpPr>
+            <a:spLocks noGrp="1"/>
+          </p:cNvSpPr>
+          <p:nvPr>
+            <p:ph type="title"/>
+          </p:nvPr>
+        </p:nvSpPr>
+        <p:spPr/>
+        <p:txBody>
+          <a:bodyPr/>
+          <a:lstStyle/>
+          <a:p>
+            <a:pPr algn="ctr"/>
+            <a:r>
+              <a:rPr lang="zh-CN" altLang="en-US" smtClean="0"/>
+              <a:t>后代选择器</a:t>
+            </a:r>
+            <a:endParaRPr lang="zh-CN" altLang="en-US"/>
+          </a:p>
+        </p:txBody>
+      </p:sp>
+      <p:sp>
+        <p:nvSpPr>
+          <p:cNvPr id="3" name="内容占位符 2"/>
+          <p:cNvSpPr>
+            <a:spLocks noGrp="1"/>
+          </p:cNvSpPr>
+          <p:nvPr>
+            <p:ph idx="1"/>
+          </p:nvPr>
+        </p:nvSpPr>
+        <p:spPr/>
+        <p:txBody>
+          <a:bodyPr>
+            <a:normAutofit fontScale="92500" lnSpcReduction="10000"/>
+          </a:bodyPr>
+          <a:lstStyle/>
+          <a:p>
+            <a:r>
+              <a:rPr lang="en-US" altLang="zh-CN" smtClean="0"/>
+              <a:t>css</a:t>
+            </a:r>
+            <a:r>
+              <a:rPr lang="zh-CN" altLang="en-US" smtClean="0"/>
+              <a:t>代码：</a:t>
+            </a:r>
+            <a:endParaRPr lang="en-US" altLang="zh-CN" smtClean="0"/>
+          </a:p>
+          <a:p>
+            <a:r>
+              <a:rPr lang="en-US" altLang="zh-CN" smtClean="0"/>
+              <a:t>.parent .sub {</a:t>
+            </a:r>
+          </a:p>
+          <a:p>
+            <a:r>
+              <a:rPr lang="en-US" altLang="zh-CN" smtClean="0"/>
+              <a:t>  color: red;</a:t>
+            </a:r>
+            <a:endParaRPr lang="en-US" altLang="zh-CN"/>
+          </a:p>
+          <a:p>
+            <a:r>
+              <a:rPr lang="en-US" altLang="zh-CN" smtClean="0"/>
+              <a:t>}</a:t>
+            </a:r>
+          </a:p>
+          <a:p>
+            <a:r>
+              <a:rPr lang="en-US" altLang="zh-CN" smtClean="0"/>
+              <a:t>html</a:t>
+            </a:r>
+            <a:r>
+              <a:rPr lang="zh-CN" altLang="en-US" smtClean="0"/>
+              <a:t>代码：</a:t>
+            </a:r>
+            <a:endParaRPr lang="en-US" altLang="zh-CN" smtClean="0"/>
+          </a:p>
+          <a:p>
+            <a:r>
+              <a:rPr lang="en-US" altLang="zh-CN" smtClean="0"/>
+              <a:t>&lt;</a:t>
+            </a:r>
+            <a:r>
+              <a:rPr lang="en-US" altLang="zh-CN"/>
+              <a:t>div class="parent"&gt;</a:t>
+            </a:r>
+          </a:p>
+          <a:p>
+            <a:r>
+              <a:rPr lang="en-US" altLang="zh-CN" smtClean="0"/>
+              <a:t>  &lt;</a:t>
+            </a:r>
+            <a:r>
+              <a:rPr lang="en-US" altLang="zh-CN"/>
+              <a:t>div class="sub"&gt;div-2-1&lt;/div&gt;</a:t>
+            </a:r>
+          </a:p>
+          <a:p>
+            <a:r>
+              <a:rPr lang="en-US" altLang="zh-CN" smtClean="0"/>
+              <a:t>&lt;/</a:t>
+            </a:r>
+            <a:r>
+              <a:rPr lang="en-US" altLang="zh-CN"/>
+              <a:t>div</a:t>
+            </a:r>
+            <a:r>
+              <a:rPr lang="en-US" altLang="zh-CN" smtClean="0"/>
+              <a:t>&gt;</a:t>
+            </a:r>
+          </a:p>
+          <a:p>
+            <a:r>
+              <a:rPr lang="en-US" altLang="zh-CN" smtClean="0"/>
+              <a:t>.parent</a:t>
+            </a:r>
+            <a:r>
+              <a:rPr lang="zh-CN" altLang="en-US" smtClean="0"/>
+              <a:t>后面加一个空格然后跟一个</a:t>
+            </a:r>
+            <a:r>
+              <a:rPr lang="en-US" altLang="zh-CN" smtClean="0"/>
+              <a:t>.sub</a:t>
+            </a:r>
+            <a:r>
+              <a:rPr lang="zh-CN" altLang="en-US" smtClean="0"/>
+              <a:t>，表示作用域对</a:t>
+            </a:r>
+            <a:r>
+              <a:rPr lang="en-US" altLang="zh-CN" smtClean="0"/>
+              <a:t>.parent</a:t>
+            </a:r>
+            <a:r>
+              <a:rPr lang="zh-CN" altLang="en-US" smtClean="0"/>
+              <a:t>下所有</a:t>
+            </a:r>
+            <a:r>
+              <a:rPr lang="en-US" altLang="zh-CN" smtClean="0"/>
+              <a:t>.sub</a:t>
+            </a:r>
+            <a:r>
+              <a:rPr lang="zh-CN" altLang="en-US" smtClean="0"/>
+              <a:t>，不会作用于</a:t>
+            </a:r>
+            <a:r>
+              <a:rPr lang="en-US" altLang="zh-CN" smtClean="0"/>
+              <a:t>.parent</a:t>
+            </a:r>
+            <a:r>
+              <a:rPr lang="zh-CN" altLang="en-US"/>
+              <a:t>。</a:t>
+            </a:r>
+          </a:p>
+        </p:txBody>
+      </p:sp>
+    </p:spTree>
+    <p:extLst>
+      <p:ext uri="{BB962C8B-B14F-4D97-AF65-F5344CB8AC3E}">
+        <p14:creationId xmlns:p14="http://schemas.microsoft.com/office/powerpoint/2010/main" val="2882921007"/>
+      </p:ext>
+    </p:extLst>
+  </p:cSld>
+  <p:clrMapOvr>
+    <a:masterClrMapping/>
+  </p:clrMapOvr>
+</p:sld>
+</file>
+
+<file path=ppt/slides/slide13.xml><?xml version="1.0" encoding="utf-8"?>
+<p:sld xmlns:a="http://schemas.openxmlformats.org/drawingml/2006/main" xmlns:r="http://schemas.openxmlformats.org/officeDocument/2006/relationships" xmlns:p="http://schemas.openxmlformats.org/presentationml/2006/main">
+  <p:cSld>
+    <p:spTree>
+      <p:nvGrpSpPr>
+        <p:cNvPr id="1" name=""/>
+        <p:cNvGrpSpPr/>
+        <p:nvPr/>
+      </p:nvGrpSpPr>
+      <p:grpSpPr>
+        <a:xfrm>
+          <a:off x="0" y="0"/>
+          <a:ext cx="0" cy="0"/>
+          <a:chOff x="0" y="0"/>
+          <a:chExt cx="0" cy="0"/>
+        </a:xfrm>
+      </p:grpSpPr>
+      <p:sp>
+        <p:nvSpPr>
+          <p:cNvPr id="2" name="标题 1"/>
+          <p:cNvSpPr>
+            <a:spLocks noGrp="1"/>
+          </p:cNvSpPr>
+          <p:nvPr>
+            <p:ph type="title"/>
+          </p:nvPr>
+        </p:nvSpPr>
+        <p:spPr>
+          <a:xfrm>
+            <a:off x="838200" y="365126"/>
+            <a:ext cx="10515600" cy="833360"/>
+          </a:xfrm>
+        </p:spPr>
+        <p:txBody>
+          <a:bodyPr/>
+          <a:lstStyle/>
+          <a:p>
+            <a:pPr algn="ctr"/>
+            <a:r>
+              <a:rPr lang="zh-CN" altLang="en-US" smtClean="0"/>
+              <a:t>子选择器</a:t>
+            </a:r>
+            <a:endParaRPr lang="zh-CN" altLang="en-US"/>
+          </a:p>
+        </p:txBody>
+      </p:sp>
+      <p:sp>
+        <p:nvSpPr>
+          <p:cNvPr id="3" name="内容占位符 2"/>
+          <p:cNvSpPr>
+            <a:spLocks noGrp="1"/>
+          </p:cNvSpPr>
+          <p:nvPr>
+            <p:ph idx="1"/>
+          </p:nvPr>
+        </p:nvSpPr>
+        <p:spPr>
+          <a:xfrm>
+            <a:off x="838200" y="1402672"/>
+            <a:ext cx="10515600" cy="4774291"/>
+          </a:xfrm>
+        </p:spPr>
+        <p:txBody>
+          <a:bodyPr>
+            <a:normAutofit fontScale="70000" lnSpcReduction="20000"/>
+          </a:bodyPr>
+          <a:lstStyle/>
+          <a:p>
+            <a:r>
+              <a:rPr lang="en-US" altLang="zh-CN" smtClean="0"/>
+              <a:t>css</a:t>
+            </a:r>
+            <a:r>
+              <a:rPr lang="zh-CN" altLang="en-US" smtClean="0"/>
+              <a:t>代码：</a:t>
+            </a:r>
+            <a:endParaRPr lang="en-US" altLang="zh-CN" smtClean="0"/>
+          </a:p>
+          <a:p>
+            <a:r>
+              <a:rPr lang="en-US" altLang="zh-CN" smtClean="0"/>
+              <a:t>.div1 &gt; span {</a:t>
+            </a:r>
+          </a:p>
+          <a:p>
+            <a:r>
+              <a:rPr lang="en-US" altLang="zh-CN" smtClean="0"/>
+              <a:t>  color: red;</a:t>
+            </a:r>
+            <a:endParaRPr lang="en-US" altLang="zh-CN"/>
+          </a:p>
+          <a:p>
+            <a:r>
+              <a:rPr lang="en-US" altLang="zh-CN" smtClean="0"/>
+              <a:t>}</a:t>
+            </a:r>
+          </a:p>
+          <a:p>
+            <a:r>
+              <a:rPr lang="en-US" altLang="zh-CN" smtClean="0"/>
+              <a:t>html</a:t>
+            </a:r>
+            <a:r>
+              <a:rPr lang="zh-CN" altLang="en-US" smtClean="0"/>
+              <a:t>代码：</a:t>
+            </a:r>
+            <a:endParaRPr lang="en-US" altLang="zh-CN" smtClean="0"/>
+          </a:p>
+          <a:p>
+            <a:r>
+              <a:rPr lang="en-US" altLang="zh-CN"/>
+              <a:t>&lt;div class="div1"&gt;</a:t>
+            </a:r>
+          </a:p>
+          <a:p>
+            <a:r>
+              <a:rPr lang="en-US" altLang="zh-CN" smtClean="0"/>
+              <a:t>  &lt;span class=</a:t>
+            </a:r>
+            <a:r>
+              <a:rPr lang="en-US" altLang="zh-CN"/>
+              <a:t>"</a:t>
+            </a:r>
+            <a:r>
+              <a:rPr lang="en-US" altLang="zh-CN" smtClean="0"/>
+              <a:t>sub1"&gt;span-1-3</a:t>
+            </a:r>
+            <a:r>
+              <a:rPr lang="en-US" altLang="zh-CN"/>
+              <a:t>&lt;/span&gt;</a:t>
+            </a:r>
+          </a:p>
+          <a:p>
+            <a:r>
+              <a:rPr lang="en-US" altLang="zh-CN" smtClean="0"/>
+              <a:t>  &lt;</a:t>
+            </a:r>
+            <a:r>
+              <a:rPr lang="en-US" altLang="zh-CN"/>
+              <a:t>div class="parent</a:t>
+            </a:r>
+            <a:r>
+              <a:rPr lang="en-US" altLang="zh-CN" smtClean="0"/>
+              <a:t>"&gt;</a:t>
+            </a:r>
+          </a:p>
+          <a:p>
+            <a:r>
+              <a:rPr lang="en-US" altLang="zh-CN" smtClean="0"/>
+              <a:t>    &lt;span class=</a:t>
+            </a:r>
+            <a:r>
+              <a:rPr lang="en-US" altLang="zh-CN"/>
+              <a:t>"</a:t>
+            </a:r>
+            <a:r>
+              <a:rPr lang="en-US" altLang="zh-CN" smtClean="0"/>
+              <a:t>sub2</a:t>
+            </a:r>
+            <a:r>
+              <a:rPr lang="en-US" altLang="zh-CN"/>
+              <a:t>"</a:t>
+            </a:r>
+            <a:r>
+              <a:rPr lang="en-US" altLang="zh-CN" smtClean="0"/>
+              <a:t>&gt;span-2-3</a:t>
+            </a:r>
+            <a:r>
+              <a:rPr lang="en-US" altLang="zh-CN"/>
+              <a:t>&lt;/span&gt;</a:t>
+            </a:r>
+          </a:p>
+          <a:p>
+            <a:r>
+              <a:rPr lang="en-US" altLang="zh-CN" smtClean="0"/>
+              <a:t>  &lt;/div&gt;</a:t>
+            </a:r>
+          </a:p>
+          <a:p>
+            <a:r>
+              <a:rPr lang="en-US" altLang="zh-CN" smtClean="0"/>
+              <a:t>&lt;/</a:t>
+            </a:r>
+            <a:r>
+              <a:rPr lang="en-US" altLang="zh-CN"/>
+              <a:t>div</a:t>
+            </a:r>
+            <a:r>
+              <a:rPr lang="en-US" altLang="zh-CN" smtClean="0"/>
+              <a:t>&gt;</a:t>
+            </a:r>
+          </a:p>
+          <a:p>
+            <a:r>
+              <a:rPr lang="zh-CN" altLang="en-US" smtClean="0"/>
+              <a:t>与后代选择器区别在于，子选择器作用域</a:t>
+            </a:r>
+            <a:r>
+              <a:rPr lang="en-US" altLang="zh-CN" smtClean="0"/>
+              <a:t>.div1</a:t>
+            </a:r>
+            <a:r>
+              <a:rPr lang="zh-CN" altLang="en-US" smtClean="0"/>
+              <a:t>下的直接元素，也就是</a:t>
+            </a:r>
+            <a:r>
+              <a:rPr lang="en-US" altLang="zh-CN" smtClean="0"/>
+              <a:t>.sub1</a:t>
+            </a:r>
+            <a:r>
+              <a:rPr lang="zh-CN" altLang="en-US" smtClean="0"/>
+              <a:t>，不会作用于</a:t>
+            </a:r>
+            <a:r>
+              <a:rPr lang="en-US" altLang="zh-CN" smtClean="0"/>
+              <a:t>.sub2</a:t>
+            </a:r>
+            <a:r>
+              <a:rPr lang="zh-CN" altLang="en-US" smtClean="0"/>
+              <a:t>。</a:t>
+            </a:r>
+            <a:endParaRPr lang="en-US" altLang="zh-CN" smtClean="0"/>
+          </a:p>
+          <a:p>
+            <a:r>
+              <a:rPr lang="zh-CN" altLang="en-US" smtClean="0"/>
+              <a:t>用法</a:t>
+            </a:r>
+            <a:r>
+              <a:rPr lang="zh-CN" altLang="en-US"/>
+              <a:t>父级选择</a:t>
+            </a:r>
+            <a:r>
+              <a:rPr lang="zh-CN" altLang="en-US" smtClean="0"/>
+              <a:t>器 </a:t>
+            </a:r>
+            <a:r>
+              <a:rPr lang="en-US" altLang="zh-CN" smtClean="0"/>
+              <a:t>&gt; </a:t>
+            </a:r>
+            <a:r>
+              <a:rPr lang="zh-CN" altLang="en-US" smtClean="0"/>
+              <a:t>子选择器，中间是</a:t>
+            </a:r>
+            <a:r>
+              <a:rPr lang="en-US" altLang="zh-CN" smtClean="0"/>
+              <a:t>”&gt;”</a:t>
+            </a:r>
+            <a:r>
+              <a:rPr lang="zh-CN" altLang="en-US"/>
+              <a:t>。</a:t>
+            </a:r>
+            <a:endParaRPr lang="en-US" altLang="zh-CN" smtClean="0"/>
+          </a:p>
+        </p:txBody>
+      </p:sp>
+    </p:spTree>
+    <p:extLst>
+      <p:ext uri="{BB962C8B-B14F-4D97-AF65-F5344CB8AC3E}">
+        <p14:creationId xmlns:p14="http://schemas.microsoft.com/office/powerpoint/2010/main" val="1863646798"/>
+      </p:ext>
+    </p:extLst>
+  </p:cSld>
+  <p:clrMapOvr>
+    <a:masterClrMapping/>
+  </p:clrMapOvr>
+</p:sld>
+</file>
+
+<file path=ppt/slides/slide14.xml><?xml version="1.0" encoding="utf-8"?>
+<p:sld xmlns:a="http://schemas.openxmlformats.org/drawingml/2006/main" xmlns:r="http://schemas.openxmlformats.org/officeDocument/2006/relationships" xmlns:p="http://schemas.openxmlformats.org/presentationml/2006/main">
+  <p:cSld>
+    <p:spTree>
+      <p:nvGrpSpPr>
+        <p:cNvPr id="1" name=""/>
+        <p:cNvGrpSpPr/>
+        <p:nvPr/>
+      </p:nvGrpSpPr>
+      <p:grpSpPr>
+        <a:xfrm>
+          <a:off x="0" y="0"/>
+          <a:ext cx="0" cy="0"/>
+          <a:chOff x="0" y="0"/>
+          <a:chExt cx="0" cy="0"/>
+        </a:xfrm>
+      </p:grpSpPr>
+      <p:sp>
+        <p:nvSpPr>
+          <p:cNvPr id="2" name="标题 1"/>
+          <p:cNvSpPr>
+            <a:spLocks noGrp="1"/>
+          </p:cNvSpPr>
+          <p:nvPr>
+            <p:ph type="title"/>
+          </p:nvPr>
+        </p:nvSpPr>
+        <p:spPr>
+          <a:xfrm>
+            <a:off x="838200" y="365125"/>
+            <a:ext cx="10515600" cy="931015"/>
+          </a:xfrm>
+        </p:spPr>
+        <p:txBody>
+          <a:bodyPr/>
+          <a:lstStyle/>
+          <a:p>
+            <a:pPr algn="ctr"/>
+            <a:r>
+              <a:rPr lang="zh-CN" altLang="en-US" smtClean="0"/>
+              <a:t>伪类选择器</a:t>
+            </a:r>
+            <a:endParaRPr lang="zh-CN" altLang="en-US"/>
+          </a:p>
+        </p:txBody>
+      </p:sp>
+      <p:sp>
+        <p:nvSpPr>
+          <p:cNvPr id="3" name="内容占位符 2"/>
+          <p:cNvSpPr>
+            <a:spLocks noGrp="1"/>
+          </p:cNvSpPr>
+          <p:nvPr>
+            <p:ph idx="1"/>
+          </p:nvPr>
+        </p:nvSpPr>
+        <p:spPr>
+          <a:xfrm>
+            <a:off x="838200" y="1455938"/>
+            <a:ext cx="10515600" cy="4721025"/>
+          </a:xfrm>
+        </p:spPr>
+        <p:txBody>
+          <a:bodyPr/>
+          <a:lstStyle/>
+          <a:p>
+            <a:r>
+              <a:rPr lang="zh-CN" altLang="en-US"/>
+              <a:t>有时候还会需要用文档以外的其他条件来应用元素的样式，比如鼠标悬停等。这时候我们就需要用到伪</a:t>
+            </a:r>
+            <a:r>
+              <a:rPr lang="zh-CN" altLang="en-US" smtClean="0"/>
+              <a:t>类。</a:t>
+            </a:r>
+            <a:endParaRPr lang="en-US" altLang="zh-CN" smtClean="0"/>
+          </a:p>
+          <a:p>
+            <a:r>
+              <a:rPr lang="en-US" altLang="zh-CN" smtClean="0"/>
+              <a:t>a:link</a:t>
+            </a:r>
+            <a:r>
+              <a:rPr lang="zh-CN" altLang="en-US" smtClean="0"/>
+              <a:t>：链接</a:t>
+            </a:r>
+            <a:r>
+              <a:rPr lang="zh-CN" altLang="en-US"/>
+              <a:t>在没有被点击时的</a:t>
+            </a:r>
+            <a:r>
+              <a:rPr lang="zh-CN" altLang="en-US" smtClean="0"/>
+              <a:t>样式。</a:t>
+            </a:r>
+            <a:endParaRPr lang="en-US" altLang="zh-CN" smtClean="0"/>
+          </a:p>
+          <a:p>
+            <a:r>
+              <a:rPr lang="en-US" altLang="zh-CN" smtClean="0"/>
+              <a:t>a:visited</a:t>
+            </a:r>
+            <a:r>
+              <a:rPr lang="zh-CN" altLang="en-US" smtClean="0"/>
+              <a:t>：</a:t>
+            </a:r>
+            <a:r>
+              <a:rPr lang="zh-CN" altLang="en-US"/>
+              <a:t>链接已经被访问时的</a:t>
+            </a:r>
+            <a:r>
+              <a:rPr lang="zh-CN" altLang="en-US" smtClean="0"/>
+              <a:t>样式。</a:t>
+            </a:r>
+            <a:endParaRPr lang="en-US" altLang="zh-CN" smtClean="0"/>
+          </a:p>
+          <a:p>
+            <a:r>
+              <a:rPr lang="en-US" altLang="zh-CN" smtClean="0"/>
+              <a:t>a:hover</a:t>
+            </a:r>
+            <a:r>
+              <a:rPr lang="zh-CN" altLang="en-US" smtClean="0"/>
+              <a:t>：</a:t>
+            </a:r>
+            <a:r>
+              <a:rPr lang="zh-CN" altLang="en-US"/>
+              <a:t>鼠标悬停在链接上面时的</a:t>
+            </a:r>
+            <a:r>
+              <a:rPr lang="zh-CN" altLang="en-US" smtClean="0"/>
+              <a:t>样式。</a:t>
+            </a:r>
+            <a:endParaRPr lang="en-US" altLang="zh-CN" smtClean="0"/>
+          </a:p>
+          <a:p>
+            <a:r>
+              <a:rPr lang="en-US" altLang="zh-CN" smtClean="0"/>
+              <a:t>input:focus</a:t>
+            </a:r>
+            <a:r>
+              <a:rPr lang="zh-CN" altLang="en-US" smtClean="0"/>
+              <a:t>：输入框获取焦点时的样式。</a:t>
+            </a:r>
+            <a:endParaRPr lang="zh-CN" altLang="en-US"/>
+          </a:p>
+        </p:txBody>
+      </p:sp>
+    </p:spTree>
+    <p:extLst>
+      <p:ext uri="{BB962C8B-B14F-4D97-AF65-F5344CB8AC3E}">
+        <p14:creationId xmlns:p14="http://schemas.microsoft.com/office/powerpoint/2010/main" val="1659922702"/>
       </p:ext>
     </p:extLst>
   </p:cSld>
@@ -4531,6 +4191,1258 @@
 </file>
 
 <file path=ppt/slides/slide15.xml><?xml version="1.0" encoding="utf-8"?>
+<p:sld xmlns:a="http://schemas.openxmlformats.org/drawingml/2006/main" xmlns:r="http://schemas.openxmlformats.org/officeDocument/2006/relationships" xmlns:p="http://schemas.openxmlformats.org/presentationml/2006/main">
+  <p:cSld>
+    <p:spTree>
+      <p:nvGrpSpPr>
+        <p:cNvPr id="1" name=""/>
+        <p:cNvGrpSpPr/>
+        <p:nvPr/>
+      </p:nvGrpSpPr>
+      <p:grpSpPr>
+        <a:xfrm>
+          <a:off x="0" y="0"/>
+          <a:ext cx="0" cy="0"/>
+          <a:chOff x="0" y="0"/>
+          <a:chExt cx="0" cy="0"/>
+        </a:xfrm>
+      </p:grpSpPr>
+      <p:sp>
+        <p:nvSpPr>
+          <p:cNvPr id="2" name="标题 1"/>
+          <p:cNvSpPr>
+            <a:spLocks noGrp="1"/>
+          </p:cNvSpPr>
+          <p:nvPr>
+            <p:ph type="title"/>
+          </p:nvPr>
+        </p:nvSpPr>
+        <p:spPr>
+          <a:xfrm>
+            <a:off x="838200" y="365125"/>
+            <a:ext cx="10515600" cy="913259"/>
+          </a:xfrm>
+        </p:spPr>
+        <p:txBody>
+          <a:bodyPr/>
+          <a:lstStyle/>
+          <a:p>
+            <a:pPr algn="ctr"/>
+            <a:r>
+              <a:rPr lang="zh-CN" altLang="en-US" smtClean="0"/>
+              <a:t>通用选择器</a:t>
+            </a:r>
+            <a:endParaRPr lang="zh-CN" altLang="en-US"/>
+          </a:p>
+        </p:txBody>
+      </p:sp>
+      <p:sp>
+        <p:nvSpPr>
+          <p:cNvPr id="3" name="内容占位符 2"/>
+          <p:cNvSpPr>
+            <a:spLocks noGrp="1"/>
+          </p:cNvSpPr>
+          <p:nvPr>
+            <p:ph idx="1"/>
+          </p:nvPr>
+        </p:nvSpPr>
+        <p:spPr>
+          <a:xfrm>
+            <a:off x="838200" y="1402672"/>
+            <a:ext cx="10515600" cy="4774291"/>
+          </a:xfrm>
+        </p:spPr>
+        <p:txBody>
+          <a:bodyPr/>
+          <a:lstStyle/>
+          <a:p>
+            <a:r>
+              <a:rPr lang="en-US" altLang="zh-CN" smtClean="0"/>
+              <a:t>* {</a:t>
+            </a:r>
+          </a:p>
+          <a:p>
+            <a:r>
+              <a:rPr lang="en-US" altLang="zh-CN" smtClean="0"/>
+              <a:t>  color: red;</a:t>
+            </a:r>
+            <a:endParaRPr lang="en-US" altLang="zh-CN"/>
+          </a:p>
+          <a:p>
+            <a:r>
+              <a:rPr lang="en-US" altLang="zh-CN" smtClean="0"/>
+              <a:t>}</a:t>
+            </a:r>
+          </a:p>
+          <a:p>
+            <a:r>
+              <a:rPr lang="zh-CN" altLang="en-US" smtClean="0"/>
+              <a:t>表示对文档内所有标签生效。</a:t>
+            </a:r>
+            <a:endParaRPr lang="zh-CN" altLang="en-US"/>
+          </a:p>
+        </p:txBody>
+      </p:sp>
+    </p:spTree>
+    <p:extLst>
+      <p:ext uri="{BB962C8B-B14F-4D97-AF65-F5344CB8AC3E}">
+        <p14:creationId xmlns:p14="http://schemas.microsoft.com/office/powerpoint/2010/main" val="2014995206"/>
+      </p:ext>
+    </p:extLst>
+  </p:cSld>
+  <p:clrMapOvr>
+    <a:masterClrMapping/>
+  </p:clrMapOvr>
+</p:sld>
+</file>
+
+<file path=ppt/slides/slide16.xml><?xml version="1.0" encoding="utf-8"?>
+<p:sld xmlns:a="http://schemas.openxmlformats.org/drawingml/2006/main" xmlns:r="http://schemas.openxmlformats.org/officeDocument/2006/relationships" xmlns:p="http://schemas.openxmlformats.org/presentationml/2006/main">
+  <p:cSld>
+    <p:spTree>
+      <p:nvGrpSpPr>
+        <p:cNvPr id="1" name=""/>
+        <p:cNvGrpSpPr/>
+        <p:nvPr/>
+      </p:nvGrpSpPr>
+      <p:grpSpPr>
+        <a:xfrm>
+          <a:off x="0" y="0"/>
+          <a:ext cx="0" cy="0"/>
+          <a:chOff x="0" y="0"/>
+          <a:chExt cx="0" cy="0"/>
+        </a:xfrm>
+      </p:grpSpPr>
+      <p:sp>
+        <p:nvSpPr>
+          <p:cNvPr id="2" name="标题 1"/>
+          <p:cNvSpPr>
+            <a:spLocks noGrp="1"/>
+          </p:cNvSpPr>
+          <p:nvPr>
+            <p:ph type="title"/>
+          </p:nvPr>
+        </p:nvSpPr>
+        <p:spPr>
+          <a:xfrm>
+            <a:off x="838200" y="365125"/>
+            <a:ext cx="10515600" cy="984281"/>
+          </a:xfrm>
+        </p:spPr>
+        <p:txBody>
+          <a:bodyPr/>
+          <a:lstStyle/>
+          <a:p>
+            <a:pPr algn="ctr"/>
+            <a:r>
+              <a:rPr lang="zh-CN" altLang="en-US" smtClean="0"/>
+              <a:t>组合选择器</a:t>
+            </a:r>
+            <a:endParaRPr lang="zh-CN" altLang="en-US"/>
+          </a:p>
+        </p:txBody>
+      </p:sp>
+      <p:sp>
+        <p:nvSpPr>
+          <p:cNvPr id="3" name="内容占位符 2"/>
+          <p:cNvSpPr>
+            <a:spLocks noGrp="1"/>
+          </p:cNvSpPr>
+          <p:nvPr>
+            <p:ph idx="1"/>
+          </p:nvPr>
+        </p:nvSpPr>
+        <p:spPr>
+          <a:xfrm>
+            <a:off x="838200" y="1349406"/>
+            <a:ext cx="10515600" cy="4827557"/>
+          </a:xfrm>
+        </p:spPr>
+        <p:txBody>
+          <a:bodyPr/>
+          <a:lstStyle/>
+          <a:p>
+            <a:r>
+              <a:rPr lang="en-US" altLang="zh-CN" smtClean="0"/>
+              <a:t>css</a:t>
+            </a:r>
+            <a:r>
+              <a:rPr lang="zh-CN" altLang="en-US" smtClean="0"/>
+              <a:t>代码：</a:t>
+            </a:r>
+            <a:endParaRPr lang="en-US" altLang="zh-CN" smtClean="0"/>
+          </a:p>
+          <a:p>
+            <a:r>
+              <a:rPr lang="en-US" altLang="zh-CN" smtClean="0"/>
+              <a:t>div, span {</a:t>
+            </a:r>
+          </a:p>
+          <a:p>
+            <a:r>
+              <a:rPr lang="en-US" altLang="zh-CN" smtClean="0"/>
+              <a:t>  color: red;</a:t>
+            </a:r>
+            <a:endParaRPr lang="en-US" altLang="zh-CN"/>
+          </a:p>
+          <a:p>
+            <a:r>
+              <a:rPr lang="en-US" altLang="zh-CN" smtClean="0"/>
+              <a:t>}</a:t>
+            </a:r>
+          </a:p>
+          <a:p>
+            <a:r>
+              <a:rPr lang="en-US" altLang="zh-CN" smtClean="0"/>
+              <a:t>html</a:t>
+            </a:r>
+            <a:r>
+              <a:rPr lang="zh-CN" altLang="en-US" smtClean="0"/>
+              <a:t>代码：</a:t>
+            </a:r>
+            <a:endParaRPr lang="en-US" altLang="zh-CN" smtClean="0"/>
+          </a:p>
+          <a:p>
+            <a:r>
+              <a:rPr lang="en-US" altLang="zh-CN"/>
+              <a:t>&lt;span&gt;span-1-4&lt;/span&gt;</a:t>
+            </a:r>
+          </a:p>
+          <a:p>
+            <a:r>
+              <a:rPr lang="en-US" altLang="zh-CN" smtClean="0"/>
+              <a:t>&lt;</a:t>
+            </a:r>
+            <a:r>
+              <a:rPr lang="en-US" altLang="zh-CN"/>
+              <a:t>div&gt;div-1-5&lt;/div</a:t>
+            </a:r>
+            <a:r>
+              <a:rPr lang="en-US" altLang="zh-CN" smtClean="0"/>
+              <a:t>&gt;</a:t>
+            </a:r>
+          </a:p>
+          <a:p>
+            <a:r>
+              <a:rPr lang="zh-CN" altLang="en-US" smtClean="0"/>
+              <a:t>对文档内所有</a:t>
+            </a:r>
+            <a:r>
+              <a:rPr lang="en-US" altLang="zh-CN" smtClean="0"/>
+              <a:t>div</a:t>
+            </a:r>
+            <a:r>
+              <a:rPr lang="zh-CN" altLang="en-US" smtClean="0"/>
+              <a:t>和</a:t>
+            </a:r>
+            <a:r>
+              <a:rPr lang="en-US" altLang="zh-CN" smtClean="0"/>
+              <a:t>span</a:t>
+            </a:r>
+            <a:r>
+              <a:rPr lang="zh-CN" altLang="en-US" smtClean="0"/>
+              <a:t>标签同时生效。</a:t>
+            </a:r>
+            <a:endParaRPr lang="en-US" altLang="zh-CN" smtClean="0"/>
+          </a:p>
+          <a:p>
+            <a:r>
+              <a:rPr lang="zh-CN" altLang="en-US" smtClean="0"/>
+              <a:t>用法：选择器之间使用</a:t>
+            </a:r>
+            <a:r>
+              <a:rPr lang="en-US" altLang="zh-CN" smtClean="0"/>
+              <a:t>”,”</a:t>
+            </a:r>
+            <a:r>
+              <a:rPr lang="zh-CN" altLang="en-US" smtClean="0"/>
+              <a:t>分隔，后面加一个空格。</a:t>
+            </a:r>
+            <a:endParaRPr lang="zh-CN" altLang="en-US"/>
+          </a:p>
+        </p:txBody>
+      </p:sp>
+    </p:spTree>
+    <p:extLst>
+      <p:ext uri="{BB962C8B-B14F-4D97-AF65-F5344CB8AC3E}">
+        <p14:creationId xmlns:p14="http://schemas.microsoft.com/office/powerpoint/2010/main" val="2925841292"/>
+      </p:ext>
+    </p:extLst>
+  </p:cSld>
+  <p:clrMapOvr>
+    <a:masterClrMapping/>
+  </p:clrMapOvr>
+</p:sld>
+</file>
+
+<file path=ppt/slides/slide17.xml><?xml version="1.0" encoding="utf-8"?>
+<p:sld xmlns:a="http://schemas.openxmlformats.org/drawingml/2006/main" xmlns:r="http://schemas.openxmlformats.org/officeDocument/2006/relationships" xmlns:p="http://schemas.openxmlformats.org/presentationml/2006/main">
+  <p:cSld>
+    <p:spTree>
+      <p:nvGrpSpPr>
+        <p:cNvPr id="1" name=""/>
+        <p:cNvGrpSpPr/>
+        <p:nvPr/>
+      </p:nvGrpSpPr>
+      <p:grpSpPr>
+        <a:xfrm>
+          <a:off x="0" y="0"/>
+          <a:ext cx="0" cy="0"/>
+          <a:chOff x="0" y="0"/>
+          <a:chExt cx="0" cy="0"/>
+        </a:xfrm>
+      </p:grpSpPr>
+      <p:sp>
+        <p:nvSpPr>
+          <p:cNvPr id="2" name="标题 1"/>
+          <p:cNvSpPr>
+            <a:spLocks noGrp="1"/>
+          </p:cNvSpPr>
+          <p:nvPr>
+            <p:ph type="title"/>
+          </p:nvPr>
+        </p:nvSpPr>
+        <p:spPr>
+          <a:xfrm>
+            <a:off x="838200" y="365125"/>
+            <a:ext cx="10515600" cy="966525"/>
+          </a:xfrm>
+        </p:spPr>
+        <p:txBody>
+          <a:bodyPr/>
+          <a:lstStyle/>
+          <a:p>
+            <a:pPr algn="ctr"/>
+            <a:r>
+              <a:rPr lang="zh-CN" altLang="en-US" smtClean="0"/>
+              <a:t>相邻同胞选择器</a:t>
+            </a:r>
+            <a:endParaRPr lang="zh-CN" altLang="en-US"/>
+          </a:p>
+        </p:txBody>
+      </p:sp>
+      <p:sp>
+        <p:nvSpPr>
+          <p:cNvPr id="3" name="内容占位符 2"/>
+          <p:cNvSpPr>
+            <a:spLocks noGrp="1"/>
+          </p:cNvSpPr>
+          <p:nvPr>
+            <p:ph idx="1"/>
+          </p:nvPr>
+        </p:nvSpPr>
+        <p:spPr>
+          <a:xfrm>
+            <a:off x="838200" y="1464816"/>
+            <a:ext cx="10515600" cy="4712147"/>
+          </a:xfrm>
+        </p:spPr>
+        <p:txBody>
+          <a:bodyPr>
+            <a:normAutofit fontScale="85000" lnSpcReduction="20000"/>
+          </a:bodyPr>
+          <a:lstStyle/>
+          <a:p>
+            <a:r>
+              <a:rPr lang="en-US" altLang="zh-CN" smtClean="0"/>
+              <a:t>css</a:t>
+            </a:r>
+            <a:r>
+              <a:rPr lang="zh-CN" altLang="en-US" smtClean="0"/>
+              <a:t>代码：</a:t>
+            </a:r>
+            <a:endParaRPr lang="en-US" altLang="zh-CN" smtClean="0"/>
+          </a:p>
+          <a:p>
+            <a:r>
+              <a:rPr lang="en-US" altLang="zh-CN" smtClean="0"/>
+              <a:t>.sub + div {</a:t>
+            </a:r>
+          </a:p>
+          <a:p>
+            <a:r>
+              <a:rPr lang="en-US" altLang="zh-CN" smtClean="0"/>
+              <a:t>  color: red;</a:t>
+            </a:r>
+            <a:endParaRPr lang="en-US" altLang="zh-CN"/>
+          </a:p>
+          <a:p>
+            <a:r>
+              <a:rPr lang="en-US" altLang="zh-CN" smtClean="0"/>
+              <a:t>}</a:t>
+            </a:r>
+          </a:p>
+          <a:p>
+            <a:r>
+              <a:rPr lang="en-US" altLang="zh-CN" smtClean="0"/>
+              <a:t>html</a:t>
+            </a:r>
+            <a:r>
+              <a:rPr lang="zh-CN" altLang="en-US" smtClean="0"/>
+              <a:t>代码：</a:t>
+            </a:r>
+            <a:endParaRPr lang="en-US" altLang="zh-CN" smtClean="0"/>
+          </a:p>
+          <a:p>
+            <a:r>
+              <a:rPr lang="en-US" altLang="zh-CN" smtClean="0"/>
+              <a:t>&lt;</a:t>
+            </a:r>
+            <a:r>
+              <a:rPr lang="en-US" altLang="zh-CN"/>
+              <a:t>div class="parent"&gt;</a:t>
+            </a:r>
+          </a:p>
+          <a:p>
+            <a:r>
+              <a:rPr lang="en-US" altLang="zh-CN" smtClean="0"/>
+              <a:t>  &lt;</a:t>
+            </a:r>
+            <a:r>
+              <a:rPr lang="en-US" altLang="zh-CN"/>
+              <a:t>div class="sub"&gt;div-2-1&lt;/div&gt;</a:t>
+            </a:r>
+          </a:p>
+          <a:p>
+            <a:r>
+              <a:rPr lang="en-US" altLang="zh-CN"/>
+              <a:t>  </a:t>
+            </a:r>
+            <a:r>
+              <a:rPr lang="en-US" altLang="zh-CN" smtClean="0"/>
+              <a:t>&lt;</a:t>
+            </a:r>
+            <a:r>
+              <a:rPr lang="en-US" altLang="zh-CN"/>
+              <a:t>div&gt;div-2-2&lt;/div</a:t>
+            </a:r>
+            <a:r>
+              <a:rPr lang="en-US" altLang="zh-CN" smtClean="0"/>
+              <a:t>&gt;</a:t>
+            </a:r>
+          </a:p>
+          <a:p>
+            <a:r>
+              <a:rPr lang="en-US" altLang="zh-CN" smtClean="0"/>
+              <a:t>  &lt;</a:t>
+            </a:r>
+            <a:r>
+              <a:rPr lang="en-US" altLang="zh-CN"/>
+              <a:t>div&gt;div-2-6&lt;/div</a:t>
+            </a:r>
+            <a:r>
+              <a:rPr lang="en-US" altLang="zh-CN" smtClean="0"/>
+              <a:t>&gt;</a:t>
+            </a:r>
+          </a:p>
+          <a:p>
+            <a:r>
+              <a:rPr lang="en-US" altLang="zh-CN" smtClean="0"/>
+              <a:t>&lt;/</a:t>
+            </a:r>
+            <a:r>
+              <a:rPr lang="en-US" altLang="zh-CN"/>
+              <a:t>div</a:t>
+            </a:r>
+            <a:r>
+              <a:rPr lang="en-US" altLang="zh-CN" smtClean="0"/>
+              <a:t>&gt;</a:t>
+            </a:r>
+          </a:p>
+          <a:p>
+            <a:r>
+              <a:rPr lang="zh-CN" altLang="en-US" smtClean="0"/>
+              <a:t>同胞元素：表示在同一层级，</a:t>
+            </a:r>
+            <a:r>
+              <a:rPr lang="en-US" altLang="zh-CN" smtClean="0"/>
+              <a:t>.parent</a:t>
+            </a:r>
+            <a:r>
+              <a:rPr lang="zh-CN" altLang="en-US" smtClean="0"/>
+              <a:t>下的三个</a:t>
+            </a:r>
+            <a:r>
+              <a:rPr lang="en-US" altLang="zh-CN" smtClean="0"/>
+              <a:t>div</a:t>
+            </a:r>
+            <a:r>
+              <a:rPr lang="zh-CN" altLang="en-US" smtClean="0"/>
+              <a:t>都在同一级，它们相互之间被称为同胞元素，也被称为兄弟元素。</a:t>
+            </a:r>
+            <a:r>
+              <a:rPr lang="en-US" altLang="zh-CN" smtClean="0"/>
+              <a:t>”+”</a:t>
+            </a:r>
+            <a:r>
+              <a:rPr lang="zh-CN" altLang="en-US" smtClean="0"/>
+              <a:t>表示</a:t>
+            </a:r>
+            <a:r>
+              <a:rPr lang="en-US" altLang="zh-CN" smtClean="0"/>
+              <a:t>.sub</a:t>
+            </a:r>
+            <a:r>
+              <a:rPr lang="zh-CN" altLang="en-US" smtClean="0"/>
+              <a:t>后面的一个兄弟元素。</a:t>
+            </a:r>
+            <a:endParaRPr lang="zh-CN" altLang="en-US"/>
+          </a:p>
+        </p:txBody>
+      </p:sp>
+    </p:spTree>
+    <p:extLst>
+      <p:ext uri="{BB962C8B-B14F-4D97-AF65-F5344CB8AC3E}">
+        <p14:creationId xmlns:p14="http://schemas.microsoft.com/office/powerpoint/2010/main" val="2130161672"/>
+      </p:ext>
+    </p:extLst>
+  </p:cSld>
+  <p:clrMapOvr>
+    <a:masterClrMapping/>
+  </p:clrMapOvr>
+</p:sld>
+</file>
+
+<file path=ppt/slides/slide18.xml><?xml version="1.0" encoding="utf-8"?>
+<p:sld xmlns:a="http://schemas.openxmlformats.org/drawingml/2006/main" xmlns:r="http://schemas.openxmlformats.org/officeDocument/2006/relationships" xmlns:p="http://schemas.openxmlformats.org/presentationml/2006/main">
+  <p:cSld>
+    <p:spTree>
+      <p:nvGrpSpPr>
+        <p:cNvPr id="1" name=""/>
+        <p:cNvGrpSpPr/>
+        <p:nvPr/>
+      </p:nvGrpSpPr>
+      <p:grpSpPr>
+        <a:xfrm>
+          <a:off x="0" y="0"/>
+          <a:ext cx="0" cy="0"/>
+          <a:chOff x="0" y="0"/>
+          <a:chExt cx="0" cy="0"/>
+        </a:xfrm>
+      </p:grpSpPr>
+      <p:sp>
+        <p:nvSpPr>
+          <p:cNvPr id="2" name="标题 1"/>
+          <p:cNvSpPr>
+            <a:spLocks noGrp="1"/>
+          </p:cNvSpPr>
+          <p:nvPr>
+            <p:ph type="title"/>
+          </p:nvPr>
+        </p:nvSpPr>
+        <p:spPr>
+          <a:xfrm>
+            <a:off x="838200" y="365125"/>
+            <a:ext cx="10515600" cy="975403"/>
+          </a:xfrm>
+        </p:spPr>
+        <p:txBody>
+          <a:bodyPr/>
+          <a:lstStyle/>
+          <a:p>
+            <a:pPr algn="ctr"/>
+            <a:r>
+              <a:rPr lang="zh-CN" altLang="en-US" smtClean="0"/>
+              <a:t>属性选择器</a:t>
+            </a:r>
+            <a:endParaRPr lang="zh-CN" altLang="en-US"/>
+          </a:p>
+        </p:txBody>
+      </p:sp>
+      <p:sp>
+        <p:nvSpPr>
+          <p:cNvPr id="3" name="内容占位符 2"/>
+          <p:cNvSpPr>
+            <a:spLocks noGrp="1"/>
+          </p:cNvSpPr>
+          <p:nvPr>
+            <p:ph idx="1"/>
+          </p:nvPr>
+        </p:nvSpPr>
+        <p:spPr>
+          <a:xfrm>
+            <a:off x="838200" y="1500326"/>
+            <a:ext cx="10515600" cy="4676637"/>
+          </a:xfrm>
+        </p:spPr>
+        <p:txBody>
+          <a:bodyPr>
+            <a:normAutofit fontScale="70000" lnSpcReduction="20000"/>
+          </a:bodyPr>
+          <a:lstStyle/>
+          <a:p>
+            <a:r>
+              <a:rPr lang="en-US" altLang="zh-CN" smtClean="0"/>
+              <a:t>css</a:t>
+            </a:r>
+            <a:r>
+              <a:rPr lang="zh-CN" altLang="en-US" smtClean="0"/>
+              <a:t>代码：</a:t>
+            </a:r>
+            <a:endParaRPr lang="en-US" altLang="zh-CN" smtClean="0"/>
+          </a:p>
+          <a:p>
+            <a:r>
+              <a:rPr lang="en-US" altLang="zh-CN"/>
+              <a:t>[readonly] {</a:t>
+            </a:r>
+          </a:p>
+          <a:p>
+            <a:r>
+              <a:rPr lang="en-US" altLang="zh-CN"/>
+              <a:t>  border: 1px solid red;</a:t>
+            </a:r>
+          </a:p>
+          <a:p>
+            <a:r>
+              <a:rPr lang="en-US" altLang="zh-CN" smtClean="0"/>
+              <a:t>}</a:t>
+            </a:r>
+          </a:p>
+          <a:p>
+            <a:r>
+              <a:rPr lang="en-US" altLang="zh-CN" smtClean="0"/>
+              <a:t>html</a:t>
+            </a:r>
+            <a:r>
+              <a:rPr lang="zh-CN" altLang="en-US" smtClean="0"/>
+              <a:t>代码：</a:t>
+            </a:r>
+            <a:endParaRPr lang="en-US" altLang="zh-CN" smtClean="0"/>
+          </a:p>
+          <a:p>
+            <a:r>
+              <a:rPr lang="en-US" altLang="zh-CN"/>
+              <a:t>&lt;input id="</a:t>
+            </a:r>
+            <a:r>
+              <a:rPr lang="en-US" altLang="zh-CN" smtClean="0"/>
+              <a:t>username1" </a:t>
+            </a:r>
+            <a:r>
+              <a:rPr lang="en-US" altLang="zh-CN"/>
+              <a:t>placeholder="</a:t>
+            </a:r>
+            <a:r>
+              <a:rPr lang="zh-CN" altLang="en-US"/>
+              <a:t>请输入姓名</a:t>
+            </a:r>
+            <a:r>
+              <a:rPr lang="en-US" altLang="zh-CN"/>
+              <a:t>1" readonly </a:t>
+            </a:r>
+            <a:r>
+              <a:rPr lang="en-US" altLang="zh-CN" smtClean="0"/>
+              <a:t>/&gt;</a:t>
+            </a:r>
+          </a:p>
+          <a:p>
+            <a:r>
+              <a:rPr lang="en-US" altLang="zh-CN" smtClean="0"/>
+              <a:t>&lt;input </a:t>
+            </a:r>
+            <a:r>
+              <a:rPr lang="en-US" altLang="zh-CN"/>
+              <a:t>id="</a:t>
+            </a:r>
+            <a:r>
+              <a:rPr lang="en-US" altLang="zh-CN" smtClean="0"/>
+              <a:t>username2" </a:t>
+            </a:r>
+            <a:r>
+              <a:rPr lang="en-US" altLang="zh-CN"/>
+              <a:t>placeholder="</a:t>
+            </a:r>
+            <a:r>
+              <a:rPr lang="zh-CN" altLang="en-US"/>
+              <a:t>请输入姓名</a:t>
+            </a:r>
+            <a:r>
+              <a:rPr lang="en-US" altLang="zh-CN"/>
+              <a:t>2" </a:t>
+            </a:r>
+            <a:r>
+              <a:rPr lang="en-US" altLang="zh-CN" smtClean="0"/>
+              <a:t>/&gt;</a:t>
+            </a:r>
+          </a:p>
+          <a:p>
+            <a:r>
+              <a:rPr lang="zh-CN" altLang="en-US" smtClean="0"/>
+              <a:t>作用于所有带有</a:t>
+            </a:r>
+            <a:r>
+              <a:rPr lang="en-US" altLang="zh-CN" smtClean="0"/>
+              <a:t>readonly</a:t>
+            </a:r>
+            <a:r>
+              <a:rPr lang="zh-CN" altLang="en-US" smtClean="0"/>
+              <a:t>属性的标签，选择器可以于其它选择器配合，比如</a:t>
+            </a:r>
+            <a:r>
+              <a:rPr lang="en-US" altLang="zh-CN" smtClean="0"/>
+              <a:t>[id][readonly]</a:t>
+            </a:r>
+            <a:r>
+              <a:rPr lang="zh-CN" altLang="en-US" smtClean="0"/>
+              <a:t>或者</a:t>
+            </a:r>
+            <a:r>
+              <a:rPr lang="en-US" altLang="zh-CN" smtClean="0"/>
+              <a:t>input[readonly]</a:t>
+            </a:r>
+            <a:r>
+              <a:rPr lang="zh-CN" altLang="en-US" smtClean="0"/>
+              <a:t>，下面简单介绍几种：</a:t>
+            </a:r>
+            <a:endParaRPr lang="en-US" altLang="zh-CN" smtClean="0"/>
+          </a:p>
+          <a:p>
+            <a:r>
+              <a:rPr lang="en-US" altLang="zh-CN" smtClean="0"/>
+              <a:t>input[id=“username1”]</a:t>
+            </a:r>
+            <a:r>
+              <a:rPr lang="zh-CN" altLang="en-US"/>
+              <a:t>：作用于所有</a:t>
+            </a:r>
+            <a:r>
+              <a:rPr lang="en-US" altLang="zh-CN"/>
+              <a:t>id</a:t>
+            </a:r>
+            <a:r>
+              <a:rPr lang="zh-CN" altLang="en-US" smtClean="0"/>
+              <a:t>值</a:t>
+            </a:r>
+            <a:r>
+              <a:rPr lang="zh-CN" altLang="en-US" smtClean="0">
+                <a:solidFill>
+                  <a:srgbClr val="FF0000"/>
+                </a:solidFill>
+              </a:rPr>
+              <a:t>等于</a:t>
+            </a:r>
+            <a:r>
+              <a:rPr lang="en-US" altLang="zh-CN" smtClean="0">
+                <a:solidFill>
+                  <a:srgbClr val="FF0000"/>
+                </a:solidFill>
+              </a:rPr>
+              <a:t>username1</a:t>
+            </a:r>
+            <a:r>
+              <a:rPr lang="zh-CN" altLang="en-US" smtClean="0"/>
+              <a:t>的</a:t>
+            </a:r>
+            <a:r>
+              <a:rPr lang="en-US" altLang="zh-CN"/>
+              <a:t>input</a:t>
+            </a:r>
+            <a:r>
+              <a:rPr lang="zh-CN" altLang="en-US"/>
+              <a:t>框</a:t>
+            </a:r>
+            <a:r>
+              <a:rPr lang="zh-CN" altLang="en-US" smtClean="0"/>
+              <a:t>。</a:t>
+            </a:r>
+            <a:endParaRPr lang="en-US" altLang="zh-CN" smtClean="0"/>
+          </a:p>
+          <a:p>
+            <a:r>
+              <a:rPr lang="en-US" altLang="zh-CN" smtClean="0"/>
+              <a:t>input[id*=“user”]</a:t>
+            </a:r>
+            <a:r>
+              <a:rPr lang="zh-CN" altLang="en-US" smtClean="0"/>
+              <a:t>：作用于所有</a:t>
+            </a:r>
+            <a:r>
+              <a:rPr lang="en-US" altLang="zh-CN" smtClean="0"/>
+              <a:t>id</a:t>
+            </a:r>
+            <a:r>
+              <a:rPr lang="zh-CN" altLang="en-US" smtClean="0"/>
+              <a:t>值包含</a:t>
+            </a:r>
+            <a:r>
+              <a:rPr lang="en-US" altLang="zh-CN" smtClean="0">
+                <a:solidFill>
+                  <a:srgbClr val="FF0000"/>
+                </a:solidFill>
+              </a:rPr>
+              <a:t>user</a:t>
+            </a:r>
+            <a:r>
+              <a:rPr lang="zh-CN" altLang="en-US" smtClean="0">
+                <a:solidFill>
+                  <a:srgbClr val="FF0000"/>
+                </a:solidFill>
+              </a:rPr>
+              <a:t>关键字</a:t>
+            </a:r>
+            <a:r>
+              <a:rPr lang="zh-CN" altLang="en-US" smtClean="0"/>
+              <a:t>的</a:t>
+            </a:r>
+            <a:r>
+              <a:rPr lang="en-US" altLang="zh-CN" smtClean="0"/>
+              <a:t>input</a:t>
+            </a:r>
+            <a:r>
+              <a:rPr lang="zh-CN" altLang="en-US" smtClean="0"/>
+              <a:t>框。</a:t>
+            </a:r>
+            <a:endParaRPr lang="en-US" altLang="zh-CN" smtClean="0"/>
+          </a:p>
+          <a:p>
+            <a:r>
+              <a:rPr lang="en-US" altLang="zh-CN" smtClean="0"/>
+              <a:t>input[id^=</a:t>
+            </a:r>
+            <a:r>
+              <a:rPr lang="en-US" altLang="zh-CN"/>
+              <a:t>“user</a:t>
+            </a:r>
+            <a:r>
+              <a:rPr lang="en-US" altLang="zh-CN" smtClean="0"/>
+              <a:t>”]</a:t>
+            </a:r>
+            <a:r>
+              <a:rPr lang="zh-CN" altLang="en-US" smtClean="0"/>
+              <a:t>：</a:t>
+            </a:r>
+            <a:r>
+              <a:rPr lang="zh-CN" altLang="en-US"/>
+              <a:t>作用于所有</a:t>
+            </a:r>
+            <a:r>
+              <a:rPr lang="en-US" altLang="zh-CN"/>
+              <a:t>id</a:t>
+            </a:r>
+            <a:r>
+              <a:rPr lang="zh-CN" altLang="en-US" smtClean="0"/>
+              <a:t>值以</a:t>
+            </a:r>
+            <a:r>
+              <a:rPr lang="en-US" altLang="zh-CN" smtClean="0">
+                <a:solidFill>
+                  <a:srgbClr val="FF0000"/>
+                </a:solidFill>
+              </a:rPr>
+              <a:t>user</a:t>
+            </a:r>
+            <a:r>
+              <a:rPr lang="zh-CN" altLang="en-US" smtClean="0">
+                <a:solidFill>
+                  <a:srgbClr val="FF0000"/>
+                </a:solidFill>
+              </a:rPr>
+              <a:t>关键字开头</a:t>
+            </a:r>
+            <a:r>
+              <a:rPr lang="zh-CN" altLang="en-US" smtClean="0"/>
+              <a:t>的</a:t>
+            </a:r>
+            <a:r>
+              <a:rPr lang="en-US" altLang="zh-CN"/>
+              <a:t>input</a:t>
+            </a:r>
+            <a:r>
+              <a:rPr lang="zh-CN" altLang="en-US"/>
+              <a:t>框</a:t>
+            </a:r>
+            <a:r>
+              <a:rPr lang="zh-CN" altLang="en-US" smtClean="0"/>
+              <a:t>。</a:t>
+            </a:r>
+            <a:endParaRPr lang="en-US" altLang="zh-CN" smtClean="0"/>
+          </a:p>
+          <a:p>
+            <a:r>
+              <a:rPr lang="en-US" altLang="zh-CN" smtClean="0"/>
+              <a:t>input[id</a:t>
+            </a:r>
+            <a:r>
+              <a:rPr lang="en-US" altLang="zh-CN"/>
+              <a:t>$</a:t>
+            </a:r>
+            <a:r>
+              <a:rPr lang="en-US" altLang="zh-CN" smtClean="0"/>
+              <a:t>=“</a:t>
+            </a:r>
+            <a:r>
+              <a:rPr lang="en-US" altLang="zh-CN"/>
+              <a:t>user”]</a:t>
+            </a:r>
+            <a:r>
+              <a:rPr lang="zh-CN" altLang="en-US"/>
+              <a:t>：作用于所有</a:t>
+            </a:r>
+            <a:r>
+              <a:rPr lang="en-US" altLang="zh-CN"/>
+              <a:t>id</a:t>
+            </a:r>
+            <a:r>
+              <a:rPr lang="zh-CN" altLang="en-US" smtClean="0"/>
+              <a:t>值</a:t>
+            </a:r>
+            <a:r>
+              <a:rPr lang="zh-CN" altLang="en-US"/>
+              <a:t>以</a:t>
+            </a:r>
+            <a:r>
+              <a:rPr lang="en-US" altLang="zh-CN" smtClean="0">
+                <a:solidFill>
+                  <a:srgbClr val="FF0000"/>
+                </a:solidFill>
+              </a:rPr>
+              <a:t>user</a:t>
+            </a:r>
+            <a:r>
+              <a:rPr lang="zh-CN" altLang="en-US" smtClean="0">
+                <a:solidFill>
+                  <a:srgbClr val="FF0000"/>
+                </a:solidFill>
+              </a:rPr>
+              <a:t>关键字结尾</a:t>
+            </a:r>
+            <a:r>
+              <a:rPr lang="zh-CN" altLang="en-US" smtClean="0"/>
+              <a:t>的</a:t>
+            </a:r>
+            <a:r>
+              <a:rPr lang="en-US" altLang="zh-CN"/>
+              <a:t>input</a:t>
+            </a:r>
+            <a:r>
+              <a:rPr lang="zh-CN" altLang="en-US"/>
+              <a:t>框</a:t>
+            </a:r>
+            <a:r>
+              <a:rPr lang="zh-CN" altLang="en-US" smtClean="0"/>
+              <a:t>。</a:t>
+            </a:r>
+            <a:endParaRPr lang="en-US" altLang="zh-CN" smtClean="0"/>
+          </a:p>
+          <a:p>
+            <a:r>
+              <a:rPr lang="en-US" altLang="zh-CN"/>
+              <a:t>input[title</a:t>
+            </a:r>
+            <a:r>
+              <a:rPr lang="en-US" altLang="zh-CN" smtClean="0"/>
+              <a:t>~=“divtitle1”]</a:t>
+            </a:r>
+            <a:r>
+              <a:rPr lang="zh-CN" altLang="en-US" smtClean="0"/>
+              <a:t>：作用于所有</a:t>
+            </a:r>
+            <a:r>
+              <a:rPr lang="en-US" altLang="zh-CN" smtClean="0"/>
+              <a:t>title</a:t>
+            </a:r>
+            <a:r>
+              <a:rPr lang="zh-CN" altLang="en-US" smtClean="0"/>
+              <a:t>值包含</a:t>
+            </a:r>
+            <a:r>
+              <a:rPr lang="en-US" altLang="zh-CN" smtClean="0">
+                <a:solidFill>
+                  <a:srgbClr val="FF0000"/>
+                </a:solidFill>
+              </a:rPr>
+              <a:t>divtitle1</a:t>
+            </a:r>
+            <a:r>
+              <a:rPr lang="zh-CN" altLang="en-US" smtClean="0">
+                <a:solidFill>
+                  <a:srgbClr val="FF0000"/>
+                </a:solidFill>
+              </a:rPr>
+              <a:t>单词</a:t>
+            </a:r>
+            <a:r>
+              <a:rPr lang="zh-CN" altLang="en-US" smtClean="0"/>
+              <a:t>的</a:t>
+            </a:r>
+            <a:r>
+              <a:rPr lang="en-US" altLang="zh-CN" smtClean="0"/>
+              <a:t>input</a:t>
+            </a:r>
+            <a:r>
+              <a:rPr lang="zh-CN" altLang="en-US" smtClean="0"/>
+              <a:t>框。</a:t>
+            </a:r>
+            <a:endParaRPr lang="en-US" altLang="zh-CN"/>
+          </a:p>
+          <a:p>
+            <a:endParaRPr lang="en-US" altLang="zh-CN"/>
+          </a:p>
+        </p:txBody>
+      </p:sp>
+    </p:spTree>
+    <p:extLst>
+      <p:ext uri="{BB962C8B-B14F-4D97-AF65-F5344CB8AC3E}">
+        <p14:creationId xmlns:p14="http://schemas.microsoft.com/office/powerpoint/2010/main" val="2369703833"/>
+      </p:ext>
+    </p:extLst>
+  </p:cSld>
+  <p:clrMapOvr>
+    <a:masterClrMapping/>
+  </p:clrMapOvr>
+</p:sld>
+</file>
+
+<file path=ppt/slides/slide19.xml><?xml version="1.0" encoding="utf-8"?>
+<p:sld xmlns:a="http://schemas.openxmlformats.org/drawingml/2006/main" xmlns:r="http://schemas.openxmlformats.org/officeDocument/2006/relationships" xmlns:p="http://schemas.openxmlformats.org/presentationml/2006/main">
+  <p:cSld>
+    <p:spTree>
+      <p:nvGrpSpPr>
+        <p:cNvPr id="1" name=""/>
+        <p:cNvGrpSpPr/>
+        <p:nvPr/>
+      </p:nvGrpSpPr>
+      <p:grpSpPr>
+        <a:xfrm>
+          <a:off x="0" y="0"/>
+          <a:ext cx="0" cy="0"/>
+          <a:chOff x="0" y="0"/>
+          <a:chExt cx="0" cy="0"/>
+        </a:xfrm>
+      </p:grpSpPr>
+      <p:sp>
+        <p:nvSpPr>
+          <p:cNvPr id="2" name="标题 1"/>
+          <p:cNvSpPr>
+            <a:spLocks noGrp="1"/>
+          </p:cNvSpPr>
+          <p:nvPr>
+            <p:ph type="title"/>
+          </p:nvPr>
+        </p:nvSpPr>
+        <p:spPr>
+          <a:xfrm>
+            <a:off x="838200" y="365126"/>
+            <a:ext cx="10515600" cy="1064180"/>
+          </a:xfrm>
+        </p:spPr>
+        <p:txBody>
+          <a:bodyPr/>
+          <a:lstStyle/>
+          <a:p>
+            <a:pPr algn="ctr"/>
+            <a:r>
+              <a:rPr lang="zh-CN" altLang="en-US" smtClean="0"/>
+              <a:t>常用伪元素</a:t>
+            </a:r>
+            <a:endParaRPr lang="zh-CN" altLang="en-US"/>
+          </a:p>
+        </p:txBody>
+      </p:sp>
+      <p:sp>
+        <p:nvSpPr>
+          <p:cNvPr id="3" name="内容占位符 2"/>
+          <p:cNvSpPr>
+            <a:spLocks noGrp="1"/>
+          </p:cNvSpPr>
+          <p:nvPr>
+            <p:ph idx="1"/>
+          </p:nvPr>
+        </p:nvSpPr>
+        <p:spPr>
+          <a:xfrm>
+            <a:off x="838200" y="1429306"/>
+            <a:ext cx="10515600" cy="4747657"/>
+          </a:xfrm>
+        </p:spPr>
+        <p:txBody>
+          <a:bodyPr>
+            <a:normAutofit fontScale="77500" lnSpcReduction="20000"/>
+          </a:bodyPr>
+          <a:lstStyle/>
+          <a:p>
+            <a:r>
+              <a:rPr lang="en-US" altLang="zh-CN" smtClean="0"/>
+              <a:t>css</a:t>
+            </a:r>
+            <a:r>
+              <a:rPr lang="zh-CN" altLang="en-US" smtClean="0"/>
+              <a:t>代码：</a:t>
+            </a:r>
+            <a:endParaRPr lang="en-US" altLang="zh-CN" smtClean="0"/>
+          </a:p>
+          <a:p>
+            <a:r>
+              <a:rPr lang="en-US" altLang="zh-CN" smtClean="0"/>
+              <a:t>.parent:before</a:t>
+            </a:r>
+            <a:r>
+              <a:rPr lang="zh-CN" altLang="en-US" smtClean="0"/>
+              <a:t> </a:t>
+            </a:r>
+            <a:r>
+              <a:rPr lang="en-US" altLang="zh-CN" smtClean="0"/>
+              <a:t>{</a:t>
+            </a:r>
+          </a:p>
+          <a:p>
+            <a:r>
+              <a:rPr lang="en-US" altLang="zh-CN" smtClean="0"/>
+              <a:t>  content: ‘</a:t>
+            </a:r>
+            <a:r>
+              <a:rPr lang="zh-CN" altLang="en-US" smtClean="0"/>
+              <a:t>开头</a:t>
+            </a:r>
+            <a:r>
+              <a:rPr lang="en-US" altLang="zh-CN" smtClean="0"/>
+              <a:t>’;</a:t>
+            </a:r>
+          </a:p>
+          <a:p>
+            <a:r>
+              <a:rPr lang="en-US" altLang="zh-CN"/>
+              <a:t> </a:t>
+            </a:r>
+            <a:r>
+              <a:rPr lang="en-US" altLang="zh-CN" smtClean="0"/>
+              <a:t> color: red;</a:t>
+            </a:r>
+            <a:endParaRPr lang="en-US" altLang="zh-CN"/>
+          </a:p>
+          <a:p>
+            <a:r>
+              <a:rPr lang="en-US" altLang="zh-CN" smtClean="0"/>
+              <a:t>}</a:t>
+            </a:r>
+          </a:p>
+          <a:p>
+            <a:r>
+              <a:rPr lang="en-US" altLang="zh-CN"/>
+              <a:t>.</a:t>
+            </a:r>
+            <a:r>
+              <a:rPr lang="en-US" altLang="zh-CN" smtClean="0"/>
+              <a:t>parent:after</a:t>
+            </a:r>
+            <a:r>
+              <a:rPr lang="zh-CN" altLang="en-US" smtClean="0"/>
+              <a:t> </a:t>
+            </a:r>
+            <a:r>
+              <a:rPr lang="en-US" altLang="zh-CN"/>
+              <a:t>{</a:t>
+            </a:r>
+          </a:p>
+          <a:p>
+            <a:r>
+              <a:rPr lang="en-US" altLang="zh-CN"/>
+              <a:t>  content: </a:t>
+            </a:r>
+            <a:r>
+              <a:rPr lang="en-US" altLang="zh-CN" smtClean="0"/>
+              <a:t>‘</a:t>
+            </a:r>
+            <a:r>
+              <a:rPr lang="zh-CN" altLang="en-US" smtClean="0"/>
+              <a:t>结尾</a:t>
+            </a:r>
+            <a:r>
+              <a:rPr lang="en-US" altLang="zh-CN" smtClean="0"/>
+              <a:t>’;</a:t>
+            </a:r>
+            <a:endParaRPr lang="en-US" altLang="zh-CN"/>
+          </a:p>
+          <a:p>
+            <a:r>
+              <a:rPr lang="en-US" altLang="zh-CN"/>
+              <a:t>  color: red;</a:t>
+            </a:r>
+          </a:p>
+          <a:p>
+            <a:r>
+              <a:rPr lang="en-US" altLang="zh-CN"/>
+              <a:t>}</a:t>
+            </a:r>
+            <a:endParaRPr lang="zh-CN" altLang="en-US"/>
+          </a:p>
+          <a:p>
+            <a:r>
+              <a:rPr lang="en-US" altLang="zh-CN" smtClean="0"/>
+              <a:t>html</a:t>
+            </a:r>
+            <a:r>
+              <a:rPr lang="zh-CN" altLang="en-US" smtClean="0"/>
+              <a:t>代码：</a:t>
+            </a:r>
+            <a:endParaRPr lang="en-US" altLang="zh-CN" smtClean="0"/>
+          </a:p>
+          <a:p>
+            <a:r>
+              <a:rPr lang="en-US" altLang="zh-CN" smtClean="0"/>
+              <a:t>&lt;div class=“parent”&gt;123&lt;/div&gt;</a:t>
+            </a:r>
+          </a:p>
+          <a:p>
+            <a:r>
+              <a:rPr lang="en-US" altLang="zh-CN" smtClean="0"/>
+              <a:t>:before</a:t>
+            </a:r>
+            <a:r>
+              <a:rPr lang="zh-CN" altLang="en-US"/>
+              <a:t>向</a:t>
+            </a:r>
+            <a:r>
+              <a:rPr lang="en-US" altLang="zh-CN" smtClean="0"/>
+              <a:t>.parent</a:t>
+            </a:r>
+            <a:r>
+              <a:rPr lang="zh-CN" altLang="en-US" smtClean="0"/>
+              <a:t>头部插入内容，</a:t>
+            </a:r>
+            <a:r>
+              <a:rPr lang="en-US" altLang="zh-CN" smtClean="0"/>
+              <a:t>:after</a:t>
+            </a:r>
+            <a:r>
+              <a:rPr lang="zh-CN" altLang="en-US" smtClean="0"/>
+              <a:t>向</a:t>
+            </a:r>
+            <a:r>
+              <a:rPr lang="en-US" altLang="zh-CN" smtClean="0"/>
+              <a:t>.parent</a:t>
+            </a:r>
+            <a:r>
+              <a:rPr lang="zh-CN" altLang="en-US" smtClean="0"/>
+              <a:t>尾部插入内容，</a:t>
+            </a:r>
+            <a:r>
+              <a:rPr lang="en-US" altLang="zh-CN" smtClean="0"/>
+              <a:t>content</a:t>
+            </a:r>
+            <a:r>
+              <a:rPr lang="zh-CN" altLang="en-US" smtClean="0"/>
+              <a:t>属性是必需的。</a:t>
+            </a:r>
+            <a:endParaRPr lang="zh-CN" altLang="en-US"/>
+          </a:p>
+        </p:txBody>
+      </p:sp>
+    </p:spTree>
+    <p:extLst>
+      <p:ext uri="{BB962C8B-B14F-4D97-AF65-F5344CB8AC3E}">
+        <p14:creationId xmlns:p14="http://schemas.microsoft.com/office/powerpoint/2010/main" val="2772846070"/>
+      </p:ext>
+    </p:extLst>
+  </p:cSld>
+  <p:clrMapOvr>
+    <a:masterClrMapping/>
+  </p:clrMapOvr>
+</p:sld>
+</file>
+
+<file path=ppt/slides/slide2.xml><?xml version="1.0" encoding="utf-8"?>
 <p:sld xmlns:a="http://schemas.openxmlformats.org/drawingml/2006/main" xmlns:r="http://schemas.openxmlformats.org/officeDocument/2006/relationships" xmlns:p="http://schemas.openxmlformats.org/presentationml/2006/main">
   <p:cSld>
     <p:spTree>
@@ -4689,7 +5601,7 @@
     </p:spTree>
     <p:extLst>
       <p:ext uri="{BB962C8B-B14F-4D97-AF65-F5344CB8AC3E}">
-        <p14:creationId xmlns:p14="http://schemas.microsoft.com/office/powerpoint/2010/main" val="3240502479"/>
+        <p14:creationId xmlns:p14="http://schemas.microsoft.com/office/powerpoint/2010/main" val="3303007626"/>
       </p:ext>
     </p:extLst>
   </p:cSld>
@@ -4699,7 +5611,1091 @@
 </p:sld>
 </file>
 
-<file path=ppt/slides/slide16.xml><?xml version="1.0" encoding="utf-8"?>
+<file path=ppt/slides/slide20.xml><?xml version="1.0" encoding="utf-8"?>
+<p:sld xmlns:a="http://schemas.openxmlformats.org/drawingml/2006/main" xmlns:r="http://schemas.openxmlformats.org/officeDocument/2006/relationships" xmlns:p="http://schemas.openxmlformats.org/presentationml/2006/main">
+  <p:cSld>
+    <p:spTree>
+      <p:nvGrpSpPr>
+        <p:cNvPr id="1" name=""/>
+        <p:cNvGrpSpPr/>
+        <p:nvPr/>
+      </p:nvGrpSpPr>
+      <p:grpSpPr>
+        <a:xfrm>
+          <a:off x="0" y="0"/>
+          <a:ext cx="0" cy="0"/>
+          <a:chOff x="0" y="0"/>
+          <a:chExt cx="0" cy="0"/>
+        </a:xfrm>
+      </p:grpSpPr>
+      <p:sp>
+        <p:nvSpPr>
+          <p:cNvPr id="2" name="标题 1"/>
+          <p:cNvSpPr>
+            <a:spLocks noGrp="1"/>
+          </p:cNvSpPr>
+          <p:nvPr>
+            <p:ph type="title"/>
+          </p:nvPr>
+        </p:nvSpPr>
+        <p:spPr>
+          <a:xfrm>
+            <a:off x="838200" y="365126"/>
+            <a:ext cx="10515600" cy="904382"/>
+          </a:xfrm>
+        </p:spPr>
+        <p:txBody>
+          <a:bodyPr/>
+          <a:lstStyle/>
+          <a:p>
+            <a:pPr algn="ctr"/>
+            <a:r>
+              <a:rPr lang="zh-CN" altLang="en-US" smtClean="0"/>
+              <a:t>结构性伪类元素</a:t>
+            </a:r>
+            <a:endParaRPr lang="zh-CN" altLang="en-US"/>
+          </a:p>
+        </p:txBody>
+      </p:sp>
+      <p:sp>
+        <p:nvSpPr>
+          <p:cNvPr id="3" name="内容占位符 2"/>
+          <p:cNvSpPr>
+            <a:spLocks noGrp="1"/>
+          </p:cNvSpPr>
+          <p:nvPr>
+            <p:ph idx="1"/>
+          </p:nvPr>
+        </p:nvSpPr>
+        <p:spPr>
+          <a:xfrm>
+            <a:off x="838200" y="1376039"/>
+            <a:ext cx="10515600" cy="4800924"/>
+          </a:xfrm>
+        </p:spPr>
+        <p:txBody>
+          <a:bodyPr>
+            <a:normAutofit fontScale="55000" lnSpcReduction="20000"/>
+          </a:bodyPr>
+          <a:lstStyle/>
+          <a:p>
+            <a:r>
+              <a:rPr lang="en-US" altLang="zh-CN" smtClean="0"/>
+              <a:t>css</a:t>
+            </a:r>
+            <a:r>
+              <a:rPr lang="zh-CN" altLang="en-US" smtClean="0"/>
+              <a:t>代码：</a:t>
+            </a:r>
+            <a:endParaRPr lang="en-US" altLang="zh-CN" smtClean="0"/>
+          </a:p>
+          <a:p>
+            <a:r>
+              <a:rPr lang="en-US" altLang="zh-CN" smtClean="0"/>
+              <a:t>.parent &gt; span:first-child {</a:t>
+            </a:r>
+          </a:p>
+          <a:p>
+            <a:r>
+              <a:rPr lang="en-US" altLang="zh-CN" smtClean="0"/>
+              <a:t>  color: red;</a:t>
+            </a:r>
+            <a:endParaRPr lang="en-US" altLang="zh-CN"/>
+          </a:p>
+          <a:p>
+            <a:r>
+              <a:rPr lang="en-US" altLang="zh-CN" smtClean="0"/>
+              <a:t>}</a:t>
+            </a:r>
+          </a:p>
+          <a:p>
+            <a:r>
+              <a:rPr lang="en-US" altLang="zh-CN" smtClean="0"/>
+              <a:t>html</a:t>
+            </a:r>
+            <a:r>
+              <a:rPr lang="zh-CN" altLang="en-US" smtClean="0"/>
+              <a:t>代码：</a:t>
+            </a:r>
+            <a:endParaRPr lang="en-US" altLang="zh-CN" smtClean="0"/>
+          </a:p>
+          <a:p>
+            <a:r>
+              <a:rPr lang="en-US" altLang="zh-CN" smtClean="0"/>
+              <a:t>&lt;div class=“parent”&gt;</a:t>
+            </a:r>
+          </a:p>
+          <a:p>
+            <a:r>
+              <a:rPr lang="en-US" altLang="zh-CN"/>
+              <a:t> </a:t>
+            </a:r>
+            <a:r>
+              <a:rPr lang="en-US" altLang="zh-CN" smtClean="0"/>
+              <a:t> &lt;span&gt;span1&lt;/span&gt;</a:t>
+            </a:r>
+          </a:p>
+          <a:p>
+            <a:r>
+              <a:rPr lang="en-US" altLang="zh-CN"/>
+              <a:t> </a:t>
+            </a:r>
+            <a:r>
+              <a:rPr lang="en-US" altLang="zh-CN" smtClean="0"/>
+              <a:t> &lt;span&gt;span2&lt;/span&gt;</a:t>
+            </a:r>
+          </a:p>
+          <a:p>
+            <a:r>
+              <a:rPr lang="en-US" altLang="zh-CN" smtClean="0"/>
+              <a:t>&lt;/div&gt;</a:t>
+            </a:r>
+          </a:p>
+          <a:p>
+            <a:r>
+              <a:rPr lang="en-US" altLang="zh-CN" smtClean="0"/>
+              <a:t>:first-child</a:t>
+            </a:r>
+            <a:r>
+              <a:rPr lang="zh-CN" altLang="en-US" smtClean="0"/>
+              <a:t>：作用于第一个子元素。</a:t>
+            </a:r>
+            <a:endParaRPr lang="en-US" altLang="zh-CN" smtClean="0"/>
+          </a:p>
+          <a:p>
+            <a:r>
+              <a:rPr lang="en-US" altLang="zh-CN" smtClean="0"/>
+              <a:t>:last-child</a:t>
+            </a:r>
+            <a:r>
+              <a:rPr lang="zh-CN" altLang="en-US" smtClean="0"/>
+              <a:t>：作用于最后一个子元素。</a:t>
+            </a:r>
+            <a:endParaRPr lang="en-US" altLang="zh-CN" smtClean="0"/>
+          </a:p>
+          <a:p>
+            <a:r>
+              <a:rPr lang="en-US" altLang="zh-CN" smtClean="0"/>
+              <a:t>:not(:first-child)</a:t>
+            </a:r>
+            <a:r>
+              <a:rPr lang="zh-CN" altLang="en-US" smtClean="0"/>
+              <a:t>：作用于第一个元素以外的所有元素。</a:t>
+            </a:r>
+            <a:endParaRPr lang="en-US" altLang="zh-CN" smtClean="0"/>
+          </a:p>
+          <a:p>
+            <a:r>
+              <a:rPr lang="en-US" altLang="zh-CN" smtClean="0"/>
+              <a:t>:nth-child(n)</a:t>
+            </a:r>
+            <a:r>
+              <a:rPr lang="zh-CN" altLang="en-US" smtClean="0"/>
+              <a:t>：作用于第</a:t>
+            </a:r>
+            <a:r>
+              <a:rPr lang="en-US" altLang="zh-CN" smtClean="0"/>
+              <a:t>n</a:t>
+            </a:r>
+            <a:r>
+              <a:rPr lang="zh-CN" altLang="en-US" smtClean="0"/>
+              <a:t>个元素，</a:t>
+            </a:r>
+            <a:r>
+              <a:rPr lang="en-US" altLang="zh-CN" smtClean="0"/>
+              <a:t>n</a:t>
+            </a:r>
+            <a:r>
+              <a:rPr lang="zh-CN" altLang="en-US" smtClean="0"/>
+              <a:t>的值时所有整数。例如</a:t>
+            </a:r>
+            <a:r>
+              <a:rPr lang="en-US" altLang="zh-CN" smtClean="0"/>
+              <a:t>:nth-child(2n+1)</a:t>
+            </a:r>
+            <a:r>
+              <a:rPr lang="zh-CN" altLang="en-US" smtClean="0"/>
+              <a:t>作用于所有序号为奇数的元素。</a:t>
+            </a:r>
+            <a:endParaRPr lang="en-US" altLang="zh-CN" smtClean="0"/>
+          </a:p>
+          <a:p>
+            <a:r>
+              <a:rPr lang="en-US" altLang="zh-CN" smtClean="0"/>
+              <a:t>:odd</a:t>
+            </a:r>
+            <a:r>
+              <a:rPr lang="zh-CN" altLang="en-US" smtClean="0"/>
+              <a:t>：作用于所有序号为奇数的元素。</a:t>
+            </a:r>
+            <a:endParaRPr lang="en-US" altLang="zh-CN" smtClean="0"/>
+          </a:p>
+          <a:p>
+            <a:r>
+              <a:rPr lang="en-US" altLang="zh-CN" smtClean="0"/>
+              <a:t>:even</a:t>
+            </a:r>
+            <a:r>
+              <a:rPr lang="zh-CN" altLang="en-US" smtClean="0"/>
+              <a:t>：作用于左右序号为偶数的元素。</a:t>
+            </a:r>
+            <a:endParaRPr lang="en-US" altLang="zh-CN"/>
+          </a:p>
+          <a:p>
+            <a:endParaRPr lang="zh-CN" altLang="en-US"/>
+          </a:p>
+        </p:txBody>
+      </p:sp>
+    </p:spTree>
+    <p:extLst>
+      <p:ext uri="{BB962C8B-B14F-4D97-AF65-F5344CB8AC3E}">
+        <p14:creationId xmlns:p14="http://schemas.microsoft.com/office/powerpoint/2010/main" val="2448431454"/>
+      </p:ext>
+    </p:extLst>
+  </p:cSld>
+  <p:clrMapOvr>
+    <a:masterClrMapping/>
+  </p:clrMapOvr>
+</p:sld>
+</file>
+
+<file path=ppt/slides/slide21.xml><?xml version="1.0" encoding="utf-8"?>
+<p:sld xmlns:a="http://schemas.openxmlformats.org/drawingml/2006/main" xmlns:r="http://schemas.openxmlformats.org/officeDocument/2006/relationships" xmlns:p="http://schemas.openxmlformats.org/presentationml/2006/main">
+  <p:cSld>
+    <p:spTree>
+      <p:nvGrpSpPr>
+        <p:cNvPr id="1" name=""/>
+        <p:cNvGrpSpPr/>
+        <p:nvPr/>
+      </p:nvGrpSpPr>
+      <p:grpSpPr>
+        <a:xfrm>
+          <a:off x="0" y="0"/>
+          <a:ext cx="0" cy="0"/>
+          <a:chOff x="0" y="0"/>
+          <a:chExt cx="0" cy="0"/>
+        </a:xfrm>
+      </p:grpSpPr>
+      <p:sp>
+        <p:nvSpPr>
+          <p:cNvPr id="2" name="标题 1"/>
+          <p:cNvSpPr>
+            <a:spLocks noGrp="1"/>
+          </p:cNvSpPr>
+          <p:nvPr>
+            <p:ph type="title"/>
+          </p:nvPr>
+        </p:nvSpPr>
+        <p:spPr>
+          <a:xfrm>
+            <a:off x="838200" y="365125"/>
+            <a:ext cx="10515600" cy="868871"/>
+          </a:xfrm>
+        </p:spPr>
+        <p:txBody>
+          <a:bodyPr/>
+          <a:lstStyle/>
+          <a:p>
+            <a:pPr algn="ctr"/>
+            <a:r>
+              <a:rPr lang="en-US" altLang="zh-CN" smtClean="0"/>
+              <a:t>transform</a:t>
+            </a:r>
+            <a:endParaRPr lang="zh-CN" altLang="en-US"/>
+          </a:p>
+        </p:txBody>
+      </p:sp>
+      <p:sp>
+        <p:nvSpPr>
+          <p:cNvPr id="3" name="内容占位符 2"/>
+          <p:cNvSpPr>
+            <a:spLocks noGrp="1"/>
+          </p:cNvSpPr>
+          <p:nvPr>
+            <p:ph idx="1"/>
+          </p:nvPr>
+        </p:nvSpPr>
+        <p:spPr>
+          <a:xfrm>
+            <a:off x="838200" y="1384917"/>
+            <a:ext cx="10515600" cy="4792046"/>
+          </a:xfrm>
+        </p:spPr>
+        <p:txBody>
+          <a:bodyPr/>
+          <a:lstStyle/>
+          <a:p>
+            <a:r>
+              <a:rPr lang="en-US" altLang="zh-CN" smtClean="0"/>
+              <a:t>transform</a:t>
+            </a:r>
+            <a:r>
+              <a:rPr lang="zh-CN" altLang="en-US" smtClean="0"/>
+              <a:t>：定义</a:t>
+            </a:r>
+            <a:r>
+              <a:rPr lang="en-US" altLang="zh-CN" smtClean="0"/>
+              <a:t>translate</a:t>
+            </a:r>
+            <a:r>
+              <a:rPr lang="zh-CN" altLang="en-US" smtClean="0"/>
+              <a:t>（移动）、</a:t>
+            </a:r>
+            <a:r>
+              <a:rPr lang="en-US" altLang="zh-CN" smtClean="0"/>
+              <a:t>rotate</a:t>
+            </a:r>
+            <a:r>
+              <a:rPr lang="zh-CN" altLang="en-US" smtClean="0"/>
+              <a:t>（旋转）、</a:t>
+            </a:r>
+            <a:r>
+              <a:rPr lang="en-US" altLang="zh-CN" smtClean="0"/>
+              <a:t>scale</a:t>
+            </a:r>
+            <a:r>
+              <a:rPr lang="zh-CN" altLang="en-US" smtClean="0"/>
+              <a:t>（缩放）、</a:t>
+            </a:r>
+            <a:r>
+              <a:rPr lang="en-US" altLang="zh-CN" smtClean="0"/>
+              <a:t>matrix</a:t>
+            </a:r>
+            <a:r>
+              <a:rPr lang="zh-CN" altLang="en-US" smtClean="0"/>
+              <a:t>（矩阵）、</a:t>
+            </a:r>
+            <a:r>
+              <a:rPr lang="en-US" altLang="zh-CN" smtClean="0"/>
+              <a:t>skew</a:t>
+            </a:r>
+            <a:r>
+              <a:rPr lang="zh-CN" altLang="en-US" smtClean="0"/>
+              <a:t>（倾斜）等变换。</a:t>
+            </a:r>
+            <a:endParaRPr lang="en-US" altLang="zh-CN" smtClean="0"/>
+          </a:p>
+          <a:p>
+            <a:r>
+              <a:rPr lang="zh-CN" altLang="en-US" smtClean="0"/>
+              <a:t>坐标轴：</a:t>
+            </a:r>
+            <a:r>
+              <a:rPr lang="en-US" altLang="zh-CN" smtClean="0"/>
+              <a:t>X</a:t>
+            </a:r>
+            <a:r>
+              <a:rPr lang="zh-CN" altLang="en-US" smtClean="0"/>
+              <a:t>轴（左负有正）、</a:t>
+            </a:r>
+            <a:r>
+              <a:rPr lang="en-US" altLang="zh-CN" smtClean="0"/>
+              <a:t>Y</a:t>
+            </a:r>
+            <a:r>
+              <a:rPr lang="zh-CN" altLang="en-US" smtClean="0"/>
+              <a:t>轴（上负下正）、</a:t>
+            </a:r>
+            <a:r>
+              <a:rPr lang="en-US" altLang="zh-CN" smtClean="0"/>
+              <a:t>Z</a:t>
+            </a:r>
+            <a:r>
+              <a:rPr lang="zh-CN" altLang="en-US" smtClean="0"/>
+              <a:t>轴（里负外正）。</a:t>
+            </a:r>
+            <a:endParaRPr lang="en-US" altLang="zh-CN" smtClean="0"/>
+          </a:p>
+          <a:p>
+            <a:r>
+              <a:rPr lang="zh-CN" altLang="en-US" smtClean="0"/>
+              <a:t>注意：</a:t>
+            </a:r>
+            <a:r>
+              <a:rPr lang="en-US" altLang="zh-CN" smtClean="0">
+                <a:solidFill>
+                  <a:srgbClr val="FF0000"/>
+                </a:solidFill>
+              </a:rPr>
+              <a:t>transform</a:t>
+            </a:r>
+            <a:r>
+              <a:rPr lang="zh-CN" altLang="en-US" smtClean="0">
+                <a:solidFill>
+                  <a:srgbClr val="FF0000"/>
+                </a:solidFill>
+              </a:rPr>
+              <a:t>所造成位置变化不会影响该元素周围元素的位置</a:t>
+            </a:r>
+            <a:r>
+              <a:rPr lang="zh-CN" altLang="en-US" smtClean="0"/>
+              <a:t>。</a:t>
+            </a:r>
+            <a:endParaRPr lang="en-US" altLang="zh-CN" smtClean="0"/>
+          </a:p>
+          <a:p>
+            <a:endParaRPr lang="en-US" altLang="zh-CN" smtClean="0"/>
+          </a:p>
+        </p:txBody>
+      </p:sp>
+      <p:pic>
+        <p:nvPicPr>
+          <p:cNvPr id="4" name="图片 3"/>
+          <p:cNvPicPr>
+            <a:picLocks noChangeAspect="1"/>
+          </p:cNvPicPr>
+          <p:nvPr/>
+        </p:nvPicPr>
+        <p:blipFill>
+          <a:blip r:embed="rId2">
+            <a:extLst>
+              <a:ext uri="{28A0092B-C50C-407E-A947-70E740481C1C}">
+                <a14:useLocalDpi xmlns:a14="http://schemas.microsoft.com/office/drawing/2010/main" val="0"/>
+              </a:ext>
+            </a:extLst>
+          </a:blip>
+          <a:stretch>
+            <a:fillRect/>
+          </a:stretch>
+        </p:blipFill>
+        <p:spPr>
+          <a:xfrm>
+            <a:off x="5061751" y="3564143"/>
+            <a:ext cx="2068498" cy="2259609"/>
+          </a:xfrm>
+          <a:prstGeom prst="rect">
+            <a:avLst/>
+          </a:prstGeom>
+        </p:spPr>
+      </p:pic>
+    </p:spTree>
+    <p:extLst>
+      <p:ext uri="{BB962C8B-B14F-4D97-AF65-F5344CB8AC3E}">
+        <p14:creationId xmlns:p14="http://schemas.microsoft.com/office/powerpoint/2010/main" val="3846809650"/>
+      </p:ext>
+    </p:extLst>
+  </p:cSld>
+  <p:clrMapOvr>
+    <a:masterClrMapping/>
+  </p:clrMapOvr>
+</p:sld>
+</file>
+
+<file path=ppt/slides/slide22.xml><?xml version="1.0" encoding="utf-8"?>
+<p:sld xmlns:a="http://schemas.openxmlformats.org/drawingml/2006/main" xmlns:r="http://schemas.openxmlformats.org/officeDocument/2006/relationships" xmlns:p="http://schemas.openxmlformats.org/presentationml/2006/main">
+  <p:cSld>
+    <p:spTree>
+      <p:nvGrpSpPr>
+        <p:cNvPr id="1" name=""/>
+        <p:cNvGrpSpPr/>
+        <p:nvPr/>
+      </p:nvGrpSpPr>
+      <p:grpSpPr>
+        <a:xfrm>
+          <a:off x="0" y="0"/>
+          <a:ext cx="0" cy="0"/>
+          <a:chOff x="0" y="0"/>
+          <a:chExt cx="0" cy="0"/>
+        </a:xfrm>
+      </p:grpSpPr>
+      <p:sp>
+        <p:nvSpPr>
+          <p:cNvPr id="2" name="标题 1"/>
+          <p:cNvSpPr>
+            <a:spLocks noGrp="1"/>
+          </p:cNvSpPr>
+          <p:nvPr>
+            <p:ph type="title"/>
+          </p:nvPr>
+        </p:nvSpPr>
+        <p:spPr>
+          <a:xfrm>
+            <a:off x="838200" y="365126"/>
+            <a:ext cx="10515600" cy="842238"/>
+          </a:xfrm>
+        </p:spPr>
+        <p:txBody>
+          <a:bodyPr/>
+          <a:lstStyle/>
+          <a:p>
+            <a:pPr algn="ctr"/>
+            <a:r>
+              <a:rPr lang="en-US" altLang="zh-CN" smtClean="0"/>
+              <a:t>translate</a:t>
+            </a:r>
+            <a:endParaRPr lang="zh-CN" altLang="en-US"/>
+          </a:p>
+        </p:txBody>
+      </p:sp>
+      <p:sp>
+        <p:nvSpPr>
+          <p:cNvPr id="3" name="内容占位符 2"/>
+          <p:cNvSpPr>
+            <a:spLocks noGrp="1"/>
+          </p:cNvSpPr>
+          <p:nvPr>
+            <p:ph idx="1"/>
+          </p:nvPr>
+        </p:nvSpPr>
+        <p:spPr>
+          <a:xfrm>
+            <a:off x="838200" y="1278384"/>
+            <a:ext cx="10515600" cy="4898579"/>
+          </a:xfrm>
+        </p:spPr>
+        <p:txBody>
+          <a:bodyPr/>
+          <a:lstStyle/>
+          <a:p>
+            <a:r>
+              <a:rPr lang="zh-CN" altLang="en-US" smtClean="0"/>
+              <a:t>沿着坐标轴方向移动。</a:t>
+            </a:r>
+            <a:endParaRPr lang="en-US" altLang="zh-CN" smtClean="0"/>
+          </a:p>
+          <a:p>
+            <a:r>
+              <a:rPr lang="zh-CN" altLang="en-US" smtClean="0"/>
+              <a:t>例如：</a:t>
+            </a:r>
+            <a:endParaRPr lang="en-US" altLang="zh-CN" smtClean="0"/>
+          </a:p>
+          <a:p>
+            <a:r>
+              <a:rPr lang="en-US" altLang="zh-CN" smtClean="0"/>
+              <a:t>transform: translateX(45px) translateY(20%) translateZ(20px)</a:t>
+            </a:r>
+            <a:r>
+              <a:rPr lang="zh-CN" altLang="en-US" smtClean="0"/>
+              <a:t>，当单位为</a:t>
+            </a:r>
+            <a:r>
+              <a:rPr lang="en-US" altLang="zh-CN" smtClean="0"/>
+              <a:t>%</a:t>
+            </a:r>
+            <a:r>
+              <a:rPr lang="zh-CN" altLang="en-US" smtClean="0"/>
+              <a:t>表示以自身宽高做为参考进行计算，如</a:t>
+            </a:r>
+            <a:r>
+              <a:rPr lang="en-US" altLang="zh-CN" smtClean="0"/>
+              <a:t>translateY(20%)</a:t>
+            </a:r>
+            <a:r>
+              <a:rPr lang="zh-CN" altLang="en-US" smtClean="0"/>
+              <a:t>表示向下移动自身高度的</a:t>
+            </a:r>
+            <a:r>
+              <a:rPr lang="en-US" altLang="zh-CN" smtClean="0"/>
+              <a:t>20%</a:t>
+            </a:r>
+            <a:r>
+              <a:rPr lang="zh-CN" altLang="en-US" smtClean="0"/>
+              <a:t>，这里的移动顺序是沿</a:t>
+            </a:r>
+            <a:r>
+              <a:rPr lang="en-US" altLang="zh-CN" smtClean="0"/>
+              <a:t>X</a:t>
+            </a:r>
+            <a:r>
+              <a:rPr lang="zh-CN" altLang="en-US" smtClean="0"/>
+              <a:t>轴向右移动</a:t>
+            </a:r>
+            <a:r>
+              <a:rPr lang="en-US" altLang="zh-CN" smtClean="0"/>
+              <a:t>45px</a:t>
+            </a:r>
+            <a:r>
+              <a:rPr lang="zh-CN" altLang="en-US" smtClean="0"/>
+              <a:t>，然后向下移动自身高度的</a:t>
+            </a:r>
+            <a:r>
+              <a:rPr lang="en-US" altLang="zh-CN" smtClean="0"/>
+              <a:t>20%</a:t>
+            </a:r>
+            <a:r>
+              <a:rPr lang="zh-CN" altLang="en-US" smtClean="0"/>
+              <a:t>，最后向</a:t>
+            </a:r>
+            <a:r>
+              <a:rPr lang="en-US" altLang="zh-CN" smtClean="0"/>
+              <a:t>Z</a:t>
+            </a:r>
+            <a:r>
+              <a:rPr lang="zh-CN" altLang="en-US" smtClean="0"/>
+              <a:t>轴移动</a:t>
+            </a:r>
+            <a:r>
+              <a:rPr lang="en-US" altLang="zh-CN" smtClean="0"/>
+              <a:t>20px</a:t>
+            </a:r>
+            <a:r>
+              <a:rPr lang="zh-CN" altLang="en-US" smtClean="0"/>
+              <a:t>。</a:t>
+            </a:r>
+            <a:endParaRPr lang="en-US" altLang="zh-CN" smtClean="0"/>
+          </a:p>
+          <a:p>
+            <a:r>
+              <a:rPr lang="zh-CN" altLang="en-US" smtClean="0"/>
+              <a:t>写法：</a:t>
+            </a:r>
+            <a:r>
+              <a:rPr lang="en-US" altLang="zh-CN" smtClean="0"/>
+              <a:t>translate([x, y, z])</a:t>
+            </a:r>
+          </a:p>
+        </p:txBody>
+      </p:sp>
+    </p:spTree>
+    <p:extLst>
+      <p:ext uri="{BB962C8B-B14F-4D97-AF65-F5344CB8AC3E}">
+        <p14:creationId xmlns:p14="http://schemas.microsoft.com/office/powerpoint/2010/main" val="773583826"/>
+      </p:ext>
+    </p:extLst>
+  </p:cSld>
+  <p:clrMapOvr>
+    <a:masterClrMapping/>
+  </p:clrMapOvr>
+</p:sld>
+</file>
+
+<file path=ppt/slides/slide23.xml><?xml version="1.0" encoding="utf-8"?>
+<p:sld xmlns:a="http://schemas.openxmlformats.org/drawingml/2006/main" xmlns:r="http://schemas.openxmlformats.org/officeDocument/2006/relationships" xmlns:p="http://schemas.openxmlformats.org/presentationml/2006/main">
+  <p:cSld>
+    <p:spTree>
+      <p:nvGrpSpPr>
+        <p:cNvPr id="1" name=""/>
+        <p:cNvGrpSpPr/>
+        <p:nvPr/>
+      </p:nvGrpSpPr>
+      <p:grpSpPr>
+        <a:xfrm>
+          <a:off x="0" y="0"/>
+          <a:ext cx="0" cy="0"/>
+          <a:chOff x="0" y="0"/>
+          <a:chExt cx="0" cy="0"/>
+        </a:xfrm>
+      </p:grpSpPr>
+      <p:sp>
+        <p:nvSpPr>
+          <p:cNvPr id="2" name="标题 1"/>
+          <p:cNvSpPr>
+            <a:spLocks noGrp="1"/>
+          </p:cNvSpPr>
+          <p:nvPr>
+            <p:ph type="title"/>
+          </p:nvPr>
+        </p:nvSpPr>
+        <p:spPr>
+          <a:xfrm>
+            <a:off x="838200" y="365125"/>
+            <a:ext cx="10515600" cy="868871"/>
+          </a:xfrm>
+        </p:spPr>
+        <p:txBody>
+          <a:bodyPr/>
+          <a:lstStyle/>
+          <a:p>
+            <a:pPr algn="ctr"/>
+            <a:r>
+              <a:rPr lang="en-US" altLang="zh-CN" smtClean="0"/>
+              <a:t>scale</a:t>
+            </a:r>
+            <a:endParaRPr lang="zh-CN" altLang="en-US"/>
+          </a:p>
+        </p:txBody>
+      </p:sp>
+      <p:sp>
+        <p:nvSpPr>
+          <p:cNvPr id="3" name="内容占位符 2"/>
+          <p:cNvSpPr>
+            <a:spLocks noGrp="1"/>
+          </p:cNvSpPr>
+          <p:nvPr>
+            <p:ph idx="1"/>
+          </p:nvPr>
+        </p:nvSpPr>
+        <p:spPr>
+          <a:xfrm>
+            <a:off x="838200" y="1233996"/>
+            <a:ext cx="10515600" cy="4942967"/>
+          </a:xfrm>
+        </p:spPr>
+        <p:txBody>
+          <a:bodyPr/>
+          <a:lstStyle/>
+          <a:p>
+            <a:r>
+              <a:rPr lang="zh-CN" altLang="en-US" smtClean="0"/>
+              <a:t>缩放变换。</a:t>
+            </a:r>
+            <a:endParaRPr lang="en-US" altLang="zh-CN" smtClean="0"/>
+          </a:p>
+          <a:p>
+            <a:r>
+              <a:rPr lang="en-US" altLang="zh-CN" smtClean="0"/>
+              <a:t>transform: scale(1)</a:t>
+            </a:r>
+            <a:r>
+              <a:rPr lang="zh-CN" altLang="en-US" smtClean="0"/>
+              <a:t>，取值范围</a:t>
+            </a:r>
+            <a:r>
+              <a:rPr lang="zh-CN" altLang="en-US"/>
+              <a:t>大于</a:t>
+            </a:r>
+            <a:r>
+              <a:rPr lang="zh-CN" altLang="en-US" smtClean="0"/>
+              <a:t>等于</a:t>
+            </a:r>
+            <a:r>
+              <a:rPr lang="en-US" altLang="zh-CN" smtClean="0"/>
+              <a:t>0</a:t>
+            </a:r>
+            <a:r>
+              <a:rPr lang="zh-CN" altLang="en-US" smtClean="0"/>
+              <a:t>的数，取值为</a:t>
+            </a:r>
+            <a:r>
+              <a:rPr lang="en-US" altLang="zh-CN" smtClean="0"/>
+              <a:t>1</a:t>
+            </a:r>
+            <a:r>
+              <a:rPr lang="zh-CN" altLang="en-US" smtClean="0"/>
+              <a:t>，大小不变，为</a:t>
+            </a:r>
+            <a:r>
+              <a:rPr lang="en-US" altLang="zh-CN" smtClean="0"/>
+              <a:t>0.5</a:t>
+            </a:r>
+            <a:r>
+              <a:rPr lang="zh-CN" altLang="en-US" smtClean="0"/>
+              <a:t>时，是正常大小的一半。写法同</a:t>
+            </a:r>
+            <a:r>
+              <a:rPr lang="en-US" altLang="zh-CN" smtClean="0"/>
+              <a:t>translate</a:t>
+            </a:r>
+            <a:r>
+              <a:rPr lang="zh-CN" altLang="en-US" smtClean="0"/>
+              <a:t>。</a:t>
+            </a:r>
+            <a:endParaRPr lang="zh-CN" altLang="en-US"/>
+          </a:p>
+        </p:txBody>
+      </p:sp>
+    </p:spTree>
+    <p:extLst>
+      <p:ext uri="{BB962C8B-B14F-4D97-AF65-F5344CB8AC3E}">
+        <p14:creationId xmlns:p14="http://schemas.microsoft.com/office/powerpoint/2010/main" val="3396748150"/>
+      </p:ext>
+    </p:extLst>
+  </p:cSld>
+  <p:clrMapOvr>
+    <a:masterClrMapping/>
+  </p:clrMapOvr>
+</p:sld>
+</file>
+
+<file path=ppt/slides/slide24.xml><?xml version="1.0" encoding="utf-8"?>
+<p:sld xmlns:a="http://schemas.openxmlformats.org/drawingml/2006/main" xmlns:r="http://schemas.openxmlformats.org/officeDocument/2006/relationships" xmlns:p="http://schemas.openxmlformats.org/presentationml/2006/main">
+  <p:cSld>
+    <p:spTree>
+      <p:nvGrpSpPr>
+        <p:cNvPr id="1" name=""/>
+        <p:cNvGrpSpPr/>
+        <p:nvPr/>
+      </p:nvGrpSpPr>
+      <p:grpSpPr>
+        <a:xfrm>
+          <a:off x="0" y="0"/>
+          <a:ext cx="0" cy="0"/>
+          <a:chOff x="0" y="0"/>
+          <a:chExt cx="0" cy="0"/>
+        </a:xfrm>
+      </p:grpSpPr>
+      <p:sp>
+        <p:nvSpPr>
+          <p:cNvPr id="2" name="标题 1"/>
+          <p:cNvSpPr>
+            <a:spLocks noGrp="1"/>
+          </p:cNvSpPr>
+          <p:nvPr>
+            <p:ph type="title"/>
+          </p:nvPr>
+        </p:nvSpPr>
+        <p:spPr>
+          <a:xfrm>
+            <a:off x="838200" y="365126"/>
+            <a:ext cx="10515600" cy="895504"/>
+          </a:xfrm>
+        </p:spPr>
+        <p:txBody>
+          <a:bodyPr/>
+          <a:lstStyle/>
+          <a:p>
+            <a:pPr algn="ctr"/>
+            <a:r>
+              <a:rPr lang="en-US" altLang="zh-CN" smtClean="0"/>
+              <a:t>rotate</a:t>
+            </a:r>
+            <a:endParaRPr lang="zh-CN" altLang="en-US"/>
+          </a:p>
+        </p:txBody>
+      </p:sp>
+      <p:sp>
+        <p:nvSpPr>
+          <p:cNvPr id="3" name="内容占位符 2"/>
+          <p:cNvSpPr>
+            <a:spLocks noGrp="1"/>
+          </p:cNvSpPr>
+          <p:nvPr>
+            <p:ph idx="1"/>
+          </p:nvPr>
+        </p:nvSpPr>
+        <p:spPr>
+          <a:xfrm>
+            <a:off x="838200" y="1384917"/>
+            <a:ext cx="10515600" cy="4792046"/>
+          </a:xfrm>
+        </p:spPr>
+        <p:txBody>
+          <a:bodyPr/>
+          <a:lstStyle/>
+          <a:p>
+            <a:r>
+              <a:rPr lang="zh-CN" altLang="en-US" smtClean="0"/>
+              <a:t>旋转变换。</a:t>
+            </a:r>
+            <a:endParaRPr lang="en-US" altLang="zh-CN" smtClean="0"/>
+          </a:p>
+          <a:p>
+            <a:r>
+              <a:rPr lang="en-US" altLang="zh-CN" smtClean="0"/>
+              <a:t>transform: rotateX(30deg)</a:t>
+            </a:r>
+            <a:r>
+              <a:rPr lang="zh-CN" altLang="en-US" smtClean="0"/>
+              <a:t>，围绕</a:t>
+            </a:r>
+            <a:r>
+              <a:rPr lang="en-US" altLang="zh-CN" smtClean="0"/>
+              <a:t>X</a:t>
+            </a:r>
+            <a:r>
+              <a:rPr lang="zh-CN" altLang="en-US" smtClean="0"/>
+              <a:t>轴顺时针旋转</a:t>
+            </a:r>
+            <a:r>
+              <a:rPr lang="en-US" altLang="zh-CN" smtClean="0"/>
+              <a:t>30</a:t>
+            </a:r>
+            <a:r>
+              <a:rPr lang="zh-CN" altLang="en-US" smtClean="0"/>
+              <a:t>度，</a:t>
+            </a:r>
+            <a:r>
+              <a:rPr lang="en-US" altLang="zh-CN" smtClean="0"/>
+              <a:t>deg</a:t>
+            </a:r>
+            <a:r>
+              <a:rPr lang="zh-CN" altLang="en-US" smtClean="0"/>
+              <a:t>表示度。</a:t>
+            </a:r>
+            <a:endParaRPr lang="en-US" altLang="zh-CN" smtClean="0"/>
+          </a:p>
+          <a:p>
+            <a:pPr marL="0" indent="0">
+              <a:buNone/>
+            </a:pPr>
+            <a:endParaRPr lang="zh-CN" altLang="en-US"/>
+          </a:p>
+        </p:txBody>
+      </p:sp>
+    </p:spTree>
+    <p:extLst>
+      <p:ext uri="{BB962C8B-B14F-4D97-AF65-F5344CB8AC3E}">
+        <p14:creationId xmlns:p14="http://schemas.microsoft.com/office/powerpoint/2010/main" val="1102971871"/>
+      </p:ext>
+    </p:extLst>
+  </p:cSld>
+  <p:clrMapOvr>
+    <a:masterClrMapping/>
+  </p:clrMapOvr>
+</p:sld>
+</file>
+
+<file path=ppt/slides/slide25.xml><?xml version="1.0" encoding="utf-8"?>
+<p:sld xmlns:a="http://schemas.openxmlformats.org/drawingml/2006/main" xmlns:r="http://schemas.openxmlformats.org/officeDocument/2006/relationships" xmlns:p="http://schemas.openxmlformats.org/presentationml/2006/main">
+  <p:cSld>
+    <p:spTree>
+      <p:nvGrpSpPr>
+        <p:cNvPr id="1" name=""/>
+        <p:cNvGrpSpPr/>
+        <p:nvPr/>
+      </p:nvGrpSpPr>
+      <p:grpSpPr>
+        <a:xfrm>
+          <a:off x="0" y="0"/>
+          <a:ext cx="0" cy="0"/>
+          <a:chOff x="0" y="0"/>
+          <a:chExt cx="0" cy="0"/>
+        </a:xfrm>
+      </p:grpSpPr>
+      <p:sp>
+        <p:nvSpPr>
+          <p:cNvPr id="2" name="标题 1"/>
+          <p:cNvSpPr>
+            <a:spLocks noGrp="1"/>
+          </p:cNvSpPr>
+          <p:nvPr>
+            <p:ph type="title"/>
+          </p:nvPr>
+        </p:nvSpPr>
+        <p:spPr>
+          <a:xfrm>
+            <a:off x="838200" y="365126"/>
+            <a:ext cx="10515600" cy="957648"/>
+          </a:xfrm>
+        </p:spPr>
+        <p:txBody>
+          <a:bodyPr/>
+          <a:lstStyle/>
+          <a:p>
+            <a:pPr algn="ctr"/>
+            <a:r>
+              <a:rPr lang="zh-CN" altLang="en-US"/>
+              <a:t>对齐</a:t>
+            </a:r>
+          </a:p>
+        </p:txBody>
+      </p:sp>
+      <p:sp>
+        <p:nvSpPr>
+          <p:cNvPr id="3" name="内容占位符 2"/>
+          <p:cNvSpPr>
+            <a:spLocks noGrp="1"/>
+          </p:cNvSpPr>
+          <p:nvPr>
+            <p:ph idx="1"/>
+          </p:nvPr>
+        </p:nvSpPr>
+        <p:spPr>
+          <a:xfrm>
+            <a:off x="838200" y="1420428"/>
+            <a:ext cx="10515600" cy="4756536"/>
+          </a:xfrm>
+        </p:spPr>
+        <p:txBody>
+          <a:bodyPr/>
+          <a:lstStyle/>
+          <a:p>
+            <a:r>
+              <a:rPr lang="zh-CN" altLang="en-US" smtClean="0">
+                <a:solidFill>
+                  <a:srgbClr val="FF0000"/>
+                </a:solidFill>
+              </a:rPr>
+              <a:t>块级元素</a:t>
+            </a:r>
+            <a:r>
+              <a:rPr lang="zh-CN" altLang="en-US" smtClean="0"/>
+              <a:t>水平居中：设置宽度，</a:t>
+            </a:r>
+            <a:r>
+              <a:rPr lang="en-US" altLang="zh-CN" smtClean="0"/>
+              <a:t>margin: 0 auto;</a:t>
+            </a:r>
+            <a:r>
+              <a:rPr lang="zh-CN" altLang="en-US" smtClean="0"/>
+              <a:t>左右都是</a:t>
+            </a:r>
+            <a:r>
+              <a:rPr lang="en-US" altLang="zh-CN" smtClean="0"/>
+              <a:t>auto</a:t>
+            </a:r>
+            <a:r>
+              <a:rPr lang="zh-CN" altLang="en-US" smtClean="0"/>
+              <a:t>，使块级元素居中对齐。</a:t>
+            </a:r>
+            <a:endParaRPr lang="en-US" altLang="zh-CN" smtClean="0"/>
+          </a:p>
+          <a:p>
+            <a:r>
+              <a:rPr lang="zh-CN" altLang="en-US" smtClean="0">
+                <a:solidFill>
+                  <a:srgbClr val="FF0000"/>
+                </a:solidFill>
+              </a:rPr>
+              <a:t>记忆方法</a:t>
+            </a:r>
+            <a:r>
+              <a:rPr lang="zh-CN" altLang="en-US" smtClean="0"/>
+              <a:t>：块级元素独占一行，当左右都没有元素才能称为居中，行内元素和块级行内元素不能独占一行，所以设置了</a:t>
+            </a:r>
+            <a:r>
+              <a:rPr lang="en-US" altLang="zh-CN" smtClean="0"/>
+              <a:t>margin: 0 auto</a:t>
+            </a:r>
+            <a:r>
+              <a:rPr lang="zh-CN" altLang="en-US" smtClean="0"/>
+              <a:t>不能水平居中。</a:t>
+            </a:r>
+            <a:endParaRPr lang="en-US" altLang="zh-CN" smtClean="0"/>
+          </a:p>
+          <a:p>
+            <a:r>
+              <a:rPr lang="zh-CN" altLang="en-US" smtClean="0"/>
+              <a:t>文本对齐：</a:t>
+            </a:r>
+            <a:r>
+              <a:rPr lang="en-US" altLang="zh-CN" smtClean="0"/>
+              <a:t>text-align:left</a:t>
+            </a:r>
+            <a:r>
+              <a:rPr lang="zh-CN" altLang="en-US" smtClean="0"/>
+              <a:t>（默认值）</a:t>
+            </a:r>
+            <a:r>
+              <a:rPr lang="en-US" altLang="zh-CN" smtClean="0"/>
+              <a:t>|center|right;</a:t>
+            </a:r>
+          </a:p>
+          <a:p>
+            <a:r>
+              <a:rPr lang="zh-CN" altLang="en-US" smtClean="0"/>
+              <a:t>行高：两个行内元素对齐，因为行内元素无法设置高度，可以通过设置</a:t>
+            </a:r>
+            <a:r>
+              <a:rPr lang="en-US" altLang="zh-CN" smtClean="0"/>
+              <a:t>line-height</a:t>
+            </a:r>
+            <a:r>
+              <a:rPr lang="zh-CN" altLang="en-US" smtClean="0"/>
+              <a:t>使其对齐。</a:t>
+            </a:r>
+            <a:endParaRPr lang="en-US" altLang="zh-CN" smtClean="0"/>
+          </a:p>
+          <a:p>
+            <a:endParaRPr lang="zh-CN" altLang="en-US"/>
+          </a:p>
+        </p:txBody>
+      </p:sp>
+    </p:spTree>
+    <p:extLst>
+      <p:ext uri="{BB962C8B-B14F-4D97-AF65-F5344CB8AC3E}">
+        <p14:creationId xmlns:p14="http://schemas.microsoft.com/office/powerpoint/2010/main" val="2862092481"/>
+      </p:ext>
+    </p:extLst>
+  </p:cSld>
+  <p:clrMapOvr>
+    <a:masterClrMapping/>
+  </p:clrMapOvr>
+</p:sld>
+</file>
+
+<file path=ppt/slides/slide3.xml><?xml version="1.0" encoding="utf-8"?>
 <p:sld xmlns:a="http://schemas.openxmlformats.org/drawingml/2006/main" xmlns:r="http://schemas.openxmlformats.org/officeDocument/2006/relationships" xmlns:p="http://schemas.openxmlformats.org/presentationml/2006/main">
   <p:cSld>
     <p:spTree>
@@ -4899,7 +6895,7 @@
     </p:spTree>
     <p:extLst>
       <p:ext uri="{BB962C8B-B14F-4D97-AF65-F5344CB8AC3E}">
-        <p14:creationId xmlns:p14="http://schemas.microsoft.com/office/powerpoint/2010/main" val="464050755"/>
+        <p14:creationId xmlns:p14="http://schemas.microsoft.com/office/powerpoint/2010/main" val="471468463"/>
       </p:ext>
     </p:extLst>
   </p:cSld>
@@ -4909,7 +6905,7 @@
 </p:sld>
 </file>
 
-<file path=ppt/slides/slide17.xml><?xml version="1.0" encoding="utf-8"?>
+<file path=ppt/slides/slide4.xml><?xml version="1.0" encoding="utf-8"?>
 <p:sld xmlns:a="http://schemas.openxmlformats.org/drawingml/2006/main" xmlns:r="http://schemas.openxmlformats.org/officeDocument/2006/relationships" xmlns:p="http://schemas.openxmlformats.org/presentationml/2006/main">
   <p:cSld>
     <p:spTree>
@@ -5135,7 +7131,7 @@
     </p:spTree>
     <p:extLst>
       <p:ext uri="{BB962C8B-B14F-4D97-AF65-F5344CB8AC3E}">
-        <p14:creationId xmlns:p14="http://schemas.microsoft.com/office/powerpoint/2010/main" val="4189113723"/>
+        <p14:creationId xmlns:p14="http://schemas.microsoft.com/office/powerpoint/2010/main" val="1278074005"/>
       </p:ext>
     </p:extLst>
   </p:cSld>
@@ -5145,7 +7141,7 @@
 </p:sld>
 </file>
 
-<file path=ppt/slides/slide18.xml><?xml version="1.0" encoding="utf-8"?>
+<file path=ppt/slides/slide5.xml><?xml version="1.0" encoding="utf-8"?>
 <p:sld xmlns:a="http://schemas.openxmlformats.org/drawingml/2006/main" xmlns:r="http://schemas.openxmlformats.org/officeDocument/2006/relationships" xmlns:p="http://schemas.openxmlformats.org/presentationml/2006/main">
   <p:cSld>
     <p:spTree>
@@ -5251,7 +7247,7 @@
     </p:spTree>
     <p:extLst>
       <p:ext uri="{BB962C8B-B14F-4D97-AF65-F5344CB8AC3E}">
-        <p14:creationId xmlns:p14="http://schemas.microsoft.com/office/powerpoint/2010/main" val="303278118"/>
+        <p14:creationId xmlns:p14="http://schemas.microsoft.com/office/powerpoint/2010/main" val="1399529317"/>
       </p:ext>
     </p:extLst>
   </p:cSld>
@@ -5261,7 +7257,7 @@
 </p:sld>
 </file>
 
-<file path=ppt/slides/slide19.xml><?xml version="1.0" encoding="utf-8"?>
+<file path=ppt/slides/slide6.xml><?xml version="1.0" encoding="utf-8"?>
 <p:sld xmlns:a="http://schemas.openxmlformats.org/drawingml/2006/main" xmlns:r="http://schemas.openxmlformats.org/officeDocument/2006/relationships" xmlns:p="http://schemas.openxmlformats.org/presentationml/2006/main">
   <p:cSld>
     <p:spTree>
@@ -5637,7 +7633,7 @@
     </p:spTree>
     <p:extLst>
       <p:ext uri="{BB962C8B-B14F-4D97-AF65-F5344CB8AC3E}">
-        <p14:creationId xmlns:p14="http://schemas.microsoft.com/office/powerpoint/2010/main" val="3873740570"/>
+        <p14:creationId xmlns:p14="http://schemas.microsoft.com/office/powerpoint/2010/main" val="3300298573"/>
       </p:ext>
     </p:extLst>
   </p:cSld>
@@ -5647,217 +7643,7 @@
 </p:sld>
 </file>
 
-<file path=ppt/slides/slide2.xml><?xml version="1.0" encoding="utf-8"?>
-<p:sld xmlns:a="http://schemas.openxmlformats.org/drawingml/2006/main" xmlns:r="http://schemas.openxmlformats.org/officeDocument/2006/relationships" xmlns:p="http://schemas.openxmlformats.org/presentationml/2006/main">
-  <p:cSld>
-    <p:spTree>
-      <p:nvGrpSpPr>
-        <p:cNvPr id="1" name=""/>
-        <p:cNvGrpSpPr/>
-        <p:nvPr/>
-      </p:nvGrpSpPr>
-      <p:grpSpPr>
-        <a:xfrm>
-          <a:off x="0" y="0"/>
-          <a:ext cx="0" cy="0"/>
-          <a:chOff x="0" y="0"/>
-          <a:chExt cx="0" cy="0"/>
-        </a:xfrm>
-      </p:grpSpPr>
-      <p:sp>
-        <p:nvSpPr>
-          <p:cNvPr id="2" name="标题 1"/>
-          <p:cNvSpPr>
-            <a:spLocks noGrp="1"/>
-          </p:cNvSpPr>
-          <p:nvPr>
-            <p:ph type="title"/>
-          </p:nvPr>
-        </p:nvSpPr>
-        <p:spPr>
-          <a:xfrm>
-            <a:off x="838200" y="365125"/>
-            <a:ext cx="10515600" cy="984281"/>
-          </a:xfrm>
-        </p:spPr>
-        <p:txBody>
-          <a:bodyPr/>
-          <a:lstStyle/>
-          <a:p>
-            <a:pPr algn="ctr"/>
-            <a:r>
-              <a:rPr lang="zh-CN" altLang="en-US" smtClean="0"/>
-              <a:t>类选择器</a:t>
-            </a:r>
-            <a:endParaRPr lang="zh-CN" altLang="en-US"/>
-          </a:p>
-        </p:txBody>
-      </p:sp>
-      <p:sp>
-        <p:nvSpPr>
-          <p:cNvPr id="3" name="内容占位符 2"/>
-          <p:cNvSpPr>
-            <a:spLocks noGrp="1"/>
-          </p:cNvSpPr>
-          <p:nvPr>
-            <p:ph idx="1"/>
-          </p:nvPr>
-        </p:nvSpPr>
-        <p:spPr>
-          <a:xfrm>
-            <a:off x="838200" y="1464816"/>
-            <a:ext cx="10515600" cy="4712147"/>
-          </a:xfrm>
-        </p:spPr>
-        <p:txBody>
-          <a:bodyPr>
-            <a:normAutofit lnSpcReduction="10000"/>
-          </a:bodyPr>
-          <a:lstStyle/>
-          <a:p>
-            <a:r>
-              <a:rPr lang="en-US" altLang="zh-CN" smtClean="0"/>
-              <a:t>css</a:t>
-            </a:r>
-            <a:r>
-              <a:rPr lang="zh-CN" altLang="en-US" smtClean="0"/>
-              <a:t>代码：</a:t>
-            </a:r>
-            <a:endParaRPr lang="en-US" altLang="zh-CN" smtClean="0"/>
-          </a:p>
-          <a:p>
-            <a:r>
-              <a:rPr lang="en-US" altLang="zh-CN" smtClean="0"/>
-              <a:t>.name1 {</a:t>
-            </a:r>
-          </a:p>
-          <a:p>
-            <a:r>
-              <a:rPr lang="en-US" altLang="zh-CN" smtClean="0"/>
-              <a:t>  color: red;</a:t>
-            </a:r>
-            <a:endParaRPr lang="en-US" altLang="zh-CN"/>
-          </a:p>
-          <a:p>
-            <a:r>
-              <a:rPr lang="en-US" altLang="zh-CN" smtClean="0"/>
-              <a:t>}</a:t>
-            </a:r>
-          </a:p>
-          <a:p>
-            <a:r>
-              <a:rPr lang="en-US" altLang="zh-CN" smtClean="0"/>
-              <a:t>html</a:t>
-            </a:r>
-            <a:r>
-              <a:rPr lang="zh-CN" altLang="en-US" smtClean="0"/>
-              <a:t>代码：</a:t>
-            </a:r>
-            <a:endParaRPr lang="en-US" altLang="zh-CN" smtClean="0"/>
-          </a:p>
-          <a:p>
-            <a:r>
-              <a:rPr lang="en-US" altLang="zh-CN" smtClean="0"/>
-              <a:t>&lt;tagName class=“name1 name2 name3”&gt;&lt;/tagName&gt;</a:t>
-            </a:r>
-          </a:p>
-          <a:p>
-            <a:r>
-              <a:rPr lang="en-US" altLang="zh-CN"/>
-              <a:t>&lt;tagName class=“name1 </a:t>
-            </a:r>
-            <a:r>
-              <a:rPr lang="en-US" altLang="zh-CN" smtClean="0"/>
-              <a:t>name4 name5”&gt;&lt;/</a:t>
-            </a:r>
-            <a:r>
-              <a:rPr lang="en-US" altLang="zh-CN"/>
-              <a:t>tagName</a:t>
-            </a:r>
-            <a:r>
-              <a:rPr lang="en-US" altLang="zh-CN" smtClean="0"/>
-              <a:t>&gt;</a:t>
-            </a:r>
-          </a:p>
-          <a:p>
-            <a:r>
-              <a:rPr lang="zh-CN" altLang="en-US" smtClean="0"/>
-              <a:t>其中</a:t>
-            </a:r>
-            <a:r>
-              <a:rPr lang="en-US" altLang="zh-CN" smtClean="0"/>
-              <a:t>css</a:t>
-            </a:r>
-            <a:r>
-              <a:rPr lang="zh-CN" altLang="en-US" smtClean="0"/>
-              <a:t>代码中</a:t>
-            </a:r>
-            <a:r>
-              <a:rPr lang="en-US" altLang="zh-CN" smtClean="0"/>
-              <a:t>name1</a:t>
-            </a:r>
-            <a:r>
-              <a:rPr lang="zh-CN" altLang="en-US" smtClean="0"/>
-              <a:t>前面有一个</a:t>
-            </a:r>
-            <a:r>
-              <a:rPr lang="en-US" altLang="zh-CN" smtClean="0"/>
-              <a:t>”.”</a:t>
-            </a:r>
-            <a:r>
-              <a:rPr lang="zh-CN" altLang="en-US" smtClean="0"/>
-              <a:t>，代表是类选择器，作用域</a:t>
-            </a:r>
-            <a:r>
-              <a:rPr lang="en-US" altLang="zh-CN" smtClean="0"/>
-              <a:t>html</a:t>
-            </a:r>
-            <a:r>
-              <a:rPr lang="zh-CN" altLang="en-US" smtClean="0"/>
-              <a:t>代码中</a:t>
-            </a:r>
-            <a:r>
-              <a:rPr lang="en-US" altLang="zh-CN" smtClean="0"/>
-              <a:t>class</a:t>
-            </a:r>
-            <a:r>
-              <a:rPr lang="zh-CN" altLang="en-US" smtClean="0"/>
-              <a:t>的属性值包含</a:t>
-            </a:r>
-            <a:r>
-              <a:rPr lang="en-US" altLang="zh-CN" smtClean="0"/>
-              <a:t>name1</a:t>
-            </a:r>
-            <a:r>
-              <a:rPr lang="zh-CN" altLang="en-US" smtClean="0"/>
-              <a:t>的标签，</a:t>
-            </a:r>
-            <a:r>
-              <a:rPr lang="en-US" altLang="zh-CN" smtClean="0"/>
-              <a:t>class</a:t>
-            </a:r>
-            <a:r>
-              <a:rPr lang="zh-CN" altLang="en-US" smtClean="0"/>
-              <a:t>的值如果有多个，属性值之间使用空格分隔。</a:t>
-            </a:r>
-            <a:endParaRPr lang="zh-CN" altLang="en-US"/>
-          </a:p>
-        </p:txBody>
-      </p:sp>
-    </p:spTree>
-    <p:extLst>
-      <p:ext uri="{BB962C8B-B14F-4D97-AF65-F5344CB8AC3E}">
-        <p14:creationId xmlns:p14="http://schemas.microsoft.com/office/powerpoint/2010/main" val="3360541201"/>
-      </p:ext>
-    </p:extLst>
-  </p:cSld>
-  <p:clrMapOvr>
-    <a:masterClrMapping/>
-  </p:clrMapOvr>
-</p:sld>
-</file>
-
-<file path=ppt/slides/slide20.xml><?xml version="1.0" encoding="utf-8"?>
+<file path=ppt/slides/slide7.xml><?xml version="1.0" encoding="utf-8"?>
 <p:sld xmlns:a="http://schemas.openxmlformats.org/drawingml/2006/main" xmlns:r="http://schemas.openxmlformats.org/officeDocument/2006/relationships" xmlns:p="http://schemas.openxmlformats.org/presentationml/2006/main">
   <p:cSld>
     <p:spTree>
@@ -6161,1046 +7947,7 @@
     </p:spTree>
     <p:extLst>
       <p:ext uri="{BB962C8B-B14F-4D97-AF65-F5344CB8AC3E}">
-        <p14:creationId xmlns:p14="http://schemas.microsoft.com/office/powerpoint/2010/main" val="2691287542"/>
-      </p:ext>
-    </p:extLst>
-  </p:cSld>
-  <p:clrMapOvr>
-    <a:masterClrMapping/>
-  </p:clrMapOvr>
-</p:sld>
-</file>
-
-<file path=ppt/slides/slide3.xml><?xml version="1.0" encoding="utf-8"?>
-<p:sld xmlns:a="http://schemas.openxmlformats.org/drawingml/2006/main" xmlns:r="http://schemas.openxmlformats.org/officeDocument/2006/relationships" xmlns:p="http://schemas.openxmlformats.org/presentationml/2006/main">
-  <p:cSld>
-    <p:spTree>
-      <p:nvGrpSpPr>
-        <p:cNvPr id="1" name=""/>
-        <p:cNvGrpSpPr/>
-        <p:nvPr/>
-      </p:nvGrpSpPr>
-      <p:grpSpPr>
-        <a:xfrm>
-          <a:off x="0" y="0"/>
-          <a:ext cx="0" cy="0"/>
-          <a:chOff x="0" y="0"/>
-          <a:chExt cx="0" cy="0"/>
-        </a:xfrm>
-      </p:grpSpPr>
-      <p:sp>
-        <p:nvSpPr>
-          <p:cNvPr id="2" name="标题 1"/>
-          <p:cNvSpPr>
-            <a:spLocks noGrp="1"/>
-          </p:cNvSpPr>
-          <p:nvPr>
-            <p:ph type="title"/>
-          </p:nvPr>
-        </p:nvSpPr>
-        <p:spPr>
-          <a:xfrm>
-            <a:off x="838200" y="365126"/>
-            <a:ext cx="10515600" cy="957648"/>
-          </a:xfrm>
-        </p:spPr>
-        <p:txBody>
-          <a:bodyPr/>
-          <a:lstStyle/>
-          <a:p>
-            <a:pPr algn="ctr"/>
-            <a:r>
-              <a:rPr lang="zh-CN" altLang="en-US" smtClean="0"/>
-              <a:t>标签选择器</a:t>
-            </a:r>
-            <a:endParaRPr lang="zh-CN" altLang="en-US"/>
-          </a:p>
-        </p:txBody>
-      </p:sp>
-      <p:sp>
-        <p:nvSpPr>
-          <p:cNvPr id="3" name="内容占位符 2"/>
-          <p:cNvSpPr>
-            <a:spLocks noGrp="1"/>
-          </p:cNvSpPr>
-          <p:nvPr>
-            <p:ph idx="1"/>
-          </p:nvPr>
-        </p:nvSpPr>
-        <p:spPr>
-          <a:xfrm>
-            <a:off x="838200" y="1455938"/>
-            <a:ext cx="10515600" cy="4721025"/>
-          </a:xfrm>
-        </p:spPr>
-        <p:txBody>
-          <a:bodyPr/>
-          <a:lstStyle/>
-          <a:p>
-            <a:r>
-              <a:rPr lang="en-US" altLang="zh-CN" smtClean="0"/>
-              <a:t>css</a:t>
-            </a:r>
-            <a:r>
-              <a:rPr lang="zh-CN" altLang="en-US" smtClean="0"/>
-              <a:t>代码：</a:t>
-            </a:r>
-            <a:endParaRPr lang="en-US" altLang="zh-CN" smtClean="0"/>
-          </a:p>
-          <a:p>
-            <a:r>
-              <a:rPr lang="en-US" altLang="zh-CN" smtClean="0"/>
-              <a:t>div {</a:t>
-            </a:r>
-          </a:p>
-          <a:p>
-            <a:r>
-              <a:rPr lang="en-US" altLang="zh-CN"/>
-              <a:t> </a:t>
-            </a:r>
-            <a:r>
-              <a:rPr lang="en-US" altLang="zh-CN" smtClean="0"/>
-              <a:t> color: red;</a:t>
-            </a:r>
-          </a:p>
-          <a:p>
-            <a:r>
-              <a:rPr lang="en-US" altLang="zh-CN" smtClean="0"/>
-              <a:t>}</a:t>
-            </a:r>
-          </a:p>
-          <a:p>
-            <a:r>
-              <a:rPr lang="en-US" altLang="zh-CN" smtClean="0"/>
-              <a:t>html</a:t>
-            </a:r>
-            <a:r>
-              <a:rPr lang="zh-CN" altLang="en-US" smtClean="0"/>
-              <a:t>代码：</a:t>
-            </a:r>
-            <a:endParaRPr lang="en-US" altLang="zh-CN" smtClean="0"/>
-          </a:p>
-          <a:p>
-            <a:r>
-              <a:rPr lang="en-US" altLang="zh-CN" smtClean="0"/>
-              <a:t>&lt;div&gt;123&lt;/div&gt;</a:t>
-            </a:r>
-          </a:p>
-          <a:p>
-            <a:r>
-              <a:rPr lang="en-US" altLang="zh-CN"/>
-              <a:t>&lt;</a:t>
-            </a:r>
-            <a:r>
-              <a:rPr lang="en-US" altLang="zh-CN" smtClean="0"/>
-              <a:t>div&gt;123456&lt;/div&gt;</a:t>
-            </a:r>
-          </a:p>
-          <a:p>
-            <a:r>
-              <a:rPr lang="zh-CN" altLang="en-US" smtClean="0"/>
-              <a:t>通过直接指定标签名称作为选择器，作用于文档中所有的</a:t>
-            </a:r>
-            <a:r>
-              <a:rPr lang="en-US" altLang="zh-CN" smtClean="0"/>
-              <a:t>div</a:t>
-            </a:r>
-            <a:r>
-              <a:rPr lang="zh-CN" altLang="en-US" smtClean="0"/>
-              <a:t>标签。</a:t>
-            </a:r>
-            <a:endParaRPr lang="zh-CN" altLang="en-US"/>
-          </a:p>
-        </p:txBody>
-      </p:sp>
-    </p:spTree>
-    <p:extLst>
-      <p:ext uri="{BB962C8B-B14F-4D97-AF65-F5344CB8AC3E}">
-        <p14:creationId xmlns:p14="http://schemas.microsoft.com/office/powerpoint/2010/main" val="2032302088"/>
-      </p:ext>
-    </p:extLst>
-  </p:cSld>
-  <p:clrMapOvr>
-    <a:masterClrMapping/>
-  </p:clrMapOvr>
-</p:sld>
-</file>
-
-<file path=ppt/slides/slide4.xml><?xml version="1.0" encoding="utf-8"?>
-<p:sld xmlns:a="http://schemas.openxmlformats.org/drawingml/2006/main" xmlns:r="http://schemas.openxmlformats.org/officeDocument/2006/relationships" xmlns:p="http://schemas.openxmlformats.org/presentationml/2006/main">
-  <p:cSld>
-    <p:spTree>
-      <p:nvGrpSpPr>
-        <p:cNvPr id="1" name=""/>
-        <p:cNvGrpSpPr/>
-        <p:nvPr/>
-      </p:nvGrpSpPr>
-      <p:grpSpPr>
-        <a:xfrm>
-          <a:off x="0" y="0"/>
-          <a:ext cx="0" cy="0"/>
-          <a:chOff x="0" y="0"/>
-          <a:chExt cx="0" cy="0"/>
-        </a:xfrm>
-      </p:grpSpPr>
-      <p:sp>
-        <p:nvSpPr>
-          <p:cNvPr id="2" name="标题 1"/>
-          <p:cNvSpPr>
-            <a:spLocks noGrp="1"/>
-          </p:cNvSpPr>
-          <p:nvPr>
-            <p:ph type="title"/>
-          </p:nvPr>
-        </p:nvSpPr>
-        <p:spPr>
-          <a:xfrm>
-            <a:off x="838200" y="365125"/>
-            <a:ext cx="10515600" cy="966525"/>
-          </a:xfrm>
-        </p:spPr>
-        <p:txBody>
-          <a:bodyPr/>
-          <a:lstStyle/>
-          <a:p>
-            <a:pPr algn="ctr"/>
-            <a:r>
-              <a:rPr lang="en-US" altLang="zh-CN" smtClean="0"/>
-              <a:t>id</a:t>
-            </a:r>
-            <a:r>
-              <a:rPr lang="zh-CN" altLang="en-US" smtClean="0"/>
-              <a:t>选择器</a:t>
-            </a:r>
-            <a:endParaRPr lang="zh-CN" altLang="en-US"/>
-          </a:p>
-        </p:txBody>
-      </p:sp>
-      <p:sp>
-        <p:nvSpPr>
-          <p:cNvPr id="3" name="内容占位符 2"/>
-          <p:cNvSpPr>
-            <a:spLocks noGrp="1"/>
-          </p:cNvSpPr>
-          <p:nvPr>
-            <p:ph idx="1"/>
-          </p:nvPr>
-        </p:nvSpPr>
-        <p:spPr>
-          <a:xfrm>
-            <a:off x="838200" y="1455938"/>
-            <a:ext cx="10515600" cy="4721025"/>
-          </a:xfrm>
-        </p:spPr>
-        <p:txBody>
-          <a:bodyPr>
-            <a:normAutofit fontScale="92500" lnSpcReduction="10000"/>
-          </a:bodyPr>
-          <a:lstStyle/>
-          <a:p>
-            <a:r>
-              <a:rPr lang="en-US" altLang="zh-CN" smtClean="0"/>
-              <a:t>css</a:t>
-            </a:r>
-            <a:r>
-              <a:rPr lang="zh-CN" altLang="en-US" smtClean="0"/>
-              <a:t>代码：</a:t>
-            </a:r>
-            <a:endParaRPr lang="en-US" altLang="zh-CN" smtClean="0"/>
-          </a:p>
-          <a:p>
-            <a:r>
-              <a:rPr lang="en-US" altLang="zh-CN" smtClean="0"/>
-              <a:t>#name {</a:t>
-            </a:r>
-          </a:p>
-          <a:p>
-            <a:r>
-              <a:rPr lang="en-US" altLang="zh-CN"/>
-              <a:t> </a:t>
-            </a:r>
-            <a:r>
-              <a:rPr lang="en-US" altLang="zh-CN" smtClean="0"/>
-              <a:t> color: red;</a:t>
-            </a:r>
-          </a:p>
-          <a:p>
-            <a:r>
-              <a:rPr lang="en-US" altLang="zh-CN" smtClean="0"/>
-              <a:t>}</a:t>
-            </a:r>
-          </a:p>
-          <a:p>
-            <a:r>
-              <a:rPr lang="en-US" altLang="zh-CN" smtClean="0"/>
-              <a:t>html</a:t>
-            </a:r>
-            <a:r>
-              <a:rPr lang="zh-CN" altLang="en-US" smtClean="0"/>
-              <a:t>代码：</a:t>
-            </a:r>
-            <a:endParaRPr lang="en-US" altLang="zh-CN" smtClean="0"/>
-          </a:p>
-          <a:p>
-            <a:r>
-              <a:rPr lang="en-US" altLang="zh-CN" smtClean="0"/>
-              <a:t>&lt;div id=“name”&gt;123&lt;/div&gt;</a:t>
-            </a:r>
-          </a:p>
-          <a:p>
-            <a:r>
-              <a:rPr lang="en-US" altLang="zh-CN"/>
-              <a:t>&lt;div id=“name”&gt;123&lt;/div</a:t>
-            </a:r>
-            <a:r>
-              <a:rPr lang="en-US" altLang="zh-CN" smtClean="0"/>
-              <a:t>&gt;</a:t>
-            </a:r>
-          </a:p>
-          <a:p>
-            <a:r>
-              <a:rPr lang="zh-CN" altLang="en-US" smtClean="0"/>
-              <a:t>与类选择器相同，</a:t>
-            </a:r>
-            <a:r>
-              <a:rPr lang="en-US" altLang="zh-CN" smtClean="0"/>
-              <a:t>#name</a:t>
-            </a:r>
-            <a:r>
-              <a:rPr lang="zh-CN" altLang="en-US" smtClean="0"/>
-              <a:t>会对所有</a:t>
-            </a:r>
-            <a:r>
-              <a:rPr lang="en-US" altLang="zh-CN" smtClean="0"/>
-              <a:t>id</a:t>
-            </a:r>
-            <a:r>
-              <a:rPr lang="zh-CN" altLang="en-US" smtClean="0"/>
-              <a:t>属性值为</a:t>
-            </a:r>
-            <a:r>
-              <a:rPr lang="en-US" altLang="zh-CN" smtClean="0"/>
-              <a:t>name</a:t>
-            </a:r>
-            <a:r>
-              <a:rPr lang="zh-CN" altLang="en-US" smtClean="0"/>
-              <a:t>的标签生效，写法是</a:t>
-            </a:r>
-            <a:r>
-              <a:rPr lang="en-US" altLang="zh-CN" smtClean="0"/>
-              <a:t>”#id</a:t>
-            </a:r>
-            <a:r>
-              <a:rPr lang="zh-CN" altLang="en-US" smtClean="0"/>
-              <a:t>名</a:t>
-            </a:r>
-            <a:r>
-              <a:rPr lang="en-US" altLang="zh-CN" smtClean="0"/>
-              <a:t>”</a:t>
-            </a:r>
-            <a:r>
-              <a:rPr lang="zh-CN" altLang="en-US" smtClean="0"/>
-              <a:t>，</a:t>
-            </a:r>
-            <a:r>
-              <a:rPr lang="en-US" altLang="zh-CN" smtClean="0"/>
-              <a:t>#</a:t>
-            </a:r>
-            <a:r>
-              <a:rPr lang="zh-CN" altLang="en-US" smtClean="0"/>
-              <a:t>代表</a:t>
-            </a:r>
-            <a:r>
-              <a:rPr lang="en-US" altLang="zh-CN" smtClean="0"/>
-              <a:t>id</a:t>
-            </a:r>
-            <a:r>
-              <a:rPr lang="zh-CN" altLang="en-US" smtClean="0"/>
-              <a:t>。</a:t>
-            </a:r>
-            <a:endParaRPr lang="en-US" altLang="zh-CN" smtClean="0"/>
-          </a:p>
-          <a:p>
-            <a:r>
-              <a:rPr lang="zh-CN" altLang="en-US" smtClean="0"/>
-              <a:t>不过实际工作中，</a:t>
-            </a:r>
-            <a:r>
-              <a:rPr lang="en-US" altLang="zh-CN" smtClean="0"/>
-              <a:t>id</a:t>
-            </a:r>
-            <a:r>
-              <a:rPr lang="zh-CN" altLang="en-US" smtClean="0"/>
-              <a:t>是不会作为</a:t>
-            </a:r>
-            <a:r>
-              <a:rPr lang="en-US" altLang="zh-CN" smtClean="0"/>
-              <a:t>css</a:t>
-            </a:r>
-            <a:r>
-              <a:rPr lang="zh-CN" altLang="en-US" smtClean="0"/>
-              <a:t>选择器的。使用</a:t>
-            </a:r>
-            <a:r>
-              <a:rPr lang="en-US" altLang="zh-CN" smtClean="0"/>
-              <a:t>javascript</a:t>
-            </a:r>
-            <a:r>
-              <a:rPr lang="zh-CN" altLang="en-US" smtClean="0"/>
-              <a:t>时，通过</a:t>
-            </a:r>
-            <a:r>
-              <a:rPr lang="en-US" altLang="zh-CN" smtClean="0"/>
-              <a:t>id</a:t>
-            </a:r>
-            <a:r>
-              <a:rPr lang="zh-CN" altLang="en-US" smtClean="0"/>
-              <a:t>选择元素时，如果文档中出现多个同名</a:t>
-            </a:r>
-            <a:r>
-              <a:rPr lang="en-US" altLang="zh-CN" smtClean="0"/>
-              <a:t>id</a:t>
-            </a:r>
-            <a:r>
-              <a:rPr lang="zh-CN" altLang="en-US" smtClean="0"/>
-              <a:t>，只会选中第一个出现的</a:t>
-            </a:r>
-            <a:r>
-              <a:rPr lang="en-US" altLang="zh-CN" smtClean="0"/>
-              <a:t>id</a:t>
-            </a:r>
-            <a:r>
-              <a:rPr lang="zh-CN" altLang="en-US" smtClean="0"/>
-              <a:t>。</a:t>
-            </a:r>
-            <a:endParaRPr lang="zh-CN" altLang="en-US"/>
-          </a:p>
-          <a:p>
-            <a:endParaRPr lang="zh-CN" altLang="en-US"/>
-          </a:p>
-        </p:txBody>
-      </p:sp>
-    </p:spTree>
-    <p:extLst>
-      <p:ext uri="{BB962C8B-B14F-4D97-AF65-F5344CB8AC3E}">
-        <p14:creationId xmlns:p14="http://schemas.microsoft.com/office/powerpoint/2010/main" val="1003649043"/>
-      </p:ext>
-    </p:extLst>
-  </p:cSld>
-  <p:clrMapOvr>
-    <a:masterClrMapping/>
-  </p:clrMapOvr>
-</p:sld>
-</file>
-
-<file path=ppt/slides/slide5.xml><?xml version="1.0" encoding="utf-8"?>
-<p:sld xmlns:a="http://schemas.openxmlformats.org/drawingml/2006/main" xmlns:r="http://schemas.openxmlformats.org/officeDocument/2006/relationships" xmlns:p="http://schemas.openxmlformats.org/presentationml/2006/main">
-  <p:cSld>
-    <p:spTree>
-      <p:nvGrpSpPr>
-        <p:cNvPr id="1" name=""/>
-        <p:cNvGrpSpPr/>
-        <p:nvPr/>
-      </p:nvGrpSpPr>
-      <p:grpSpPr>
-        <a:xfrm>
-          <a:off x="0" y="0"/>
-          <a:ext cx="0" cy="0"/>
-          <a:chOff x="0" y="0"/>
-          <a:chExt cx="0" cy="0"/>
-        </a:xfrm>
-      </p:grpSpPr>
-      <p:sp>
-        <p:nvSpPr>
-          <p:cNvPr id="2" name="标题 1"/>
-          <p:cNvSpPr>
-            <a:spLocks noGrp="1"/>
-          </p:cNvSpPr>
-          <p:nvPr>
-            <p:ph type="title"/>
-          </p:nvPr>
-        </p:nvSpPr>
-        <p:spPr/>
-        <p:txBody>
-          <a:bodyPr/>
-          <a:lstStyle/>
-          <a:p>
-            <a:pPr algn="ctr"/>
-            <a:r>
-              <a:rPr lang="zh-CN" altLang="en-US" smtClean="0"/>
-              <a:t>后代选择器</a:t>
-            </a:r>
-            <a:endParaRPr lang="zh-CN" altLang="en-US"/>
-          </a:p>
-        </p:txBody>
-      </p:sp>
-      <p:sp>
-        <p:nvSpPr>
-          <p:cNvPr id="3" name="内容占位符 2"/>
-          <p:cNvSpPr>
-            <a:spLocks noGrp="1"/>
-          </p:cNvSpPr>
-          <p:nvPr>
-            <p:ph idx="1"/>
-          </p:nvPr>
-        </p:nvSpPr>
-        <p:spPr/>
-        <p:txBody>
-          <a:bodyPr>
-            <a:normAutofit fontScale="92500" lnSpcReduction="10000"/>
-          </a:bodyPr>
-          <a:lstStyle/>
-          <a:p>
-            <a:r>
-              <a:rPr lang="en-US" altLang="zh-CN" smtClean="0"/>
-              <a:t>css</a:t>
-            </a:r>
-            <a:r>
-              <a:rPr lang="zh-CN" altLang="en-US" smtClean="0"/>
-              <a:t>代码：</a:t>
-            </a:r>
-            <a:endParaRPr lang="en-US" altLang="zh-CN" smtClean="0"/>
-          </a:p>
-          <a:p>
-            <a:r>
-              <a:rPr lang="en-US" altLang="zh-CN" smtClean="0"/>
-              <a:t>.parent .sub {</a:t>
-            </a:r>
-          </a:p>
-          <a:p>
-            <a:r>
-              <a:rPr lang="en-US" altLang="zh-CN" smtClean="0"/>
-              <a:t>  color: red;</a:t>
-            </a:r>
-            <a:endParaRPr lang="en-US" altLang="zh-CN"/>
-          </a:p>
-          <a:p>
-            <a:r>
-              <a:rPr lang="en-US" altLang="zh-CN" smtClean="0"/>
-              <a:t>}</a:t>
-            </a:r>
-          </a:p>
-          <a:p>
-            <a:r>
-              <a:rPr lang="en-US" altLang="zh-CN" smtClean="0"/>
-              <a:t>html</a:t>
-            </a:r>
-            <a:r>
-              <a:rPr lang="zh-CN" altLang="en-US" smtClean="0"/>
-              <a:t>代码：</a:t>
-            </a:r>
-            <a:endParaRPr lang="en-US" altLang="zh-CN" smtClean="0"/>
-          </a:p>
-          <a:p>
-            <a:r>
-              <a:rPr lang="en-US" altLang="zh-CN" smtClean="0"/>
-              <a:t>&lt;</a:t>
-            </a:r>
-            <a:r>
-              <a:rPr lang="en-US" altLang="zh-CN"/>
-              <a:t>div class="parent"&gt;</a:t>
-            </a:r>
-          </a:p>
-          <a:p>
-            <a:r>
-              <a:rPr lang="en-US" altLang="zh-CN" smtClean="0"/>
-              <a:t>  &lt;</a:t>
-            </a:r>
-            <a:r>
-              <a:rPr lang="en-US" altLang="zh-CN"/>
-              <a:t>div class="sub"&gt;div-2-1&lt;/div&gt;</a:t>
-            </a:r>
-          </a:p>
-          <a:p>
-            <a:r>
-              <a:rPr lang="en-US" altLang="zh-CN" smtClean="0"/>
-              <a:t>&lt;/</a:t>
-            </a:r>
-            <a:r>
-              <a:rPr lang="en-US" altLang="zh-CN"/>
-              <a:t>div</a:t>
-            </a:r>
-            <a:r>
-              <a:rPr lang="en-US" altLang="zh-CN" smtClean="0"/>
-              <a:t>&gt;</a:t>
-            </a:r>
-          </a:p>
-          <a:p>
-            <a:r>
-              <a:rPr lang="en-US" altLang="zh-CN" smtClean="0"/>
-              <a:t>.parent</a:t>
-            </a:r>
-            <a:r>
-              <a:rPr lang="zh-CN" altLang="en-US" smtClean="0"/>
-              <a:t>后面加一个空格然后跟一个</a:t>
-            </a:r>
-            <a:r>
-              <a:rPr lang="en-US" altLang="zh-CN" smtClean="0"/>
-              <a:t>.sub</a:t>
-            </a:r>
-            <a:r>
-              <a:rPr lang="zh-CN" altLang="en-US" smtClean="0"/>
-              <a:t>，表示作用域对</a:t>
-            </a:r>
-            <a:r>
-              <a:rPr lang="en-US" altLang="zh-CN" smtClean="0"/>
-              <a:t>.parent</a:t>
-            </a:r>
-            <a:r>
-              <a:rPr lang="zh-CN" altLang="en-US" smtClean="0"/>
-              <a:t>下所有</a:t>
-            </a:r>
-            <a:r>
-              <a:rPr lang="en-US" altLang="zh-CN" smtClean="0"/>
-              <a:t>.sub</a:t>
-            </a:r>
-            <a:r>
-              <a:rPr lang="zh-CN" altLang="en-US" smtClean="0"/>
-              <a:t>，不会作用于</a:t>
-            </a:r>
-            <a:r>
-              <a:rPr lang="en-US" altLang="zh-CN" smtClean="0"/>
-              <a:t>.parent</a:t>
-            </a:r>
-            <a:r>
-              <a:rPr lang="zh-CN" altLang="en-US"/>
-              <a:t>。</a:t>
-            </a:r>
-          </a:p>
-        </p:txBody>
-      </p:sp>
-    </p:spTree>
-    <p:extLst>
-      <p:ext uri="{BB962C8B-B14F-4D97-AF65-F5344CB8AC3E}">
-        <p14:creationId xmlns:p14="http://schemas.microsoft.com/office/powerpoint/2010/main" val="2882921007"/>
-      </p:ext>
-    </p:extLst>
-  </p:cSld>
-  <p:clrMapOvr>
-    <a:masterClrMapping/>
-  </p:clrMapOvr>
-</p:sld>
-</file>
-
-<file path=ppt/slides/slide6.xml><?xml version="1.0" encoding="utf-8"?>
-<p:sld xmlns:a="http://schemas.openxmlformats.org/drawingml/2006/main" xmlns:r="http://schemas.openxmlformats.org/officeDocument/2006/relationships" xmlns:p="http://schemas.openxmlformats.org/presentationml/2006/main">
-  <p:cSld>
-    <p:spTree>
-      <p:nvGrpSpPr>
-        <p:cNvPr id="1" name=""/>
-        <p:cNvGrpSpPr/>
-        <p:nvPr/>
-      </p:nvGrpSpPr>
-      <p:grpSpPr>
-        <a:xfrm>
-          <a:off x="0" y="0"/>
-          <a:ext cx="0" cy="0"/>
-          <a:chOff x="0" y="0"/>
-          <a:chExt cx="0" cy="0"/>
-        </a:xfrm>
-      </p:grpSpPr>
-      <p:sp>
-        <p:nvSpPr>
-          <p:cNvPr id="2" name="标题 1"/>
-          <p:cNvSpPr>
-            <a:spLocks noGrp="1"/>
-          </p:cNvSpPr>
-          <p:nvPr>
-            <p:ph type="title"/>
-          </p:nvPr>
-        </p:nvSpPr>
-        <p:spPr>
-          <a:xfrm>
-            <a:off x="838200" y="365126"/>
-            <a:ext cx="10515600" cy="833360"/>
-          </a:xfrm>
-        </p:spPr>
-        <p:txBody>
-          <a:bodyPr/>
-          <a:lstStyle/>
-          <a:p>
-            <a:pPr algn="ctr"/>
-            <a:r>
-              <a:rPr lang="zh-CN" altLang="en-US" smtClean="0"/>
-              <a:t>子选择器</a:t>
-            </a:r>
-            <a:endParaRPr lang="zh-CN" altLang="en-US"/>
-          </a:p>
-        </p:txBody>
-      </p:sp>
-      <p:sp>
-        <p:nvSpPr>
-          <p:cNvPr id="3" name="内容占位符 2"/>
-          <p:cNvSpPr>
-            <a:spLocks noGrp="1"/>
-          </p:cNvSpPr>
-          <p:nvPr>
-            <p:ph idx="1"/>
-          </p:nvPr>
-        </p:nvSpPr>
-        <p:spPr>
-          <a:xfrm>
-            <a:off x="838200" y="1402672"/>
-            <a:ext cx="10515600" cy="4774291"/>
-          </a:xfrm>
-        </p:spPr>
-        <p:txBody>
-          <a:bodyPr>
-            <a:normAutofit fontScale="70000" lnSpcReduction="20000"/>
-          </a:bodyPr>
-          <a:lstStyle/>
-          <a:p>
-            <a:r>
-              <a:rPr lang="en-US" altLang="zh-CN" smtClean="0"/>
-              <a:t>css</a:t>
-            </a:r>
-            <a:r>
-              <a:rPr lang="zh-CN" altLang="en-US" smtClean="0"/>
-              <a:t>代码：</a:t>
-            </a:r>
-            <a:endParaRPr lang="en-US" altLang="zh-CN" smtClean="0"/>
-          </a:p>
-          <a:p>
-            <a:r>
-              <a:rPr lang="en-US" altLang="zh-CN" smtClean="0"/>
-              <a:t>.div1 &gt; span {</a:t>
-            </a:r>
-          </a:p>
-          <a:p>
-            <a:r>
-              <a:rPr lang="en-US" altLang="zh-CN" smtClean="0"/>
-              <a:t>  color: red;</a:t>
-            </a:r>
-            <a:endParaRPr lang="en-US" altLang="zh-CN"/>
-          </a:p>
-          <a:p>
-            <a:r>
-              <a:rPr lang="en-US" altLang="zh-CN" smtClean="0"/>
-              <a:t>}</a:t>
-            </a:r>
-          </a:p>
-          <a:p>
-            <a:r>
-              <a:rPr lang="en-US" altLang="zh-CN" smtClean="0"/>
-              <a:t>html</a:t>
-            </a:r>
-            <a:r>
-              <a:rPr lang="zh-CN" altLang="en-US" smtClean="0"/>
-              <a:t>代码：</a:t>
-            </a:r>
-            <a:endParaRPr lang="en-US" altLang="zh-CN" smtClean="0"/>
-          </a:p>
-          <a:p>
-            <a:r>
-              <a:rPr lang="en-US" altLang="zh-CN"/>
-              <a:t>&lt;div class="div1"&gt;</a:t>
-            </a:r>
-          </a:p>
-          <a:p>
-            <a:r>
-              <a:rPr lang="en-US" altLang="zh-CN" smtClean="0"/>
-              <a:t>  &lt;span class=</a:t>
-            </a:r>
-            <a:r>
-              <a:rPr lang="en-US" altLang="zh-CN"/>
-              <a:t>"</a:t>
-            </a:r>
-            <a:r>
-              <a:rPr lang="en-US" altLang="zh-CN" smtClean="0"/>
-              <a:t>sub1"&gt;span-1-3</a:t>
-            </a:r>
-            <a:r>
-              <a:rPr lang="en-US" altLang="zh-CN"/>
-              <a:t>&lt;/span&gt;</a:t>
-            </a:r>
-          </a:p>
-          <a:p>
-            <a:r>
-              <a:rPr lang="en-US" altLang="zh-CN" smtClean="0"/>
-              <a:t>  &lt;</a:t>
-            </a:r>
-            <a:r>
-              <a:rPr lang="en-US" altLang="zh-CN"/>
-              <a:t>div class="parent</a:t>
-            </a:r>
-            <a:r>
-              <a:rPr lang="en-US" altLang="zh-CN" smtClean="0"/>
-              <a:t>"&gt;</a:t>
-            </a:r>
-          </a:p>
-          <a:p>
-            <a:r>
-              <a:rPr lang="en-US" altLang="zh-CN" smtClean="0"/>
-              <a:t>    &lt;span class=</a:t>
-            </a:r>
-            <a:r>
-              <a:rPr lang="en-US" altLang="zh-CN"/>
-              <a:t>"</a:t>
-            </a:r>
-            <a:r>
-              <a:rPr lang="en-US" altLang="zh-CN" smtClean="0"/>
-              <a:t>sub2</a:t>
-            </a:r>
-            <a:r>
-              <a:rPr lang="en-US" altLang="zh-CN"/>
-              <a:t>"</a:t>
-            </a:r>
-            <a:r>
-              <a:rPr lang="en-US" altLang="zh-CN" smtClean="0"/>
-              <a:t>&gt;span-2-3</a:t>
-            </a:r>
-            <a:r>
-              <a:rPr lang="en-US" altLang="zh-CN"/>
-              <a:t>&lt;/span&gt;</a:t>
-            </a:r>
-          </a:p>
-          <a:p>
-            <a:r>
-              <a:rPr lang="en-US" altLang="zh-CN" smtClean="0"/>
-              <a:t>  &lt;/div&gt;</a:t>
-            </a:r>
-          </a:p>
-          <a:p>
-            <a:r>
-              <a:rPr lang="en-US" altLang="zh-CN" smtClean="0"/>
-              <a:t>&lt;/</a:t>
-            </a:r>
-            <a:r>
-              <a:rPr lang="en-US" altLang="zh-CN"/>
-              <a:t>div</a:t>
-            </a:r>
-            <a:r>
-              <a:rPr lang="en-US" altLang="zh-CN" smtClean="0"/>
-              <a:t>&gt;</a:t>
-            </a:r>
-          </a:p>
-          <a:p>
-            <a:r>
-              <a:rPr lang="zh-CN" altLang="en-US" smtClean="0"/>
-              <a:t>与后代选择器区别在于，子选择器作用域</a:t>
-            </a:r>
-            <a:r>
-              <a:rPr lang="en-US" altLang="zh-CN" smtClean="0"/>
-              <a:t>.div1</a:t>
-            </a:r>
-            <a:r>
-              <a:rPr lang="zh-CN" altLang="en-US" smtClean="0"/>
-              <a:t>下的直接元素，也就是</a:t>
-            </a:r>
-            <a:r>
-              <a:rPr lang="en-US" altLang="zh-CN" smtClean="0"/>
-              <a:t>.sub1</a:t>
-            </a:r>
-            <a:r>
-              <a:rPr lang="zh-CN" altLang="en-US" smtClean="0"/>
-              <a:t>，不会作用于</a:t>
-            </a:r>
-            <a:r>
-              <a:rPr lang="en-US" altLang="zh-CN" smtClean="0"/>
-              <a:t>.sub2</a:t>
-            </a:r>
-            <a:r>
-              <a:rPr lang="zh-CN" altLang="en-US" smtClean="0"/>
-              <a:t>。</a:t>
-            </a:r>
-            <a:endParaRPr lang="en-US" altLang="zh-CN" smtClean="0"/>
-          </a:p>
-          <a:p>
-            <a:r>
-              <a:rPr lang="zh-CN" altLang="en-US" smtClean="0"/>
-              <a:t>用法</a:t>
-            </a:r>
-            <a:r>
-              <a:rPr lang="zh-CN" altLang="en-US"/>
-              <a:t>父级选择</a:t>
-            </a:r>
-            <a:r>
-              <a:rPr lang="zh-CN" altLang="en-US" smtClean="0"/>
-              <a:t>器 </a:t>
-            </a:r>
-            <a:r>
-              <a:rPr lang="en-US" altLang="zh-CN" smtClean="0"/>
-              <a:t>&gt; </a:t>
-            </a:r>
-            <a:r>
-              <a:rPr lang="zh-CN" altLang="en-US" smtClean="0"/>
-              <a:t>子选择器，中间是</a:t>
-            </a:r>
-            <a:r>
-              <a:rPr lang="en-US" altLang="zh-CN" smtClean="0"/>
-              <a:t>”&gt;”</a:t>
-            </a:r>
-            <a:r>
-              <a:rPr lang="zh-CN" altLang="en-US"/>
-              <a:t>。</a:t>
-            </a:r>
-            <a:endParaRPr lang="en-US" altLang="zh-CN" smtClean="0"/>
-          </a:p>
-        </p:txBody>
-      </p:sp>
-    </p:spTree>
-    <p:extLst>
-      <p:ext uri="{BB962C8B-B14F-4D97-AF65-F5344CB8AC3E}">
-        <p14:creationId xmlns:p14="http://schemas.microsoft.com/office/powerpoint/2010/main" val="1863646798"/>
-      </p:ext>
-    </p:extLst>
-  </p:cSld>
-  <p:clrMapOvr>
-    <a:masterClrMapping/>
-  </p:clrMapOvr>
-</p:sld>
-</file>
-
-<file path=ppt/slides/slide7.xml><?xml version="1.0" encoding="utf-8"?>
-<p:sld xmlns:a="http://schemas.openxmlformats.org/drawingml/2006/main" xmlns:r="http://schemas.openxmlformats.org/officeDocument/2006/relationships" xmlns:p="http://schemas.openxmlformats.org/presentationml/2006/main">
-  <p:cSld>
-    <p:spTree>
-      <p:nvGrpSpPr>
-        <p:cNvPr id="1" name=""/>
-        <p:cNvGrpSpPr/>
-        <p:nvPr/>
-      </p:nvGrpSpPr>
-      <p:grpSpPr>
-        <a:xfrm>
-          <a:off x="0" y="0"/>
-          <a:ext cx="0" cy="0"/>
-          <a:chOff x="0" y="0"/>
-          <a:chExt cx="0" cy="0"/>
-        </a:xfrm>
-      </p:grpSpPr>
-      <p:sp>
-        <p:nvSpPr>
-          <p:cNvPr id="2" name="标题 1"/>
-          <p:cNvSpPr>
-            <a:spLocks noGrp="1"/>
-          </p:cNvSpPr>
-          <p:nvPr>
-            <p:ph type="title"/>
-          </p:nvPr>
-        </p:nvSpPr>
-        <p:spPr>
-          <a:xfrm>
-            <a:off x="838200" y="365125"/>
-            <a:ext cx="10515600" cy="931015"/>
-          </a:xfrm>
-        </p:spPr>
-        <p:txBody>
-          <a:bodyPr/>
-          <a:lstStyle/>
-          <a:p>
-            <a:pPr algn="ctr"/>
-            <a:r>
-              <a:rPr lang="zh-CN" altLang="en-US" smtClean="0"/>
-              <a:t>伪类选择器</a:t>
-            </a:r>
-            <a:endParaRPr lang="zh-CN" altLang="en-US"/>
-          </a:p>
-        </p:txBody>
-      </p:sp>
-      <p:sp>
-        <p:nvSpPr>
-          <p:cNvPr id="3" name="内容占位符 2"/>
-          <p:cNvSpPr>
-            <a:spLocks noGrp="1"/>
-          </p:cNvSpPr>
-          <p:nvPr>
-            <p:ph idx="1"/>
-          </p:nvPr>
-        </p:nvSpPr>
-        <p:spPr>
-          <a:xfrm>
-            <a:off x="838200" y="1455938"/>
-            <a:ext cx="10515600" cy="4721025"/>
-          </a:xfrm>
-        </p:spPr>
-        <p:txBody>
-          <a:bodyPr/>
-          <a:lstStyle/>
-          <a:p>
-            <a:r>
-              <a:rPr lang="zh-CN" altLang="en-US"/>
-              <a:t>有时候还会需要用文档以外的其他条件来应用元素的样式，比如鼠标悬停等。这时候我们就需要用到伪</a:t>
-            </a:r>
-            <a:r>
-              <a:rPr lang="zh-CN" altLang="en-US" smtClean="0"/>
-              <a:t>类。</a:t>
-            </a:r>
-            <a:endParaRPr lang="en-US" altLang="zh-CN" smtClean="0"/>
-          </a:p>
-          <a:p>
-            <a:r>
-              <a:rPr lang="en-US" altLang="zh-CN" smtClean="0"/>
-              <a:t>a:link</a:t>
-            </a:r>
-            <a:r>
-              <a:rPr lang="zh-CN" altLang="en-US" smtClean="0"/>
-              <a:t>：链接</a:t>
-            </a:r>
-            <a:r>
-              <a:rPr lang="zh-CN" altLang="en-US"/>
-              <a:t>在没有被点击时的</a:t>
-            </a:r>
-            <a:r>
-              <a:rPr lang="zh-CN" altLang="en-US" smtClean="0"/>
-              <a:t>样式。</a:t>
-            </a:r>
-            <a:endParaRPr lang="en-US" altLang="zh-CN" smtClean="0"/>
-          </a:p>
-          <a:p>
-            <a:r>
-              <a:rPr lang="en-US" altLang="zh-CN" smtClean="0"/>
-              <a:t>a:visited</a:t>
-            </a:r>
-            <a:r>
-              <a:rPr lang="zh-CN" altLang="en-US" smtClean="0"/>
-              <a:t>：</a:t>
-            </a:r>
-            <a:r>
-              <a:rPr lang="zh-CN" altLang="en-US"/>
-              <a:t>链接已经被访问时的</a:t>
-            </a:r>
-            <a:r>
-              <a:rPr lang="zh-CN" altLang="en-US" smtClean="0"/>
-              <a:t>样式。</a:t>
-            </a:r>
-            <a:endParaRPr lang="en-US" altLang="zh-CN" smtClean="0"/>
-          </a:p>
-          <a:p>
-            <a:r>
-              <a:rPr lang="en-US" altLang="zh-CN" smtClean="0"/>
-              <a:t>a:hover</a:t>
-            </a:r>
-            <a:r>
-              <a:rPr lang="zh-CN" altLang="en-US" smtClean="0"/>
-              <a:t>：</a:t>
-            </a:r>
-            <a:r>
-              <a:rPr lang="zh-CN" altLang="en-US"/>
-              <a:t>鼠标悬停在链接上面时的</a:t>
-            </a:r>
-            <a:r>
-              <a:rPr lang="zh-CN" altLang="en-US" smtClean="0"/>
-              <a:t>样式。</a:t>
-            </a:r>
-            <a:endParaRPr lang="en-US" altLang="zh-CN" smtClean="0"/>
-          </a:p>
-          <a:p>
-            <a:r>
-              <a:rPr lang="en-US" altLang="zh-CN" smtClean="0"/>
-              <a:t>input:focus</a:t>
-            </a:r>
-            <a:r>
-              <a:rPr lang="zh-CN" altLang="en-US" smtClean="0"/>
-              <a:t>：输入框获取焦点时的样式。</a:t>
-            </a:r>
-            <a:endParaRPr lang="zh-CN" altLang="en-US"/>
-          </a:p>
-        </p:txBody>
-      </p:sp>
-    </p:spTree>
-    <p:extLst>
-      <p:ext uri="{BB962C8B-B14F-4D97-AF65-F5344CB8AC3E}">
-        <p14:creationId xmlns:p14="http://schemas.microsoft.com/office/powerpoint/2010/main" val="1659922702"/>
+        <p14:creationId xmlns:p14="http://schemas.microsoft.com/office/powerpoint/2010/main" val="3892422095"/>
       </p:ext>
     </p:extLst>
   </p:cSld>
@@ -7234,70 +7981,133 @@
             <a:spLocks noGrp="1"/>
           </p:cNvSpPr>
           <p:nvPr>
-            <p:ph type="title"/>
+            <p:ph type="ctrTitle"/>
           </p:nvPr>
         </p:nvSpPr>
         <p:spPr>
           <a:xfrm>
-            <a:off x="838200" y="365125"/>
-            <a:ext cx="10515600" cy="913259"/>
+            <a:off x="1524000" y="287862"/>
+            <a:ext cx="9144000" cy="777458"/>
           </a:xfrm>
         </p:spPr>
         <p:txBody>
-          <a:bodyPr/>
-          <a:lstStyle/>
-          <a:p>
-            <a:pPr algn="ctr"/>
-            <a:r>
-              <a:rPr lang="zh-CN" altLang="en-US" smtClean="0"/>
-              <a:t>通用选择器</a:t>
-            </a:r>
-            <a:endParaRPr lang="zh-CN" altLang="en-US"/>
-          </a:p>
-        </p:txBody>
-      </p:sp>
-      <p:sp>
-        <p:nvSpPr>
-          <p:cNvPr id="3" name="内容占位符 2"/>
-          <p:cNvSpPr>
-            <a:spLocks noGrp="1"/>
-          </p:cNvSpPr>
-          <p:nvPr>
-            <p:ph idx="1"/>
+          <a:bodyPr>
+            <a:normAutofit fontScale="90000"/>
+          </a:bodyPr>
+          <a:lstStyle/>
+          <a:p>
+            <a:r>
+              <a:rPr lang="en-US" altLang="zh-CN" smtClean="0"/>
+              <a:t>css</a:t>
+            </a:r>
+            <a:r>
+              <a:rPr lang="zh-CN" altLang="en-US" smtClean="0"/>
+              <a:t>选择器</a:t>
+            </a:r>
+            <a:endParaRPr lang="zh-CN" altLang="en-US"/>
+          </a:p>
+        </p:txBody>
+      </p:sp>
+      <p:sp>
+        <p:nvSpPr>
+          <p:cNvPr id="3" name="副标题 2"/>
+          <p:cNvSpPr>
+            <a:spLocks noGrp="1"/>
+          </p:cNvSpPr>
+          <p:nvPr>
+            <p:ph type="subTitle" idx="1"/>
           </p:nvPr>
         </p:nvSpPr>
         <p:spPr>
           <a:xfrm>
-            <a:off x="838200" y="1402672"/>
-            <a:ext cx="10515600" cy="4774291"/>
+            <a:off x="1524000" y="1207363"/>
+            <a:ext cx="9144000" cy="4714043"/>
           </a:xfrm>
         </p:spPr>
         <p:txBody>
           <a:bodyPr/>
           <a:lstStyle/>
           <a:p>
-            <a:r>
-              <a:rPr lang="en-US" altLang="zh-CN" smtClean="0"/>
-              <a:t>* {</a:t>
-            </a:r>
-          </a:p>
-          <a:p>
-            <a:r>
-              <a:rPr lang="en-US" altLang="zh-CN" smtClean="0"/>
-              <a:t>  color: red;</a:t>
-            </a:r>
-            <a:endParaRPr lang="en-US" altLang="zh-CN"/>
-          </a:p>
-          <a:p>
+            <a:pPr algn="l"/>
+            <a:r>
+              <a:rPr lang="zh-CN" altLang="en-US" smtClean="0"/>
+              <a:t>选择器 </a:t>
+            </a:r>
+            <a:r>
+              <a:rPr lang="en-US" altLang="zh-CN" smtClean="0"/>
+              <a:t>{</a:t>
+            </a:r>
+          </a:p>
+          <a:p>
+            <a:pPr algn="l"/>
+            <a:r>
+              <a:rPr lang="en-US" altLang="zh-CN" smtClean="0"/>
+              <a:t>  </a:t>
+            </a:r>
+            <a:r>
+              <a:rPr lang="zh-CN" altLang="en-US" smtClean="0"/>
+              <a:t>样式名</a:t>
+            </a:r>
+            <a:r>
+              <a:rPr lang="en-US" altLang="zh-CN" smtClean="0"/>
+              <a:t>1: </a:t>
+            </a:r>
+            <a:r>
+              <a:rPr lang="zh-CN" altLang="en-US" smtClean="0"/>
+              <a:t>样式值</a:t>
+            </a:r>
+            <a:r>
+              <a:rPr lang="en-US" altLang="zh-CN" smtClean="0"/>
+              <a:t>;</a:t>
+            </a:r>
+          </a:p>
+          <a:p>
+            <a:pPr algn="l"/>
+            <a:r>
+              <a:rPr lang="zh-CN" altLang="en-US" smtClean="0"/>
+              <a:t>  样式名</a:t>
+            </a:r>
+            <a:r>
+              <a:rPr lang="en-US" altLang="zh-CN" smtClean="0"/>
+              <a:t>2: </a:t>
+            </a:r>
+            <a:r>
+              <a:rPr lang="zh-CN" altLang="en-US"/>
+              <a:t>样式值</a:t>
+            </a:r>
+            <a:r>
+              <a:rPr lang="en-US" altLang="zh-CN"/>
+              <a:t>;</a:t>
+            </a:r>
+          </a:p>
+          <a:p>
+            <a:pPr algn="l"/>
             <a:r>
               <a:rPr lang="en-US" altLang="zh-CN" smtClean="0"/>
               <a:t>}</a:t>
             </a:r>
           </a:p>
           <a:p>
-            <a:r>
-              <a:rPr lang="zh-CN" altLang="en-US" smtClean="0"/>
-              <a:t>表示对文档内所有标签生效。</a:t>
+            <a:pPr algn="l"/>
+            <a:r>
+              <a:rPr lang="zh-CN" altLang="en-US" smtClean="0"/>
+              <a:t>以上是</a:t>
+            </a:r>
+            <a:r>
+              <a:rPr lang="en-US" altLang="zh-CN" smtClean="0"/>
+              <a:t>css</a:t>
+            </a:r>
+            <a:r>
+              <a:rPr lang="zh-CN" altLang="en-US" smtClean="0"/>
+              <a:t>书写格式，其中选择器指定了作用域</a:t>
+            </a:r>
+            <a:r>
+              <a:rPr lang="en-US" altLang="zh-CN" smtClean="0"/>
+              <a:t>html</a:t>
+            </a:r>
+            <a:r>
+              <a:rPr lang="zh-CN" altLang="en-US" smtClean="0"/>
+              <a:t>文档中哪些元素。</a:t>
             </a:r>
             <a:endParaRPr lang="zh-CN" altLang="en-US"/>
           </a:p>
@@ -7306,7 +8116,7 @@
     </p:spTree>
     <p:extLst>
       <p:ext uri="{BB962C8B-B14F-4D97-AF65-F5344CB8AC3E}">
-        <p14:creationId xmlns:p14="http://schemas.microsoft.com/office/powerpoint/2010/main" val="2014995206"/>
+        <p14:creationId xmlns:p14="http://schemas.microsoft.com/office/powerpoint/2010/main" val="4158788755"/>
       </p:ext>
     </p:extLst>
   </p:cSld>
@@ -7356,7 +8166,7 @@
             <a:pPr algn="ctr"/>
             <a:r>
               <a:rPr lang="zh-CN" altLang="en-US" smtClean="0"/>
-              <a:t>组合选择器</a:t>
+              <a:t>类选择器</a:t>
             </a:r>
             <a:endParaRPr lang="zh-CN" altLang="en-US"/>
           </a:p>
@@ -7374,12 +8184,14 @@
         </p:nvSpPr>
         <p:spPr>
           <a:xfrm>
-            <a:off x="838200" y="1349406"/>
-            <a:ext cx="10515600" cy="4827557"/>
+            <a:off x="838200" y="1464816"/>
+            <a:ext cx="10515600" cy="4712147"/>
           </a:xfrm>
         </p:spPr>
         <p:txBody>
-          <a:bodyPr/>
+          <a:bodyPr>
+            <a:normAutofit lnSpcReduction="10000"/>
+          </a:bodyPr>
           <a:lstStyle/>
           <a:p>
             <a:r>
@@ -7395,7 +8207,7 @@
           <a:p>
             <a:r>
               <a:rPr lang="en-US" altLang="zh-CN" smtClean="0"/>
-              <a:t>div, span {</a:t>
+              <a:t>.name1 {</a:t>
             </a:r>
           </a:p>
           <a:p>
@@ -7424,18 +8236,22 @@
           </a:p>
           <a:p>
             <a:r>
+              <a:rPr lang="en-US" altLang="zh-CN" smtClean="0"/>
+              <a:t>&lt;tagName class=“name1 name2 name3”&gt;&lt;/tagName&gt;</a:t>
+            </a:r>
+          </a:p>
+          <a:p>
+            <a:r>
               <a:rPr lang="en-US" altLang="zh-CN"/>
-              <a:t>&lt;span&gt;span-1-4&lt;/span&gt;</a:t>
-            </a:r>
-          </a:p>
-          <a:p>
-            <a:r>
-              <a:rPr lang="en-US" altLang="zh-CN" smtClean="0"/>
-              <a:t>&lt;</a:t>
+              <a:t>&lt;tagName class=“name1 </a:t>
+            </a:r>
+            <a:r>
+              <a:rPr lang="en-US" altLang="zh-CN" smtClean="0"/>
+              <a:t>name4 name5”&gt;&lt;/</a:t>
             </a:r>
             <a:r>
               <a:rPr lang="en-US" altLang="zh-CN"/>
-              <a:t>div&gt;div-1-5&lt;/div</a:t>
+              <a:t>tagName</a:t>
             </a:r>
             <a:r>
               <a:rPr lang="en-US" altLang="zh-CN" smtClean="0"/>
@@ -7445,38 +8261,63 @@
           <a:p>
             <a:r>
               <a:rPr lang="zh-CN" altLang="en-US" smtClean="0"/>
-              <a:t>对文档内所有</a:t>
-            </a:r>
-            <a:r>
-              <a:rPr lang="en-US" altLang="zh-CN" smtClean="0"/>
-              <a:t>div</a:t>
-            </a:r>
-            <a:r>
-              <a:rPr lang="zh-CN" altLang="en-US" smtClean="0"/>
-              <a:t>和</a:t>
-            </a:r>
-            <a:r>
-              <a:rPr lang="en-US" altLang="zh-CN" smtClean="0"/>
-              <a:t>span</a:t>
-            </a:r>
-            <a:r>
-              <a:rPr lang="zh-CN" altLang="en-US" smtClean="0"/>
-              <a:t>标签同时生效。</a:t>
-            </a:r>
-            <a:endParaRPr lang="en-US" altLang="zh-CN" smtClean="0"/>
-          </a:p>
-          <a:p>
-            <a:r>
-              <a:rPr lang="zh-CN" altLang="en-US" smtClean="0"/>
-              <a:t>用法：选择器之间使用</a:t>
-            </a:r>
-            <a:r>
-              <a:rPr lang="en-US" altLang="zh-CN" smtClean="0"/>
-              <a:t>”,”</a:t>
-            </a:r>
-            <a:r>
-              <a:rPr lang="zh-CN" altLang="en-US" smtClean="0"/>
-              <a:t>分隔，后面加一个空格。</a:t>
+              <a:t>其中</a:t>
+            </a:r>
+            <a:r>
+              <a:rPr lang="en-US" altLang="zh-CN" smtClean="0"/>
+              <a:t>css</a:t>
+            </a:r>
+            <a:r>
+              <a:rPr lang="zh-CN" altLang="en-US" smtClean="0"/>
+              <a:t>代码中</a:t>
+            </a:r>
+            <a:r>
+              <a:rPr lang="en-US" altLang="zh-CN" smtClean="0"/>
+              <a:t>name1</a:t>
+            </a:r>
+            <a:r>
+              <a:rPr lang="zh-CN" altLang="en-US" smtClean="0"/>
+              <a:t>前面有一个</a:t>
+            </a:r>
+            <a:r>
+              <a:rPr lang="en-US" altLang="zh-CN" smtClean="0"/>
+              <a:t>”.”</a:t>
+            </a:r>
+            <a:r>
+              <a:rPr lang="zh-CN" altLang="en-US" smtClean="0"/>
+              <a:t>，代表是类选择器，作用域</a:t>
+            </a:r>
+            <a:r>
+              <a:rPr lang="en-US" altLang="zh-CN" smtClean="0"/>
+              <a:t>html</a:t>
+            </a:r>
+            <a:r>
+              <a:rPr lang="zh-CN" altLang="en-US" smtClean="0"/>
+              <a:t>代码中</a:t>
+            </a:r>
+            <a:r>
+              <a:rPr lang="en-US" altLang="zh-CN" smtClean="0"/>
+              <a:t>class</a:t>
+            </a:r>
+            <a:r>
+              <a:rPr lang="zh-CN" altLang="en-US" smtClean="0"/>
+              <a:t>的属性值包含</a:t>
+            </a:r>
+            <a:r>
+              <a:rPr lang="en-US" altLang="zh-CN" smtClean="0"/>
+              <a:t>name1</a:t>
+            </a:r>
+            <a:r>
+              <a:rPr lang="zh-CN" altLang="en-US" smtClean="0"/>
+              <a:t>的标签，</a:t>
+            </a:r>
+            <a:r>
+              <a:rPr lang="en-US" altLang="zh-CN" smtClean="0"/>
+              <a:t>class</a:t>
+            </a:r>
+            <a:r>
+              <a:rPr lang="zh-CN" altLang="en-US" smtClean="0"/>
+              <a:t>的值如果有多个，属性值之间使用空格分隔。</a:t>
             </a:r>
             <a:endParaRPr lang="zh-CN" altLang="en-US"/>
           </a:p>
@@ -7485,7 +8326,7 @@
     </p:spTree>
     <p:extLst>
       <p:ext uri="{BB962C8B-B14F-4D97-AF65-F5344CB8AC3E}">
-        <p14:creationId xmlns:p14="http://schemas.microsoft.com/office/powerpoint/2010/main" val="2925841292"/>
+        <p14:creationId xmlns:p14="http://schemas.microsoft.com/office/powerpoint/2010/main" val="3360541201"/>
       </p:ext>
     </p:extLst>
   </p:cSld>

--- a/材料/html/ppt/html-第五章.pptx
+++ b/材料/html/ppt/html-第五章.pptx
@@ -262,7 +262,7 @@
           <a:p>
             <a:fld id="{2789B73D-9F6B-45F9-AE4E-815273336DB0}" type="datetimeFigureOut">
               <a:rPr lang="zh-CN" altLang="en-US" smtClean="0"/>
-              <a:t>2018/10/12 Friday</a:t>
+              <a:t>2018/10/24</a:t>
             </a:fld>
             <a:endParaRPr lang="zh-CN" altLang="en-US"/>
           </a:p>
@@ -432,7 +432,7 @@
           <a:p>
             <a:fld id="{2789B73D-9F6B-45F9-AE4E-815273336DB0}" type="datetimeFigureOut">
               <a:rPr lang="zh-CN" altLang="en-US" smtClean="0"/>
-              <a:t>2018/10/12 Friday</a:t>
+              <a:t>2018/10/24</a:t>
             </a:fld>
             <a:endParaRPr lang="zh-CN" altLang="en-US"/>
           </a:p>
@@ -612,7 +612,7 @@
           <a:p>
             <a:fld id="{2789B73D-9F6B-45F9-AE4E-815273336DB0}" type="datetimeFigureOut">
               <a:rPr lang="zh-CN" altLang="en-US" smtClean="0"/>
-              <a:t>2018/10/12 Friday</a:t>
+              <a:t>2018/10/24</a:t>
             </a:fld>
             <a:endParaRPr lang="zh-CN" altLang="en-US"/>
           </a:p>
@@ -782,7 +782,7 @@
           <a:p>
             <a:fld id="{2789B73D-9F6B-45F9-AE4E-815273336DB0}" type="datetimeFigureOut">
               <a:rPr lang="zh-CN" altLang="en-US" smtClean="0"/>
-              <a:t>2018/10/12 Friday</a:t>
+              <a:t>2018/10/24</a:t>
             </a:fld>
             <a:endParaRPr lang="zh-CN" altLang="en-US"/>
           </a:p>
@@ -1028,7 +1028,7 @@
           <a:p>
             <a:fld id="{2789B73D-9F6B-45F9-AE4E-815273336DB0}" type="datetimeFigureOut">
               <a:rPr lang="zh-CN" altLang="en-US" smtClean="0"/>
-              <a:t>2018/10/12 Friday</a:t>
+              <a:t>2018/10/24</a:t>
             </a:fld>
             <a:endParaRPr lang="zh-CN" altLang="en-US"/>
           </a:p>
@@ -1260,7 +1260,7 @@
           <a:p>
             <a:fld id="{2789B73D-9F6B-45F9-AE4E-815273336DB0}" type="datetimeFigureOut">
               <a:rPr lang="zh-CN" altLang="en-US" smtClean="0"/>
-              <a:t>2018/10/12 Friday</a:t>
+              <a:t>2018/10/24</a:t>
             </a:fld>
             <a:endParaRPr lang="zh-CN" altLang="en-US"/>
           </a:p>
@@ -1627,7 +1627,7 @@
           <a:p>
             <a:fld id="{2789B73D-9F6B-45F9-AE4E-815273336DB0}" type="datetimeFigureOut">
               <a:rPr lang="zh-CN" altLang="en-US" smtClean="0"/>
-              <a:t>2018/10/12 Friday</a:t>
+              <a:t>2018/10/24</a:t>
             </a:fld>
             <a:endParaRPr lang="zh-CN" altLang="en-US"/>
           </a:p>
@@ -1745,7 +1745,7 @@
           <a:p>
             <a:fld id="{2789B73D-9F6B-45F9-AE4E-815273336DB0}" type="datetimeFigureOut">
               <a:rPr lang="zh-CN" altLang="en-US" smtClean="0"/>
-              <a:t>2018/10/12 Friday</a:t>
+              <a:t>2018/10/24</a:t>
             </a:fld>
             <a:endParaRPr lang="zh-CN" altLang="en-US"/>
           </a:p>
@@ -1840,7 +1840,7 @@
           <a:p>
             <a:fld id="{2789B73D-9F6B-45F9-AE4E-815273336DB0}" type="datetimeFigureOut">
               <a:rPr lang="zh-CN" altLang="en-US" smtClean="0"/>
-              <a:t>2018/10/12 Friday</a:t>
+              <a:t>2018/10/24</a:t>
             </a:fld>
             <a:endParaRPr lang="zh-CN" altLang="en-US"/>
           </a:p>
@@ -2117,7 +2117,7 @@
           <a:p>
             <a:fld id="{2789B73D-9F6B-45F9-AE4E-815273336DB0}" type="datetimeFigureOut">
               <a:rPr lang="zh-CN" altLang="en-US" smtClean="0"/>
-              <a:t>2018/10/12 Friday</a:t>
+              <a:t>2018/10/24</a:t>
             </a:fld>
             <a:endParaRPr lang="zh-CN" altLang="en-US"/>
           </a:p>
@@ -2370,7 +2370,7 @@
           <a:p>
             <a:fld id="{2789B73D-9F6B-45F9-AE4E-815273336DB0}" type="datetimeFigureOut">
               <a:rPr lang="zh-CN" altLang="en-US" smtClean="0"/>
-              <a:t>2018/10/12 Friday</a:t>
+              <a:t>2018/10/24</a:t>
             </a:fld>
             <a:endParaRPr lang="zh-CN" altLang="en-US"/>
           </a:p>
@@ -2583,7 +2583,7 @@
           <a:p>
             <a:fld id="{2789B73D-9F6B-45F9-AE4E-815273336DB0}" type="datetimeFigureOut">
               <a:rPr lang="zh-CN" altLang="en-US" smtClean="0"/>
-              <a:t>2018/10/12 Friday</a:t>
+              <a:t>2018/10/24</a:t>
             </a:fld>
             <a:endParaRPr lang="zh-CN" altLang="en-US"/>
           </a:p>
@@ -3044,86 +3044,86 @@
           <a:p>
             <a:pPr algn="l"/>
             <a:r>
-              <a:rPr lang="zh-CN" altLang="en-US" smtClean="0"/>
+              <a:rPr lang="zh-CN" altLang="en-US" dirty="0" smtClean="0"/>
               <a:t>选择器 </a:t>
             </a:r>
             <a:r>
-              <a:rPr lang="en-US" altLang="zh-CN" smtClean="0"/>
+              <a:rPr lang="en-US" altLang="zh-CN" dirty="0" smtClean="0"/>
               <a:t>{</a:t>
             </a:r>
           </a:p>
           <a:p>
             <a:pPr algn="l"/>
             <a:r>
-              <a:rPr lang="en-US" altLang="zh-CN" smtClean="0"/>
+              <a:rPr lang="en-US" altLang="zh-CN" dirty="0" smtClean="0"/>
               <a:t>  </a:t>
             </a:r>
             <a:r>
-              <a:rPr lang="zh-CN" altLang="en-US" smtClean="0"/>
+              <a:rPr lang="zh-CN" altLang="en-US" dirty="0" smtClean="0"/>
               <a:t>样式名</a:t>
             </a:r>
             <a:r>
-              <a:rPr lang="en-US" altLang="zh-CN" smtClean="0"/>
+              <a:rPr lang="en-US" altLang="zh-CN" dirty="0" smtClean="0"/>
               <a:t>1: </a:t>
             </a:r>
             <a:r>
-              <a:rPr lang="zh-CN" altLang="en-US" smtClean="0"/>
+              <a:rPr lang="zh-CN" altLang="en-US" dirty="0" smtClean="0"/>
               <a:t>样式值</a:t>
             </a:r>
             <a:r>
-              <a:rPr lang="en-US" altLang="zh-CN" smtClean="0"/>
+              <a:rPr lang="en-US" altLang="zh-CN" dirty="0" smtClean="0"/>
               <a:t>;</a:t>
             </a:r>
           </a:p>
           <a:p>
             <a:pPr algn="l"/>
             <a:r>
-              <a:rPr lang="zh-CN" altLang="en-US" smtClean="0"/>
+              <a:rPr lang="zh-CN" altLang="en-US" dirty="0" smtClean="0"/>
               <a:t>  样式名</a:t>
             </a:r>
             <a:r>
-              <a:rPr lang="en-US" altLang="zh-CN" smtClean="0"/>
+              <a:rPr lang="en-US" altLang="zh-CN" dirty="0" smtClean="0"/>
               <a:t>2: </a:t>
             </a:r>
             <a:r>
-              <a:rPr lang="zh-CN" altLang="en-US"/>
+              <a:rPr lang="zh-CN" altLang="en-US" dirty="0"/>
               <a:t>样式值</a:t>
             </a:r>
             <a:r>
-              <a:rPr lang="en-US" altLang="zh-CN"/>
+              <a:rPr lang="en-US" altLang="zh-CN" dirty="0"/>
               <a:t>;</a:t>
             </a:r>
           </a:p>
           <a:p>
             <a:pPr algn="l"/>
             <a:r>
-              <a:rPr lang="en-US" altLang="zh-CN" smtClean="0"/>
+              <a:rPr lang="en-US" altLang="zh-CN" dirty="0" smtClean="0"/>
               <a:t>}</a:t>
             </a:r>
           </a:p>
           <a:p>
             <a:pPr algn="l"/>
             <a:r>
-              <a:rPr lang="zh-CN" altLang="en-US" smtClean="0"/>
+              <a:rPr lang="zh-CN" altLang="en-US" dirty="0" smtClean="0"/>
               <a:t>以上是</a:t>
             </a:r>
             <a:r>
-              <a:rPr lang="en-US" altLang="zh-CN" smtClean="0"/>
+              <a:rPr lang="en-US" altLang="zh-CN" dirty="0" err="1" smtClean="0"/>
               <a:t>css</a:t>
             </a:r>
             <a:r>
-              <a:rPr lang="zh-CN" altLang="en-US" smtClean="0"/>
+              <a:rPr lang="zh-CN" altLang="en-US" dirty="0" smtClean="0"/>
               <a:t>书写格式，其中选择器指定了作用域</a:t>
             </a:r>
             <a:r>
-              <a:rPr lang="en-US" altLang="zh-CN" smtClean="0"/>
+              <a:rPr lang="en-US" altLang="zh-CN" dirty="0" smtClean="0"/>
               <a:t>html</a:t>
             </a:r>
             <a:r>
-              <a:rPr lang="zh-CN" altLang="en-US" smtClean="0"/>
+              <a:rPr lang="zh-CN" altLang="en-US" dirty="0" smtClean="0"/>
               <a:t>文档中哪些元素。</a:t>
             </a:r>
-            <a:endParaRPr lang="zh-CN" altLang="en-US"/>
+            <a:endParaRPr lang="zh-CN" altLang="en-US" dirty="0"/>
           </a:p>
         </p:txBody>
       </p:sp>
@@ -3209,149 +3209,149 @@
           <a:lstStyle/>
           <a:p>
             <a:r>
-              <a:rPr lang="en-US" altLang="zh-CN" smtClean="0"/>
+              <a:rPr lang="en-US" altLang="zh-CN" dirty="0" err="1" smtClean="0"/>
               <a:t>css</a:t>
             </a:r>
             <a:r>
-              <a:rPr lang="zh-CN" altLang="en-US" smtClean="0"/>
+              <a:rPr lang="zh-CN" altLang="en-US" dirty="0" smtClean="0"/>
               <a:t>代码：</a:t>
             </a:r>
-            <a:endParaRPr lang="en-US" altLang="zh-CN" smtClean="0"/>
-          </a:p>
-          <a:p>
-            <a:r>
-              <a:rPr lang="en-US" altLang="zh-CN" smtClean="0"/>
+            <a:endParaRPr lang="en-US" altLang="zh-CN" dirty="0" smtClean="0"/>
+          </a:p>
+          <a:p>
+            <a:r>
+              <a:rPr lang="en-US" altLang="zh-CN" dirty="0" smtClean="0"/>
               <a:t>.sub + div {</a:t>
             </a:r>
           </a:p>
           <a:p>
             <a:r>
-              <a:rPr lang="en-US" altLang="zh-CN" smtClean="0"/>
+              <a:rPr lang="en-US" altLang="zh-CN" dirty="0" smtClean="0"/>
               <a:t>  color: red;</a:t>
             </a:r>
-            <a:endParaRPr lang="en-US" altLang="zh-CN"/>
-          </a:p>
-          <a:p>
-            <a:r>
-              <a:rPr lang="en-US" altLang="zh-CN" smtClean="0"/>
+            <a:endParaRPr lang="en-US" altLang="zh-CN" dirty="0"/>
+          </a:p>
+          <a:p>
+            <a:r>
+              <a:rPr lang="en-US" altLang="zh-CN" dirty="0" smtClean="0"/>
               <a:t>}</a:t>
             </a:r>
           </a:p>
           <a:p>
             <a:r>
-              <a:rPr lang="en-US" altLang="zh-CN" smtClean="0"/>
+              <a:rPr lang="en-US" altLang="zh-CN" dirty="0" smtClean="0"/>
               <a:t>html</a:t>
             </a:r>
             <a:r>
-              <a:rPr lang="zh-CN" altLang="en-US" smtClean="0"/>
+              <a:rPr lang="zh-CN" altLang="en-US" dirty="0" smtClean="0"/>
               <a:t>代码：</a:t>
             </a:r>
-            <a:endParaRPr lang="en-US" altLang="zh-CN" smtClean="0"/>
-          </a:p>
-          <a:p>
-            <a:r>
-              <a:rPr lang="en-US" altLang="zh-CN" smtClean="0"/>
+            <a:endParaRPr lang="en-US" altLang="zh-CN" dirty="0" smtClean="0"/>
+          </a:p>
+          <a:p>
+            <a:r>
+              <a:rPr lang="en-US" altLang="zh-CN" dirty="0" smtClean="0"/>
               <a:t>&lt;</a:t>
             </a:r>
             <a:r>
-              <a:rPr lang="en-US" altLang="zh-CN"/>
+              <a:rPr lang="en-US" altLang="zh-CN" dirty="0"/>
               <a:t>div class="parent"&gt;</a:t>
             </a:r>
           </a:p>
           <a:p>
             <a:r>
-              <a:rPr lang="en-US" altLang="zh-CN" smtClean="0"/>
+              <a:rPr lang="en-US" altLang="zh-CN" dirty="0" smtClean="0"/>
               <a:t>  &lt;</a:t>
             </a:r>
             <a:r>
-              <a:rPr lang="en-US" altLang="zh-CN"/>
+              <a:rPr lang="en-US" altLang="zh-CN" dirty="0"/>
               <a:t>div class="sub"&gt;div-2-1&lt;/div&gt;</a:t>
             </a:r>
           </a:p>
           <a:p>
             <a:r>
-              <a:rPr lang="en-US" altLang="zh-CN"/>
+              <a:rPr lang="en-US" altLang="zh-CN" dirty="0"/>
               <a:t>  </a:t>
             </a:r>
             <a:r>
-              <a:rPr lang="en-US" altLang="zh-CN" smtClean="0"/>
+              <a:rPr lang="en-US" altLang="zh-CN" dirty="0" smtClean="0"/>
               <a:t>&lt;</a:t>
             </a:r>
             <a:r>
-              <a:rPr lang="en-US" altLang="zh-CN"/>
+              <a:rPr lang="en-US" altLang="zh-CN" dirty="0"/>
               <a:t>div&gt;div-2-2&lt;/div</a:t>
             </a:r>
             <a:r>
-              <a:rPr lang="en-US" altLang="zh-CN" smtClean="0"/>
+              <a:rPr lang="en-US" altLang="zh-CN" dirty="0" smtClean="0"/>
               <a:t>&gt;</a:t>
             </a:r>
           </a:p>
           <a:p>
             <a:r>
-              <a:rPr lang="en-US" altLang="zh-CN" smtClean="0"/>
+              <a:rPr lang="en-US" altLang="zh-CN" dirty="0" smtClean="0"/>
               <a:t>  &lt;</a:t>
             </a:r>
             <a:r>
-              <a:rPr lang="en-US" altLang="zh-CN"/>
+              <a:rPr lang="en-US" altLang="zh-CN" dirty="0"/>
               <a:t>div&gt;div-2-6&lt;/div</a:t>
             </a:r>
             <a:r>
-              <a:rPr lang="en-US" altLang="zh-CN" smtClean="0"/>
+              <a:rPr lang="en-US" altLang="zh-CN" dirty="0" smtClean="0"/>
               <a:t>&gt;</a:t>
             </a:r>
           </a:p>
           <a:p>
             <a:r>
-              <a:rPr lang="en-US" altLang="zh-CN" smtClean="0"/>
+              <a:rPr lang="en-US" altLang="zh-CN" dirty="0" smtClean="0"/>
               <a:t>&lt;/</a:t>
             </a:r>
             <a:r>
-              <a:rPr lang="en-US" altLang="zh-CN"/>
+              <a:rPr lang="en-US" altLang="zh-CN" dirty="0"/>
               <a:t>div</a:t>
             </a:r>
             <a:r>
-              <a:rPr lang="en-US" altLang="zh-CN" smtClean="0"/>
+              <a:rPr lang="en-US" altLang="zh-CN" dirty="0" smtClean="0"/>
               <a:t>&gt;</a:t>
             </a:r>
           </a:p>
           <a:p>
             <a:r>
-              <a:rPr lang="zh-CN" altLang="en-US" smtClean="0"/>
+              <a:rPr lang="zh-CN" altLang="en-US" dirty="0" smtClean="0"/>
               <a:t>同胞元素：表示在同一层级，</a:t>
             </a:r>
             <a:r>
-              <a:rPr lang="en-US" altLang="zh-CN" smtClean="0"/>
+              <a:rPr lang="en-US" altLang="zh-CN" dirty="0" smtClean="0"/>
               <a:t>.parent</a:t>
             </a:r>
             <a:r>
-              <a:rPr lang="zh-CN" altLang="en-US" smtClean="0"/>
+              <a:rPr lang="zh-CN" altLang="en-US" dirty="0" smtClean="0"/>
               <a:t>下的三个</a:t>
             </a:r>
             <a:r>
-              <a:rPr lang="en-US" altLang="zh-CN" smtClean="0"/>
+              <a:rPr lang="en-US" altLang="zh-CN" dirty="0" smtClean="0"/>
               <a:t>div</a:t>
             </a:r>
             <a:r>
-              <a:rPr lang="zh-CN" altLang="en-US" smtClean="0"/>
+              <a:rPr lang="zh-CN" altLang="en-US" dirty="0" smtClean="0"/>
               <a:t>都在同一级，它们相互之间被称为同胞元素，也被称为兄弟元素。</a:t>
             </a:r>
             <a:r>
-              <a:rPr lang="en-US" altLang="zh-CN" smtClean="0"/>
+              <a:rPr lang="en-US" altLang="zh-CN" dirty="0" smtClean="0"/>
               <a:t>”+”</a:t>
             </a:r>
             <a:r>
-              <a:rPr lang="zh-CN" altLang="en-US" smtClean="0"/>
+              <a:rPr lang="zh-CN" altLang="en-US" dirty="0" smtClean="0"/>
               <a:t>表示</a:t>
             </a:r>
             <a:r>
-              <a:rPr lang="en-US" altLang="zh-CN" smtClean="0"/>
+              <a:rPr lang="en-US" altLang="zh-CN" dirty="0" smtClean="0"/>
               <a:t>.sub</a:t>
             </a:r>
             <a:r>
-              <a:rPr lang="zh-CN" altLang="en-US" smtClean="0"/>
+              <a:rPr lang="zh-CN" altLang="en-US" dirty="0" smtClean="0"/>
               <a:t>后面的一个兄弟元素。</a:t>
             </a:r>
-            <a:endParaRPr lang="zh-CN" altLang="en-US"/>
+            <a:endParaRPr lang="zh-CN" altLang="en-US" dirty="0"/>
           </a:p>
         </p:txBody>
       </p:sp>
@@ -3437,150 +3437,210 @@
           <a:lstStyle/>
           <a:p>
             <a:r>
-              <a:rPr lang="en-US" altLang="zh-CN" smtClean="0"/>
+              <a:rPr lang="en-US" altLang="zh-CN" dirty="0" err="1" smtClean="0"/>
               <a:t>css</a:t>
             </a:r>
             <a:r>
-              <a:rPr lang="zh-CN" altLang="en-US" smtClean="0"/>
+              <a:rPr lang="zh-CN" altLang="en-US" dirty="0" smtClean="0"/>
               <a:t>代码：</a:t>
             </a:r>
-            <a:endParaRPr lang="en-US" altLang="zh-CN" smtClean="0"/>
-          </a:p>
-          <a:p>
-            <a:r>
-              <a:rPr lang="en-US" altLang="zh-CN"/>
-              <a:t>[readonly] {</a:t>
-            </a:r>
-          </a:p>
-          <a:p>
-            <a:r>
-              <a:rPr lang="en-US" altLang="zh-CN"/>
+            <a:endParaRPr lang="en-US" altLang="zh-CN" dirty="0" smtClean="0"/>
+          </a:p>
+          <a:p>
+            <a:r>
+              <a:rPr lang="en-US" altLang="zh-CN" dirty="0" smtClean="0"/>
+              <a:t>[</a:t>
+            </a:r>
+            <a:r>
+              <a:rPr lang="en-US" altLang="zh-CN" dirty="0" err="1" smtClean="0"/>
+              <a:t>readonly</a:t>
+            </a:r>
+            <a:r>
+              <a:rPr lang="en-US" altLang="zh-CN" dirty="0"/>
+              <a:t>] {</a:t>
+            </a:r>
+          </a:p>
+          <a:p>
+            <a:r>
+              <a:rPr lang="en-US" altLang="zh-CN" dirty="0"/>
               <a:t>  border: 1px solid red;</a:t>
             </a:r>
           </a:p>
           <a:p>
             <a:r>
-              <a:rPr lang="en-US" altLang="zh-CN" smtClean="0"/>
+              <a:rPr lang="en-US" altLang="zh-CN" dirty="0" smtClean="0"/>
               <a:t>}</a:t>
             </a:r>
           </a:p>
           <a:p>
             <a:r>
-              <a:rPr lang="en-US" altLang="zh-CN" smtClean="0"/>
+              <a:rPr lang="en-US" altLang="zh-CN" dirty="0" smtClean="0"/>
               <a:t>html</a:t>
             </a:r>
             <a:r>
-              <a:rPr lang="zh-CN" altLang="en-US" smtClean="0"/>
+              <a:rPr lang="zh-CN" altLang="en-US" dirty="0" smtClean="0"/>
               <a:t>代码：</a:t>
             </a:r>
-            <a:endParaRPr lang="en-US" altLang="zh-CN" smtClean="0"/>
-          </a:p>
-          <a:p>
-            <a:r>
-              <a:rPr lang="en-US" altLang="zh-CN"/>
+            <a:endParaRPr lang="en-US" altLang="zh-CN" dirty="0" smtClean="0"/>
+          </a:p>
+          <a:p>
+            <a:r>
+              <a:rPr lang="en-US" altLang="zh-CN" dirty="0"/>
               <a:t>&lt;input id="</a:t>
             </a:r>
             <a:r>
-              <a:rPr lang="en-US" altLang="zh-CN" smtClean="0"/>
+              <a:rPr lang="en-US" altLang="zh-CN" dirty="0" smtClean="0"/>
               <a:t>username1" </a:t>
             </a:r>
             <a:r>
-              <a:rPr lang="en-US" altLang="zh-CN"/>
+              <a:rPr lang="en-US" altLang="zh-CN" dirty="0"/>
               <a:t>placeholder="</a:t>
             </a:r>
             <a:r>
-              <a:rPr lang="zh-CN" altLang="en-US"/>
+              <a:rPr lang="zh-CN" altLang="en-US" dirty="0"/>
               <a:t>请输入姓名</a:t>
             </a:r>
             <a:r>
-              <a:rPr lang="en-US" altLang="zh-CN"/>
-              <a:t>1" readonly </a:t>
-            </a:r>
-            <a:r>
-              <a:rPr lang="en-US" altLang="zh-CN" smtClean="0"/>
+              <a:rPr lang="en-US" altLang="zh-CN" dirty="0"/>
+              <a:t>1" </a:t>
+            </a:r>
+            <a:r>
+              <a:rPr lang="en-US" altLang="zh-CN" dirty="0" err="1"/>
+              <a:t>readonly</a:t>
+            </a:r>
+            <a:r>
+              <a:rPr lang="en-US" altLang="zh-CN" dirty="0"/>
+              <a:t> </a:t>
+            </a:r>
+            <a:r>
+              <a:rPr lang="en-US" altLang="zh-CN" dirty="0" smtClean="0"/>
               <a:t>/&gt;</a:t>
             </a:r>
           </a:p>
           <a:p>
             <a:r>
-              <a:rPr lang="en-US" altLang="zh-CN" smtClean="0"/>
+              <a:rPr lang="en-US" altLang="zh-CN" dirty="0" smtClean="0"/>
               <a:t>&lt;input </a:t>
             </a:r>
             <a:r>
-              <a:rPr lang="en-US" altLang="zh-CN"/>
+              <a:rPr lang="en-US" altLang="zh-CN" dirty="0"/>
               <a:t>id="</a:t>
             </a:r>
             <a:r>
-              <a:rPr lang="en-US" altLang="zh-CN" smtClean="0"/>
+              <a:rPr lang="en-US" altLang="zh-CN" dirty="0" smtClean="0"/>
               <a:t>username2" </a:t>
             </a:r>
             <a:r>
-              <a:rPr lang="en-US" altLang="zh-CN"/>
+              <a:rPr lang="en-US" altLang="zh-CN" dirty="0"/>
               <a:t>placeholder="</a:t>
             </a:r>
             <a:r>
-              <a:rPr lang="zh-CN" altLang="en-US"/>
+              <a:rPr lang="zh-CN" altLang="en-US" dirty="0"/>
               <a:t>请输入姓名</a:t>
             </a:r>
             <a:r>
-              <a:rPr lang="en-US" altLang="zh-CN"/>
-              <a:t>2" </a:t>
-            </a:r>
-            <a:r>
-              <a:rPr lang="en-US" altLang="zh-CN" smtClean="0"/>
+              <a:rPr lang="en-US" altLang="zh-CN" dirty="0" smtClean="0"/>
+              <a:t>2“ </a:t>
+            </a:r>
+            <a:r>
+              <a:rPr lang="en-US" altLang="zh-CN" dirty="0"/>
+              <a:t>title=“</a:t>
+            </a:r>
+            <a:r>
+              <a:rPr lang="en-US" altLang="zh-CN" dirty="0" smtClean="0"/>
+              <a:t>divtitle1 </a:t>
+            </a:r>
+            <a:r>
+              <a:rPr lang="en-US" altLang="zh-CN" dirty="0" err="1" smtClean="0"/>
+              <a:t>abc</a:t>
+            </a:r>
+            <a:r>
+              <a:rPr lang="en-US" altLang="zh-CN" dirty="0" smtClean="0"/>
+              <a:t> </a:t>
+            </a:r>
+            <a:r>
+              <a:rPr lang="en-US" altLang="zh-CN" dirty="0" err="1" smtClean="0"/>
+              <a:t>abcd</a:t>
+            </a:r>
+            <a:r>
+              <a:rPr lang="en-US" altLang="zh-CN" dirty="0" smtClean="0"/>
+              <a:t>” </a:t>
+            </a:r>
+            <a:r>
+              <a:rPr lang="en-US" altLang="zh-CN" dirty="0" smtClean="0"/>
               <a:t>/&gt;</a:t>
             </a:r>
           </a:p>
           <a:p>
             <a:r>
-              <a:rPr lang="zh-CN" altLang="en-US" smtClean="0"/>
+              <a:rPr lang="zh-CN" altLang="en-US" dirty="0" smtClean="0"/>
               <a:t>作用于所有带有</a:t>
             </a:r>
             <a:r>
-              <a:rPr lang="en-US" altLang="zh-CN" smtClean="0"/>
+              <a:rPr lang="en-US" altLang="zh-CN" dirty="0" err="1" smtClean="0"/>
               <a:t>readonly</a:t>
             </a:r>
             <a:r>
-              <a:rPr lang="zh-CN" altLang="en-US" smtClean="0"/>
+              <a:rPr lang="zh-CN" altLang="en-US" dirty="0" smtClean="0"/>
               <a:t>属性的标签，选择器可以于其它选择器配合，比如</a:t>
             </a:r>
             <a:r>
-              <a:rPr lang="en-US" altLang="zh-CN" smtClean="0"/>
-              <a:t>[id][readonly]</a:t>
-            </a:r>
-            <a:r>
-              <a:rPr lang="zh-CN" altLang="en-US" smtClean="0"/>
+              <a:rPr lang="en-US" altLang="zh-CN" dirty="0" smtClean="0"/>
+              <a:t>[id][</a:t>
+            </a:r>
+            <a:r>
+              <a:rPr lang="en-US" altLang="zh-CN" dirty="0" err="1" smtClean="0"/>
+              <a:t>readonly</a:t>
+            </a:r>
+            <a:r>
+              <a:rPr lang="en-US" altLang="zh-CN" dirty="0" smtClean="0"/>
+              <a:t>]</a:t>
+            </a:r>
+            <a:r>
+              <a:rPr lang="zh-CN" altLang="en-US" dirty="0" smtClean="0"/>
               <a:t>或者</a:t>
             </a:r>
             <a:r>
-              <a:rPr lang="en-US" altLang="zh-CN" smtClean="0"/>
-              <a:t>input[readonly]</a:t>
-            </a:r>
-            <a:r>
-              <a:rPr lang="zh-CN" altLang="en-US" smtClean="0"/>
+              <a:rPr lang="en-US" altLang="zh-CN" dirty="0" smtClean="0"/>
+              <a:t>input[</a:t>
+            </a:r>
+            <a:r>
+              <a:rPr lang="en-US" altLang="zh-CN" dirty="0" err="1" smtClean="0"/>
+              <a:t>readonly</a:t>
+            </a:r>
+            <a:r>
+              <a:rPr lang="en-US" altLang="zh-CN" dirty="0" smtClean="0"/>
+              <a:t>]</a:t>
+            </a:r>
+            <a:r>
+              <a:rPr lang="zh-CN" altLang="en-US" dirty="0" smtClean="0"/>
               <a:t>，下面简单介绍几种：</a:t>
             </a:r>
-            <a:endParaRPr lang="en-US" altLang="zh-CN" smtClean="0"/>
-          </a:p>
-          <a:p>
-            <a:r>
-              <a:rPr lang="en-US" altLang="zh-CN" smtClean="0"/>
-              <a:t>input[id=“username1”]</a:t>
-            </a:r>
-            <a:r>
-              <a:rPr lang="zh-CN" altLang="en-US"/>
+            <a:endParaRPr lang="en-US" altLang="zh-CN" dirty="0" smtClean="0"/>
+          </a:p>
+          <a:p>
+            <a:r>
+              <a:rPr lang="en-US" altLang="zh-CN" dirty="0" smtClean="0"/>
+              <a:t>input[id=“</a:t>
+            </a:r>
+            <a:r>
+              <a:rPr lang="en-US" altLang="zh-CN" dirty="0" smtClean="0"/>
+              <a:t>username1”]</a:t>
+            </a:r>
+            <a:r>
+              <a:rPr lang="zh-CN" altLang="en-US" dirty="0"/>
               <a:t>：作用于所有</a:t>
             </a:r>
             <a:r>
-              <a:rPr lang="en-US" altLang="zh-CN"/>
+              <a:rPr lang="en-US" altLang="zh-CN" dirty="0"/>
               <a:t>id</a:t>
             </a:r>
             <a:r>
-              <a:rPr lang="zh-CN" altLang="en-US" smtClean="0"/>
+              <a:rPr lang="zh-CN" altLang="en-US" dirty="0" smtClean="0"/>
               <a:t>值</a:t>
             </a:r>
             <a:r>
-              <a:rPr lang="zh-CN" altLang="en-US" smtClean="0">
+              <a:rPr lang="zh-CN" altLang="en-US" dirty="0" smtClean="0">
                 <a:solidFill>
                   <a:srgbClr val="FF0000"/>
                 </a:solidFill>
@@ -3588,7 +3648,7 @@
               <a:t>等于</a:t>
             </a:r>
             <a:r>
-              <a:rPr lang="en-US" altLang="zh-CN" smtClean="0">
+              <a:rPr lang="en-US" altLang="zh-CN" dirty="0" smtClean="0">
                 <a:solidFill>
                   <a:srgbClr val="FF0000"/>
                 </a:solidFill>
@@ -3596,42 +3656,46 @@
               <a:t>username1</a:t>
             </a:r>
             <a:r>
-              <a:rPr lang="zh-CN" altLang="en-US" smtClean="0"/>
+              <a:rPr lang="zh-CN" altLang="en-US" dirty="0" smtClean="0"/>
               <a:t>的</a:t>
             </a:r>
             <a:r>
-              <a:rPr lang="en-US" altLang="zh-CN"/>
+              <a:rPr lang="en-US" altLang="zh-CN" dirty="0"/>
               <a:t>input</a:t>
             </a:r>
             <a:r>
-              <a:rPr lang="zh-CN" altLang="en-US"/>
+              <a:rPr lang="zh-CN" altLang="en-US" dirty="0"/>
               <a:t>框</a:t>
             </a:r>
             <a:r>
-              <a:rPr lang="zh-CN" altLang="en-US" smtClean="0"/>
+              <a:rPr lang="zh-CN" altLang="en-US" dirty="0" smtClean="0"/>
               <a:t>。</a:t>
             </a:r>
-            <a:endParaRPr lang="en-US" altLang="zh-CN" smtClean="0"/>
-          </a:p>
-          <a:p>
-            <a:r>
-              <a:rPr lang="en-US" altLang="zh-CN" smtClean="0"/>
-              <a:t>input[id*=“user”]</a:t>
-            </a:r>
-            <a:r>
-              <a:rPr lang="zh-CN" altLang="en-US" smtClean="0"/>
+            <a:endParaRPr lang="en-US" altLang="zh-CN" dirty="0" smtClean="0"/>
+          </a:p>
+          <a:p>
+            <a:r>
+              <a:rPr lang="en-US" altLang="zh-CN" dirty="0" smtClean="0"/>
+              <a:t>input[id*=“</a:t>
+            </a:r>
+            <a:r>
+              <a:rPr lang="en-US" altLang="zh-CN" dirty="0" smtClean="0"/>
+              <a:t>user”]</a:t>
+            </a:r>
+            <a:r>
+              <a:rPr lang="zh-CN" altLang="en-US" dirty="0" smtClean="0"/>
               <a:t>：作用于所有</a:t>
             </a:r>
             <a:r>
-              <a:rPr lang="en-US" altLang="zh-CN" smtClean="0"/>
+              <a:rPr lang="en-US" altLang="zh-CN" dirty="0" smtClean="0"/>
               <a:t>id</a:t>
             </a:r>
             <a:r>
-              <a:rPr lang="zh-CN" altLang="en-US" smtClean="0"/>
+              <a:rPr lang="zh-CN" altLang="en-US" dirty="0" smtClean="0"/>
               <a:t>值包含</a:t>
             </a:r>
             <a:r>
-              <a:rPr lang="en-US" altLang="zh-CN" smtClean="0">
+              <a:rPr lang="en-US" altLang="zh-CN" dirty="0" smtClean="0">
                 <a:solidFill>
                   <a:srgbClr val="FF0000"/>
                 </a:solidFill>
@@ -3639,7 +3703,7 @@
               <a:t>user</a:t>
             </a:r>
             <a:r>
-              <a:rPr lang="zh-CN" altLang="en-US" smtClean="0">
+              <a:rPr lang="zh-CN" altLang="en-US" dirty="0" smtClean="0">
                 <a:solidFill>
                   <a:srgbClr val="FF0000"/>
                 </a:solidFill>
@@ -3647,50 +3711,50 @@
               <a:t>关键字</a:t>
             </a:r>
             <a:r>
-              <a:rPr lang="zh-CN" altLang="en-US" smtClean="0"/>
+              <a:rPr lang="zh-CN" altLang="en-US" dirty="0" smtClean="0"/>
               <a:t>的</a:t>
             </a:r>
             <a:r>
-              <a:rPr lang="en-US" altLang="zh-CN" smtClean="0"/>
+              <a:rPr lang="en-US" altLang="zh-CN" dirty="0" smtClean="0"/>
               <a:t>input</a:t>
             </a:r>
             <a:r>
-              <a:rPr lang="zh-CN" altLang="en-US" smtClean="0"/>
+              <a:rPr lang="zh-CN" altLang="en-US" dirty="0" smtClean="0"/>
               <a:t>框。</a:t>
             </a:r>
-            <a:endParaRPr lang="en-US" altLang="zh-CN" smtClean="0"/>
-          </a:p>
-          <a:p>
-            <a:r>
-              <a:rPr lang="en-US" altLang="zh-CN" smtClean="0"/>
+            <a:endParaRPr lang="en-US" altLang="zh-CN" dirty="0" smtClean="0"/>
+          </a:p>
+          <a:p>
+            <a:r>
+              <a:rPr lang="en-US" altLang="zh-CN" dirty="0" smtClean="0"/>
               <a:t>input[id^=</a:t>
             </a:r>
             <a:r>
-              <a:rPr lang="en-US" altLang="zh-CN"/>
+              <a:rPr lang="en-US" altLang="zh-CN" dirty="0"/>
               <a:t>“user</a:t>
             </a:r>
             <a:r>
-              <a:rPr lang="en-US" altLang="zh-CN" smtClean="0"/>
+              <a:rPr lang="en-US" altLang="zh-CN" dirty="0" smtClean="0"/>
               <a:t>”]</a:t>
             </a:r>
             <a:r>
-              <a:rPr lang="zh-CN" altLang="en-US" smtClean="0"/>
+              <a:rPr lang="zh-CN" altLang="en-US" dirty="0" smtClean="0"/>
               <a:t>：</a:t>
             </a:r>
             <a:r>
-              <a:rPr lang="zh-CN" altLang="en-US"/>
+              <a:rPr lang="zh-CN" altLang="en-US" dirty="0"/>
               <a:t>作用于所有</a:t>
             </a:r>
             <a:r>
-              <a:rPr lang="en-US" altLang="zh-CN"/>
+              <a:rPr lang="en-US" altLang="zh-CN" dirty="0"/>
               <a:t>id</a:t>
             </a:r>
             <a:r>
-              <a:rPr lang="zh-CN" altLang="en-US" smtClean="0"/>
+              <a:rPr lang="zh-CN" altLang="en-US" dirty="0" smtClean="0"/>
               <a:t>值以</a:t>
             </a:r>
             <a:r>
-              <a:rPr lang="en-US" altLang="zh-CN" smtClean="0">
+              <a:rPr lang="en-US" altLang="zh-CN" dirty="0" smtClean="0">
                 <a:solidFill>
                   <a:srgbClr val="FF0000"/>
                 </a:solidFill>
@@ -3698,7 +3762,7 @@
               <a:t>user</a:t>
             </a:r>
             <a:r>
-              <a:rPr lang="zh-CN" altLang="en-US" smtClean="0">
+              <a:rPr lang="zh-CN" altLang="en-US" dirty="0" smtClean="0">
                 <a:solidFill>
                   <a:srgbClr val="FF0000"/>
                 </a:solidFill>
@@ -3706,58 +3770,58 @@
               <a:t>关键字开头</a:t>
             </a:r>
             <a:r>
-              <a:rPr lang="zh-CN" altLang="en-US" smtClean="0"/>
+              <a:rPr lang="zh-CN" altLang="en-US" dirty="0" smtClean="0"/>
               <a:t>的</a:t>
             </a:r>
             <a:r>
-              <a:rPr lang="en-US" altLang="zh-CN"/>
+              <a:rPr lang="en-US" altLang="zh-CN" dirty="0"/>
               <a:t>input</a:t>
             </a:r>
             <a:r>
-              <a:rPr lang="zh-CN" altLang="en-US"/>
+              <a:rPr lang="zh-CN" altLang="en-US" dirty="0"/>
               <a:t>框</a:t>
             </a:r>
             <a:r>
-              <a:rPr lang="zh-CN" altLang="en-US" smtClean="0"/>
+              <a:rPr lang="zh-CN" altLang="en-US" dirty="0" smtClean="0"/>
               <a:t>。</a:t>
             </a:r>
-            <a:endParaRPr lang="en-US" altLang="zh-CN" smtClean="0"/>
-          </a:p>
-          <a:p>
-            <a:r>
-              <a:rPr lang="en-US" altLang="zh-CN" smtClean="0"/>
+            <a:endParaRPr lang="en-US" altLang="zh-CN" dirty="0" smtClean="0"/>
+          </a:p>
+          <a:p>
+            <a:r>
+              <a:rPr lang="en-US" altLang="zh-CN" dirty="0" smtClean="0"/>
               <a:t>input[id</a:t>
             </a:r>
             <a:r>
-              <a:rPr lang="en-US" altLang="zh-CN"/>
+              <a:rPr lang="en-US" altLang="zh-CN" dirty="0"/>
               <a:t>$</a:t>
             </a:r>
             <a:r>
-              <a:rPr lang="en-US" altLang="zh-CN" smtClean="0"/>
+              <a:rPr lang="en-US" altLang="zh-CN" dirty="0" smtClean="0"/>
               <a:t>=“</a:t>
             </a:r>
             <a:r>
-              <a:rPr lang="en-US" altLang="zh-CN"/>
+              <a:rPr lang="en-US" altLang="zh-CN" dirty="0"/>
               <a:t>user”]</a:t>
             </a:r>
             <a:r>
-              <a:rPr lang="zh-CN" altLang="en-US"/>
+              <a:rPr lang="zh-CN" altLang="en-US" dirty="0"/>
               <a:t>：作用于所有</a:t>
             </a:r>
             <a:r>
-              <a:rPr lang="en-US" altLang="zh-CN"/>
+              <a:rPr lang="en-US" altLang="zh-CN" dirty="0"/>
               <a:t>id</a:t>
             </a:r>
             <a:r>
-              <a:rPr lang="zh-CN" altLang="en-US" smtClean="0"/>
+              <a:rPr lang="zh-CN" altLang="en-US" dirty="0" smtClean="0"/>
               <a:t>值</a:t>
             </a:r>
             <a:r>
-              <a:rPr lang="zh-CN" altLang="en-US"/>
+              <a:rPr lang="zh-CN" altLang="en-US" dirty="0"/>
               <a:t>以</a:t>
             </a:r>
             <a:r>
-              <a:rPr lang="en-US" altLang="zh-CN" smtClean="0">
+              <a:rPr lang="en-US" altLang="zh-CN" dirty="0" smtClean="0">
                 <a:solidFill>
                   <a:srgbClr val="FF0000"/>
                 </a:solidFill>
@@ -3765,7 +3829,7 @@
               <a:t>user</a:t>
             </a:r>
             <a:r>
-              <a:rPr lang="zh-CN" altLang="en-US" smtClean="0">
+              <a:rPr lang="zh-CN" altLang="en-US" dirty="0" smtClean="0">
                 <a:solidFill>
                   <a:srgbClr val="FF0000"/>
                 </a:solidFill>
@@ -3773,46 +3837,46 @@
               <a:t>关键字结尾</a:t>
             </a:r>
             <a:r>
-              <a:rPr lang="zh-CN" altLang="en-US" smtClean="0"/>
+              <a:rPr lang="zh-CN" altLang="en-US" dirty="0" smtClean="0"/>
               <a:t>的</a:t>
             </a:r>
             <a:r>
-              <a:rPr lang="en-US" altLang="zh-CN"/>
+              <a:rPr lang="en-US" altLang="zh-CN" dirty="0"/>
               <a:t>input</a:t>
             </a:r>
             <a:r>
-              <a:rPr lang="zh-CN" altLang="en-US"/>
+              <a:rPr lang="zh-CN" altLang="en-US" dirty="0"/>
               <a:t>框</a:t>
             </a:r>
             <a:r>
-              <a:rPr lang="zh-CN" altLang="en-US" smtClean="0"/>
+              <a:rPr lang="zh-CN" altLang="en-US" dirty="0" smtClean="0"/>
               <a:t>。</a:t>
             </a:r>
-            <a:endParaRPr lang="en-US" altLang="zh-CN" smtClean="0"/>
-          </a:p>
-          <a:p>
-            <a:r>
-              <a:rPr lang="en-US" altLang="zh-CN"/>
+            <a:endParaRPr lang="en-US" altLang="zh-CN" dirty="0" smtClean="0"/>
+          </a:p>
+          <a:p>
+            <a:r>
+              <a:rPr lang="en-US" altLang="zh-CN" dirty="0"/>
               <a:t>input[title</a:t>
             </a:r>
             <a:r>
-              <a:rPr lang="en-US" altLang="zh-CN" smtClean="0"/>
+              <a:rPr lang="en-US" altLang="zh-CN" dirty="0" smtClean="0"/>
               <a:t>~=“divtitle1”]</a:t>
             </a:r>
             <a:r>
-              <a:rPr lang="zh-CN" altLang="en-US" smtClean="0"/>
+              <a:rPr lang="zh-CN" altLang="en-US" dirty="0" smtClean="0"/>
               <a:t>：作用于所有</a:t>
             </a:r>
             <a:r>
-              <a:rPr lang="en-US" altLang="zh-CN" smtClean="0"/>
+              <a:rPr lang="en-US" altLang="zh-CN" dirty="0" smtClean="0"/>
               <a:t>title</a:t>
             </a:r>
             <a:r>
-              <a:rPr lang="zh-CN" altLang="en-US" smtClean="0"/>
+              <a:rPr lang="zh-CN" altLang="en-US" dirty="0" smtClean="0"/>
               <a:t>值包含</a:t>
             </a:r>
             <a:r>
-              <a:rPr lang="en-US" altLang="zh-CN" smtClean="0">
+              <a:rPr lang="en-US" altLang="zh-CN" dirty="0" smtClean="0">
                 <a:solidFill>
                   <a:srgbClr val="FF0000"/>
                 </a:solidFill>
@@ -3820,7 +3884,7 @@
               <a:t>divtitle1</a:t>
             </a:r>
             <a:r>
-              <a:rPr lang="zh-CN" altLang="en-US" smtClean="0">
+              <a:rPr lang="zh-CN" altLang="en-US" dirty="0" smtClean="0">
                 <a:solidFill>
                   <a:srgbClr val="FF0000"/>
                 </a:solidFill>
@@ -3828,21 +3892,21 @@
               <a:t>单词</a:t>
             </a:r>
             <a:r>
-              <a:rPr lang="zh-CN" altLang="en-US" smtClean="0"/>
+              <a:rPr lang="zh-CN" altLang="en-US" dirty="0" smtClean="0"/>
               <a:t>的</a:t>
             </a:r>
             <a:r>
-              <a:rPr lang="en-US" altLang="zh-CN" smtClean="0"/>
+              <a:rPr lang="en-US" altLang="zh-CN" dirty="0" smtClean="0"/>
               <a:t>input</a:t>
             </a:r>
             <a:r>
-              <a:rPr lang="zh-CN" altLang="en-US" smtClean="0"/>
+              <a:rPr lang="zh-CN" altLang="en-US" dirty="0" smtClean="0"/>
               <a:t>框。</a:t>
             </a:r>
-            <a:endParaRPr lang="en-US" altLang="zh-CN"/>
-          </a:p>
-          <a:p>
-            <a:endParaRPr lang="en-US" altLang="zh-CN"/>
+            <a:endParaRPr lang="en-US" altLang="zh-CN" dirty="0"/>
+          </a:p>
+          <a:p>
+            <a:endParaRPr lang="en-US" altLang="zh-CN" dirty="0"/>
           </a:p>
         </p:txBody>
       </p:sp>
@@ -3898,10 +3962,10 @@
           <a:p>
             <a:pPr algn="ctr"/>
             <a:r>
-              <a:rPr lang="zh-CN" altLang="en-US" smtClean="0"/>
+              <a:rPr lang="zh-CN" altLang="en-US" dirty="0" smtClean="0"/>
               <a:t>常用伪元素</a:t>
             </a:r>
-            <a:endParaRPr lang="zh-CN" altLang="en-US"/>
+            <a:endParaRPr lang="zh-CN" altLang="en-US" dirty="0"/>
           </a:p>
         </p:txBody>
       </p:sp>
@@ -3923,174 +3987,198 @@
         </p:spPr>
         <p:txBody>
           <a:bodyPr>
-            <a:normAutofit fontScale="77500" lnSpcReduction="20000"/>
+            <a:normAutofit fontScale="70000" lnSpcReduction="20000"/>
           </a:bodyPr>
           <a:lstStyle/>
           <a:p>
             <a:r>
-              <a:rPr lang="en-US" altLang="zh-CN" smtClean="0"/>
+              <a:rPr lang="en-US" altLang="zh-CN" dirty="0" err="1" smtClean="0"/>
               <a:t>css</a:t>
             </a:r>
             <a:r>
-              <a:rPr lang="zh-CN" altLang="en-US" smtClean="0"/>
+              <a:rPr lang="zh-CN" altLang="en-US" dirty="0" smtClean="0"/>
               <a:t>代码：</a:t>
             </a:r>
-            <a:endParaRPr lang="en-US" altLang="zh-CN" smtClean="0"/>
-          </a:p>
-          <a:p>
-            <a:r>
-              <a:rPr lang="en-US" altLang="zh-CN" smtClean="0"/>
-              <a:t>.parent:before</a:t>
-            </a:r>
-            <a:r>
-              <a:rPr lang="zh-CN" altLang="en-US" smtClean="0"/>
+            <a:endParaRPr lang="en-US" altLang="zh-CN" dirty="0" smtClean="0"/>
+          </a:p>
+          <a:p>
+            <a:r>
+              <a:rPr lang="en-US" altLang="zh-CN" dirty="0" smtClean="0"/>
+              <a:t>.</a:t>
+            </a:r>
+            <a:r>
+              <a:rPr lang="en-US" altLang="zh-CN" dirty="0" err="1" smtClean="0"/>
+              <a:t>parent:before</a:t>
+            </a:r>
+            <a:r>
+              <a:rPr lang="zh-CN" altLang="en-US" dirty="0" smtClean="0"/>
               <a:t> </a:t>
             </a:r>
             <a:r>
-              <a:rPr lang="en-US" altLang="zh-CN" smtClean="0"/>
+              <a:rPr lang="en-US" altLang="zh-CN" dirty="0" smtClean="0"/>
               <a:t>{</a:t>
             </a:r>
           </a:p>
           <a:p>
             <a:r>
-              <a:rPr lang="en-US" altLang="zh-CN" smtClean="0"/>
+              <a:rPr lang="en-US" altLang="zh-CN" dirty="0" smtClean="0"/>
               <a:t>  content: ‘</a:t>
             </a:r>
             <a:r>
-              <a:rPr lang="zh-CN" altLang="en-US" smtClean="0"/>
+              <a:rPr lang="zh-CN" altLang="en-US" dirty="0" smtClean="0"/>
               <a:t>开头</a:t>
             </a:r>
             <a:r>
-              <a:rPr lang="en-US" altLang="zh-CN" smtClean="0"/>
+              <a:rPr lang="en-US" altLang="zh-CN" dirty="0" smtClean="0"/>
               <a:t>’;</a:t>
             </a:r>
           </a:p>
           <a:p>
             <a:r>
-              <a:rPr lang="en-US" altLang="zh-CN"/>
+              <a:rPr lang="en-US" altLang="zh-CN" dirty="0"/>
               <a:t> </a:t>
             </a:r>
             <a:r>
-              <a:rPr lang="en-US" altLang="zh-CN" smtClean="0"/>
-              <a:t> color: red;</a:t>
-            </a:r>
-            <a:endParaRPr lang="en-US" altLang="zh-CN"/>
-          </a:p>
-          <a:p>
-            <a:r>
-              <a:rPr lang="en-US" altLang="zh-CN" smtClean="0"/>
+              <a:rPr lang="en-US" altLang="zh-CN" dirty="0" smtClean="0"/>
+              <a:t> color: red</a:t>
+            </a:r>
+            <a:r>
+              <a:rPr lang="en-US" altLang="zh-CN" dirty="0" smtClean="0"/>
+              <a:t>;</a:t>
+            </a:r>
+          </a:p>
+          <a:p>
+            <a:r>
+              <a:rPr lang="en-US" altLang="zh-CN" dirty="0" smtClean="0"/>
+              <a:t>  display: block;</a:t>
+            </a:r>
+          </a:p>
+          <a:p>
+            <a:r>
+              <a:rPr lang="en-US" altLang="zh-CN" dirty="0"/>
+              <a:t> </a:t>
+            </a:r>
+            <a:r>
+              <a:rPr lang="en-US" altLang="zh-CN" dirty="0" smtClean="0"/>
+              <a:t> width: 200px;</a:t>
+            </a:r>
+            <a:endParaRPr lang="en-US" altLang="zh-CN" dirty="0"/>
+          </a:p>
+          <a:p>
+            <a:r>
+              <a:rPr lang="en-US" altLang="zh-CN" dirty="0" smtClean="0"/>
               <a:t>}</a:t>
             </a:r>
           </a:p>
           <a:p>
             <a:r>
-              <a:rPr lang="en-US" altLang="zh-CN"/>
+              <a:rPr lang="en-US" altLang="zh-CN" dirty="0"/>
               <a:t>.</a:t>
             </a:r>
             <a:r>
-              <a:rPr lang="en-US" altLang="zh-CN" smtClean="0"/>
+              <a:rPr lang="en-US" altLang="zh-CN" dirty="0" err="1" smtClean="0"/>
               <a:t>parent:after</a:t>
             </a:r>
             <a:r>
-              <a:rPr lang="zh-CN" altLang="en-US" smtClean="0"/>
+              <a:rPr lang="zh-CN" altLang="en-US" dirty="0" smtClean="0"/>
               <a:t> </a:t>
             </a:r>
             <a:r>
-              <a:rPr lang="en-US" altLang="zh-CN"/>
+              <a:rPr lang="en-US" altLang="zh-CN" dirty="0"/>
               <a:t>{</a:t>
             </a:r>
           </a:p>
           <a:p>
             <a:r>
-              <a:rPr lang="en-US" altLang="zh-CN"/>
+              <a:rPr lang="en-US" altLang="zh-CN" dirty="0"/>
               <a:t>  content: </a:t>
             </a:r>
             <a:r>
-              <a:rPr lang="en-US" altLang="zh-CN" smtClean="0"/>
+              <a:rPr lang="en-US" altLang="zh-CN" dirty="0" smtClean="0"/>
               <a:t>‘</a:t>
             </a:r>
             <a:r>
-              <a:rPr lang="zh-CN" altLang="en-US" smtClean="0"/>
+              <a:rPr lang="zh-CN" altLang="en-US" dirty="0" smtClean="0"/>
               <a:t>结尾</a:t>
             </a:r>
             <a:r>
-              <a:rPr lang="en-US" altLang="zh-CN" smtClean="0"/>
+              <a:rPr lang="en-US" altLang="zh-CN" dirty="0" smtClean="0"/>
               <a:t>’;</a:t>
             </a:r>
-            <a:endParaRPr lang="en-US" altLang="zh-CN"/>
-          </a:p>
-          <a:p>
-            <a:r>
-              <a:rPr lang="en-US" altLang="zh-CN"/>
+            <a:endParaRPr lang="en-US" altLang="zh-CN" dirty="0"/>
+          </a:p>
+          <a:p>
+            <a:r>
+              <a:rPr lang="en-US" altLang="zh-CN" dirty="0"/>
               <a:t>  color: red;</a:t>
             </a:r>
           </a:p>
           <a:p>
             <a:r>
-              <a:rPr lang="en-US" altLang="zh-CN"/>
+              <a:rPr lang="en-US" altLang="zh-CN" dirty="0"/>
               <a:t>}</a:t>
             </a:r>
-            <a:endParaRPr lang="zh-CN" altLang="en-US"/>
-          </a:p>
-          <a:p>
-            <a:r>
-              <a:rPr lang="en-US" altLang="zh-CN" smtClean="0"/>
+            <a:endParaRPr lang="zh-CN" altLang="en-US" dirty="0"/>
+          </a:p>
+          <a:p>
+            <a:r>
+              <a:rPr lang="en-US" altLang="zh-CN" dirty="0" smtClean="0"/>
               <a:t>html</a:t>
             </a:r>
             <a:r>
-              <a:rPr lang="zh-CN" altLang="en-US" smtClean="0"/>
+              <a:rPr lang="zh-CN" altLang="en-US" dirty="0" smtClean="0"/>
               <a:t>代码：</a:t>
             </a:r>
-            <a:endParaRPr lang="en-US" altLang="zh-CN" smtClean="0"/>
-          </a:p>
-          <a:p>
-            <a:r>
-              <a:rPr lang="en-US" altLang="zh-CN" smtClean="0"/>
+            <a:endParaRPr lang="en-US" altLang="zh-CN" dirty="0" smtClean="0"/>
+          </a:p>
+          <a:p>
+            <a:r>
+              <a:rPr lang="en-US" altLang="zh-CN" dirty="0" smtClean="0"/>
               <a:t>&lt;div class=“parent”&gt;123&lt;/div&gt;</a:t>
             </a:r>
           </a:p>
           <a:p>
             <a:r>
-              <a:rPr lang="en-US" altLang="zh-CN" smtClean="0"/>
+              <a:rPr lang="en-US" altLang="zh-CN" dirty="0" smtClean="0"/>
               <a:t>:before</a:t>
             </a:r>
             <a:r>
-              <a:rPr lang="zh-CN" altLang="en-US"/>
+              <a:rPr lang="zh-CN" altLang="en-US" dirty="0"/>
               <a:t>向</a:t>
             </a:r>
             <a:r>
-              <a:rPr lang="en-US" altLang="zh-CN" smtClean="0"/>
+              <a:rPr lang="en-US" altLang="zh-CN" dirty="0" smtClean="0"/>
               <a:t>.parent</a:t>
             </a:r>
             <a:r>
-              <a:rPr lang="zh-CN" altLang="en-US" smtClean="0"/>
+              <a:rPr lang="zh-CN" altLang="en-US" dirty="0" smtClean="0"/>
               <a:t>头部插入内容，</a:t>
             </a:r>
             <a:r>
-              <a:rPr lang="en-US" altLang="zh-CN" smtClean="0"/>
+              <a:rPr lang="en-US" altLang="zh-CN" dirty="0" smtClean="0"/>
               <a:t>:after</a:t>
             </a:r>
             <a:r>
-              <a:rPr lang="zh-CN" altLang="en-US" smtClean="0"/>
+              <a:rPr lang="zh-CN" altLang="en-US" dirty="0" smtClean="0"/>
               <a:t>向</a:t>
             </a:r>
             <a:r>
-              <a:rPr lang="en-US" altLang="zh-CN" smtClean="0"/>
+              <a:rPr lang="en-US" altLang="zh-CN" dirty="0" smtClean="0"/>
               <a:t>.parent</a:t>
             </a:r>
             <a:r>
-              <a:rPr lang="zh-CN" altLang="en-US" smtClean="0"/>
+              <a:rPr lang="zh-CN" altLang="en-US" dirty="0" smtClean="0"/>
               <a:t>尾部插入内容，</a:t>
             </a:r>
             <a:r>
-              <a:rPr lang="en-US" altLang="zh-CN" smtClean="0"/>
+              <a:rPr lang="en-US" altLang="zh-CN" dirty="0" smtClean="0"/>
               <a:t>content</a:t>
             </a:r>
             <a:r>
-              <a:rPr lang="zh-CN" altLang="en-US" smtClean="0"/>
+              <a:rPr lang="zh-CN" altLang="en-US" dirty="0" smtClean="0"/>
               <a:t>属性是必需的。</a:t>
             </a:r>
-            <a:endParaRPr lang="zh-CN" altLang="en-US"/>
+            <a:endParaRPr lang="zh-CN" altLang="en-US" dirty="0"/>
           </a:p>
         </p:txBody>
       </p:sp>
@@ -4146,10 +4234,10 @@
           <a:p>
             <a:pPr algn="ctr"/>
             <a:r>
-              <a:rPr lang="zh-CN" altLang="en-US" smtClean="0"/>
+              <a:rPr lang="zh-CN" altLang="en-US" dirty="0" smtClean="0"/>
               <a:t>结构性伪类元素</a:t>
             </a:r>
-            <a:endParaRPr lang="zh-CN" altLang="en-US"/>
+            <a:endParaRPr lang="zh-CN" altLang="en-US" dirty="0"/>
           </a:p>
         </p:txBody>
       </p:sp>
@@ -4176,169 +4264,212 @@
           <a:lstStyle/>
           <a:p>
             <a:r>
-              <a:rPr lang="en-US" altLang="zh-CN" smtClean="0"/>
+              <a:rPr lang="en-US" altLang="zh-CN" dirty="0" err="1" smtClean="0"/>
               <a:t>css</a:t>
             </a:r>
             <a:r>
-              <a:rPr lang="zh-CN" altLang="en-US" smtClean="0"/>
+              <a:rPr lang="zh-CN" altLang="en-US" dirty="0" smtClean="0"/>
               <a:t>代码：</a:t>
             </a:r>
-            <a:endParaRPr lang="en-US" altLang="zh-CN" smtClean="0"/>
-          </a:p>
-          <a:p>
-            <a:r>
-              <a:rPr lang="en-US" altLang="zh-CN" smtClean="0"/>
-              <a:t>.parent &gt; span:first-child {</a:t>
-            </a:r>
-          </a:p>
-          <a:p>
-            <a:r>
-              <a:rPr lang="en-US" altLang="zh-CN" smtClean="0"/>
+            <a:endParaRPr lang="en-US" altLang="zh-CN" dirty="0" smtClean="0"/>
+          </a:p>
+          <a:p>
+            <a:r>
+              <a:rPr lang="en-US" altLang="zh-CN" dirty="0" smtClean="0"/>
+              <a:t>.parent &gt; </a:t>
+            </a:r>
+            <a:r>
+              <a:rPr lang="en-US" altLang="zh-CN" dirty="0" err="1" smtClean="0"/>
+              <a:t>span:first-child</a:t>
+            </a:r>
+            <a:r>
+              <a:rPr lang="en-US" altLang="zh-CN" dirty="0" smtClean="0"/>
+              <a:t> {</a:t>
+            </a:r>
+          </a:p>
+          <a:p>
+            <a:r>
+              <a:rPr lang="en-US" altLang="zh-CN" dirty="0" smtClean="0"/>
               <a:t>  color: red;</a:t>
             </a:r>
-            <a:endParaRPr lang="en-US" altLang="zh-CN"/>
-          </a:p>
-          <a:p>
-            <a:r>
-              <a:rPr lang="en-US" altLang="zh-CN" smtClean="0"/>
+            <a:endParaRPr lang="en-US" altLang="zh-CN" dirty="0"/>
+          </a:p>
+          <a:p>
+            <a:r>
+              <a:rPr lang="en-US" altLang="zh-CN" dirty="0" smtClean="0"/>
               <a:t>}</a:t>
             </a:r>
           </a:p>
           <a:p>
             <a:r>
-              <a:rPr lang="en-US" altLang="zh-CN" smtClean="0"/>
+              <a:rPr lang="en-US" altLang="zh-CN" dirty="0" smtClean="0"/>
               <a:t>html</a:t>
             </a:r>
             <a:r>
-              <a:rPr lang="zh-CN" altLang="en-US" smtClean="0"/>
+              <a:rPr lang="zh-CN" altLang="en-US" dirty="0" smtClean="0"/>
               <a:t>代码：</a:t>
             </a:r>
-            <a:endParaRPr lang="en-US" altLang="zh-CN" smtClean="0"/>
-          </a:p>
-          <a:p>
-            <a:r>
-              <a:rPr lang="en-US" altLang="zh-CN" smtClean="0"/>
-              <a:t>&lt;div class=“parent”&gt;</a:t>
-            </a:r>
-          </a:p>
-          <a:p>
-            <a:r>
-              <a:rPr lang="en-US" altLang="zh-CN"/>
+            <a:endParaRPr lang="en-US" altLang="zh-CN" dirty="0" smtClean="0"/>
+          </a:p>
+          <a:p>
+            <a:r>
+              <a:rPr lang="en-US" altLang="zh-CN" dirty="0" smtClean="0"/>
+              <a:t>&lt;div class=“parent</a:t>
+            </a:r>
+            <a:r>
+              <a:rPr lang="en-US" altLang="zh-CN" dirty="0" smtClean="0"/>
+              <a:t>”&gt;</a:t>
+            </a:r>
+          </a:p>
+          <a:p>
+            <a:r>
+              <a:rPr lang="en-US" altLang="zh-CN" dirty="0"/>
               <a:t> </a:t>
             </a:r>
             <a:r>
-              <a:rPr lang="en-US" altLang="zh-CN" smtClean="0"/>
+              <a:rPr lang="en-US" altLang="zh-CN" dirty="0" smtClean="0"/>
+              <a:t> &lt;div&gt;div1&lt;/div&gt;</a:t>
+            </a:r>
+            <a:endParaRPr lang="en-US" altLang="zh-CN" dirty="0" smtClean="0"/>
+          </a:p>
+          <a:p>
+            <a:r>
+              <a:rPr lang="en-US" altLang="zh-CN" dirty="0"/>
+              <a:t> </a:t>
+            </a:r>
+            <a:r>
+              <a:rPr lang="en-US" altLang="zh-CN" dirty="0" smtClean="0"/>
               <a:t> &lt;span&gt;span1&lt;/span&gt;</a:t>
             </a:r>
           </a:p>
           <a:p>
             <a:r>
-              <a:rPr lang="en-US" altLang="zh-CN"/>
+              <a:rPr lang="en-US" altLang="zh-CN" dirty="0"/>
               <a:t> </a:t>
             </a:r>
             <a:r>
-              <a:rPr lang="en-US" altLang="zh-CN" smtClean="0"/>
+              <a:rPr lang="en-US" altLang="zh-CN" dirty="0" smtClean="0"/>
               <a:t> &lt;span&gt;span2&lt;/span&gt;</a:t>
             </a:r>
           </a:p>
           <a:p>
             <a:r>
-              <a:rPr lang="en-US" altLang="zh-CN" smtClean="0"/>
+              <a:rPr lang="en-US" altLang="zh-CN" dirty="0" smtClean="0"/>
               <a:t>&lt;/div&gt;</a:t>
             </a:r>
           </a:p>
           <a:p>
             <a:r>
-              <a:rPr lang="en-US" altLang="zh-CN" smtClean="0"/>
+              <a:rPr lang="en-US" altLang="zh-CN" dirty="0" smtClean="0"/>
               <a:t>:first-child</a:t>
             </a:r>
             <a:r>
-              <a:rPr lang="zh-CN" altLang="en-US" smtClean="0"/>
+              <a:rPr lang="zh-CN" altLang="en-US" dirty="0" smtClean="0"/>
               <a:t>：作用于第一个子元素。</a:t>
             </a:r>
-            <a:endParaRPr lang="en-US" altLang="zh-CN" smtClean="0"/>
-          </a:p>
-          <a:p>
-            <a:r>
-              <a:rPr lang="en-US" altLang="zh-CN" smtClean="0"/>
+            <a:endParaRPr lang="en-US" altLang="zh-CN" dirty="0" smtClean="0"/>
+          </a:p>
+          <a:p>
+            <a:r>
+              <a:rPr lang="en-US" altLang="zh-CN" dirty="0" smtClean="0"/>
               <a:t>:last-child</a:t>
             </a:r>
             <a:r>
-              <a:rPr lang="zh-CN" altLang="en-US" smtClean="0"/>
+              <a:rPr lang="zh-CN" altLang="en-US" dirty="0" smtClean="0"/>
               <a:t>：作用于最后一个子元素。</a:t>
             </a:r>
-            <a:endParaRPr lang="en-US" altLang="zh-CN" smtClean="0"/>
-          </a:p>
-          <a:p>
-            <a:r>
-              <a:rPr lang="en-US" altLang="zh-CN" smtClean="0"/>
-              <a:t>:not(:first-child)</a:t>
-            </a:r>
-            <a:r>
-              <a:rPr lang="zh-CN" altLang="en-US" smtClean="0"/>
+            <a:endParaRPr lang="en-US" altLang="zh-CN" dirty="0" smtClean="0"/>
+          </a:p>
+          <a:p>
+            <a:r>
+              <a:rPr lang="en-US" altLang="zh-CN" dirty="0" smtClean="0"/>
+              <a:t>:not(:</a:t>
+            </a:r>
+            <a:r>
+              <a:rPr lang="en-US" altLang="zh-CN" dirty="0" smtClean="0"/>
+              <a:t>first-child)</a:t>
+            </a:r>
+            <a:r>
+              <a:rPr lang="zh-CN" altLang="en-US" dirty="0" smtClean="0"/>
               <a:t>：作用于第一个元素以外的所有元素。</a:t>
             </a:r>
-            <a:endParaRPr lang="en-US" altLang="zh-CN" smtClean="0"/>
-          </a:p>
-          <a:p>
-            <a:r>
-              <a:rPr lang="en-US" altLang="zh-CN" smtClean="0"/>
-              <a:t>:nth-child(n)</a:t>
-            </a:r>
-            <a:r>
-              <a:rPr lang="zh-CN" altLang="en-US" smtClean="0"/>
+            <a:endParaRPr lang="en-US" altLang="zh-CN" dirty="0" smtClean="0"/>
+          </a:p>
+          <a:p>
+            <a:r>
+              <a:rPr lang="en-US" altLang="zh-CN" dirty="0" smtClean="0"/>
+              <a:t>:</a:t>
+            </a:r>
+            <a:r>
+              <a:rPr lang="en-US" altLang="zh-CN" dirty="0" smtClean="0"/>
+              <a:t>nth-child(n</a:t>
+            </a:r>
+            <a:r>
+              <a:rPr lang="en-US" altLang="zh-CN" dirty="0" smtClean="0"/>
+              <a:t>)</a:t>
+            </a:r>
+            <a:r>
+              <a:rPr lang="zh-CN" altLang="en-US" dirty="0" smtClean="0"/>
               <a:t>：作用于第</a:t>
             </a:r>
             <a:r>
-              <a:rPr lang="en-US" altLang="zh-CN" smtClean="0"/>
+              <a:rPr lang="en-US" altLang="zh-CN" dirty="0" smtClean="0"/>
               <a:t>n</a:t>
             </a:r>
             <a:r>
-              <a:rPr lang="zh-CN" altLang="en-US" smtClean="0"/>
+              <a:rPr lang="zh-CN" altLang="en-US" dirty="0" smtClean="0"/>
               <a:t>个元素，</a:t>
             </a:r>
             <a:r>
-              <a:rPr lang="en-US" altLang="zh-CN" smtClean="0"/>
+              <a:rPr lang="en-US" altLang="zh-CN" dirty="0" smtClean="0"/>
               <a:t>n</a:t>
             </a:r>
             <a:r>
-              <a:rPr lang="zh-CN" altLang="en-US" smtClean="0"/>
+              <a:rPr lang="zh-CN" altLang="en-US" dirty="0" smtClean="0"/>
               <a:t>的值时所有整数。例如</a:t>
             </a:r>
             <a:r>
-              <a:rPr lang="en-US" altLang="zh-CN" smtClean="0"/>
-              <a:t>:nth-child(2n+1)</a:t>
-            </a:r>
-            <a:r>
-              <a:rPr lang="zh-CN" altLang="en-US" smtClean="0"/>
+              <a:rPr lang="en-US" altLang="zh-CN" dirty="0" smtClean="0"/>
+              <a:t>:</a:t>
+            </a:r>
+            <a:r>
+              <a:rPr lang="en-US" altLang="zh-CN" dirty="0" smtClean="0"/>
+              <a:t>nth-child(2n+1)</a:t>
+            </a:r>
+            <a:r>
+              <a:rPr lang="zh-CN" altLang="en-US" dirty="0" smtClean="0"/>
               <a:t>作用于所有序号为奇数的元素。</a:t>
             </a:r>
-            <a:endParaRPr lang="en-US" altLang="zh-CN" smtClean="0"/>
-          </a:p>
-          <a:p>
-            <a:r>
-              <a:rPr lang="en-US" altLang="zh-CN" smtClean="0"/>
+            <a:endParaRPr lang="en-US" altLang="zh-CN" dirty="0" smtClean="0"/>
+          </a:p>
+          <a:p>
+            <a:r>
+              <a:rPr lang="en-US" altLang="zh-CN" dirty="0" smtClean="0"/>
               <a:t>:odd</a:t>
             </a:r>
             <a:r>
-              <a:rPr lang="zh-CN" altLang="en-US" smtClean="0"/>
-              <a:t>：作用于所有序号为奇数的元素。</a:t>
-            </a:r>
-            <a:endParaRPr lang="en-US" altLang="zh-CN" smtClean="0"/>
-          </a:p>
-          <a:p>
-            <a:r>
-              <a:rPr lang="en-US" altLang="zh-CN" smtClean="0"/>
+              <a:rPr lang="zh-CN" altLang="en-US" dirty="0" smtClean="0"/>
+              <a:t>：作用于所有序号为奇数的元素</a:t>
+            </a:r>
+            <a:r>
+              <a:rPr lang="zh-CN" altLang="en-US" dirty="0" smtClean="0"/>
+              <a:t>。</a:t>
+            </a:r>
+            <a:endParaRPr lang="en-US" altLang="zh-CN" dirty="0" smtClean="0"/>
+          </a:p>
+          <a:p>
+            <a:r>
+              <a:rPr lang="en-US" altLang="zh-CN" dirty="0" smtClean="0"/>
               <a:t>:even</a:t>
             </a:r>
             <a:r>
-              <a:rPr lang="zh-CN" altLang="en-US" smtClean="0"/>
+              <a:rPr lang="zh-CN" altLang="en-US" dirty="0" smtClean="0"/>
               <a:t>：作用于左右序号为偶数的元素。</a:t>
             </a:r>
-            <a:endParaRPr lang="en-US" altLang="zh-CN"/>
-          </a:p>
-          <a:p>
-            <a:endParaRPr lang="zh-CN" altLang="en-US"/>
+            <a:endParaRPr lang="en-US" altLang="zh-CN" dirty="0"/>
+          </a:p>
+          <a:p>
+            <a:endParaRPr lang="zh-CN" altLang="en-US" dirty="0"/>
           </a:p>
         </p:txBody>
       </p:sp>
@@ -5716,131 +5847,155 @@
           <a:lstStyle/>
           <a:p>
             <a:r>
-              <a:rPr lang="en-US" altLang="zh-CN" smtClean="0"/>
+              <a:rPr lang="en-US" altLang="zh-CN" dirty="0" err="1" smtClean="0"/>
               <a:t>css</a:t>
             </a:r>
             <a:r>
-              <a:rPr lang="zh-CN" altLang="en-US" smtClean="0"/>
+              <a:rPr lang="zh-CN" altLang="en-US" dirty="0" smtClean="0"/>
               <a:t>代码：</a:t>
             </a:r>
-            <a:endParaRPr lang="en-US" altLang="zh-CN" smtClean="0"/>
-          </a:p>
-          <a:p>
-            <a:r>
-              <a:rPr lang="en-US" altLang="zh-CN" smtClean="0"/>
+            <a:endParaRPr lang="en-US" altLang="zh-CN" dirty="0" smtClean="0"/>
+          </a:p>
+          <a:p>
+            <a:r>
+              <a:rPr lang="en-US" altLang="zh-CN" dirty="0" smtClean="0"/>
               <a:t>.name1 {</a:t>
             </a:r>
           </a:p>
           <a:p>
             <a:r>
-              <a:rPr lang="en-US" altLang="zh-CN" smtClean="0"/>
+              <a:rPr lang="en-US" altLang="zh-CN" dirty="0" smtClean="0"/>
               <a:t>  color: red;</a:t>
             </a:r>
-            <a:endParaRPr lang="en-US" altLang="zh-CN"/>
-          </a:p>
-          <a:p>
-            <a:r>
-              <a:rPr lang="en-US" altLang="zh-CN" smtClean="0"/>
+            <a:endParaRPr lang="en-US" altLang="zh-CN" dirty="0"/>
+          </a:p>
+          <a:p>
+            <a:r>
+              <a:rPr lang="en-US" altLang="zh-CN" dirty="0" smtClean="0"/>
               <a:t>}</a:t>
             </a:r>
           </a:p>
           <a:p>
             <a:r>
-              <a:rPr lang="en-US" altLang="zh-CN" smtClean="0"/>
+              <a:rPr lang="en-US" altLang="zh-CN" dirty="0" smtClean="0"/>
               <a:t>html</a:t>
             </a:r>
             <a:r>
-              <a:rPr lang="zh-CN" altLang="en-US" smtClean="0"/>
+              <a:rPr lang="zh-CN" altLang="en-US" dirty="0" smtClean="0"/>
               <a:t>代码：</a:t>
             </a:r>
-            <a:endParaRPr lang="en-US" altLang="zh-CN" smtClean="0"/>
-          </a:p>
-          <a:p>
-            <a:r>
-              <a:rPr lang="en-US" altLang="zh-CN" smtClean="0"/>
-              <a:t>&lt;tagName class=“name1 name2 name3”&gt;&lt;/tagName&gt;</a:t>
-            </a:r>
-          </a:p>
-          <a:p>
-            <a:r>
-              <a:rPr lang="en-US" altLang="zh-CN"/>
-              <a:t>&lt;tagName class=“name1 </a:t>
-            </a:r>
-            <a:r>
-              <a:rPr lang="en-US" altLang="zh-CN" smtClean="0"/>
+            <a:endParaRPr lang="en-US" altLang="zh-CN" dirty="0" smtClean="0"/>
+          </a:p>
+          <a:p>
+            <a:r>
+              <a:rPr lang="en-US" altLang="zh-CN" dirty="0" smtClean="0"/>
+              <a:t>&lt;</a:t>
+            </a:r>
+            <a:r>
+              <a:rPr lang="en-US" altLang="zh-CN" dirty="0" err="1" smtClean="0"/>
+              <a:t>tagName</a:t>
+            </a:r>
+            <a:r>
+              <a:rPr lang="en-US" altLang="zh-CN" dirty="0" smtClean="0"/>
+              <a:t> class=“name1 name2 name3”&gt;&lt;/</a:t>
+            </a:r>
+            <a:r>
+              <a:rPr lang="en-US" altLang="zh-CN" dirty="0" err="1" smtClean="0"/>
+              <a:t>tagName</a:t>
+            </a:r>
+            <a:r>
+              <a:rPr lang="en-US" altLang="zh-CN" dirty="0" smtClean="0"/>
+              <a:t>&gt;</a:t>
+            </a:r>
+          </a:p>
+          <a:p>
+            <a:r>
+              <a:rPr lang="en-US" altLang="zh-CN" dirty="0"/>
+              <a:t>&lt;</a:t>
+            </a:r>
+            <a:r>
+              <a:rPr lang="en-US" altLang="zh-CN" dirty="0" err="1"/>
+              <a:t>tagName</a:t>
+            </a:r>
+            <a:r>
+              <a:rPr lang="en-US" altLang="zh-CN" dirty="0"/>
+              <a:t> class=“name1 </a:t>
+            </a:r>
+            <a:r>
+              <a:rPr lang="en-US" altLang="zh-CN" dirty="0" smtClean="0"/>
               <a:t>name4 name5”&gt;&lt;/</a:t>
             </a:r>
             <a:r>
-              <a:rPr lang="en-US" altLang="zh-CN"/>
+              <a:rPr lang="en-US" altLang="zh-CN" dirty="0" err="1"/>
               <a:t>tagName</a:t>
             </a:r>
             <a:r>
-              <a:rPr lang="en-US" altLang="zh-CN" smtClean="0"/>
+              <a:rPr lang="en-US" altLang="zh-CN" dirty="0" smtClean="0"/>
               <a:t>&gt;</a:t>
             </a:r>
           </a:p>
           <a:p>
             <a:r>
-              <a:rPr lang="zh-CN" altLang="en-US" smtClean="0"/>
+              <a:rPr lang="zh-CN" altLang="en-US" dirty="0" smtClean="0"/>
               <a:t>其中</a:t>
             </a:r>
             <a:r>
-              <a:rPr lang="en-US" altLang="zh-CN" smtClean="0"/>
+              <a:rPr lang="en-US" altLang="zh-CN" dirty="0" err="1" smtClean="0"/>
               <a:t>css</a:t>
             </a:r>
             <a:r>
-              <a:rPr lang="zh-CN" altLang="en-US" smtClean="0"/>
+              <a:rPr lang="zh-CN" altLang="en-US" dirty="0" smtClean="0"/>
               <a:t>代码中</a:t>
             </a:r>
             <a:r>
-              <a:rPr lang="en-US" altLang="zh-CN" smtClean="0"/>
+              <a:rPr lang="en-US" altLang="zh-CN" dirty="0" smtClean="0"/>
               <a:t>name1</a:t>
             </a:r>
             <a:r>
-              <a:rPr lang="zh-CN" altLang="en-US" smtClean="0"/>
+              <a:rPr lang="zh-CN" altLang="en-US" dirty="0" smtClean="0"/>
               <a:t>前面有一个</a:t>
             </a:r>
             <a:r>
-              <a:rPr lang="en-US" altLang="zh-CN" smtClean="0"/>
+              <a:rPr lang="en-US" altLang="zh-CN" dirty="0" smtClean="0"/>
               <a:t>”.”</a:t>
             </a:r>
             <a:r>
-              <a:rPr lang="zh-CN" altLang="en-US" smtClean="0"/>
+              <a:rPr lang="zh-CN" altLang="en-US" dirty="0" smtClean="0"/>
               <a:t>，代表是类选择器，作用域</a:t>
             </a:r>
             <a:r>
-              <a:rPr lang="en-US" altLang="zh-CN" smtClean="0"/>
+              <a:rPr lang="en-US" altLang="zh-CN" dirty="0" smtClean="0"/>
               <a:t>html</a:t>
             </a:r>
             <a:r>
-              <a:rPr lang="zh-CN" altLang="en-US" smtClean="0"/>
+              <a:rPr lang="zh-CN" altLang="en-US" dirty="0" smtClean="0"/>
               <a:t>代码中</a:t>
             </a:r>
             <a:r>
-              <a:rPr lang="en-US" altLang="zh-CN" smtClean="0"/>
+              <a:rPr lang="en-US" altLang="zh-CN" dirty="0" smtClean="0"/>
               <a:t>class</a:t>
             </a:r>
             <a:r>
-              <a:rPr lang="zh-CN" altLang="en-US" smtClean="0"/>
+              <a:rPr lang="zh-CN" altLang="en-US" dirty="0" smtClean="0"/>
               <a:t>的属性值包含</a:t>
             </a:r>
             <a:r>
-              <a:rPr lang="en-US" altLang="zh-CN" smtClean="0"/>
+              <a:rPr lang="en-US" altLang="zh-CN" dirty="0" smtClean="0"/>
               <a:t>name1</a:t>
             </a:r>
             <a:r>
-              <a:rPr lang="zh-CN" altLang="en-US" smtClean="0"/>
+              <a:rPr lang="zh-CN" altLang="en-US" dirty="0" smtClean="0"/>
               <a:t>的标签，</a:t>
             </a:r>
             <a:r>
-              <a:rPr lang="en-US" altLang="zh-CN" smtClean="0"/>
+              <a:rPr lang="en-US" altLang="zh-CN" dirty="0" smtClean="0"/>
               <a:t>class</a:t>
             </a:r>
             <a:r>
-              <a:rPr lang="zh-CN" altLang="en-US" smtClean="0"/>
+              <a:rPr lang="zh-CN" altLang="en-US" dirty="0" smtClean="0"/>
               <a:t>的值如果有多个，属性值之间使用空格分隔。</a:t>
             </a:r>
-            <a:endParaRPr lang="zh-CN" altLang="en-US"/>
+            <a:endParaRPr lang="zh-CN" altLang="en-US" dirty="0"/>
           </a:p>
         </p:txBody>
       </p:sp>
@@ -6238,78 +6393,78 @@
           <a:lstStyle/>
           <a:p>
             <a:r>
-              <a:rPr lang="en-US" altLang="zh-CN" smtClean="0"/>
+              <a:rPr lang="en-US" altLang="zh-CN" dirty="0" err="1" smtClean="0"/>
               <a:t>css</a:t>
             </a:r>
             <a:r>
-              <a:rPr lang="zh-CN" altLang="en-US" smtClean="0"/>
+              <a:rPr lang="zh-CN" altLang="en-US" dirty="0" smtClean="0"/>
               <a:t>代码：</a:t>
             </a:r>
-            <a:endParaRPr lang="en-US" altLang="zh-CN" smtClean="0"/>
-          </a:p>
-          <a:p>
-            <a:r>
-              <a:rPr lang="en-US" altLang="zh-CN" smtClean="0"/>
+            <a:endParaRPr lang="en-US" altLang="zh-CN" dirty="0" smtClean="0"/>
+          </a:p>
+          <a:p>
+            <a:r>
+              <a:rPr lang="en-US" altLang="zh-CN" dirty="0" smtClean="0"/>
               <a:t>div {</a:t>
             </a:r>
           </a:p>
           <a:p>
             <a:r>
-              <a:rPr lang="en-US" altLang="zh-CN"/>
+              <a:rPr lang="en-US" altLang="zh-CN" dirty="0"/>
               <a:t> </a:t>
             </a:r>
             <a:r>
-              <a:rPr lang="en-US" altLang="zh-CN" smtClean="0"/>
+              <a:rPr lang="en-US" altLang="zh-CN" dirty="0" smtClean="0"/>
               <a:t> color: red;</a:t>
             </a:r>
           </a:p>
           <a:p>
             <a:r>
-              <a:rPr lang="en-US" altLang="zh-CN" smtClean="0"/>
+              <a:rPr lang="en-US" altLang="zh-CN" dirty="0" smtClean="0"/>
               <a:t>}</a:t>
             </a:r>
           </a:p>
           <a:p>
             <a:r>
-              <a:rPr lang="en-US" altLang="zh-CN" smtClean="0"/>
+              <a:rPr lang="en-US" altLang="zh-CN" dirty="0" smtClean="0"/>
               <a:t>html</a:t>
             </a:r>
             <a:r>
-              <a:rPr lang="zh-CN" altLang="en-US" smtClean="0"/>
+              <a:rPr lang="zh-CN" altLang="en-US" dirty="0" smtClean="0"/>
               <a:t>代码：</a:t>
             </a:r>
-            <a:endParaRPr lang="en-US" altLang="zh-CN" smtClean="0"/>
-          </a:p>
-          <a:p>
-            <a:r>
-              <a:rPr lang="en-US" altLang="zh-CN" smtClean="0"/>
+            <a:endParaRPr lang="en-US" altLang="zh-CN" dirty="0" smtClean="0"/>
+          </a:p>
+          <a:p>
+            <a:r>
+              <a:rPr lang="en-US" altLang="zh-CN" dirty="0" smtClean="0"/>
               <a:t>&lt;div&gt;123&lt;/div&gt;</a:t>
             </a:r>
           </a:p>
           <a:p>
             <a:r>
-              <a:rPr lang="en-US" altLang="zh-CN"/>
+              <a:rPr lang="en-US" altLang="zh-CN" dirty="0"/>
               <a:t>&lt;</a:t>
             </a:r>
             <a:r>
-              <a:rPr lang="en-US" altLang="zh-CN" smtClean="0"/>
+              <a:rPr lang="en-US" altLang="zh-CN" dirty="0" smtClean="0"/>
               <a:t>div&gt;123456&lt;/div&gt;</a:t>
             </a:r>
           </a:p>
           <a:p>
             <a:r>
-              <a:rPr lang="zh-CN" altLang="en-US" smtClean="0"/>
+              <a:rPr lang="zh-CN" altLang="en-US" dirty="0" smtClean="0"/>
               <a:t>通过直接指定标签名称作为选择器，作用于文档中所有的</a:t>
             </a:r>
             <a:r>
-              <a:rPr lang="en-US" altLang="zh-CN" smtClean="0"/>
+              <a:rPr lang="en-US" altLang="zh-CN" dirty="0" smtClean="0"/>
               <a:t>div</a:t>
             </a:r>
             <a:r>
-              <a:rPr lang="zh-CN" altLang="en-US" smtClean="0"/>
+              <a:rPr lang="zh-CN" altLang="en-US" dirty="0" smtClean="0"/>
               <a:t>标签。</a:t>
             </a:r>
-            <a:endParaRPr lang="zh-CN" altLang="en-US"/>
+            <a:endParaRPr lang="zh-CN" altLang="en-US" dirty="0"/>
           </a:p>
         </p:txBody>
       </p:sp>
@@ -6399,184 +6554,184 @@
           <a:lstStyle/>
           <a:p>
             <a:r>
-              <a:rPr lang="en-US" altLang="zh-CN" smtClean="0"/>
+              <a:rPr lang="en-US" altLang="zh-CN" dirty="0" err="1" smtClean="0"/>
               <a:t>css</a:t>
             </a:r>
             <a:r>
-              <a:rPr lang="zh-CN" altLang="en-US" smtClean="0"/>
+              <a:rPr lang="zh-CN" altLang="en-US" dirty="0" smtClean="0"/>
               <a:t>代码：</a:t>
             </a:r>
-            <a:endParaRPr lang="en-US" altLang="zh-CN" smtClean="0"/>
-          </a:p>
-          <a:p>
-            <a:r>
-              <a:rPr lang="en-US" altLang="zh-CN" smtClean="0"/>
+            <a:endParaRPr lang="en-US" altLang="zh-CN" dirty="0" smtClean="0"/>
+          </a:p>
+          <a:p>
+            <a:r>
+              <a:rPr lang="en-US" altLang="zh-CN" dirty="0" smtClean="0"/>
               <a:t>#name {</a:t>
             </a:r>
           </a:p>
           <a:p>
             <a:r>
-              <a:rPr lang="en-US" altLang="zh-CN"/>
+              <a:rPr lang="en-US" altLang="zh-CN" dirty="0"/>
               <a:t> </a:t>
             </a:r>
             <a:r>
-              <a:rPr lang="en-US" altLang="zh-CN" smtClean="0"/>
+              <a:rPr lang="en-US" altLang="zh-CN" dirty="0" smtClean="0"/>
               <a:t> color: red;</a:t>
             </a:r>
           </a:p>
           <a:p>
             <a:r>
-              <a:rPr lang="en-US" altLang="zh-CN" smtClean="0"/>
+              <a:rPr lang="en-US" altLang="zh-CN" dirty="0" smtClean="0"/>
               <a:t>}</a:t>
             </a:r>
           </a:p>
           <a:p>
             <a:r>
-              <a:rPr lang="en-US" altLang="zh-CN" smtClean="0"/>
+              <a:rPr lang="en-US" altLang="zh-CN" dirty="0" smtClean="0"/>
               <a:t>html</a:t>
             </a:r>
             <a:r>
-              <a:rPr lang="zh-CN" altLang="en-US" smtClean="0"/>
+              <a:rPr lang="zh-CN" altLang="en-US" dirty="0" smtClean="0"/>
               <a:t>代码：</a:t>
             </a:r>
-            <a:endParaRPr lang="en-US" altLang="zh-CN" smtClean="0"/>
-          </a:p>
-          <a:p>
-            <a:r>
-              <a:rPr lang="en-US" altLang="zh-CN" smtClean="0"/>
+            <a:endParaRPr lang="en-US" altLang="zh-CN" dirty="0" smtClean="0"/>
+          </a:p>
+          <a:p>
+            <a:r>
+              <a:rPr lang="en-US" altLang="zh-CN" dirty="0" smtClean="0"/>
               <a:t>&lt;div id=“name”&gt;123&lt;/div&gt;</a:t>
             </a:r>
           </a:p>
           <a:p>
             <a:r>
-              <a:rPr lang="en-US" altLang="zh-CN"/>
+              <a:rPr lang="en-US" altLang="zh-CN" dirty="0"/>
               <a:t>&lt;div id=“name”&gt;123&lt;/div</a:t>
             </a:r>
             <a:r>
-              <a:rPr lang="en-US" altLang="zh-CN" smtClean="0"/>
+              <a:rPr lang="en-US" altLang="zh-CN" dirty="0" smtClean="0"/>
               <a:t>&gt;</a:t>
             </a:r>
           </a:p>
           <a:p>
             <a:r>
-              <a:rPr lang="zh-CN" altLang="en-US" smtClean="0"/>
+              <a:rPr lang="zh-CN" altLang="en-US" dirty="0" smtClean="0"/>
               <a:t>与类选择器相同，</a:t>
             </a:r>
             <a:r>
-              <a:rPr lang="en-US" altLang="zh-CN" smtClean="0"/>
+              <a:rPr lang="en-US" altLang="zh-CN" dirty="0" smtClean="0"/>
               <a:t>#name</a:t>
             </a:r>
             <a:r>
-              <a:rPr lang="zh-CN" altLang="en-US" smtClean="0"/>
+              <a:rPr lang="zh-CN" altLang="en-US" dirty="0" smtClean="0"/>
               <a:t>会对所有</a:t>
             </a:r>
             <a:r>
-              <a:rPr lang="en-US" altLang="zh-CN" smtClean="0"/>
+              <a:rPr lang="en-US" altLang="zh-CN" dirty="0" smtClean="0"/>
               <a:t>id</a:t>
             </a:r>
             <a:r>
-              <a:rPr lang="zh-CN" altLang="en-US" smtClean="0"/>
+              <a:rPr lang="zh-CN" altLang="en-US" dirty="0" smtClean="0"/>
               <a:t>属性值为</a:t>
             </a:r>
             <a:r>
-              <a:rPr lang="en-US" altLang="zh-CN" smtClean="0"/>
+              <a:rPr lang="en-US" altLang="zh-CN" dirty="0" smtClean="0"/>
               <a:t>name</a:t>
             </a:r>
             <a:r>
-              <a:rPr lang="zh-CN" altLang="en-US" smtClean="0"/>
+              <a:rPr lang="zh-CN" altLang="en-US" dirty="0" smtClean="0"/>
               <a:t>的标签生效，写法是</a:t>
             </a:r>
             <a:r>
-              <a:rPr lang="en-US" altLang="zh-CN" smtClean="0"/>
+              <a:rPr lang="en-US" altLang="zh-CN" dirty="0" smtClean="0"/>
               <a:t>”#id</a:t>
             </a:r>
             <a:r>
-              <a:rPr lang="zh-CN" altLang="en-US" smtClean="0"/>
+              <a:rPr lang="zh-CN" altLang="en-US" dirty="0" smtClean="0"/>
               <a:t>名</a:t>
             </a:r>
             <a:r>
-              <a:rPr lang="en-US" altLang="zh-CN" smtClean="0"/>
+              <a:rPr lang="en-US" altLang="zh-CN" dirty="0" smtClean="0"/>
               <a:t>”</a:t>
             </a:r>
             <a:r>
-              <a:rPr lang="zh-CN" altLang="en-US" smtClean="0"/>
+              <a:rPr lang="zh-CN" altLang="en-US" dirty="0" smtClean="0"/>
               <a:t>，</a:t>
             </a:r>
             <a:r>
-              <a:rPr lang="en-US" altLang="zh-CN" smtClean="0"/>
+              <a:rPr lang="en-US" altLang="zh-CN" dirty="0" smtClean="0"/>
               <a:t>#</a:t>
             </a:r>
             <a:r>
-              <a:rPr lang="zh-CN" altLang="en-US" smtClean="0"/>
+              <a:rPr lang="zh-CN" altLang="en-US" dirty="0" smtClean="0"/>
               <a:t>代表</a:t>
             </a:r>
             <a:r>
-              <a:rPr lang="en-US" altLang="zh-CN" smtClean="0"/>
+              <a:rPr lang="en-US" altLang="zh-CN" dirty="0" smtClean="0"/>
               <a:t>id</a:t>
             </a:r>
             <a:r>
-              <a:rPr lang="zh-CN" altLang="en-US" smtClean="0"/>
+              <a:rPr lang="zh-CN" altLang="en-US" dirty="0" smtClean="0"/>
               <a:t>。</a:t>
             </a:r>
-            <a:endParaRPr lang="en-US" altLang="zh-CN" smtClean="0"/>
-          </a:p>
-          <a:p>
-            <a:r>
-              <a:rPr lang="zh-CN" altLang="en-US" smtClean="0"/>
+            <a:endParaRPr lang="en-US" altLang="zh-CN" dirty="0" smtClean="0"/>
+          </a:p>
+          <a:p>
+            <a:r>
+              <a:rPr lang="zh-CN" altLang="en-US" dirty="0" smtClean="0"/>
               <a:t>不过实际工作中，</a:t>
             </a:r>
             <a:r>
-              <a:rPr lang="en-US" altLang="zh-CN" smtClean="0"/>
+              <a:rPr lang="en-US" altLang="zh-CN" dirty="0" smtClean="0"/>
               <a:t>id</a:t>
             </a:r>
             <a:r>
-              <a:rPr lang="zh-CN" altLang="en-US" smtClean="0"/>
+              <a:rPr lang="zh-CN" altLang="en-US" dirty="0" smtClean="0"/>
               <a:t>是不会作为</a:t>
             </a:r>
             <a:r>
-              <a:rPr lang="en-US" altLang="zh-CN" smtClean="0"/>
+              <a:rPr lang="en-US" altLang="zh-CN" dirty="0" err="1" smtClean="0"/>
               <a:t>css</a:t>
             </a:r>
             <a:r>
-              <a:rPr lang="zh-CN" altLang="en-US" smtClean="0"/>
+              <a:rPr lang="zh-CN" altLang="en-US" dirty="0" smtClean="0"/>
               <a:t>选择器的。使用</a:t>
             </a:r>
             <a:r>
-              <a:rPr lang="en-US" altLang="zh-CN" smtClean="0"/>
+              <a:rPr lang="en-US" altLang="zh-CN" dirty="0" err="1" smtClean="0"/>
               <a:t>javascript</a:t>
             </a:r>
             <a:r>
-              <a:rPr lang="zh-CN" altLang="en-US" smtClean="0"/>
+              <a:rPr lang="zh-CN" altLang="en-US" dirty="0" smtClean="0"/>
               <a:t>时，通过</a:t>
             </a:r>
             <a:r>
-              <a:rPr lang="en-US" altLang="zh-CN" smtClean="0"/>
+              <a:rPr lang="en-US" altLang="zh-CN" dirty="0" smtClean="0"/>
               <a:t>id</a:t>
             </a:r>
             <a:r>
-              <a:rPr lang="zh-CN" altLang="en-US" smtClean="0"/>
+              <a:rPr lang="zh-CN" altLang="en-US" dirty="0" smtClean="0"/>
               <a:t>选择元素时，如果文档中出现多个同名</a:t>
             </a:r>
             <a:r>
-              <a:rPr lang="en-US" altLang="zh-CN" smtClean="0"/>
+              <a:rPr lang="en-US" altLang="zh-CN" dirty="0" smtClean="0"/>
               <a:t>id</a:t>
             </a:r>
             <a:r>
-              <a:rPr lang="zh-CN" altLang="en-US" smtClean="0"/>
+              <a:rPr lang="zh-CN" altLang="en-US" dirty="0" smtClean="0"/>
               <a:t>，只会选中第一个出现的</a:t>
             </a:r>
             <a:r>
-              <a:rPr lang="en-US" altLang="zh-CN" smtClean="0"/>
+              <a:rPr lang="en-US" altLang="zh-CN" dirty="0" smtClean="0"/>
               <a:t>id</a:t>
             </a:r>
             <a:r>
-              <a:rPr lang="zh-CN" altLang="en-US" smtClean="0"/>
+              <a:rPr lang="zh-CN" altLang="en-US" dirty="0" smtClean="0"/>
               <a:t>。</a:t>
             </a:r>
-            <a:endParaRPr lang="zh-CN" altLang="en-US"/>
-          </a:p>
-          <a:p>
-            <a:endParaRPr lang="zh-CN" altLang="en-US"/>
+            <a:endParaRPr lang="zh-CN" altLang="en-US" dirty="0"/>
+          </a:p>
+          <a:p>
+            <a:endParaRPr lang="zh-CN" altLang="en-US" dirty="0"/>
           </a:p>
         </p:txBody>
       </p:sp>
@@ -6652,118 +6807,118 @@
           <a:lstStyle/>
           <a:p>
             <a:r>
-              <a:rPr lang="en-US" altLang="zh-CN" smtClean="0"/>
+              <a:rPr lang="en-US" altLang="zh-CN" dirty="0" err="1" smtClean="0"/>
               <a:t>css</a:t>
             </a:r>
             <a:r>
-              <a:rPr lang="zh-CN" altLang="en-US" smtClean="0"/>
+              <a:rPr lang="zh-CN" altLang="en-US" dirty="0" smtClean="0"/>
               <a:t>代码：</a:t>
             </a:r>
-            <a:endParaRPr lang="en-US" altLang="zh-CN" smtClean="0"/>
-          </a:p>
-          <a:p>
-            <a:r>
-              <a:rPr lang="en-US" altLang="zh-CN" smtClean="0"/>
+            <a:endParaRPr lang="en-US" altLang="zh-CN" dirty="0" smtClean="0"/>
+          </a:p>
+          <a:p>
+            <a:r>
+              <a:rPr lang="en-US" altLang="zh-CN" dirty="0" smtClean="0"/>
               <a:t>.parent .sub {</a:t>
             </a:r>
           </a:p>
           <a:p>
             <a:r>
-              <a:rPr lang="en-US" altLang="zh-CN" smtClean="0"/>
+              <a:rPr lang="en-US" altLang="zh-CN" dirty="0" smtClean="0"/>
               <a:t>  color: red;</a:t>
             </a:r>
-            <a:endParaRPr lang="en-US" altLang="zh-CN"/>
-          </a:p>
-          <a:p>
-            <a:r>
-              <a:rPr lang="en-US" altLang="zh-CN" smtClean="0"/>
+            <a:endParaRPr lang="en-US" altLang="zh-CN" dirty="0"/>
+          </a:p>
+          <a:p>
+            <a:r>
+              <a:rPr lang="en-US" altLang="zh-CN" dirty="0" smtClean="0"/>
               <a:t>}</a:t>
             </a:r>
           </a:p>
           <a:p>
             <a:r>
-              <a:rPr lang="en-US" altLang="zh-CN" smtClean="0"/>
+              <a:rPr lang="en-US" altLang="zh-CN" dirty="0" smtClean="0"/>
               <a:t>html</a:t>
             </a:r>
             <a:r>
-              <a:rPr lang="zh-CN" altLang="en-US" smtClean="0"/>
+              <a:rPr lang="zh-CN" altLang="en-US" dirty="0" smtClean="0"/>
               <a:t>代码：</a:t>
             </a:r>
-            <a:endParaRPr lang="en-US" altLang="zh-CN" smtClean="0"/>
-          </a:p>
-          <a:p>
-            <a:r>
-              <a:rPr lang="en-US" altLang="zh-CN" smtClean="0"/>
+            <a:endParaRPr lang="en-US" altLang="zh-CN" dirty="0" smtClean="0"/>
+          </a:p>
+          <a:p>
+            <a:r>
+              <a:rPr lang="en-US" altLang="zh-CN" dirty="0" smtClean="0"/>
               <a:t>&lt;</a:t>
             </a:r>
             <a:r>
-              <a:rPr lang="en-US" altLang="zh-CN"/>
+              <a:rPr lang="en-US" altLang="zh-CN" dirty="0"/>
               <a:t>div class="parent"&gt;</a:t>
             </a:r>
           </a:p>
           <a:p>
             <a:r>
-              <a:rPr lang="en-US" altLang="zh-CN" smtClean="0"/>
+              <a:rPr lang="en-US" altLang="zh-CN" dirty="0" smtClean="0"/>
               <a:t>  &lt;</a:t>
             </a:r>
             <a:r>
-              <a:rPr lang="en-US" altLang="zh-CN"/>
+              <a:rPr lang="en-US" altLang="zh-CN" dirty="0"/>
               <a:t>div class="sub"&gt;div-2-1&lt;/div&gt;</a:t>
             </a:r>
           </a:p>
           <a:p>
             <a:r>
-              <a:rPr lang="en-US" altLang="zh-CN" smtClean="0"/>
+              <a:rPr lang="en-US" altLang="zh-CN" dirty="0" smtClean="0"/>
               <a:t>&lt;/</a:t>
             </a:r>
             <a:r>
-              <a:rPr lang="en-US" altLang="zh-CN"/>
+              <a:rPr lang="en-US" altLang="zh-CN" dirty="0"/>
               <a:t>div</a:t>
             </a:r>
             <a:r>
-              <a:rPr lang="en-US" altLang="zh-CN" smtClean="0"/>
+              <a:rPr lang="en-US" altLang="zh-CN" dirty="0" smtClean="0"/>
               <a:t>&gt;</a:t>
             </a:r>
           </a:p>
           <a:p>
             <a:r>
-              <a:rPr lang="en-US" altLang="zh-CN" smtClean="0"/>
+              <a:rPr lang="en-US" altLang="zh-CN" dirty="0" smtClean="0"/>
               <a:t>.parent</a:t>
             </a:r>
             <a:r>
-              <a:rPr lang="zh-CN" altLang="en-US" smtClean="0"/>
+              <a:rPr lang="zh-CN" altLang="en-US" dirty="0" smtClean="0"/>
               <a:t>后面加一个空格然后跟一个</a:t>
             </a:r>
             <a:r>
-              <a:rPr lang="en-US" altLang="zh-CN" smtClean="0"/>
+              <a:rPr lang="en-US" altLang="zh-CN" dirty="0" smtClean="0"/>
               <a:t>.sub</a:t>
             </a:r>
             <a:r>
-              <a:rPr lang="zh-CN" altLang="en-US" smtClean="0"/>
+              <a:rPr lang="zh-CN" altLang="en-US" dirty="0" smtClean="0"/>
               <a:t>，表示作用域对</a:t>
             </a:r>
             <a:r>
-              <a:rPr lang="en-US" altLang="zh-CN" smtClean="0"/>
+              <a:rPr lang="en-US" altLang="zh-CN" dirty="0" smtClean="0"/>
               <a:t>.parent</a:t>
             </a:r>
             <a:r>
-              <a:rPr lang="zh-CN" altLang="en-US" smtClean="0"/>
+              <a:rPr lang="zh-CN" altLang="en-US" dirty="0" smtClean="0"/>
               <a:t>下所有</a:t>
             </a:r>
             <a:r>
-              <a:rPr lang="en-US" altLang="zh-CN" smtClean="0"/>
+              <a:rPr lang="en-US" altLang="zh-CN" dirty="0" smtClean="0"/>
               <a:t>.sub</a:t>
             </a:r>
             <a:r>
-              <a:rPr lang="zh-CN" altLang="en-US" smtClean="0"/>
+              <a:rPr lang="zh-CN" altLang="en-US" dirty="0" smtClean="0"/>
               <a:t>，不会作用于</a:t>
             </a:r>
             <a:r>
-              <a:rPr lang="en-US" altLang="zh-CN" smtClean="0"/>
+              <a:rPr lang="en-US" altLang="zh-CN" dirty="0" smtClean="0"/>
               <a:t>.parent</a:t>
             </a:r>
             <a:r>
-              <a:rPr lang="zh-CN" altLang="en-US"/>
+              <a:rPr lang="zh-CN" altLang="en-US" dirty="0"/>
               <a:t>。</a:t>
             </a:r>
           </a:p>
@@ -6851,190 +7006,190 @@
           <a:lstStyle/>
           <a:p>
             <a:r>
-              <a:rPr lang="en-US" altLang="zh-CN" smtClean="0"/>
+              <a:rPr lang="en-US" altLang="zh-CN" dirty="0" err="1" smtClean="0"/>
               <a:t>css</a:t>
             </a:r>
             <a:r>
-              <a:rPr lang="zh-CN" altLang="en-US" smtClean="0"/>
+              <a:rPr lang="zh-CN" altLang="en-US" dirty="0" smtClean="0"/>
               <a:t>代码：</a:t>
             </a:r>
-            <a:endParaRPr lang="en-US" altLang="zh-CN" smtClean="0"/>
-          </a:p>
-          <a:p>
-            <a:r>
-              <a:rPr lang="en-US" altLang="zh-CN" smtClean="0"/>
+            <a:endParaRPr lang="en-US" altLang="zh-CN" dirty="0" smtClean="0"/>
+          </a:p>
+          <a:p>
+            <a:r>
+              <a:rPr lang="en-US" altLang="zh-CN" dirty="0" smtClean="0"/>
               <a:t>.div1 &gt; span {</a:t>
             </a:r>
           </a:p>
           <a:p>
             <a:r>
-              <a:rPr lang="en-US" altLang="zh-CN" smtClean="0"/>
+              <a:rPr lang="en-US" altLang="zh-CN" dirty="0" smtClean="0"/>
               <a:t>  color: red;</a:t>
             </a:r>
-            <a:endParaRPr lang="en-US" altLang="zh-CN"/>
-          </a:p>
-          <a:p>
-            <a:r>
-              <a:rPr lang="en-US" altLang="zh-CN" smtClean="0"/>
+            <a:endParaRPr lang="en-US" altLang="zh-CN" dirty="0"/>
+          </a:p>
+          <a:p>
+            <a:r>
+              <a:rPr lang="en-US" altLang="zh-CN" dirty="0" smtClean="0"/>
               <a:t>}</a:t>
             </a:r>
           </a:p>
           <a:p>
             <a:r>
-              <a:rPr lang="en-US" altLang="zh-CN" smtClean="0"/>
+              <a:rPr lang="en-US" altLang="zh-CN" dirty="0" smtClean="0"/>
               <a:t>html</a:t>
             </a:r>
             <a:r>
-              <a:rPr lang="zh-CN" altLang="en-US" smtClean="0"/>
+              <a:rPr lang="zh-CN" altLang="en-US" dirty="0" smtClean="0"/>
               <a:t>代码：</a:t>
             </a:r>
-            <a:endParaRPr lang="en-US" altLang="zh-CN" smtClean="0"/>
-          </a:p>
-          <a:p>
-            <a:r>
-              <a:rPr lang="en-US" altLang="zh-CN"/>
+            <a:endParaRPr lang="en-US" altLang="zh-CN" dirty="0" smtClean="0"/>
+          </a:p>
+          <a:p>
+            <a:r>
+              <a:rPr lang="en-US" altLang="zh-CN" dirty="0"/>
               <a:t>&lt;div class="div1"&gt;</a:t>
             </a:r>
           </a:p>
           <a:p>
             <a:r>
-              <a:rPr lang="en-US" altLang="zh-CN" smtClean="0"/>
+              <a:rPr lang="en-US" altLang="zh-CN" dirty="0" smtClean="0"/>
               <a:t>  &lt;span class=</a:t>
             </a:r>
             <a:r>
-              <a:rPr lang="en-US" altLang="zh-CN"/>
+              <a:rPr lang="en-US" altLang="zh-CN" dirty="0"/>
               <a:t>"</a:t>
             </a:r>
             <a:r>
-              <a:rPr lang="en-US" altLang="zh-CN" smtClean="0"/>
+              <a:rPr lang="en-US" altLang="zh-CN" dirty="0" smtClean="0"/>
               <a:t>sub1"&gt;span-1-3</a:t>
             </a:r>
             <a:r>
-              <a:rPr lang="en-US" altLang="zh-CN"/>
+              <a:rPr lang="en-US" altLang="zh-CN" dirty="0"/>
               <a:t>&lt;/span&gt;</a:t>
             </a:r>
           </a:p>
           <a:p>
             <a:r>
-              <a:rPr lang="en-US" altLang="zh-CN" smtClean="0"/>
+              <a:rPr lang="en-US" altLang="zh-CN" dirty="0" smtClean="0"/>
               <a:t>  &lt;</a:t>
             </a:r>
             <a:r>
-              <a:rPr lang="en-US" altLang="zh-CN"/>
+              <a:rPr lang="en-US" altLang="zh-CN" dirty="0"/>
               <a:t>div class="parent</a:t>
             </a:r>
             <a:r>
-              <a:rPr lang="en-US" altLang="zh-CN" smtClean="0"/>
+              <a:rPr lang="en-US" altLang="zh-CN" dirty="0" smtClean="0"/>
               <a:t>"&gt;</a:t>
             </a:r>
           </a:p>
           <a:p>
             <a:r>
-              <a:rPr lang="en-US" altLang="zh-CN" smtClean="0"/>
+              <a:rPr lang="en-US" altLang="zh-CN" dirty="0" smtClean="0"/>
               <a:t>    &lt;span class=</a:t>
             </a:r>
             <a:r>
-              <a:rPr lang="en-US" altLang="zh-CN"/>
+              <a:rPr lang="en-US" altLang="zh-CN" dirty="0"/>
               <a:t>"</a:t>
             </a:r>
             <a:r>
-              <a:rPr lang="en-US" altLang="zh-CN" smtClean="0"/>
+              <a:rPr lang="en-US" altLang="zh-CN" dirty="0" smtClean="0"/>
               <a:t>sub2</a:t>
             </a:r>
             <a:r>
-              <a:rPr lang="en-US" altLang="zh-CN"/>
+              <a:rPr lang="en-US" altLang="zh-CN" dirty="0"/>
               <a:t>"</a:t>
             </a:r>
             <a:r>
-              <a:rPr lang="en-US" altLang="zh-CN" smtClean="0"/>
+              <a:rPr lang="en-US" altLang="zh-CN" dirty="0" smtClean="0"/>
               <a:t>&gt;span-2-3</a:t>
             </a:r>
             <a:r>
-              <a:rPr lang="en-US" altLang="zh-CN"/>
+              <a:rPr lang="en-US" altLang="zh-CN" dirty="0"/>
               <a:t>&lt;/span&gt;</a:t>
             </a:r>
           </a:p>
           <a:p>
             <a:r>
-              <a:rPr lang="en-US" altLang="zh-CN" smtClean="0"/>
+              <a:rPr lang="en-US" altLang="zh-CN" dirty="0" smtClean="0"/>
               <a:t>  &lt;/div&gt;</a:t>
             </a:r>
           </a:p>
           <a:p>
             <a:r>
-              <a:rPr lang="en-US" altLang="zh-CN" smtClean="0"/>
+              <a:rPr lang="en-US" altLang="zh-CN" dirty="0" smtClean="0"/>
               <a:t>&lt;/</a:t>
             </a:r>
             <a:r>
-              <a:rPr lang="en-US" altLang="zh-CN"/>
+              <a:rPr lang="en-US" altLang="zh-CN" dirty="0"/>
               <a:t>div</a:t>
             </a:r>
             <a:r>
-              <a:rPr lang="en-US" altLang="zh-CN" smtClean="0"/>
+              <a:rPr lang="en-US" altLang="zh-CN" dirty="0" smtClean="0"/>
               <a:t>&gt;</a:t>
             </a:r>
           </a:p>
           <a:p>
             <a:r>
-              <a:rPr lang="zh-CN" altLang="en-US" smtClean="0"/>
+              <a:rPr lang="zh-CN" altLang="en-US" dirty="0" smtClean="0"/>
               <a:t>与后代选择器区别在于，子选择器作用域</a:t>
             </a:r>
             <a:r>
-              <a:rPr lang="en-US" altLang="zh-CN" smtClean="0"/>
+              <a:rPr lang="en-US" altLang="zh-CN" dirty="0" smtClean="0"/>
               <a:t>.div1</a:t>
             </a:r>
             <a:r>
-              <a:rPr lang="zh-CN" altLang="en-US" smtClean="0"/>
+              <a:rPr lang="zh-CN" altLang="en-US" dirty="0" smtClean="0"/>
               <a:t>下的直接元素，也就是</a:t>
             </a:r>
             <a:r>
-              <a:rPr lang="en-US" altLang="zh-CN" smtClean="0"/>
+              <a:rPr lang="en-US" altLang="zh-CN" dirty="0" smtClean="0"/>
               <a:t>.sub1</a:t>
             </a:r>
             <a:r>
-              <a:rPr lang="zh-CN" altLang="en-US" smtClean="0"/>
+              <a:rPr lang="zh-CN" altLang="en-US" dirty="0" smtClean="0"/>
               <a:t>，不会作用于</a:t>
             </a:r>
             <a:r>
-              <a:rPr lang="en-US" altLang="zh-CN" smtClean="0"/>
+              <a:rPr lang="en-US" altLang="zh-CN" dirty="0" smtClean="0"/>
               <a:t>.sub2</a:t>
             </a:r>
             <a:r>
-              <a:rPr lang="zh-CN" altLang="en-US" smtClean="0"/>
+              <a:rPr lang="zh-CN" altLang="en-US" dirty="0" smtClean="0"/>
               <a:t>。</a:t>
             </a:r>
-            <a:endParaRPr lang="en-US" altLang="zh-CN" smtClean="0"/>
-          </a:p>
-          <a:p>
-            <a:r>
-              <a:rPr lang="zh-CN" altLang="en-US" smtClean="0"/>
+            <a:endParaRPr lang="en-US" altLang="zh-CN" dirty="0" smtClean="0"/>
+          </a:p>
+          <a:p>
+            <a:r>
+              <a:rPr lang="zh-CN" altLang="en-US" dirty="0" smtClean="0"/>
               <a:t>用法</a:t>
             </a:r>
             <a:r>
-              <a:rPr lang="zh-CN" altLang="en-US"/>
+              <a:rPr lang="zh-CN" altLang="en-US" dirty="0"/>
               <a:t>父级选择</a:t>
             </a:r>
             <a:r>
-              <a:rPr lang="zh-CN" altLang="en-US" smtClean="0"/>
+              <a:rPr lang="zh-CN" altLang="en-US" dirty="0" smtClean="0"/>
               <a:t>器 </a:t>
             </a:r>
             <a:r>
-              <a:rPr lang="en-US" altLang="zh-CN" smtClean="0"/>
+              <a:rPr lang="en-US" altLang="zh-CN" dirty="0" smtClean="0"/>
               <a:t>&gt; </a:t>
             </a:r>
             <a:r>
-              <a:rPr lang="zh-CN" altLang="en-US" smtClean="0"/>
+              <a:rPr lang="zh-CN" altLang="en-US" dirty="0" smtClean="0"/>
               <a:t>子选择器，中间是</a:t>
             </a:r>
             <a:r>
-              <a:rPr lang="en-US" altLang="zh-CN" smtClean="0"/>
+              <a:rPr lang="en-US" altLang="zh-CN" dirty="0" smtClean="0"/>
               <a:t>”&gt;”</a:t>
             </a:r>
             <a:r>
-              <a:rPr lang="zh-CN" altLang="en-US"/>
+              <a:rPr lang="zh-CN" altLang="en-US" dirty="0"/>
               <a:t>。</a:t>
             </a:r>
-            <a:endParaRPr lang="en-US" altLang="zh-CN" smtClean="0"/>
+            <a:endParaRPr lang="en-US" altLang="zh-CN" dirty="0" smtClean="0"/>
           </a:p>
         </p:txBody>
       </p:sp>
@@ -7090,10 +7245,10 @@
           <a:p>
             <a:pPr algn="ctr"/>
             <a:r>
-              <a:rPr lang="zh-CN" altLang="en-US" smtClean="0"/>
+              <a:rPr lang="zh-CN" altLang="en-US" dirty="0" smtClean="0"/>
               <a:t>伪类选择器</a:t>
             </a:r>
-            <a:endParaRPr lang="zh-CN" altLang="en-US"/>
+            <a:endParaRPr lang="zh-CN" altLang="en-US" dirty="0"/>
           </a:p>
         </p:txBody>
       </p:sp>
@@ -7118,82 +7273,82 @@
           <a:lstStyle/>
           <a:p>
             <a:r>
-              <a:rPr lang="zh-CN" altLang="en-US"/>
+              <a:rPr lang="zh-CN" altLang="en-US" dirty="0"/>
               <a:t>有时候还会需要用文档以外的其他条件来应用元素的样式，比如鼠标悬停等。这时候我们就需要用到伪</a:t>
             </a:r>
             <a:r>
-              <a:rPr lang="zh-CN" altLang="en-US" smtClean="0"/>
+              <a:rPr lang="zh-CN" altLang="en-US" dirty="0" smtClean="0"/>
               <a:t>类。</a:t>
             </a:r>
-            <a:endParaRPr lang="en-US" altLang="zh-CN" smtClean="0"/>
-          </a:p>
-          <a:p>
-            <a:r>
-              <a:rPr lang="en-US" altLang="zh-CN" smtClean="0"/>
+            <a:endParaRPr lang="en-US" altLang="zh-CN" dirty="0" smtClean="0"/>
+          </a:p>
+          <a:p>
+            <a:r>
+              <a:rPr lang="en-US" altLang="zh-CN" dirty="0" smtClean="0"/>
               <a:t>a:link</a:t>
             </a:r>
             <a:r>
-              <a:rPr lang="zh-CN" altLang="en-US" smtClean="0"/>
+              <a:rPr lang="zh-CN" altLang="en-US" dirty="0" smtClean="0"/>
               <a:t>：链接</a:t>
             </a:r>
             <a:r>
-              <a:rPr lang="zh-CN" altLang="en-US"/>
+              <a:rPr lang="zh-CN" altLang="en-US" dirty="0"/>
               <a:t>在没有被点击时的</a:t>
             </a:r>
             <a:r>
-              <a:rPr lang="zh-CN" altLang="en-US" smtClean="0"/>
+              <a:rPr lang="zh-CN" altLang="en-US" dirty="0" smtClean="0"/>
               <a:t>样式。</a:t>
             </a:r>
-            <a:endParaRPr lang="en-US" altLang="zh-CN" smtClean="0"/>
-          </a:p>
-          <a:p>
-            <a:r>
-              <a:rPr lang="en-US" altLang="zh-CN" smtClean="0"/>
+            <a:endParaRPr lang="en-US" altLang="zh-CN" dirty="0" smtClean="0"/>
+          </a:p>
+          <a:p>
+            <a:r>
+              <a:rPr lang="en-US" altLang="zh-CN" dirty="0" smtClean="0"/>
               <a:t>a:visited</a:t>
             </a:r>
             <a:r>
-              <a:rPr lang="zh-CN" altLang="en-US" smtClean="0"/>
+              <a:rPr lang="zh-CN" altLang="en-US" dirty="0" smtClean="0"/>
               <a:t>：</a:t>
             </a:r>
             <a:r>
-              <a:rPr lang="zh-CN" altLang="en-US"/>
+              <a:rPr lang="zh-CN" altLang="en-US" dirty="0"/>
               <a:t>链接已经被访问时的</a:t>
             </a:r>
             <a:r>
-              <a:rPr lang="zh-CN" altLang="en-US" smtClean="0"/>
+              <a:rPr lang="zh-CN" altLang="en-US" dirty="0" smtClean="0"/>
               <a:t>样式。</a:t>
             </a:r>
-            <a:endParaRPr lang="en-US" altLang="zh-CN" smtClean="0"/>
-          </a:p>
-          <a:p>
-            <a:r>
-              <a:rPr lang="en-US" altLang="zh-CN" smtClean="0"/>
+            <a:endParaRPr lang="en-US" altLang="zh-CN" dirty="0" smtClean="0"/>
+          </a:p>
+          <a:p>
+            <a:r>
+              <a:rPr lang="en-US" altLang="zh-CN" dirty="0" smtClean="0"/>
               <a:t>a:hover</a:t>
             </a:r>
             <a:r>
-              <a:rPr lang="zh-CN" altLang="en-US" smtClean="0"/>
+              <a:rPr lang="zh-CN" altLang="en-US" dirty="0" smtClean="0"/>
               <a:t>：</a:t>
             </a:r>
             <a:r>
-              <a:rPr lang="zh-CN" altLang="en-US"/>
+              <a:rPr lang="zh-CN" altLang="en-US" dirty="0"/>
               <a:t>鼠标悬停在链接上面时的</a:t>
             </a:r>
             <a:r>
-              <a:rPr lang="zh-CN" altLang="en-US" smtClean="0"/>
+              <a:rPr lang="zh-CN" altLang="en-US" dirty="0" smtClean="0"/>
               <a:t>样式。</a:t>
             </a:r>
-            <a:endParaRPr lang="en-US" altLang="zh-CN" smtClean="0"/>
-          </a:p>
-          <a:p>
-            <a:r>
-              <a:rPr lang="en-US" altLang="zh-CN" smtClean="0"/>
+            <a:endParaRPr lang="en-US" altLang="zh-CN" dirty="0" smtClean="0"/>
+          </a:p>
+          <a:p>
+            <a:r>
+              <a:rPr lang="en-US" altLang="zh-CN" dirty="0" err="1" smtClean="0"/>
               <a:t>input:focus</a:t>
             </a:r>
             <a:r>
-              <a:rPr lang="zh-CN" altLang="en-US" smtClean="0"/>
+              <a:rPr lang="zh-CN" altLang="en-US" dirty="0" smtClean="0"/>
               <a:t>：输入框获取焦点时的样式。</a:t>
             </a:r>
-            <a:endParaRPr lang="zh-CN" altLang="en-US"/>
+            <a:endParaRPr lang="zh-CN" altLang="en-US" dirty="0"/>
           </a:p>
         </p:txBody>
       </p:sp>
@@ -7277,29 +7432,29 @@
           <a:lstStyle/>
           <a:p>
             <a:r>
-              <a:rPr lang="en-US" altLang="zh-CN" smtClean="0"/>
+              <a:rPr lang="en-US" altLang="zh-CN" dirty="0" smtClean="0"/>
               <a:t>* {</a:t>
             </a:r>
           </a:p>
           <a:p>
             <a:r>
-              <a:rPr lang="en-US" altLang="zh-CN" smtClean="0"/>
+              <a:rPr lang="en-US" altLang="zh-CN" dirty="0" smtClean="0"/>
               <a:t>  color: red;</a:t>
             </a:r>
-            <a:endParaRPr lang="en-US" altLang="zh-CN"/>
-          </a:p>
-          <a:p>
-            <a:r>
-              <a:rPr lang="en-US" altLang="zh-CN" smtClean="0"/>
+            <a:endParaRPr lang="en-US" altLang="zh-CN" dirty="0"/>
+          </a:p>
+          <a:p>
+            <a:r>
+              <a:rPr lang="en-US" altLang="zh-CN" dirty="0" smtClean="0"/>
               <a:t>}</a:t>
             </a:r>
           </a:p>
           <a:p>
             <a:r>
-              <a:rPr lang="zh-CN" altLang="en-US" smtClean="0"/>
+              <a:rPr lang="zh-CN" altLang="en-US" dirty="0" smtClean="0"/>
               <a:t>表示对文档内所有标签生效。</a:t>
             </a:r>
-            <a:endParaRPr lang="zh-CN" altLang="en-US"/>
+            <a:endParaRPr lang="zh-CN" altLang="en-US" dirty="0"/>
           </a:p>
         </p:txBody>
       </p:sp>
@@ -7383,102 +7538,118 @@
           <a:lstStyle/>
           <a:p>
             <a:r>
-              <a:rPr lang="en-US" altLang="zh-CN" smtClean="0"/>
+              <a:rPr lang="en-US" altLang="zh-CN" dirty="0" err="1" smtClean="0"/>
               <a:t>css</a:t>
             </a:r>
             <a:r>
-              <a:rPr lang="zh-CN" altLang="en-US" smtClean="0"/>
+              <a:rPr lang="zh-CN" altLang="en-US" dirty="0" smtClean="0"/>
               <a:t>代码：</a:t>
             </a:r>
-            <a:endParaRPr lang="en-US" altLang="zh-CN" smtClean="0"/>
-          </a:p>
-          <a:p>
-            <a:r>
-              <a:rPr lang="en-US" altLang="zh-CN" smtClean="0"/>
-              <a:t>div, span {</a:t>
-            </a:r>
-          </a:p>
-          <a:p>
-            <a:r>
-              <a:rPr lang="en-US" altLang="zh-CN" smtClean="0"/>
-              <a:t>  color: red;</a:t>
-            </a:r>
-            <a:endParaRPr lang="en-US" altLang="zh-CN"/>
-          </a:p>
-          <a:p>
-            <a:r>
-              <a:rPr lang="en-US" altLang="zh-CN" smtClean="0"/>
+            <a:endParaRPr lang="en-US" altLang="zh-CN" dirty="0" smtClean="0"/>
+          </a:p>
+          <a:p>
+            <a:r>
+              <a:rPr lang="en-US" altLang="zh-CN" dirty="0" smtClean="0"/>
+              <a:t>div</a:t>
+            </a:r>
+            <a:r>
+              <a:rPr lang="en-US" altLang="zh-CN" dirty="0" smtClean="0"/>
+              <a:t>, span </a:t>
+            </a:r>
+            <a:r>
+              <a:rPr lang="en-US" altLang="zh-CN" dirty="0" smtClean="0"/>
+              <a:t>{</a:t>
+            </a:r>
+          </a:p>
+          <a:p>
+            <a:r>
+              <a:rPr lang="en-US" altLang="zh-CN" dirty="0" smtClean="0"/>
+              <a:t>  </a:t>
+            </a:r>
+            <a:r>
+              <a:rPr lang="en-US" altLang="zh-CN" dirty="0" smtClean="0"/>
+              <a:t>color</a:t>
+            </a:r>
+            <a:r>
+              <a:rPr lang="en-US" altLang="zh-CN" dirty="0" smtClean="0"/>
+              <a:t>: red;</a:t>
+            </a:r>
+            <a:endParaRPr lang="en-US" altLang="zh-CN" dirty="0"/>
+          </a:p>
+          <a:p>
+            <a:r>
+              <a:rPr lang="en-US" altLang="zh-CN" dirty="0" smtClean="0"/>
               <a:t>}</a:t>
             </a:r>
           </a:p>
           <a:p>
             <a:r>
-              <a:rPr lang="en-US" altLang="zh-CN" smtClean="0"/>
+              <a:rPr lang="en-US" altLang="zh-CN" dirty="0" smtClean="0"/>
               <a:t>html</a:t>
             </a:r>
             <a:r>
-              <a:rPr lang="zh-CN" altLang="en-US" smtClean="0"/>
+              <a:rPr lang="zh-CN" altLang="en-US" dirty="0" smtClean="0"/>
               <a:t>代码：</a:t>
             </a:r>
-            <a:endParaRPr lang="en-US" altLang="zh-CN" smtClean="0"/>
-          </a:p>
-          <a:p>
-            <a:r>
-              <a:rPr lang="en-US" altLang="zh-CN"/>
+            <a:endParaRPr lang="en-US" altLang="zh-CN" dirty="0" smtClean="0"/>
+          </a:p>
+          <a:p>
+            <a:r>
+              <a:rPr lang="en-US" altLang="zh-CN" dirty="0"/>
               <a:t>&lt;span&gt;span-1-4&lt;/span&gt;</a:t>
             </a:r>
           </a:p>
           <a:p>
             <a:r>
-              <a:rPr lang="en-US" altLang="zh-CN" smtClean="0"/>
+              <a:rPr lang="en-US" altLang="zh-CN" dirty="0" smtClean="0"/>
               <a:t>&lt;</a:t>
             </a:r>
             <a:r>
-              <a:rPr lang="en-US" altLang="zh-CN"/>
+              <a:rPr lang="en-US" altLang="zh-CN" dirty="0"/>
               <a:t>div&gt;div-1-5&lt;/div</a:t>
             </a:r>
             <a:r>
-              <a:rPr lang="en-US" altLang="zh-CN" smtClean="0"/>
+              <a:rPr lang="en-US" altLang="zh-CN" dirty="0" smtClean="0"/>
               <a:t>&gt;</a:t>
             </a:r>
           </a:p>
           <a:p>
             <a:r>
-              <a:rPr lang="zh-CN" altLang="en-US" smtClean="0"/>
+              <a:rPr lang="zh-CN" altLang="en-US" dirty="0" smtClean="0"/>
               <a:t>对文档内所有</a:t>
             </a:r>
             <a:r>
-              <a:rPr lang="en-US" altLang="zh-CN" smtClean="0"/>
+              <a:rPr lang="en-US" altLang="zh-CN" dirty="0" smtClean="0"/>
               <a:t>div</a:t>
             </a:r>
             <a:r>
-              <a:rPr lang="zh-CN" altLang="en-US" smtClean="0"/>
+              <a:rPr lang="zh-CN" altLang="en-US" dirty="0" smtClean="0"/>
               <a:t>和</a:t>
             </a:r>
             <a:r>
-              <a:rPr lang="en-US" altLang="zh-CN" smtClean="0"/>
+              <a:rPr lang="en-US" altLang="zh-CN" dirty="0" smtClean="0"/>
               <a:t>span</a:t>
             </a:r>
             <a:r>
-              <a:rPr lang="zh-CN" altLang="en-US" smtClean="0"/>
+              <a:rPr lang="zh-CN" altLang="en-US" dirty="0" smtClean="0"/>
               <a:t>标签同时生效。</a:t>
             </a:r>
-            <a:endParaRPr lang="en-US" altLang="zh-CN" smtClean="0"/>
-          </a:p>
-          <a:p>
-            <a:r>
-              <a:rPr lang="zh-CN" altLang="en-US" smtClean="0"/>
+            <a:endParaRPr lang="en-US" altLang="zh-CN" dirty="0" smtClean="0"/>
+          </a:p>
+          <a:p>
+            <a:r>
+              <a:rPr lang="zh-CN" altLang="en-US" dirty="0" smtClean="0"/>
               <a:t>用法：选择器之间使用</a:t>
             </a:r>
             <a:r>
-              <a:rPr lang="en-US" altLang="zh-CN" smtClean="0"/>
+              <a:rPr lang="en-US" altLang="zh-CN" dirty="0" smtClean="0"/>
               <a:t>”,”</a:t>
             </a:r>
             <a:r>
-              <a:rPr lang="zh-CN" altLang="en-US" smtClean="0"/>
+              <a:rPr lang="zh-CN" altLang="en-US" dirty="0" smtClean="0"/>
               <a:t>分隔，后面加一个空格。</a:t>
             </a:r>
-            <a:endParaRPr lang="zh-CN" altLang="en-US"/>
+            <a:endParaRPr lang="zh-CN" altLang="en-US" dirty="0"/>
           </a:p>
         </p:txBody>
       </p:sp>
